--- a/week_1/Week 1 Day 1.pptx
+++ b/week_1/Week 1 Day 1.pptx
@@ -5,10 +5,10 @@
     <p:sldMasterId id="2147483809" r:id="rId1"/>
   </p:sldMasterIdLst>
   <p:notesMasterIdLst>
-    <p:notesMasterId r:id="rId33"/>
+    <p:notesMasterId r:id="rId37"/>
   </p:notesMasterIdLst>
   <p:handoutMasterIdLst>
-    <p:handoutMasterId r:id="rId34"/>
+    <p:handoutMasterId r:id="rId38"/>
   </p:handoutMasterIdLst>
   <p:sldIdLst>
     <p:sldId id="522" r:id="rId2"/>
@@ -27,21 +27,25 @@
     <p:sldId id="546" r:id="rId15"/>
     <p:sldId id="547" r:id="rId16"/>
     <p:sldId id="548" r:id="rId17"/>
-    <p:sldId id="534" r:id="rId18"/>
-    <p:sldId id="535" r:id="rId19"/>
-    <p:sldId id="536" r:id="rId20"/>
-    <p:sldId id="395" r:id="rId21"/>
-    <p:sldId id="530" r:id="rId22"/>
-    <p:sldId id="523" r:id="rId23"/>
-    <p:sldId id="531" r:id="rId24"/>
-    <p:sldId id="524" r:id="rId25"/>
-    <p:sldId id="525" r:id="rId26"/>
-    <p:sldId id="526" r:id="rId27"/>
-    <p:sldId id="527" r:id="rId28"/>
-    <p:sldId id="528" r:id="rId29"/>
-    <p:sldId id="529" r:id="rId30"/>
-    <p:sldId id="532" r:id="rId31"/>
-    <p:sldId id="533" r:id="rId32"/>
+    <p:sldId id="549" r:id="rId18"/>
+    <p:sldId id="550" r:id="rId19"/>
+    <p:sldId id="551" r:id="rId20"/>
+    <p:sldId id="552" r:id="rId21"/>
+    <p:sldId id="534" r:id="rId22"/>
+    <p:sldId id="535" r:id="rId23"/>
+    <p:sldId id="536" r:id="rId24"/>
+    <p:sldId id="395" r:id="rId25"/>
+    <p:sldId id="530" r:id="rId26"/>
+    <p:sldId id="523" r:id="rId27"/>
+    <p:sldId id="531" r:id="rId28"/>
+    <p:sldId id="524" r:id="rId29"/>
+    <p:sldId id="525" r:id="rId30"/>
+    <p:sldId id="526" r:id="rId31"/>
+    <p:sldId id="527" r:id="rId32"/>
+    <p:sldId id="528" r:id="rId33"/>
+    <p:sldId id="529" r:id="rId34"/>
+    <p:sldId id="532" r:id="rId35"/>
+    <p:sldId id="533" r:id="rId36"/>
   </p:sldIdLst>
   <p:sldSz cx="9144000" cy="6858000" type="screen4x3"/>
   <p:notesSz cx="6858000" cy="9144000"/>
@@ -995,11 +999,7 @@
           <a:p>
             <a:r>
               <a:rPr lang="en-GB" dirty="0" smtClean="0"/>
-              <a:t>The course</a:t>
-            </a:r>
-            <a:r>
-              <a:rPr lang="en-GB" baseline="0" dirty="0" smtClean="0"/>
-              <a:t> itself ultimately is not about programming per se, that is indeed a tool that we’ll use. It’s all about problem solving that is really interesting and that is what CS is generally. Whether you are interested in software development, cyber security, networking, graphics design, AI, ML, hardware, theory etc. What is really interesting about CS is that its not an end to itself, its what empowers you to go do more interesting and powerful things in any field.  </a:t>
+              <a:t>Algorithms – Step by step instructions for solving some problems</a:t>
             </a:r>
             <a:endParaRPr lang="en-GB" dirty="0"/>
           </a:p>
@@ -1038,6 +1038,382 @@
     <p:extLst>
       <p:ext uri="{BB962C8B-B14F-4D97-AF65-F5344CB8AC3E}">
         <p14:creationId xmlns:p14="http://schemas.microsoft.com/office/powerpoint/2010/main" val="2280026807"/>
+      </p:ext>
+    </p:extLst>
+  </p:cSld>
+  <p:clrMapOvr>
+    <a:masterClrMapping/>
+  </p:clrMapOvr>
+</p:notes>
+</file>
+
+<file path=ppt/notesSlides/notesSlide12.xml><?xml version="1.0" encoding="utf-8"?>
+<p:notes xmlns:a="http://schemas.openxmlformats.org/drawingml/2006/main" xmlns:r="http://schemas.openxmlformats.org/officeDocument/2006/relationships" xmlns:p="http://schemas.openxmlformats.org/presentationml/2006/main">
+  <p:cSld>
+    <p:spTree>
+      <p:nvGrpSpPr>
+        <p:cNvPr id="1" name=""/>
+        <p:cNvGrpSpPr/>
+        <p:nvPr/>
+      </p:nvGrpSpPr>
+      <p:grpSpPr>
+        <a:xfrm>
+          <a:off x="0" y="0"/>
+          <a:ext cx="0" cy="0"/>
+          <a:chOff x="0" y="0"/>
+          <a:chExt cx="0" cy="0"/>
+        </a:xfrm>
+      </p:grpSpPr>
+      <p:sp>
+        <p:nvSpPr>
+          <p:cNvPr id="2" name="Slide Image Placeholder 1"/>
+          <p:cNvSpPr>
+            <a:spLocks noGrp="1" noRot="1" noChangeAspect="1"/>
+          </p:cNvSpPr>
+          <p:nvPr>
+            <p:ph type="sldImg"/>
+          </p:nvPr>
+        </p:nvSpPr>
+        <p:spPr/>
+      </p:sp>
+      <p:sp>
+        <p:nvSpPr>
+          <p:cNvPr id="3" name="Notes Placeholder 2"/>
+          <p:cNvSpPr>
+            <a:spLocks noGrp="1"/>
+          </p:cNvSpPr>
+          <p:nvPr>
+            <p:ph type="body" idx="1"/>
+          </p:nvPr>
+        </p:nvSpPr>
+        <p:spPr/>
+        <p:txBody>
+          <a:bodyPr/>
+          <a:lstStyle/>
+          <a:p>
+            <a:r>
+              <a:rPr lang="en-GB" dirty="0" smtClean="0"/>
+              <a:t>Algorithms – Step by step instructions for solving some problems</a:t>
+            </a:r>
+            <a:endParaRPr lang="en-GB" dirty="0"/>
+          </a:p>
+        </p:txBody>
+      </p:sp>
+      <p:sp>
+        <p:nvSpPr>
+          <p:cNvPr id="4" name="Slide Number Placeholder 3"/>
+          <p:cNvSpPr>
+            <a:spLocks noGrp="1"/>
+          </p:cNvSpPr>
+          <p:nvPr>
+            <p:ph type="sldNum" sz="quarter" idx="10"/>
+          </p:nvPr>
+        </p:nvSpPr>
+        <p:spPr/>
+        <p:txBody>
+          <a:bodyPr/>
+          <a:lstStyle/>
+          <a:p>
+            <a:pPr>
+              <a:defRPr/>
+            </a:pPr>
+            <a:fld id="{34E9AEE9-BA45-4DD2-9F17-FE02D3E4DC2C}" type="slidenum">
+              <a:rPr lang="en-GB" smtClean="0"/>
+              <a:pPr>
+                <a:defRPr/>
+              </a:pPr>
+              <a:t>17</a:t>
+            </a:fld>
+            <a:endParaRPr lang="en-GB"/>
+          </a:p>
+        </p:txBody>
+      </p:sp>
+    </p:spTree>
+    <p:extLst>
+      <p:ext uri="{BB962C8B-B14F-4D97-AF65-F5344CB8AC3E}">
+        <p14:creationId xmlns:p14="http://schemas.microsoft.com/office/powerpoint/2010/main" val="1742874292"/>
+      </p:ext>
+    </p:extLst>
+  </p:cSld>
+  <p:clrMapOvr>
+    <a:masterClrMapping/>
+  </p:clrMapOvr>
+</p:notes>
+</file>
+
+<file path=ppt/notesSlides/notesSlide13.xml><?xml version="1.0" encoding="utf-8"?>
+<p:notes xmlns:a="http://schemas.openxmlformats.org/drawingml/2006/main" xmlns:r="http://schemas.openxmlformats.org/officeDocument/2006/relationships" xmlns:p="http://schemas.openxmlformats.org/presentationml/2006/main">
+  <p:cSld>
+    <p:spTree>
+      <p:nvGrpSpPr>
+        <p:cNvPr id="1" name=""/>
+        <p:cNvGrpSpPr/>
+        <p:nvPr/>
+      </p:nvGrpSpPr>
+      <p:grpSpPr>
+        <a:xfrm>
+          <a:off x="0" y="0"/>
+          <a:ext cx="0" cy="0"/>
+          <a:chOff x="0" y="0"/>
+          <a:chExt cx="0" cy="0"/>
+        </a:xfrm>
+      </p:grpSpPr>
+      <p:sp>
+        <p:nvSpPr>
+          <p:cNvPr id="2" name="Slide Image Placeholder 1"/>
+          <p:cNvSpPr>
+            <a:spLocks noGrp="1" noRot="1" noChangeAspect="1"/>
+          </p:cNvSpPr>
+          <p:nvPr>
+            <p:ph type="sldImg"/>
+          </p:nvPr>
+        </p:nvSpPr>
+        <p:spPr/>
+      </p:sp>
+      <p:sp>
+        <p:nvSpPr>
+          <p:cNvPr id="3" name="Notes Placeholder 2"/>
+          <p:cNvSpPr>
+            <a:spLocks noGrp="1"/>
+          </p:cNvSpPr>
+          <p:nvPr>
+            <p:ph type="body" idx="1"/>
+          </p:nvPr>
+        </p:nvSpPr>
+        <p:spPr/>
+        <p:txBody>
+          <a:bodyPr/>
+          <a:lstStyle/>
+          <a:p>
+            <a:r>
+              <a:rPr lang="en-GB" dirty="0" smtClean="0"/>
+              <a:t>Algorithms – Step by step instructions for solving some problems</a:t>
+            </a:r>
+            <a:endParaRPr lang="en-GB" dirty="0"/>
+          </a:p>
+        </p:txBody>
+      </p:sp>
+      <p:sp>
+        <p:nvSpPr>
+          <p:cNvPr id="4" name="Slide Number Placeholder 3"/>
+          <p:cNvSpPr>
+            <a:spLocks noGrp="1"/>
+          </p:cNvSpPr>
+          <p:nvPr>
+            <p:ph type="sldNum" sz="quarter" idx="10"/>
+          </p:nvPr>
+        </p:nvSpPr>
+        <p:spPr/>
+        <p:txBody>
+          <a:bodyPr/>
+          <a:lstStyle/>
+          <a:p>
+            <a:pPr>
+              <a:defRPr/>
+            </a:pPr>
+            <a:fld id="{34E9AEE9-BA45-4DD2-9F17-FE02D3E4DC2C}" type="slidenum">
+              <a:rPr lang="en-GB" smtClean="0"/>
+              <a:pPr>
+                <a:defRPr/>
+              </a:pPr>
+              <a:t>18</a:t>
+            </a:fld>
+            <a:endParaRPr lang="en-GB"/>
+          </a:p>
+        </p:txBody>
+      </p:sp>
+    </p:spTree>
+    <p:extLst>
+      <p:ext uri="{BB962C8B-B14F-4D97-AF65-F5344CB8AC3E}">
+        <p14:creationId xmlns:p14="http://schemas.microsoft.com/office/powerpoint/2010/main" val="941387443"/>
+      </p:ext>
+    </p:extLst>
+  </p:cSld>
+  <p:clrMapOvr>
+    <a:masterClrMapping/>
+  </p:clrMapOvr>
+</p:notes>
+</file>
+
+<file path=ppt/notesSlides/notesSlide14.xml><?xml version="1.0" encoding="utf-8"?>
+<p:notes xmlns:a="http://schemas.openxmlformats.org/drawingml/2006/main" xmlns:r="http://schemas.openxmlformats.org/officeDocument/2006/relationships" xmlns:p="http://schemas.openxmlformats.org/presentationml/2006/main">
+  <p:cSld>
+    <p:spTree>
+      <p:nvGrpSpPr>
+        <p:cNvPr id="1" name=""/>
+        <p:cNvGrpSpPr/>
+        <p:nvPr/>
+      </p:nvGrpSpPr>
+      <p:grpSpPr>
+        <a:xfrm>
+          <a:off x="0" y="0"/>
+          <a:ext cx="0" cy="0"/>
+          <a:chOff x="0" y="0"/>
+          <a:chExt cx="0" cy="0"/>
+        </a:xfrm>
+      </p:grpSpPr>
+      <p:sp>
+        <p:nvSpPr>
+          <p:cNvPr id="2" name="Slide Image Placeholder 1"/>
+          <p:cNvSpPr>
+            <a:spLocks noGrp="1" noRot="1" noChangeAspect="1"/>
+          </p:cNvSpPr>
+          <p:nvPr>
+            <p:ph type="sldImg"/>
+          </p:nvPr>
+        </p:nvSpPr>
+        <p:spPr/>
+      </p:sp>
+      <p:sp>
+        <p:nvSpPr>
+          <p:cNvPr id="3" name="Notes Placeholder 2"/>
+          <p:cNvSpPr>
+            <a:spLocks noGrp="1"/>
+          </p:cNvSpPr>
+          <p:nvPr>
+            <p:ph type="body" idx="1"/>
+          </p:nvPr>
+        </p:nvSpPr>
+        <p:spPr/>
+        <p:txBody>
+          <a:bodyPr/>
+          <a:lstStyle/>
+          <a:p>
+            <a:r>
+              <a:rPr lang="en-GB" dirty="0" smtClean="0"/>
+              <a:t>Algorithms – Step by step instructions for solving some problems</a:t>
+            </a:r>
+            <a:endParaRPr lang="en-GB" dirty="0"/>
+          </a:p>
+        </p:txBody>
+      </p:sp>
+      <p:sp>
+        <p:nvSpPr>
+          <p:cNvPr id="4" name="Slide Number Placeholder 3"/>
+          <p:cNvSpPr>
+            <a:spLocks noGrp="1"/>
+          </p:cNvSpPr>
+          <p:nvPr>
+            <p:ph type="sldNum" sz="quarter" idx="10"/>
+          </p:nvPr>
+        </p:nvSpPr>
+        <p:spPr/>
+        <p:txBody>
+          <a:bodyPr/>
+          <a:lstStyle/>
+          <a:p>
+            <a:pPr>
+              <a:defRPr/>
+            </a:pPr>
+            <a:fld id="{34E9AEE9-BA45-4DD2-9F17-FE02D3E4DC2C}" type="slidenum">
+              <a:rPr lang="en-GB" smtClean="0"/>
+              <a:pPr>
+                <a:defRPr/>
+              </a:pPr>
+              <a:t>19</a:t>
+            </a:fld>
+            <a:endParaRPr lang="en-GB"/>
+          </a:p>
+        </p:txBody>
+      </p:sp>
+    </p:spTree>
+    <p:extLst>
+      <p:ext uri="{BB962C8B-B14F-4D97-AF65-F5344CB8AC3E}">
+        <p14:creationId xmlns:p14="http://schemas.microsoft.com/office/powerpoint/2010/main" val="3008167468"/>
+      </p:ext>
+    </p:extLst>
+  </p:cSld>
+  <p:clrMapOvr>
+    <a:masterClrMapping/>
+  </p:clrMapOvr>
+</p:notes>
+</file>
+
+<file path=ppt/notesSlides/notesSlide15.xml><?xml version="1.0" encoding="utf-8"?>
+<p:notes xmlns:a="http://schemas.openxmlformats.org/drawingml/2006/main" xmlns:r="http://schemas.openxmlformats.org/officeDocument/2006/relationships" xmlns:p="http://schemas.openxmlformats.org/presentationml/2006/main">
+  <p:cSld>
+    <p:spTree>
+      <p:nvGrpSpPr>
+        <p:cNvPr id="1" name=""/>
+        <p:cNvGrpSpPr/>
+        <p:nvPr/>
+      </p:nvGrpSpPr>
+      <p:grpSpPr>
+        <a:xfrm>
+          <a:off x="0" y="0"/>
+          <a:ext cx="0" cy="0"/>
+          <a:chOff x="0" y="0"/>
+          <a:chExt cx="0" cy="0"/>
+        </a:xfrm>
+      </p:grpSpPr>
+      <p:sp>
+        <p:nvSpPr>
+          <p:cNvPr id="2" name="Slide Image Placeholder 1"/>
+          <p:cNvSpPr>
+            <a:spLocks noGrp="1" noRot="1" noChangeAspect="1"/>
+          </p:cNvSpPr>
+          <p:nvPr>
+            <p:ph type="sldImg"/>
+          </p:nvPr>
+        </p:nvSpPr>
+        <p:spPr/>
+      </p:sp>
+      <p:sp>
+        <p:nvSpPr>
+          <p:cNvPr id="3" name="Notes Placeholder 2"/>
+          <p:cNvSpPr>
+            <a:spLocks noGrp="1"/>
+          </p:cNvSpPr>
+          <p:nvPr>
+            <p:ph type="body" idx="1"/>
+          </p:nvPr>
+        </p:nvSpPr>
+        <p:spPr/>
+        <p:txBody>
+          <a:bodyPr/>
+          <a:lstStyle/>
+          <a:p>
+            <a:r>
+              <a:rPr lang="en-GB" dirty="0" smtClean="0"/>
+              <a:t>Algorithms – Step by step instructions for solving some problems</a:t>
+            </a:r>
+            <a:endParaRPr lang="en-GB" dirty="0"/>
+          </a:p>
+        </p:txBody>
+      </p:sp>
+      <p:sp>
+        <p:nvSpPr>
+          <p:cNvPr id="4" name="Slide Number Placeholder 3"/>
+          <p:cNvSpPr>
+            <a:spLocks noGrp="1"/>
+          </p:cNvSpPr>
+          <p:nvPr>
+            <p:ph type="sldNum" sz="quarter" idx="10"/>
+          </p:nvPr>
+        </p:nvSpPr>
+        <p:spPr/>
+        <p:txBody>
+          <a:bodyPr/>
+          <a:lstStyle/>
+          <a:p>
+            <a:pPr>
+              <a:defRPr/>
+            </a:pPr>
+            <a:fld id="{34E9AEE9-BA45-4DD2-9F17-FE02D3E4DC2C}" type="slidenum">
+              <a:rPr lang="en-GB" smtClean="0"/>
+              <a:pPr>
+                <a:defRPr/>
+              </a:pPr>
+              <a:t>20</a:t>
+            </a:fld>
+            <a:endParaRPr lang="en-GB"/>
+          </a:p>
+        </p:txBody>
+      </p:sp>
+    </p:spTree>
+    <p:extLst>
+      <p:ext uri="{BB962C8B-B14F-4D97-AF65-F5344CB8AC3E}">
+        <p14:creationId xmlns:p14="http://schemas.microsoft.com/office/powerpoint/2010/main" val="1667967939"/>
       </p:ext>
     </p:extLst>
   </p:cSld>
@@ -6760,7 +7136,7 @@
       </p:grpSpPr>
       <p:sp>
         <p:nvSpPr>
-          <p:cNvPr id="2" name="Title 1"/>
+          <p:cNvPr id="13" name="Title 1"/>
           <p:cNvSpPr>
             <a:spLocks noGrp="1"/>
           </p:cNvSpPr>
@@ -6773,101 +7149,370 @@
           <a:bodyPr/>
           <a:lstStyle/>
           <a:p>
-            <a:r>
-              <a:rPr lang="en-GB" dirty="0">
-                <a:latin typeface="Arial" panose="020B0604020202020204" pitchFamily="34" charset="0"/>
-                <a:cs typeface="Arial" panose="020B0604020202020204" pitchFamily="34" charset="0"/>
+            <a:pPr algn="l"/>
+            <a:r>
+              <a:rPr lang="en-GB" b="1" dirty="0" smtClean="0"/>
+              <a:t>Pseudocode</a:t>
+            </a:r>
+            <a:endParaRPr lang="en-GB" b="1" dirty="0"/>
+          </a:p>
+        </p:txBody>
+      </p:sp>
+      <p:sp>
+        <p:nvSpPr>
+          <p:cNvPr id="3" name="Content Placeholder 2"/>
+          <p:cNvSpPr>
+            <a:spLocks noGrp="1"/>
+          </p:cNvSpPr>
+          <p:nvPr>
+            <p:ph sz="half" idx="1"/>
+          </p:nvPr>
+        </p:nvSpPr>
+        <p:spPr/>
+        <p:txBody>
+          <a:bodyPr>
+            <a:normAutofit fontScale="70000" lnSpcReduction="20000"/>
+          </a:bodyPr>
+          <a:lstStyle/>
+          <a:p>
+            <a:pPr marL="0" indent="0">
+              <a:buNone/>
+            </a:pPr>
+            <a:r>
+              <a:rPr lang="en-GB" dirty="0"/>
+              <a:t> </a:t>
+            </a:r>
+            <a:r>
+              <a:rPr lang="en-GB" dirty="0" smtClean="0"/>
+              <a:t>0 </a:t>
+            </a:r>
+            <a:r>
+              <a:rPr lang="en-GB" dirty="0"/>
+              <a:t>pick up phone book</a:t>
+            </a:r>
+          </a:p>
+          <a:p>
+            <a:pPr marL="0" indent="0">
+              <a:buNone/>
+            </a:pPr>
+            <a:r>
+              <a:rPr lang="en-GB" dirty="0"/>
+              <a:t> 1 open to middle of phone book</a:t>
+            </a:r>
+          </a:p>
+          <a:p>
+            <a:pPr marL="0" indent="0">
+              <a:buNone/>
+            </a:pPr>
+            <a:r>
+              <a:rPr lang="en-GB" dirty="0"/>
+              <a:t> 2 look at names</a:t>
+            </a:r>
+          </a:p>
+          <a:p>
+            <a:pPr marL="0" indent="0">
+              <a:buNone/>
+            </a:pPr>
+            <a:r>
+              <a:rPr lang="en-GB" dirty="0"/>
+              <a:t> 3 if Smith is among names</a:t>
+            </a:r>
+          </a:p>
+          <a:p>
+            <a:pPr marL="0" indent="0">
+              <a:buNone/>
+            </a:pPr>
+            <a:r>
+              <a:rPr lang="en-GB" dirty="0"/>
+              <a:t> 4     call Mike</a:t>
+            </a:r>
+          </a:p>
+          <a:p>
+            <a:pPr marL="0" indent="0">
+              <a:buNone/>
+            </a:pPr>
+            <a:r>
+              <a:rPr lang="en-GB" dirty="0"/>
+              <a:t> 5 else if Smith is earlier in book</a:t>
+            </a:r>
+          </a:p>
+          <a:p>
+            <a:pPr marL="0" indent="0">
+              <a:buNone/>
+            </a:pPr>
+            <a:r>
+              <a:rPr lang="en-GB" dirty="0"/>
+              <a:t> 6     open to middle of left half of book</a:t>
+            </a:r>
+          </a:p>
+          <a:p>
+            <a:pPr marL="0" indent="0">
+              <a:buNone/>
+            </a:pPr>
+            <a:r>
+              <a:rPr lang="en-GB" dirty="0"/>
+              <a:t> 7     go back to step 2</a:t>
+            </a:r>
+          </a:p>
+          <a:p>
+            <a:pPr marL="0" indent="0">
+              <a:buNone/>
+            </a:pPr>
+            <a:r>
+              <a:rPr lang="en-GB" dirty="0"/>
+              <a:t> 8 else if Smith is later in book</a:t>
+            </a:r>
+          </a:p>
+          <a:p>
+            <a:pPr marL="0" indent="0">
+              <a:buNone/>
+            </a:pPr>
+            <a:r>
+              <a:rPr lang="en-GB" dirty="0"/>
+              <a:t> 9     open to middle of right half of book</a:t>
+            </a:r>
+          </a:p>
+          <a:p>
+            <a:pPr marL="0" indent="0">
+              <a:buNone/>
+            </a:pPr>
+            <a:r>
+              <a:rPr lang="en-GB" dirty="0"/>
+              <a:t>10     go back to step 2</a:t>
+            </a:r>
+          </a:p>
+          <a:p>
+            <a:pPr marL="0" indent="0">
+              <a:buNone/>
+            </a:pPr>
+            <a:r>
+              <a:rPr lang="en-GB" dirty="0"/>
+              <a:t>11 else</a:t>
+            </a:r>
+          </a:p>
+          <a:p>
+            <a:pPr marL="0" indent="0">
+              <a:buNone/>
+            </a:pPr>
+            <a:r>
+              <a:rPr lang="en-GB" dirty="0"/>
+              <a:t>12     quit</a:t>
+            </a:r>
+          </a:p>
+        </p:txBody>
+      </p:sp>
+      <p:sp>
+        <p:nvSpPr>
+          <p:cNvPr id="8" name="Content Placeholder 7"/>
+          <p:cNvSpPr>
+            <a:spLocks noGrp="1"/>
+          </p:cNvSpPr>
+          <p:nvPr>
+            <p:ph sz="half" idx="2"/>
+          </p:nvPr>
+        </p:nvSpPr>
+        <p:spPr/>
+        <p:txBody>
+          <a:bodyPr>
+            <a:normAutofit fontScale="70000" lnSpcReduction="20000"/>
+          </a:bodyPr>
+          <a:lstStyle/>
+          <a:p>
+            <a:pPr marL="0" indent="0">
+              <a:buNone/>
+            </a:pPr>
+            <a:r>
+              <a:rPr lang="en-GB" dirty="0"/>
+              <a:t> 0 </a:t>
+            </a:r>
+            <a:r>
+              <a:rPr lang="en-GB" b="1" dirty="0">
+                <a:solidFill>
+                  <a:srgbClr val="FCC235"/>
+                </a:solidFill>
               </a:rPr>
-              <a:t>Pseudo Code Explained</a:t>
-            </a:r>
-          </a:p>
-        </p:txBody>
-      </p:sp>
-      <p:sp>
-        <p:nvSpPr>
-          <p:cNvPr id="3" name="Content Placeholder 2"/>
-          <p:cNvSpPr>
-            <a:spLocks noGrp="1"/>
-          </p:cNvSpPr>
-          <p:nvPr>
-            <p:ph idx="1"/>
-          </p:nvPr>
-        </p:nvSpPr>
-        <p:spPr/>
-        <p:txBody>
-          <a:bodyPr>
-            <a:normAutofit fontScale="92500" lnSpcReduction="20000"/>
-          </a:bodyPr>
-          <a:lstStyle/>
-          <a:p>
-            <a:r>
-              <a:rPr lang="en-GB" b="1" dirty="0"/>
-              <a:t>Pseudo Code</a:t>
-            </a:r>
-          </a:p>
-          <a:p>
-            <a:pPr lvl="1"/>
-            <a:r>
-              <a:rPr lang="en-GB" dirty="0"/>
-              <a:t>Describes a programming algorithm using a sequence of programing language independent statements. </a:t>
-            </a:r>
-          </a:p>
-          <a:p>
-            <a:r>
-              <a:rPr lang="en-GB" b="1" dirty="0"/>
-              <a:t>Example (Windows Login)</a:t>
-            </a:r>
-          </a:p>
-          <a:p>
-            <a:pPr marL="914400" lvl="1" indent="-514350">
-              <a:buFont typeface="+mj-lt"/>
-              <a:buAutoNum type="arabicPeriod"/>
-            </a:pPr>
-            <a:r>
-              <a:rPr lang="en-GB" dirty="0">
-                <a:latin typeface="Courier New" panose="02070309020205020404" pitchFamily="49" charset="0"/>
-                <a:cs typeface="Courier New" panose="02070309020205020404" pitchFamily="49" charset="0"/>
+              <a:t>pick up </a:t>
+            </a:r>
+            <a:r>
+              <a:rPr lang="en-GB" dirty="0"/>
+              <a:t>phone book</a:t>
+            </a:r>
+          </a:p>
+          <a:p>
+            <a:pPr marL="0" indent="0">
+              <a:buNone/>
+            </a:pPr>
+            <a:r>
+              <a:rPr lang="en-GB" dirty="0"/>
+              <a:t> 1 </a:t>
+            </a:r>
+            <a:r>
+              <a:rPr lang="en-GB" b="1" dirty="0">
+                <a:solidFill>
+                  <a:srgbClr val="FCC235"/>
+                </a:solidFill>
               </a:rPr>
-              <a:t>Prompt user to enter login credentials (Username &amp; Password)</a:t>
-            </a:r>
-          </a:p>
-          <a:p>
-            <a:pPr marL="914400" lvl="1" indent="-514350">
-              <a:buFont typeface="+mj-lt"/>
-              <a:buAutoNum type="arabicPeriod"/>
-            </a:pPr>
-            <a:r>
-              <a:rPr lang="en-GB" dirty="0">
-                <a:latin typeface="Courier New" panose="02070309020205020404" pitchFamily="49" charset="0"/>
-                <a:cs typeface="Courier New" panose="02070309020205020404" pitchFamily="49" charset="0"/>
+              <a:t>open to </a:t>
+            </a:r>
+            <a:r>
+              <a:rPr lang="en-GB" dirty="0"/>
+              <a:t>middle of phone book</a:t>
+            </a:r>
+          </a:p>
+          <a:p>
+            <a:pPr marL="0" indent="0">
+              <a:buNone/>
+            </a:pPr>
+            <a:r>
+              <a:rPr lang="en-GB" dirty="0"/>
+              <a:t> 2 </a:t>
+            </a:r>
+            <a:r>
+              <a:rPr lang="en-GB" b="1" dirty="0">
+                <a:solidFill>
+                  <a:srgbClr val="FCC235"/>
+                </a:solidFill>
               </a:rPr>
-              <a:t>Verify user’s credentials.</a:t>
-            </a:r>
-          </a:p>
-          <a:p>
-            <a:pPr marL="914400" lvl="1" indent="-514350">
-              <a:buFont typeface="+mj-lt"/>
-              <a:buAutoNum type="arabicPeriod"/>
-            </a:pPr>
-            <a:r>
-              <a:rPr lang="en-GB" dirty="0">
-                <a:latin typeface="Courier New" panose="02070309020205020404" pitchFamily="49" charset="0"/>
-                <a:cs typeface="Courier New" panose="02070309020205020404" pitchFamily="49" charset="0"/>
+              <a:t>look at </a:t>
+            </a:r>
+            <a:r>
+              <a:rPr lang="en-GB" dirty="0"/>
+              <a:t>names</a:t>
+            </a:r>
+          </a:p>
+          <a:p>
+            <a:pPr marL="0" indent="0">
+              <a:buNone/>
+            </a:pPr>
+            <a:r>
+              <a:rPr lang="en-GB" dirty="0"/>
+              <a:t> 3 if Smith is among names</a:t>
+            </a:r>
+          </a:p>
+          <a:p>
+            <a:pPr marL="0" indent="0">
+              <a:buNone/>
+            </a:pPr>
+            <a:r>
+              <a:rPr lang="en-GB" dirty="0"/>
+              <a:t> 4     </a:t>
+            </a:r>
+            <a:r>
+              <a:rPr lang="en-GB" b="1" dirty="0">
+                <a:solidFill>
+                  <a:srgbClr val="FCC235"/>
+                </a:solidFill>
               </a:rPr>
-              <a:t>If user’s credentials are valid display the Windows Desktop else display “Invalid login credentials” message. </a:t>
-            </a:r>
-          </a:p>
-          <a:p>
-            <a:pPr marL="914400" lvl="2" indent="0">
-              <a:buNone/>
-            </a:pPr>
-            <a:r>
-              <a:rPr lang="en-GB" dirty="0"/>
-              <a:t> </a:t>
-            </a:r>
-          </a:p>
-          <a:p>
-            <a:endParaRPr lang="en-GB" dirty="0"/>
+              <a:t>call</a:t>
+            </a:r>
+            <a:r>
+              <a:rPr lang="en-GB" dirty="0"/>
+              <a:t> Mike</a:t>
+            </a:r>
+          </a:p>
+          <a:p>
+            <a:pPr marL="0" indent="0">
+              <a:buNone/>
+            </a:pPr>
+            <a:r>
+              <a:rPr lang="en-GB" dirty="0"/>
+              <a:t> 5 else if Smith is earlier in book</a:t>
+            </a:r>
+          </a:p>
+          <a:p>
+            <a:pPr marL="0" indent="0">
+              <a:buNone/>
+            </a:pPr>
+            <a:r>
+              <a:rPr lang="en-GB" dirty="0"/>
+              <a:t> 6     </a:t>
+            </a:r>
+            <a:r>
+              <a:rPr lang="en-GB" b="1" dirty="0">
+                <a:solidFill>
+                  <a:srgbClr val="FCC235"/>
+                </a:solidFill>
+              </a:rPr>
+              <a:t>open</a:t>
+            </a:r>
+            <a:r>
+              <a:rPr lang="en-GB" dirty="0"/>
+              <a:t> to middle of left half of book</a:t>
+            </a:r>
+          </a:p>
+          <a:p>
+            <a:pPr marL="0" indent="0">
+              <a:buNone/>
+            </a:pPr>
+            <a:r>
+              <a:rPr lang="en-GB" dirty="0"/>
+              <a:t> 7     go back to step 2</a:t>
+            </a:r>
+          </a:p>
+          <a:p>
+            <a:pPr marL="0" indent="0">
+              <a:buNone/>
+            </a:pPr>
+            <a:r>
+              <a:rPr lang="en-GB" dirty="0"/>
+              <a:t> 8 else if Smith is later in book</a:t>
+            </a:r>
+          </a:p>
+          <a:p>
+            <a:pPr marL="0" indent="0">
+              <a:buNone/>
+            </a:pPr>
+            <a:r>
+              <a:rPr lang="en-GB" dirty="0"/>
+              <a:t> 9     </a:t>
+            </a:r>
+            <a:r>
+              <a:rPr lang="en-GB" b="1" dirty="0">
+                <a:solidFill>
+                  <a:srgbClr val="FCC235"/>
+                </a:solidFill>
+              </a:rPr>
+              <a:t>open</a:t>
+            </a:r>
+            <a:r>
+              <a:rPr lang="en-GB" dirty="0"/>
+              <a:t> to middle of right half of book</a:t>
+            </a:r>
+          </a:p>
+          <a:p>
+            <a:pPr marL="0" indent="0">
+              <a:buNone/>
+            </a:pPr>
+            <a:r>
+              <a:rPr lang="en-GB" dirty="0"/>
+              <a:t>10     go back to step 2</a:t>
+            </a:r>
+          </a:p>
+          <a:p>
+            <a:pPr marL="0" indent="0">
+              <a:buNone/>
+            </a:pPr>
+            <a:r>
+              <a:rPr lang="en-GB" dirty="0"/>
+              <a:t>11 else</a:t>
+            </a:r>
+          </a:p>
+          <a:p>
+            <a:pPr marL="0" indent="0">
+              <a:buNone/>
+            </a:pPr>
+            <a:r>
+              <a:rPr lang="en-GB" dirty="0"/>
+              <a:t>12     </a:t>
+            </a:r>
+            <a:r>
+              <a:rPr lang="en-GB" b="1" dirty="0">
+                <a:solidFill>
+                  <a:srgbClr val="FCC235"/>
+                </a:solidFill>
+              </a:rPr>
+              <a:t>quit</a:t>
+            </a:r>
           </a:p>
         </p:txBody>
       </p:sp>
@@ -6907,7 +7552,7 @@
     </p:spTree>
     <p:extLst>
       <p:ext uri="{BB962C8B-B14F-4D97-AF65-F5344CB8AC3E}">
-        <p14:creationId xmlns:p14="http://schemas.microsoft.com/office/powerpoint/2010/main" val="4048112918"/>
+        <p14:creationId xmlns:p14="http://schemas.microsoft.com/office/powerpoint/2010/main" val="1088929009"/>
       </p:ext>
     </p:extLst>
   </p:cSld>
@@ -6936,7 +7581,7 @@
       </p:grpSpPr>
       <p:sp>
         <p:nvSpPr>
-          <p:cNvPr id="2" name="Title 1"/>
+          <p:cNvPr id="13" name="Title 1"/>
           <p:cNvSpPr>
             <a:spLocks noGrp="1"/>
           </p:cNvSpPr>
@@ -6949,10 +7594,12 @@
           <a:bodyPr/>
           <a:lstStyle/>
           <a:p>
-            <a:r>
-              <a:rPr lang="en-GB" dirty="0"/>
-              <a:t>Learning Activity 1</a:t>
-            </a:r>
+            <a:pPr algn="l"/>
+            <a:r>
+              <a:rPr lang="en-GB" b="1" dirty="0" smtClean="0"/>
+              <a:t>Pseudocode</a:t>
+            </a:r>
+            <a:endParaRPr lang="en-GB" b="1" dirty="0"/>
           </a:p>
         </p:txBody>
       </p:sp>
@@ -6963,49 +7610,342 @@
             <a:spLocks noGrp="1"/>
           </p:cNvSpPr>
           <p:nvPr>
-            <p:ph idx="1"/>
-          </p:nvPr>
-        </p:nvSpPr>
-        <p:spPr/>
-        <p:txBody>
-          <a:bodyPr/>
-          <a:lstStyle/>
-          <a:p>
-            <a:r>
-              <a:rPr lang="en-GB" b="1" dirty="0"/>
-              <a:t>Learners to:</a:t>
-            </a:r>
-          </a:p>
-          <a:p>
-            <a:pPr lvl="1"/>
-            <a:r>
-              <a:rPr lang="en-GB" dirty="0"/>
-              <a:t>Work in pairs to create pseudo code for making a cup of tea/coffee. (20 mins)</a:t>
-            </a:r>
-          </a:p>
-          <a:p>
-            <a:pPr lvl="1"/>
-            <a:r>
-              <a:rPr lang="en-GB" dirty="0"/>
-              <a:t>Review to determine if there are any other alternative ways they could modify their pseudo code to accomplish the same goal. (20 mins)</a:t>
-            </a:r>
-          </a:p>
-          <a:p>
-            <a:r>
-              <a:rPr lang="en-GB" dirty="0"/>
-              <a:t>Tutor to:</a:t>
-            </a:r>
-          </a:p>
-          <a:p>
-            <a:pPr lvl="1"/>
-            <a:r>
-              <a:rPr lang="en-GB" dirty="0"/>
-              <a:t>Provide one-to-one guidance and support to learners.</a:t>
-            </a:r>
-          </a:p>
-          <a:p>
-            <a:pPr lvl="1"/>
-            <a:endParaRPr lang="en-GB" dirty="0"/>
+            <p:ph sz="half" idx="1"/>
+          </p:nvPr>
+        </p:nvSpPr>
+        <p:spPr/>
+        <p:txBody>
+          <a:bodyPr>
+            <a:normAutofit fontScale="70000" lnSpcReduction="20000"/>
+          </a:bodyPr>
+          <a:lstStyle/>
+          <a:p>
+            <a:pPr marL="0" indent="0">
+              <a:buNone/>
+            </a:pPr>
+            <a:r>
+              <a:rPr lang="en-GB" dirty="0"/>
+              <a:t> </a:t>
+            </a:r>
+            <a:r>
+              <a:rPr lang="en-GB" dirty="0" smtClean="0"/>
+              <a:t>0 </a:t>
+            </a:r>
+            <a:r>
+              <a:rPr lang="en-GB" dirty="0"/>
+              <a:t>pick up phone book</a:t>
+            </a:r>
+          </a:p>
+          <a:p>
+            <a:pPr marL="0" indent="0">
+              <a:buNone/>
+            </a:pPr>
+            <a:r>
+              <a:rPr lang="en-GB" dirty="0"/>
+              <a:t> 1 open to middle of phone book</a:t>
+            </a:r>
+          </a:p>
+          <a:p>
+            <a:pPr marL="0" indent="0">
+              <a:buNone/>
+            </a:pPr>
+            <a:r>
+              <a:rPr lang="en-GB" dirty="0"/>
+              <a:t> 2 look at names</a:t>
+            </a:r>
+          </a:p>
+          <a:p>
+            <a:pPr marL="0" indent="0">
+              <a:buNone/>
+            </a:pPr>
+            <a:r>
+              <a:rPr lang="en-GB" dirty="0"/>
+              <a:t> 3 </a:t>
+            </a:r>
+            <a:r>
+              <a:rPr lang="en-GB" b="1" dirty="0">
+                <a:solidFill>
+                  <a:srgbClr val="FCC235"/>
+                </a:solidFill>
+              </a:rPr>
+              <a:t>if</a:t>
+            </a:r>
+            <a:r>
+              <a:rPr lang="en-GB" dirty="0"/>
+              <a:t> Smith is among names</a:t>
+            </a:r>
+          </a:p>
+          <a:p>
+            <a:pPr marL="0" indent="0">
+              <a:buNone/>
+            </a:pPr>
+            <a:r>
+              <a:rPr lang="en-GB" dirty="0"/>
+              <a:t> 4     call Mike</a:t>
+            </a:r>
+          </a:p>
+          <a:p>
+            <a:pPr marL="0" indent="0">
+              <a:buNone/>
+            </a:pPr>
+            <a:r>
+              <a:rPr lang="en-GB" dirty="0"/>
+              <a:t> 5 </a:t>
+            </a:r>
+            <a:r>
+              <a:rPr lang="en-GB" b="1" dirty="0">
+                <a:solidFill>
+                  <a:srgbClr val="FCC235"/>
+                </a:solidFill>
+              </a:rPr>
+              <a:t>else if </a:t>
+            </a:r>
+            <a:r>
+              <a:rPr lang="en-GB" dirty="0"/>
+              <a:t>Smith is earlier in book</a:t>
+            </a:r>
+          </a:p>
+          <a:p>
+            <a:pPr marL="0" indent="0">
+              <a:buNone/>
+            </a:pPr>
+            <a:r>
+              <a:rPr lang="en-GB" dirty="0"/>
+              <a:t> 6     open to middle of left half of book</a:t>
+            </a:r>
+          </a:p>
+          <a:p>
+            <a:pPr marL="0" indent="0">
+              <a:buNone/>
+            </a:pPr>
+            <a:r>
+              <a:rPr lang="en-GB" dirty="0"/>
+              <a:t> 7     go back to step 2</a:t>
+            </a:r>
+          </a:p>
+          <a:p>
+            <a:pPr marL="0" indent="0">
+              <a:buNone/>
+            </a:pPr>
+            <a:r>
+              <a:rPr lang="en-GB" dirty="0"/>
+              <a:t> 8 </a:t>
+            </a:r>
+            <a:r>
+              <a:rPr lang="en-GB" b="1" dirty="0">
+                <a:solidFill>
+                  <a:srgbClr val="FCC235"/>
+                </a:solidFill>
+              </a:rPr>
+              <a:t>else if </a:t>
+            </a:r>
+            <a:r>
+              <a:rPr lang="en-GB" dirty="0"/>
+              <a:t>Smith is later in book</a:t>
+            </a:r>
+          </a:p>
+          <a:p>
+            <a:pPr marL="0" indent="0">
+              <a:buNone/>
+            </a:pPr>
+            <a:r>
+              <a:rPr lang="en-GB" dirty="0"/>
+              <a:t> 9     open to middle of right half of book</a:t>
+            </a:r>
+          </a:p>
+          <a:p>
+            <a:pPr marL="0" indent="0">
+              <a:buNone/>
+            </a:pPr>
+            <a:r>
+              <a:rPr lang="en-GB" dirty="0"/>
+              <a:t>10     go back to step 2</a:t>
+            </a:r>
+          </a:p>
+          <a:p>
+            <a:pPr marL="0" indent="0">
+              <a:buNone/>
+            </a:pPr>
+            <a:r>
+              <a:rPr lang="en-GB" dirty="0"/>
+              <a:t>11 </a:t>
+            </a:r>
+            <a:r>
+              <a:rPr lang="en-GB" b="1" dirty="0">
+                <a:solidFill>
+                  <a:srgbClr val="FCC235"/>
+                </a:solidFill>
+              </a:rPr>
+              <a:t>else</a:t>
+            </a:r>
+          </a:p>
+          <a:p>
+            <a:pPr marL="0" indent="0">
+              <a:buNone/>
+            </a:pPr>
+            <a:r>
+              <a:rPr lang="en-GB" dirty="0"/>
+              <a:t>12     quit</a:t>
+            </a:r>
+          </a:p>
+        </p:txBody>
+      </p:sp>
+      <p:sp>
+        <p:nvSpPr>
+          <p:cNvPr id="8" name="Content Placeholder 7"/>
+          <p:cNvSpPr>
+            <a:spLocks noGrp="1"/>
+          </p:cNvSpPr>
+          <p:nvPr>
+            <p:ph sz="half" idx="2"/>
+          </p:nvPr>
+        </p:nvSpPr>
+        <p:spPr/>
+        <p:txBody>
+          <a:bodyPr>
+            <a:normAutofit fontScale="70000" lnSpcReduction="20000"/>
+          </a:bodyPr>
+          <a:lstStyle/>
+          <a:p>
+            <a:pPr marL="0" indent="0">
+              <a:buNone/>
+            </a:pPr>
+            <a:r>
+              <a:rPr lang="en-GB" dirty="0"/>
+              <a:t> 0 pick up phone book</a:t>
+            </a:r>
+          </a:p>
+          <a:p>
+            <a:pPr marL="0" indent="0">
+              <a:buNone/>
+            </a:pPr>
+            <a:r>
+              <a:rPr lang="en-GB" dirty="0"/>
+              <a:t> 1 open to middle of phone book</a:t>
+            </a:r>
+          </a:p>
+          <a:p>
+            <a:pPr marL="0" indent="0">
+              <a:buNone/>
+            </a:pPr>
+            <a:r>
+              <a:rPr lang="en-GB" dirty="0"/>
+              <a:t> 2 look at names</a:t>
+            </a:r>
+          </a:p>
+          <a:p>
+            <a:pPr marL="0" indent="0">
+              <a:buNone/>
+            </a:pPr>
+            <a:r>
+              <a:rPr lang="en-GB" dirty="0"/>
+              <a:t> 3 if </a:t>
+            </a:r>
+            <a:r>
+              <a:rPr lang="en-GB" b="1" dirty="0">
+                <a:solidFill>
+                  <a:srgbClr val="FCC235"/>
+                </a:solidFill>
+              </a:rPr>
+              <a:t>Smith is among names</a:t>
+            </a:r>
+          </a:p>
+          <a:p>
+            <a:pPr marL="0" indent="0">
+              <a:buNone/>
+            </a:pPr>
+            <a:r>
+              <a:rPr lang="en-GB" dirty="0"/>
+              <a:t> 4     call Mike</a:t>
+            </a:r>
+          </a:p>
+          <a:p>
+            <a:pPr marL="0" indent="0">
+              <a:buNone/>
+            </a:pPr>
+            <a:r>
+              <a:rPr lang="en-GB" dirty="0"/>
+              <a:t> 5 else if </a:t>
+            </a:r>
+            <a:r>
+              <a:rPr lang="en-GB" b="1" dirty="0">
+                <a:solidFill>
+                  <a:srgbClr val="FCC235"/>
+                </a:solidFill>
+              </a:rPr>
+              <a:t>Smith is earlier in book</a:t>
+            </a:r>
+          </a:p>
+          <a:p>
+            <a:pPr marL="0" indent="0">
+              <a:buNone/>
+            </a:pPr>
+            <a:r>
+              <a:rPr lang="en-GB" dirty="0"/>
+              <a:t> 6     open to middle of left half of book</a:t>
+            </a:r>
+          </a:p>
+          <a:p>
+            <a:pPr marL="0" indent="0">
+              <a:buNone/>
+            </a:pPr>
+            <a:r>
+              <a:rPr lang="en-GB" dirty="0"/>
+              <a:t> 7     go back to step 2</a:t>
+            </a:r>
+          </a:p>
+          <a:p>
+            <a:pPr marL="0" indent="0">
+              <a:buNone/>
+            </a:pPr>
+            <a:r>
+              <a:rPr lang="en-GB" dirty="0"/>
+              <a:t> 8 else if </a:t>
+            </a:r>
+            <a:r>
+              <a:rPr lang="en-GB" b="1" dirty="0">
+                <a:solidFill>
+                  <a:srgbClr val="FCC235"/>
+                </a:solidFill>
+              </a:rPr>
+              <a:t>Smith is later in book</a:t>
+            </a:r>
+          </a:p>
+          <a:p>
+            <a:pPr marL="0" indent="0">
+              <a:buNone/>
+            </a:pPr>
+            <a:r>
+              <a:rPr lang="en-GB" dirty="0"/>
+              <a:t> 9     open to middle of right half of book</a:t>
+            </a:r>
+          </a:p>
+          <a:p>
+            <a:pPr marL="0" indent="0">
+              <a:buNone/>
+            </a:pPr>
+            <a:r>
+              <a:rPr lang="en-GB" dirty="0"/>
+              <a:t>10     go back to step 2</a:t>
+            </a:r>
+          </a:p>
+          <a:p>
+            <a:pPr marL="0" indent="0">
+              <a:buNone/>
+            </a:pPr>
+            <a:r>
+              <a:rPr lang="en-GB" dirty="0"/>
+              <a:t>11 else</a:t>
+            </a:r>
+          </a:p>
+          <a:p>
+            <a:pPr marL="0" indent="0">
+              <a:buNone/>
+            </a:pPr>
+            <a:r>
+              <a:rPr lang="en-GB" dirty="0"/>
+              <a:t>12     quit</a:t>
+            </a:r>
           </a:p>
         </p:txBody>
       </p:sp>
@@ -7045,7 +7985,7 @@
     </p:spTree>
     <p:extLst>
       <p:ext uri="{BB962C8B-B14F-4D97-AF65-F5344CB8AC3E}">
-        <p14:creationId xmlns:p14="http://schemas.microsoft.com/office/powerpoint/2010/main" val="490339826"/>
+        <p14:creationId xmlns:p14="http://schemas.microsoft.com/office/powerpoint/2010/main" val="3168522749"/>
       </p:ext>
     </p:extLst>
   </p:cSld>
@@ -7074,6 +8014,1102 @@
       </p:grpSpPr>
       <p:sp>
         <p:nvSpPr>
+          <p:cNvPr id="13" name="Title 1"/>
+          <p:cNvSpPr>
+            <a:spLocks noGrp="1"/>
+          </p:cNvSpPr>
+          <p:nvPr>
+            <p:ph type="title"/>
+          </p:nvPr>
+        </p:nvSpPr>
+        <p:spPr/>
+        <p:txBody>
+          <a:bodyPr/>
+          <a:lstStyle/>
+          <a:p>
+            <a:pPr algn="l"/>
+            <a:r>
+              <a:rPr lang="en-GB" b="1" dirty="0" smtClean="0"/>
+              <a:t>Pseudocode</a:t>
+            </a:r>
+            <a:endParaRPr lang="en-GB" b="1" dirty="0"/>
+          </a:p>
+        </p:txBody>
+      </p:sp>
+      <p:sp>
+        <p:nvSpPr>
+          <p:cNvPr id="3" name="Content Placeholder 2"/>
+          <p:cNvSpPr>
+            <a:spLocks noGrp="1"/>
+          </p:cNvSpPr>
+          <p:nvPr>
+            <p:ph sz="half" idx="1"/>
+          </p:nvPr>
+        </p:nvSpPr>
+        <p:spPr>
+          <a:xfrm>
+            <a:off x="2411760" y="1340768"/>
+            <a:ext cx="4038600" cy="4525963"/>
+          </a:xfrm>
+        </p:spPr>
+        <p:txBody>
+          <a:bodyPr>
+            <a:normAutofit fontScale="70000" lnSpcReduction="20000"/>
+          </a:bodyPr>
+          <a:lstStyle/>
+          <a:p>
+            <a:pPr marL="0" indent="0">
+              <a:buNone/>
+            </a:pPr>
+            <a:r>
+              <a:rPr lang="en-GB" dirty="0"/>
+              <a:t> </a:t>
+            </a:r>
+            <a:r>
+              <a:rPr lang="en-GB" dirty="0" smtClean="0"/>
+              <a:t>0 </a:t>
+            </a:r>
+            <a:r>
+              <a:rPr lang="en-GB" dirty="0"/>
+              <a:t>pick up phone book</a:t>
+            </a:r>
+          </a:p>
+          <a:p>
+            <a:pPr marL="0" indent="0">
+              <a:buNone/>
+            </a:pPr>
+            <a:r>
+              <a:rPr lang="en-GB" dirty="0"/>
+              <a:t> 1 open to middle of phone book</a:t>
+            </a:r>
+          </a:p>
+          <a:p>
+            <a:pPr marL="0" indent="0">
+              <a:buNone/>
+            </a:pPr>
+            <a:r>
+              <a:rPr lang="en-GB" dirty="0"/>
+              <a:t> 2 look at names</a:t>
+            </a:r>
+          </a:p>
+          <a:p>
+            <a:pPr marL="0" indent="0">
+              <a:buNone/>
+            </a:pPr>
+            <a:r>
+              <a:rPr lang="en-GB" dirty="0"/>
+              <a:t> 3 if Smith is among names</a:t>
+            </a:r>
+          </a:p>
+          <a:p>
+            <a:pPr marL="0" indent="0">
+              <a:buNone/>
+            </a:pPr>
+            <a:r>
+              <a:rPr lang="en-GB" dirty="0"/>
+              <a:t> 4     call Mike</a:t>
+            </a:r>
+          </a:p>
+          <a:p>
+            <a:pPr marL="0" indent="0">
+              <a:buNone/>
+            </a:pPr>
+            <a:r>
+              <a:rPr lang="en-GB" dirty="0"/>
+              <a:t> 5 else if Smith is earlier in book</a:t>
+            </a:r>
+          </a:p>
+          <a:p>
+            <a:pPr marL="0" indent="0">
+              <a:buNone/>
+            </a:pPr>
+            <a:r>
+              <a:rPr lang="en-GB" dirty="0"/>
+              <a:t> 6     open to middle of left half of book</a:t>
+            </a:r>
+          </a:p>
+          <a:p>
+            <a:pPr marL="0" indent="0">
+              <a:buNone/>
+            </a:pPr>
+            <a:r>
+              <a:rPr lang="en-GB" dirty="0"/>
+              <a:t> 7     </a:t>
+            </a:r>
+            <a:r>
+              <a:rPr lang="en-GB" b="1" dirty="0">
+                <a:solidFill>
+                  <a:srgbClr val="FCC235"/>
+                </a:solidFill>
+              </a:rPr>
+              <a:t>go back to step 2</a:t>
+            </a:r>
+          </a:p>
+          <a:p>
+            <a:pPr marL="0" indent="0">
+              <a:buNone/>
+            </a:pPr>
+            <a:r>
+              <a:rPr lang="en-GB" dirty="0"/>
+              <a:t> 8 else if Smith is later in book</a:t>
+            </a:r>
+          </a:p>
+          <a:p>
+            <a:pPr marL="0" indent="0">
+              <a:buNone/>
+            </a:pPr>
+            <a:r>
+              <a:rPr lang="en-GB" dirty="0"/>
+              <a:t> 9     open to middle of right half of book</a:t>
+            </a:r>
+          </a:p>
+          <a:p>
+            <a:pPr marL="0" indent="0">
+              <a:buNone/>
+            </a:pPr>
+            <a:r>
+              <a:rPr lang="en-GB" dirty="0"/>
+              <a:t>10     </a:t>
+            </a:r>
+            <a:r>
+              <a:rPr lang="en-GB" b="1" dirty="0">
+                <a:solidFill>
+                  <a:srgbClr val="FCC235"/>
+                </a:solidFill>
+              </a:rPr>
+              <a:t>go back to step 2</a:t>
+            </a:r>
+          </a:p>
+          <a:p>
+            <a:pPr marL="0" indent="0">
+              <a:buNone/>
+            </a:pPr>
+            <a:r>
+              <a:rPr lang="en-GB" dirty="0"/>
+              <a:t>11 else</a:t>
+            </a:r>
+          </a:p>
+          <a:p>
+            <a:pPr marL="0" indent="0">
+              <a:buNone/>
+            </a:pPr>
+            <a:r>
+              <a:rPr lang="en-GB" dirty="0"/>
+              <a:t>12     quit</a:t>
+            </a:r>
+          </a:p>
+        </p:txBody>
+      </p:sp>
+      <p:sp>
+        <p:nvSpPr>
+          <p:cNvPr id="4" name="Slide Number Placeholder 3"/>
+          <p:cNvSpPr>
+            <a:spLocks noGrp="1"/>
+          </p:cNvSpPr>
+          <p:nvPr>
+            <p:ph type="sldNum" sz="quarter" idx="12"/>
+          </p:nvPr>
+        </p:nvSpPr>
+        <p:spPr/>
+        <p:txBody>
+          <a:bodyPr/>
+          <a:lstStyle/>
+          <a:p>
+            <a:pPr>
+              <a:defRPr/>
+            </a:pPr>
+            <a:r>
+              <a:rPr lang="en-GB"/>
+              <a:t>Slide  </a:t>
+            </a:r>
+            <a:fld id="{35EF31DC-37E0-46A7-B0BE-61665DB0F5C0}" type="slidenum">
+              <a:rPr lang="en-GB" smtClean="0"/>
+              <a:pPr>
+                <a:defRPr/>
+              </a:pPr>
+              <a:t>19</a:t>
+            </a:fld>
+            <a:endParaRPr lang="en-GB"/>
+          </a:p>
+        </p:txBody>
+      </p:sp>
+    </p:spTree>
+    <p:extLst>
+      <p:ext uri="{BB962C8B-B14F-4D97-AF65-F5344CB8AC3E}">
+        <p14:creationId xmlns:p14="http://schemas.microsoft.com/office/powerpoint/2010/main" val="3408862372"/>
+      </p:ext>
+    </p:extLst>
+  </p:cSld>
+  <p:clrMapOvr>
+    <a:masterClrMapping/>
+  </p:clrMapOvr>
+</p:sld>
+</file>
+
+<file path=ppt/slides/slide2.xml><?xml version="1.0" encoding="utf-8"?>
+<p:sld xmlns:a="http://schemas.openxmlformats.org/drawingml/2006/main" xmlns:r="http://schemas.openxmlformats.org/officeDocument/2006/relationships" xmlns:p="http://schemas.openxmlformats.org/presentationml/2006/main">
+  <p:cSld>
+    <p:spTree>
+      <p:nvGrpSpPr>
+        <p:cNvPr id="1" name=""/>
+        <p:cNvGrpSpPr/>
+        <p:nvPr/>
+      </p:nvGrpSpPr>
+      <p:grpSpPr>
+        <a:xfrm>
+          <a:off x="0" y="0"/>
+          <a:ext cx="0" cy="0"/>
+          <a:chOff x="0" y="0"/>
+          <a:chExt cx="0" cy="0"/>
+        </a:xfrm>
+      </p:grpSpPr>
+      <p:sp>
+        <p:nvSpPr>
+          <p:cNvPr id="4" name="Title 1"/>
+          <p:cNvSpPr txBox="1">
+            <a:spLocks/>
+          </p:cNvSpPr>
+          <p:nvPr/>
+        </p:nvSpPr>
+        <p:spPr>
+          <a:xfrm>
+            <a:off x="0" y="2132856"/>
+            <a:ext cx="9144000" cy="1512168"/>
+          </a:xfrm>
+          <a:prstGeom prst="rect">
+            <a:avLst/>
+          </a:prstGeom>
+          <a:solidFill>
+            <a:srgbClr val="F8AC00"/>
+          </a:solidFill>
+        </p:spPr>
+        <p:txBody>
+          <a:bodyPr vert="horz" lIns="91440" tIns="45720" rIns="91440" bIns="45720" rtlCol="0" anchor="t">
+            <a:noAutofit/>
+          </a:bodyPr>
+          <a:lstStyle>
+            <a:lvl1pPr algn="l" defTabSz="457200" rtl="0" eaLnBrk="1" latinLnBrk="0" hangingPunct="1">
+              <a:spcBef>
+                <a:spcPct val="0"/>
+              </a:spcBef>
+              <a:buNone/>
+              <a:defRPr sz="4000" b="1" kern="1200" cap="all">
+                <a:solidFill>
+                  <a:schemeClr val="tx1"/>
+                </a:solidFill>
+                <a:latin typeface="+mj-lt"/>
+                <a:ea typeface="+mj-ea"/>
+                <a:cs typeface="+mj-cs"/>
+              </a:defRPr>
+            </a:lvl1pPr>
+          </a:lstStyle>
+          <a:p>
+            <a:pPr algn="ctr"/>
+            <a:r>
+              <a:rPr lang="en-GB" sz="4800" dirty="0">
+                <a:solidFill>
+                  <a:schemeClr val="bg1"/>
+                </a:solidFill>
+                <a:latin typeface="Arial" panose="020B0604020202020204" pitchFamily="34" charset="0"/>
+                <a:cs typeface="Arial" panose="020B0604020202020204" pitchFamily="34" charset="0"/>
+              </a:rPr>
+              <a:t>Problem Solving and Programming</a:t>
+            </a:r>
+            <a:endParaRPr lang="en-GB" sz="4800" dirty="0">
+              <a:solidFill>
+                <a:schemeClr val="bg1"/>
+              </a:solidFill>
+              <a:latin typeface="Calibri" pitchFamily="34" charset="0"/>
+              <a:cs typeface="Calibri" pitchFamily="34" charset="0"/>
+            </a:endParaRPr>
+          </a:p>
+        </p:txBody>
+      </p:sp>
+      <p:sp>
+        <p:nvSpPr>
+          <p:cNvPr id="5" name="Subtitle 2"/>
+          <p:cNvSpPr txBox="1">
+            <a:spLocks/>
+          </p:cNvSpPr>
+          <p:nvPr/>
+        </p:nvSpPr>
+        <p:spPr>
+          <a:xfrm>
+            <a:off x="1371600" y="4005064"/>
+            <a:ext cx="6400800" cy="2016224"/>
+          </a:xfrm>
+          <a:prstGeom prst="rect">
+            <a:avLst/>
+          </a:prstGeom>
+        </p:spPr>
+        <p:txBody>
+          <a:bodyPr vert="horz" lIns="91440" tIns="45720" rIns="91440" bIns="45720" rtlCol="0" anchor="b">
+            <a:normAutofit/>
+          </a:bodyPr>
+          <a:lstStyle>
+            <a:lvl1pPr marL="0" indent="0" algn="l" defTabSz="457200" rtl="0" eaLnBrk="1" latinLnBrk="0" hangingPunct="1">
+              <a:spcBef>
+                <a:spcPct val="20000"/>
+              </a:spcBef>
+              <a:buFont typeface="Arial"/>
+              <a:buNone/>
+              <a:defRPr sz="2000" kern="1200">
+                <a:solidFill>
+                  <a:schemeClr val="tx1">
+                    <a:tint val="75000"/>
+                  </a:schemeClr>
+                </a:solidFill>
+                <a:latin typeface="+mn-lt"/>
+                <a:ea typeface="+mn-ea"/>
+                <a:cs typeface="+mn-cs"/>
+              </a:defRPr>
+            </a:lvl1pPr>
+            <a:lvl2pPr marL="457200" indent="0" algn="l" defTabSz="457200" rtl="0" eaLnBrk="1" latinLnBrk="0" hangingPunct="1">
+              <a:spcBef>
+                <a:spcPct val="20000"/>
+              </a:spcBef>
+              <a:buFont typeface="Arial"/>
+              <a:buNone/>
+              <a:defRPr sz="1800" kern="1200">
+                <a:solidFill>
+                  <a:schemeClr val="tx1">
+                    <a:tint val="75000"/>
+                  </a:schemeClr>
+                </a:solidFill>
+                <a:latin typeface="+mn-lt"/>
+                <a:ea typeface="+mn-ea"/>
+                <a:cs typeface="+mn-cs"/>
+              </a:defRPr>
+            </a:lvl2pPr>
+            <a:lvl3pPr marL="914400" indent="0" algn="l" defTabSz="457200" rtl="0" eaLnBrk="1" latinLnBrk="0" hangingPunct="1">
+              <a:spcBef>
+                <a:spcPct val="20000"/>
+              </a:spcBef>
+              <a:buFont typeface="Arial"/>
+              <a:buNone/>
+              <a:defRPr sz="1600" kern="1200">
+                <a:solidFill>
+                  <a:schemeClr val="tx1">
+                    <a:tint val="75000"/>
+                  </a:schemeClr>
+                </a:solidFill>
+                <a:latin typeface="+mn-lt"/>
+                <a:ea typeface="+mn-ea"/>
+                <a:cs typeface="+mn-cs"/>
+              </a:defRPr>
+            </a:lvl3pPr>
+            <a:lvl4pPr marL="1371600" indent="0" algn="l" defTabSz="457200" rtl="0" eaLnBrk="1" latinLnBrk="0" hangingPunct="1">
+              <a:spcBef>
+                <a:spcPct val="20000"/>
+              </a:spcBef>
+              <a:buFont typeface="Arial"/>
+              <a:buNone/>
+              <a:defRPr sz="1400" kern="1200">
+                <a:solidFill>
+                  <a:schemeClr val="tx1">
+                    <a:tint val="75000"/>
+                  </a:schemeClr>
+                </a:solidFill>
+                <a:latin typeface="+mn-lt"/>
+                <a:ea typeface="+mn-ea"/>
+                <a:cs typeface="+mn-cs"/>
+              </a:defRPr>
+            </a:lvl4pPr>
+            <a:lvl5pPr marL="1828800" indent="0" algn="l" defTabSz="457200" rtl="0" eaLnBrk="1" latinLnBrk="0" hangingPunct="1">
+              <a:spcBef>
+                <a:spcPct val="20000"/>
+              </a:spcBef>
+              <a:buFont typeface="Arial"/>
+              <a:buNone/>
+              <a:defRPr sz="1400" kern="1200">
+                <a:solidFill>
+                  <a:schemeClr val="tx1">
+                    <a:tint val="75000"/>
+                  </a:schemeClr>
+                </a:solidFill>
+                <a:latin typeface="+mn-lt"/>
+                <a:ea typeface="+mn-ea"/>
+                <a:cs typeface="+mn-cs"/>
+              </a:defRPr>
+            </a:lvl5pPr>
+            <a:lvl6pPr marL="2286000" indent="0" algn="l" defTabSz="457200" rtl="0" eaLnBrk="1" latinLnBrk="0" hangingPunct="1">
+              <a:spcBef>
+                <a:spcPct val="20000"/>
+              </a:spcBef>
+              <a:buFont typeface="Arial"/>
+              <a:buNone/>
+              <a:defRPr sz="1400" kern="1200">
+                <a:solidFill>
+                  <a:schemeClr val="tx1">
+                    <a:tint val="75000"/>
+                  </a:schemeClr>
+                </a:solidFill>
+                <a:latin typeface="+mn-lt"/>
+                <a:ea typeface="+mn-ea"/>
+                <a:cs typeface="+mn-cs"/>
+              </a:defRPr>
+            </a:lvl6pPr>
+            <a:lvl7pPr marL="2743200" indent="0" algn="l" defTabSz="457200" rtl="0" eaLnBrk="1" latinLnBrk="0" hangingPunct="1">
+              <a:spcBef>
+                <a:spcPct val="20000"/>
+              </a:spcBef>
+              <a:buFont typeface="Arial"/>
+              <a:buNone/>
+              <a:defRPr sz="1400" kern="1200">
+                <a:solidFill>
+                  <a:schemeClr val="tx1">
+                    <a:tint val="75000"/>
+                  </a:schemeClr>
+                </a:solidFill>
+                <a:latin typeface="+mn-lt"/>
+                <a:ea typeface="+mn-ea"/>
+                <a:cs typeface="+mn-cs"/>
+              </a:defRPr>
+            </a:lvl7pPr>
+            <a:lvl8pPr marL="3200400" indent="0" algn="l" defTabSz="457200" rtl="0" eaLnBrk="1" latinLnBrk="0" hangingPunct="1">
+              <a:spcBef>
+                <a:spcPct val="20000"/>
+              </a:spcBef>
+              <a:buFont typeface="Arial"/>
+              <a:buNone/>
+              <a:defRPr sz="1400" kern="1200">
+                <a:solidFill>
+                  <a:schemeClr val="tx1">
+                    <a:tint val="75000"/>
+                  </a:schemeClr>
+                </a:solidFill>
+                <a:latin typeface="+mn-lt"/>
+                <a:ea typeface="+mn-ea"/>
+                <a:cs typeface="+mn-cs"/>
+              </a:defRPr>
+            </a:lvl8pPr>
+            <a:lvl9pPr marL="3657600" indent="0" algn="l" defTabSz="457200" rtl="0" eaLnBrk="1" latinLnBrk="0" hangingPunct="1">
+              <a:spcBef>
+                <a:spcPct val="20000"/>
+              </a:spcBef>
+              <a:buFont typeface="Arial"/>
+              <a:buNone/>
+              <a:defRPr sz="1400" kern="1200">
+                <a:solidFill>
+                  <a:schemeClr val="tx1">
+                    <a:tint val="75000"/>
+                  </a:schemeClr>
+                </a:solidFill>
+                <a:latin typeface="+mn-lt"/>
+                <a:ea typeface="+mn-ea"/>
+                <a:cs typeface="+mn-cs"/>
+              </a:defRPr>
+            </a:lvl9pPr>
+          </a:lstStyle>
+          <a:p>
+            <a:pPr algn="ctr"/>
+            <a:r>
+              <a:rPr lang="en-GB" sz="2800" b="1" dirty="0" smtClean="0">
+                <a:solidFill>
+                  <a:srgbClr val="F8AC00"/>
+                </a:solidFill>
+                <a:latin typeface="Calibri" pitchFamily="34" charset="0"/>
+                <a:cs typeface="Calibri" pitchFamily="34" charset="0"/>
+              </a:rPr>
+              <a:t>Dr Solomon Amos</a:t>
+            </a:r>
+          </a:p>
+          <a:p>
+            <a:pPr algn="ctr"/>
+            <a:r>
+              <a:rPr lang="en-GB" dirty="0" smtClean="0">
+                <a:solidFill>
+                  <a:srgbClr val="F8AC00"/>
+                </a:solidFill>
+                <a:latin typeface="Calibri" pitchFamily="34" charset="0"/>
+                <a:cs typeface="Calibri" pitchFamily="34" charset="0"/>
+              </a:rPr>
+              <a:t>ac8880@coventry.ac.uk</a:t>
+            </a:r>
+          </a:p>
+          <a:p>
+            <a:pPr algn="ctr"/>
+            <a:endParaRPr lang="en-GB" dirty="0" smtClean="0">
+              <a:solidFill>
+                <a:srgbClr val="F8AC00"/>
+              </a:solidFill>
+              <a:latin typeface="Calibri" pitchFamily="34" charset="0"/>
+              <a:cs typeface="Calibri" pitchFamily="34" charset="0"/>
+            </a:endParaRPr>
+          </a:p>
+          <a:p>
+            <a:pPr algn="ctr"/>
+            <a:r>
+              <a:rPr lang="en-GB" dirty="0" smtClean="0">
+                <a:solidFill>
+                  <a:srgbClr val="F8AC00"/>
+                </a:solidFill>
+                <a:latin typeface="Calibri" pitchFamily="34" charset="0"/>
+                <a:cs typeface="Calibri" pitchFamily="34" charset="0"/>
+              </a:rPr>
+              <a:t>14</a:t>
+            </a:r>
+            <a:r>
+              <a:rPr lang="en-GB" baseline="30000" dirty="0" smtClean="0">
+                <a:solidFill>
+                  <a:srgbClr val="F8AC00"/>
+                </a:solidFill>
+                <a:latin typeface="Calibri" pitchFamily="34" charset="0"/>
+                <a:cs typeface="Calibri" pitchFamily="34" charset="0"/>
+              </a:rPr>
+              <a:t>th</a:t>
+            </a:r>
+            <a:r>
+              <a:rPr lang="en-GB" dirty="0" smtClean="0">
+                <a:solidFill>
+                  <a:srgbClr val="F8AC00"/>
+                </a:solidFill>
+                <a:latin typeface="Calibri" pitchFamily="34" charset="0"/>
+                <a:cs typeface="Calibri" pitchFamily="34" charset="0"/>
+              </a:rPr>
+              <a:t> January, 2019</a:t>
+            </a:r>
+            <a:endParaRPr lang="en-GB" dirty="0">
+              <a:solidFill>
+                <a:srgbClr val="F8AC00"/>
+              </a:solidFill>
+              <a:latin typeface="Calibri" pitchFamily="34" charset="0"/>
+              <a:cs typeface="Calibri" pitchFamily="34" charset="0"/>
+            </a:endParaRPr>
+          </a:p>
+        </p:txBody>
+      </p:sp>
+    </p:spTree>
+    <p:extLst>
+      <p:ext uri="{BB962C8B-B14F-4D97-AF65-F5344CB8AC3E}">
+        <p14:creationId xmlns:p14="http://schemas.microsoft.com/office/powerpoint/2010/main" val="1107350986"/>
+      </p:ext>
+    </p:extLst>
+  </p:cSld>
+  <p:clrMapOvr>
+    <a:masterClrMapping/>
+  </p:clrMapOvr>
+  <mc:AlternateContent xmlns:mc="http://schemas.openxmlformats.org/markup-compatibility/2006" xmlns:p14="http://schemas.microsoft.com/office/powerpoint/2010/main">
+    <mc:Choice Requires="p14">
+      <p:transition spd="slow" p14:dur="2000"/>
+    </mc:Choice>
+    <mc:Fallback xmlns="">
+      <p:transition spd="slow"/>
+    </mc:Fallback>
+  </mc:AlternateContent>
+  <p:timing>
+    <p:tnLst>
+      <p:par>
+        <p:cTn id="1" dur="indefinite" restart="never" nodeType="tmRoot"/>
+      </p:par>
+    </p:tnLst>
+  </p:timing>
+</p:sld>
+</file>
+
+<file path=ppt/slides/slide20.xml><?xml version="1.0" encoding="utf-8"?>
+<p:sld xmlns:a="http://schemas.openxmlformats.org/drawingml/2006/main" xmlns:r="http://schemas.openxmlformats.org/officeDocument/2006/relationships" xmlns:p="http://schemas.openxmlformats.org/presentationml/2006/main">
+  <p:cSld>
+    <p:spTree>
+      <p:nvGrpSpPr>
+        <p:cNvPr id="1" name=""/>
+        <p:cNvGrpSpPr/>
+        <p:nvPr/>
+      </p:nvGrpSpPr>
+      <p:grpSpPr>
+        <a:xfrm>
+          <a:off x="0" y="0"/>
+          <a:ext cx="0" cy="0"/>
+          <a:chOff x="0" y="0"/>
+          <a:chExt cx="0" cy="0"/>
+        </a:xfrm>
+      </p:grpSpPr>
+      <p:sp>
+        <p:nvSpPr>
+          <p:cNvPr id="6" name="Title 5"/>
+          <p:cNvSpPr>
+            <a:spLocks noGrp="1"/>
+          </p:cNvSpPr>
+          <p:nvPr>
+            <p:ph type="title"/>
+          </p:nvPr>
+        </p:nvSpPr>
+        <p:spPr/>
+        <p:txBody>
+          <a:bodyPr/>
+          <a:lstStyle/>
+          <a:p>
+            <a:r>
+              <a:rPr lang="en-GB" b="1" dirty="0" smtClean="0"/>
+              <a:t>Program</a:t>
+            </a:r>
+            <a:endParaRPr lang="en-GB" b="1" dirty="0"/>
+          </a:p>
+        </p:txBody>
+      </p:sp>
+      <p:sp>
+        <p:nvSpPr>
+          <p:cNvPr id="7" name="Content Placeholder 6"/>
+          <p:cNvSpPr>
+            <a:spLocks noGrp="1"/>
+          </p:cNvSpPr>
+          <p:nvPr>
+            <p:ph idx="1"/>
+          </p:nvPr>
+        </p:nvSpPr>
+        <p:spPr/>
+        <p:txBody>
+          <a:bodyPr>
+            <a:normAutofit fontScale="92500" lnSpcReduction="10000"/>
+          </a:bodyPr>
+          <a:lstStyle/>
+          <a:p>
+            <a:pPr marL="0" indent="0">
+              <a:buNone/>
+            </a:pPr>
+            <a:r>
+              <a:rPr lang="en-GB" dirty="0"/>
+              <a:t>We can write programs with the building blocks we just discovered</a:t>
+            </a:r>
+            <a:r>
+              <a:rPr lang="en-GB" dirty="0" smtClean="0"/>
+              <a:t>:</a:t>
+            </a:r>
+          </a:p>
+          <a:p>
+            <a:r>
+              <a:rPr lang="en-GB" dirty="0"/>
+              <a:t>F</a:t>
+            </a:r>
+            <a:r>
+              <a:rPr lang="en-GB" dirty="0" smtClean="0"/>
+              <a:t>unctions</a:t>
+            </a:r>
+            <a:endParaRPr lang="en-GB" dirty="0"/>
+          </a:p>
+          <a:p>
+            <a:r>
+              <a:rPr lang="en-GB" dirty="0"/>
+              <a:t>C</a:t>
+            </a:r>
+            <a:r>
+              <a:rPr lang="en-GB" dirty="0" smtClean="0"/>
+              <a:t>onditions</a:t>
+            </a:r>
+            <a:endParaRPr lang="en-GB" dirty="0"/>
+          </a:p>
+          <a:p>
+            <a:r>
+              <a:rPr lang="en-GB" dirty="0"/>
+              <a:t>Boolean expressions</a:t>
+            </a:r>
+          </a:p>
+          <a:p>
+            <a:r>
+              <a:rPr lang="en-GB" dirty="0" smtClean="0"/>
+              <a:t>Loops</a:t>
+            </a:r>
+          </a:p>
+          <a:p>
+            <a:r>
+              <a:rPr lang="en-GB" dirty="0" smtClean="0"/>
+              <a:t>Variables</a:t>
+            </a:r>
+          </a:p>
+          <a:p>
+            <a:r>
+              <a:rPr lang="en-GB" dirty="0" smtClean="0"/>
+              <a:t>Threads</a:t>
+            </a:r>
+          </a:p>
+          <a:p>
+            <a:r>
+              <a:rPr lang="en-GB" dirty="0" smtClean="0"/>
+              <a:t>Events …</a:t>
+            </a:r>
+            <a:endParaRPr lang="en-GB" dirty="0"/>
+          </a:p>
+          <a:p>
+            <a:endParaRPr lang="en-GB" dirty="0"/>
+          </a:p>
+        </p:txBody>
+      </p:sp>
+      <p:sp>
+        <p:nvSpPr>
+          <p:cNvPr id="4" name="Slide Number Placeholder 3"/>
+          <p:cNvSpPr>
+            <a:spLocks noGrp="1"/>
+          </p:cNvSpPr>
+          <p:nvPr>
+            <p:ph type="sldNum" sz="quarter" idx="12"/>
+          </p:nvPr>
+        </p:nvSpPr>
+        <p:spPr/>
+        <p:txBody>
+          <a:bodyPr/>
+          <a:lstStyle/>
+          <a:p>
+            <a:pPr>
+              <a:defRPr/>
+            </a:pPr>
+            <a:r>
+              <a:rPr lang="en-GB"/>
+              <a:t>Slide  </a:t>
+            </a:r>
+            <a:fld id="{35EF31DC-37E0-46A7-B0BE-61665DB0F5C0}" type="slidenum">
+              <a:rPr lang="en-GB" smtClean="0"/>
+              <a:pPr>
+                <a:defRPr/>
+              </a:pPr>
+              <a:t>20</a:t>
+            </a:fld>
+            <a:endParaRPr lang="en-GB"/>
+          </a:p>
+        </p:txBody>
+      </p:sp>
+    </p:spTree>
+    <p:extLst>
+      <p:ext uri="{BB962C8B-B14F-4D97-AF65-F5344CB8AC3E}">
+        <p14:creationId xmlns:p14="http://schemas.microsoft.com/office/powerpoint/2010/main" val="1164063884"/>
+      </p:ext>
+    </p:extLst>
+  </p:cSld>
+  <p:clrMapOvr>
+    <a:masterClrMapping/>
+  </p:clrMapOvr>
+</p:sld>
+</file>
+
+<file path=ppt/slides/slide21.xml><?xml version="1.0" encoding="utf-8"?>
+<p:sld xmlns:a="http://schemas.openxmlformats.org/drawingml/2006/main" xmlns:r="http://schemas.openxmlformats.org/officeDocument/2006/relationships" xmlns:p="http://schemas.openxmlformats.org/presentationml/2006/main">
+  <p:cSld>
+    <p:spTree>
+      <p:nvGrpSpPr>
+        <p:cNvPr id="1" name=""/>
+        <p:cNvGrpSpPr/>
+        <p:nvPr/>
+      </p:nvGrpSpPr>
+      <p:grpSpPr>
+        <a:xfrm>
+          <a:off x="0" y="0"/>
+          <a:ext cx="0" cy="0"/>
+          <a:chOff x="0" y="0"/>
+          <a:chExt cx="0" cy="0"/>
+        </a:xfrm>
+      </p:grpSpPr>
+      <p:sp>
+        <p:nvSpPr>
+          <p:cNvPr id="2" name="Title 1"/>
+          <p:cNvSpPr>
+            <a:spLocks noGrp="1"/>
+          </p:cNvSpPr>
+          <p:nvPr>
+            <p:ph type="title"/>
+          </p:nvPr>
+        </p:nvSpPr>
+        <p:spPr/>
+        <p:txBody>
+          <a:bodyPr/>
+          <a:lstStyle/>
+          <a:p>
+            <a:r>
+              <a:rPr lang="en-GB" b="1" dirty="0"/>
+              <a:t>Pseudo Code Explained</a:t>
+            </a:r>
+          </a:p>
+        </p:txBody>
+      </p:sp>
+      <p:sp>
+        <p:nvSpPr>
+          <p:cNvPr id="3" name="Content Placeholder 2"/>
+          <p:cNvSpPr>
+            <a:spLocks noGrp="1"/>
+          </p:cNvSpPr>
+          <p:nvPr>
+            <p:ph idx="1"/>
+          </p:nvPr>
+        </p:nvSpPr>
+        <p:spPr/>
+        <p:txBody>
+          <a:bodyPr>
+            <a:normAutofit fontScale="92500" lnSpcReduction="20000"/>
+          </a:bodyPr>
+          <a:lstStyle/>
+          <a:p>
+            <a:r>
+              <a:rPr lang="en-GB" b="1" dirty="0"/>
+              <a:t>Pseudo Code</a:t>
+            </a:r>
+          </a:p>
+          <a:p>
+            <a:pPr lvl="1"/>
+            <a:r>
+              <a:rPr lang="en-GB" dirty="0"/>
+              <a:t>Describes a programming algorithm using a sequence of programing language independent statements. </a:t>
+            </a:r>
+          </a:p>
+          <a:p>
+            <a:r>
+              <a:rPr lang="en-GB" b="1" dirty="0"/>
+              <a:t>Example (Windows Login)</a:t>
+            </a:r>
+          </a:p>
+          <a:p>
+            <a:pPr marL="914400" lvl="1" indent="-514350">
+              <a:buFont typeface="+mj-lt"/>
+              <a:buAutoNum type="arabicPeriod"/>
+            </a:pPr>
+            <a:r>
+              <a:rPr lang="en-GB" dirty="0">
+                <a:latin typeface="Courier New" panose="02070309020205020404" pitchFamily="49" charset="0"/>
+                <a:cs typeface="Courier New" panose="02070309020205020404" pitchFamily="49" charset="0"/>
+              </a:rPr>
+              <a:t>Prompt user to enter login credentials (Username &amp; Password)</a:t>
+            </a:r>
+          </a:p>
+          <a:p>
+            <a:pPr marL="914400" lvl="1" indent="-514350">
+              <a:buFont typeface="+mj-lt"/>
+              <a:buAutoNum type="arabicPeriod"/>
+            </a:pPr>
+            <a:r>
+              <a:rPr lang="en-GB" dirty="0">
+                <a:latin typeface="Courier New" panose="02070309020205020404" pitchFamily="49" charset="0"/>
+                <a:cs typeface="Courier New" panose="02070309020205020404" pitchFamily="49" charset="0"/>
+              </a:rPr>
+              <a:t>Verify user’s credentials.</a:t>
+            </a:r>
+          </a:p>
+          <a:p>
+            <a:pPr marL="914400" lvl="1" indent="-514350">
+              <a:buFont typeface="+mj-lt"/>
+              <a:buAutoNum type="arabicPeriod"/>
+            </a:pPr>
+            <a:r>
+              <a:rPr lang="en-GB" dirty="0">
+                <a:latin typeface="Courier New" panose="02070309020205020404" pitchFamily="49" charset="0"/>
+                <a:cs typeface="Courier New" panose="02070309020205020404" pitchFamily="49" charset="0"/>
+              </a:rPr>
+              <a:t>If user’s credentials are valid display the Windows Desktop else display “Invalid login credentials” message. </a:t>
+            </a:r>
+          </a:p>
+          <a:p>
+            <a:pPr marL="914400" lvl="2" indent="0">
+              <a:buNone/>
+            </a:pPr>
+            <a:r>
+              <a:rPr lang="en-GB" dirty="0"/>
+              <a:t> </a:t>
+            </a:r>
+          </a:p>
+          <a:p>
+            <a:endParaRPr lang="en-GB" dirty="0"/>
+          </a:p>
+        </p:txBody>
+      </p:sp>
+      <p:sp>
+        <p:nvSpPr>
+          <p:cNvPr id="4" name="Slide Number Placeholder 3"/>
+          <p:cNvSpPr>
+            <a:spLocks noGrp="1"/>
+          </p:cNvSpPr>
+          <p:nvPr>
+            <p:ph type="sldNum" sz="quarter" idx="12"/>
+          </p:nvPr>
+        </p:nvSpPr>
+        <p:spPr/>
+        <p:txBody>
+          <a:bodyPr/>
+          <a:lstStyle/>
+          <a:p>
+            <a:pPr>
+              <a:defRPr/>
+            </a:pPr>
+            <a:r>
+              <a:rPr lang="en-GB"/>
+              <a:t>Slide  </a:t>
+            </a:r>
+            <a:fld id="{35EF31DC-37E0-46A7-B0BE-61665DB0F5C0}" type="slidenum">
+              <a:rPr lang="en-GB" smtClean="0"/>
+              <a:pPr>
+                <a:defRPr/>
+              </a:pPr>
+              <a:t>21</a:t>
+            </a:fld>
+            <a:endParaRPr lang="en-GB"/>
+          </a:p>
+        </p:txBody>
+      </p:sp>
+    </p:spTree>
+    <p:extLst>
+      <p:ext uri="{BB962C8B-B14F-4D97-AF65-F5344CB8AC3E}">
+        <p14:creationId xmlns:p14="http://schemas.microsoft.com/office/powerpoint/2010/main" val="4048112918"/>
+      </p:ext>
+    </p:extLst>
+  </p:cSld>
+  <p:clrMapOvr>
+    <a:masterClrMapping/>
+  </p:clrMapOvr>
+</p:sld>
+</file>
+
+<file path=ppt/slides/slide22.xml><?xml version="1.0" encoding="utf-8"?>
+<p:sld xmlns:a="http://schemas.openxmlformats.org/drawingml/2006/main" xmlns:r="http://schemas.openxmlformats.org/officeDocument/2006/relationships" xmlns:p="http://schemas.openxmlformats.org/presentationml/2006/main">
+  <p:cSld>
+    <p:spTree>
+      <p:nvGrpSpPr>
+        <p:cNvPr id="1" name=""/>
+        <p:cNvGrpSpPr/>
+        <p:nvPr/>
+      </p:nvGrpSpPr>
+      <p:grpSpPr>
+        <a:xfrm>
+          <a:off x="0" y="0"/>
+          <a:ext cx="0" cy="0"/>
+          <a:chOff x="0" y="0"/>
+          <a:chExt cx="0" cy="0"/>
+        </a:xfrm>
+      </p:grpSpPr>
+      <p:sp>
+        <p:nvSpPr>
+          <p:cNvPr id="2" name="Title 1"/>
+          <p:cNvSpPr>
+            <a:spLocks noGrp="1"/>
+          </p:cNvSpPr>
+          <p:nvPr>
+            <p:ph type="title"/>
+          </p:nvPr>
+        </p:nvSpPr>
+        <p:spPr/>
+        <p:txBody>
+          <a:bodyPr/>
+          <a:lstStyle/>
+          <a:p>
+            <a:r>
+              <a:rPr lang="en-GB" dirty="0"/>
+              <a:t>Learning Activity 1</a:t>
+            </a:r>
+          </a:p>
+        </p:txBody>
+      </p:sp>
+      <p:sp>
+        <p:nvSpPr>
+          <p:cNvPr id="3" name="Content Placeholder 2"/>
+          <p:cNvSpPr>
+            <a:spLocks noGrp="1"/>
+          </p:cNvSpPr>
+          <p:nvPr>
+            <p:ph idx="1"/>
+          </p:nvPr>
+        </p:nvSpPr>
+        <p:spPr/>
+        <p:txBody>
+          <a:bodyPr/>
+          <a:lstStyle/>
+          <a:p>
+            <a:r>
+              <a:rPr lang="en-GB" b="1" dirty="0"/>
+              <a:t>Learners to:</a:t>
+            </a:r>
+          </a:p>
+          <a:p>
+            <a:pPr lvl="1"/>
+            <a:r>
+              <a:rPr lang="en-GB" dirty="0"/>
+              <a:t>Work in pairs to create pseudo code for making a cup of tea/coffee. (20 mins)</a:t>
+            </a:r>
+          </a:p>
+          <a:p>
+            <a:pPr lvl="1"/>
+            <a:r>
+              <a:rPr lang="en-GB" dirty="0"/>
+              <a:t>Review to determine if there are any other alternative ways they could modify their pseudo code to accomplish the same goal. (20 mins)</a:t>
+            </a:r>
+          </a:p>
+          <a:p>
+            <a:r>
+              <a:rPr lang="en-GB" dirty="0"/>
+              <a:t>Tutor to:</a:t>
+            </a:r>
+          </a:p>
+          <a:p>
+            <a:pPr lvl="1"/>
+            <a:r>
+              <a:rPr lang="en-GB" dirty="0"/>
+              <a:t>Provide one-to-one guidance and support to learners.</a:t>
+            </a:r>
+          </a:p>
+          <a:p>
+            <a:pPr lvl="1"/>
+            <a:endParaRPr lang="en-GB" dirty="0"/>
+          </a:p>
+        </p:txBody>
+      </p:sp>
+      <p:sp>
+        <p:nvSpPr>
+          <p:cNvPr id="4" name="Slide Number Placeholder 3"/>
+          <p:cNvSpPr>
+            <a:spLocks noGrp="1"/>
+          </p:cNvSpPr>
+          <p:nvPr>
+            <p:ph type="sldNum" sz="quarter" idx="12"/>
+          </p:nvPr>
+        </p:nvSpPr>
+        <p:spPr/>
+        <p:txBody>
+          <a:bodyPr/>
+          <a:lstStyle/>
+          <a:p>
+            <a:pPr>
+              <a:defRPr/>
+            </a:pPr>
+            <a:r>
+              <a:rPr lang="en-GB"/>
+              <a:t>Slide  </a:t>
+            </a:r>
+            <a:fld id="{35EF31DC-37E0-46A7-B0BE-61665DB0F5C0}" type="slidenum">
+              <a:rPr lang="en-GB" smtClean="0"/>
+              <a:pPr>
+                <a:defRPr/>
+              </a:pPr>
+              <a:t>22</a:t>
+            </a:fld>
+            <a:endParaRPr lang="en-GB"/>
+          </a:p>
+        </p:txBody>
+      </p:sp>
+    </p:spTree>
+    <p:extLst>
+      <p:ext uri="{BB962C8B-B14F-4D97-AF65-F5344CB8AC3E}">
+        <p14:creationId xmlns:p14="http://schemas.microsoft.com/office/powerpoint/2010/main" val="490339826"/>
+      </p:ext>
+    </p:extLst>
+  </p:cSld>
+  <p:clrMapOvr>
+    <a:masterClrMapping/>
+  </p:clrMapOvr>
+</p:sld>
+</file>
+
+<file path=ppt/slides/slide23.xml><?xml version="1.0" encoding="utf-8"?>
+<p:sld xmlns:a="http://schemas.openxmlformats.org/drawingml/2006/main" xmlns:r="http://schemas.openxmlformats.org/officeDocument/2006/relationships" xmlns:p="http://schemas.openxmlformats.org/presentationml/2006/main">
+  <p:cSld>
+    <p:spTree>
+      <p:nvGrpSpPr>
+        <p:cNvPr id="1" name=""/>
+        <p:cNvGrpSpPr/>
+        <p:nvPr/>
+      </p:nvGrpSpPr>
+      <p:grpSpPr>
+        <a:xfrm>
+          <a:off x="0" y="0"/>
+          <a:ext cx="0" cy="0"/>
+          <a:chOff x="0" y="0"/>
+          <a:chExt cx="0" cy="0"/>
+        </a:xfrm>
+      </p:grpSpPr>
+      <p:sp>
+        <p:nvSpPr>
           <p:cNvPr id="2" name="Title 1">
             <a:extLst>
               <a:ext uri="{FF2B5EF4-FFF2-40B4-BE49-F238E27FC236}">
@@ -7224,7 +9260,7 @@
               <a:pPr>
                 <a:defRPr/>
               </a:pPr>
-              <a:t>19</a:t>
+              <a:t>23</a:t>
             </a:fld>
             <a:endParaRPr lang="en-GB"/>
           </a:p>
@@ -7711,1181 +9747,6 @@
 </p:sld>
 </file>
 
-<file path=ppt/slides/slide2.xml><?xml version="1.0" encoding="utf-8"?>
-<p:sld xmlns:a="http://schemas.openxmlformats.org/drawingml/2006/main" xmlns:r="http://schemas.openxmlformats.org/officeDocument/2006/relationships" xmlns:p="http://schemas.openxmlformats.org/presentationml/2006/main">
-  <p:cSld>
-    <p:spTree>
-      <p:nvGrpSpPr>
-        <p:cNvPr id="1" name=""/>
-        <p:cNvGrpSpPr/>
-        <p:nvPr/>
-      </p:nvGrpSpPr>
-      <p:grpSpPr>
-        <a:xfrm>
-          <a:off x="0" y="0"/>
-          <a:ext cx="0" cy="0"/>
-          <a:chOff x="0" y="0"/>
-          <a:chExt cx="0" cy="0"/>
-        </a:xfrm>
-      </p:grpSpPr>
-      <p:sp>
-        <p:nvSpPr>
-          <p:cNvPr id="4" name="Title 1"/>
-          <p:cNvSpPr txBox="1">
-            <a:spLocks/>
-          </p:cNvSpPr>
-          <p:nvPr/>
-        </p:nvSpPr>
-        <p:spPr>
-          <a:xfrm>
-            <a:off x="0" y="2132856"/>
-            <a:ext cx="9144000" cy="1512168"/>
-          </a:xfrm>
-          <a:prstGeom prst="rect">
-            <a:avLst/>
-          </a:prstGeom>
-          <a:solidFill>
-            <a:srgbClr val="F8AC00"/>
-          </a:solidFill>
-        </p:spPr>
-        <p:txBody>
-          <a:bodyPr vert="horz" lIns="91440" tIns="45720" rIns="91440" bIns="45720" rtlCol="0" anchor="t">
-            <a:noAutofit/>
-          </a:bodyPr>
-          <a:lstStyle>
-            <a:lvl1pPr algn="l" defTabSz="457200" rtl="0" eaLnBrk="1" latinLnBrk="0" hangingPunct="1">
-              <a:spcBef>
-                <a:spcPct val="0"/>
-              </a:spcBef>
-              <a:buNone/>
-              <a:defRPr sz="4000" b="1" kern="1200" cap="all">
-                <a:solidFill>
-                  <a:schemeClr val="tx1"/>
-                </a:solidFill>
-                <a:latin typeface="+mj-lt"/>
-                <a:ea typeface="+mj-ea"/>
-                <a:cs typeface="+mj-cs"/>
-              </a:defRPr>
-            </a:lvl1pPr>
-          </a:lstStyle>
-          <a:p>
-            <a:pPr algn="ctr"/>
-            <a:r>
-              <a:rPr lang="en-GB" sz="4800" dirty="0">
-                <a:solidFill>
-                  <a:schemeClr val="bg1"/>
-                </a:solidFill>
-                <a:latin typeface="Arial" panose="020B0604020202020204" pitchFamily="34" charset="0"/>
-                <a:cs typeface="Arial" panose="020B0604020202020204" pitchFamily="34" charset="0"/>
-              </a:rPr>
-              <a:t>Problem Solving and Programming</a:t>
-            </a:r>
-            <a:endParaRPr lang="en-GB" sz="4800" dirty="0">
-              <a:solidFill>
-                <a:schemeClr val="bg1"/>
-              </a:solidFill>
-              <a:latin typeface="Calibri" pitchFamily="34" charset="0"/>
-              <a:cs typeface="Calibri" pitchFamily="34" charset="0"/>
-            </a:endParaRPr>
-          </a:p>
-        </p:txBody>
-      </p:sp>
-      <p:sp>
-        <p:nvSpPr>
-          <p:cNvPr id="5" name="Subtitle 2"/>
-          <p:cNvSpPr txBox="1">
-            <a:spLocks/>
-          </p:cNvSpPr>
-          <p:nvPr/>
-        </p:nvSpPr>
-        <p:spPr>
-          <a:xfrm>
-            <a:off x="1371600" y="4005064"/>
-            <a:ext cx="6400800" cy="2016224"/>
-          </a:xfrm>
-          <a:prstGeom prst="rect">
-            <a:avLst/>
-          </a:prstGeom>
-        </p:spPr>
-        <p:txBody>
-          <a:bodyPr vert="horz" lIns="91440" tIns="45720" rIns="91440" bIns="45720" rtlCol="0" anchor="b">
-            <a:normAutofit/>
-          </a:bodyPr>
-          <a:lstStyle>
-            <a:lvl1pPr marL="0" indent="0" algn="l" defTabSz="457200" rtl="0" eaLnBrk="1" latinLnBrk="0" hangingPunct="1">
-              <a:spcBef>
-                <a:spcPct val="20000"/>
-              </a:spcBef>
-              <a:buFont typeface="Arial"/>
-              <a:buNone/>
-              <a:defRPr sz="2000" kern="1200">
-                <a:solidFill>
-                  <a:schemeClr val="tx1">
-                    <a:tint val="75000"/>
-                  </a:schemeClr>
-                </a:solidFill>
-                <a:latin typeface="+mn-lt"/>
-                <a:ea typeface="+mn-ea"/>
-                <a:cs typeface="+mn-cs"/>
-              </a:defRPr>
-            </a:lvl1pPr>
-            <a:lvl2pPr marL="457200" indent="0" algn="l" defTabSz="457200" rtl="0" eaLnBrk="1" latinLnBrk="0" hangingPunct="1">
-              <a:spcBef>
-                <a:spcPct val="20000"/>
-              </a:spcBef>
-              <a:buFont typeface="Arial"/>
-              <a:buNone/>
-              <a:defRPr sz="1800" kern="1200">
-                <a:solidFill>
-                  <a:schemeClr val="tx1">
-                    <a:tint val="75000"/>
-                  </a:schemeClr>
-                </a:solidFill>
-                <a:latin typeface="+mn-lt"/>
-                <a:ea typeface="+mn-ea"/>
-                <a:cs typeface="+mn-cs"/>
-              </a:defRPr>
-            </a:lvl2pPr>
-            <a:lvl3pPr marL="914400" indent="0" algn="l" defTabSz="457200" rtl="0" eaLnBrk="1" latinLnBrk="0" hangingPunct="1">
-              <a:spcBef>
-                <a:spcPct val="20000"/>
-              </a:spcBef>
-              <a:buFont typeface="Arial"/>
-              <a:buNone/>
-              <a:defRPr sz="1600" kern="1200">
-                <a:solidFill>
-                  <a:schemeClr val="tx1">
-                    <a:tint val="75000"/>
-                  </a:schemeClr>
-                </a:solidFill>
-                <a:latin typeface="+mn-lt"/>
-                <a:ea typeface="+mn-ea"/>
-                <a:cs typeface="+mn-cs"/>
-              </a:defRPr>
-            </a:lvl3pPr>
-            <a:lvl4pPr marL="1371600" indent="0" algn="l" defTabSz="457200" rtl="0" eaLnBrk="1" latinLnBrk="0" hangingPunct="1">
-              <a:spcBef>
-                <a:spcPct val="20000"/>
-              </a:spcBef>
-              <a:buFont typeface="Arial"/>
-              <a:buNone/>
-              <a:defRPr sz="1400" kern="1200">
-                <a:solidFill>
-                  <a:schemeClr val="tx1">
-                    <a:tint val="75000"/>
-                  </a:schemeClr>
-                </a:solidFill>
-                <a:latin typeface="+mn-lt"/>
-                <a:ea typeface="+mn-ea"/>
-                <a:cs typeface="+mn-cs"/>
-              </a:defRPr>
-            </a:lvl4pPr>
-            <a:lvl5pPr marL="1828800" indent="0" algn="l" defTabSz="457200" rtl="0" eaLnBrk="1" latinLnBrk="0" hangingPunct="1">
-              <a:spcBef>
-                <a:spcPct val="20000"/>
-              </a:spcBef>
-              <a:buFont typeface="Arial"/>
-              <a:buNone/>
-              <a:defRPr sz="1400" kern="1200">
-                <a:solidFill>
-                  <a:schemeClr val="tx1">
-                    <a:tint val="75000"/>
-                  </a:schemeClr>
-                </a:solidFill>
-                <a:latin typeface="+mn-lt"/>
-                <a:ea typeface="+mn-ea"/>
-                <a:cs typeface="+mn-cs"/>
-              </a:defRPr>
-            </a:lvl5pPr>
-            <a:lvl6pPr marL="2286000" indent="0" algn="l" defTabSz="457200" rtl="0" eaLnBrk="1" latinLnBrk="0" hangingPunct="1">
-              <a:spcBef>
-                <a:spcPct val="20000"/>
-              </a:spcBef>
-              <a:buFont typeface="Arial"/>
-              <a:buNone/>
-              <a:defRPr sz="1400" kern="1200">
-                <a:solidFill>
-                  <a:schemeClr val="tx1">
-                    <a:tint val="75000"/>
-                  </a:schemeClr>
-                </a:solidFill>
-                <a:latin typeface="+mn-lt"/>
-                <a:ea typeface="+mn-ea"/>
-                <a:cs typeface="+mn-cs"/>
-              </a:defRPr>
-            </a:lvl6pPr>
-            <a:lvl7pPr marL="2743200" indent="0" algn="l" defTabSz="457200" rtl="0" eaLnBrk="1" latinLnBrk="0" hangingPunct="1">
-              <a:spcBef>
-                <a:spcPct val="20000"/>
-              </a:spcBef>
-              <a:buFont typeface="Arial"/>
-              <a:buNone/>
-              <a:defRPr sz="1400" kern="1200">
-                <a:solidFill>
-                  <a:schemeClr val="tx1">
-                    <a:tint val="75000"/>
-                  </a:schemeClr>
-                </a:solidFill>
-                <a:latin typeface="+mn-lt"/>
-                <a:ea typeface="+mn-ea"/>
-                <a:cs typeface="+mn-cs"/>
-              </a:defRPr>
-            </a:lvl7pPr>
-            <a:lvl8pPr marL="3200400" indent="0" algn="l" defTabSz="457200" rtl="0" eaLnBrk="1" latinLnBrk="0" hangingPunct="1">
-              <a:spcBef>
-                <a:spcPct val="20000"/>
-              </a:spcBef>
-              <a:buFont typeface="Arial"/>
-              <a:buNone/>
-              <a:defRPr sz="1400" kern="1200">
-                <a:solidFill>
-                  <a:schemeClr val="tx1">
-                    <a:tint val="75000"/>
-                  </a:schemeClr>
-                </a:solidFill>
-                <a:latin typeface="+mn-lt"/>
-                <a:ea typeface="+mn-ea"/>
-                <a:cs typeface="+mn-cs"/>
-              </a:defRPr>
-            </a:lvl8pPr>
-            <a:lvl9pPr marL="3657600" indent="0" algn="l" defTabSz="457200" rtl="0" eaLnBrk="1" latinLnBrk="0" hangingPunct="1">
-              <a:spcBef>
-                <a:spcPct val="20000"/>
-              </a:spcBef>
-              <a:buFont typeface="Arial"/>
-              <a:buNone/>
-              <a:defRPr sz="1400" kern="1200">
-                <a:solidFill>
-                  <a:schemeClr val="tx1">
-                    <a:tint val="75000"/>
-                  </a:schemeClr>
-                </a:solidFill>
-                <a:latin typeface="+mn-lt"/>
-                <a:ea typeface="+mn-ea"/>
-                <a:cs typeface="+mn-cs"/>
-              </a:defRPr>
-            </a:lvl9pPr>
-          </a:lstStyle>
-          <a:p>
-            <a:pPr algn="ctr"/>
-            <a:r>
-              <a:rPr lang="en-GB" sz="2800" b="1" dirty="0" smtClean="0">
-                <a:solidFill>
-                  <a:srgbClr val="F8AC00"/>
-                </a:solidFill>
-                <a:latin typeface="Calibri" pitchFamily="34" charset="0"/>
-                <a:cs typeface="Calibri" pitchFamily="34" charset="0"/>
-              </a:rPr>
-              <a:t>Dr Solomon Amos</a:t>
-            </a:r>
-          </a:p>
-          <a:p>
-            <a:pPr algn="ctr"/>
-            <a:r>
-              <a:rPr lang="en-GB" dirty="0" smtClean="0">
-                <a:solidFill>
-                  <a:srgbClr val="F8AC00"/>
-                </a:solidFill>
-                <a:latin typeface="Calibri" pitchFamily="34" charset="0"/>
-                <a:cs typeface="Calibri" pitchFamily="34" charset="0"/>
-              </a:rPr>
-              <a:t>ac8880@coventry.ac.uk</a:t>
-            </a:r>
-          </a:p>
-          <a:p>
-            <a:pPr algn="ctr"/>
-            <a:endParaRPr lang="en-GB" dirty="0" smtClean="0">
-              <a:solidFill>
-                <a:srgbClr val="F8AC00"/>
-              </a:solidFill>
-              <a:latin typeface="Calibri" pitchFamily="34" charset="0"/>
-              <a:cs typeface="Calibri" pitchFamily="34" charset="0"/>
-            </a:endParaRPr>
-          </a:p>
-          <a:p>
-            <a:pPr algn="ctr"/>
-            <a:r>
-              <a:rPr lang="en-GB" dirty="0" smtClean="0">
-                <a:solidFill>
-                  <a:srgbClr val="F8AC00"/>
-                </a:solidFill>
-                <a:latin typeface="Calibri" pitchFamily="34" charset="0"/>
-                <a:cs typeface="Calibri" pitchFamily="34" charset="0"/>
-              </a:rPr>
-              <a:t>14</a:t>
-            </a:r>
-            <a:r>
-              <a:rPr lang="en-GB" baseline="30000" dirty="0" smtClean="0">
-                <a:solidFill>
-                  <a:srgbClr val="F8AC00"/>
-                </a:solidFill>
-                <a:latin typeface="Calibri" pitchFamily="34" charset="0"/>
-                <a:cs typeface="Calibri" pitchFamily="34" charset="0"/>
-              </a:rPr>
-              <a:t>th</a:t>
-            </a:r>
-            <a:r>
-              <a:rPr lang="en-GB" dirty="0" smtClean="0">
-                <a:solidFill>
-                  <a:srgbClr val="F8AC00"/>
-                </a:solidFill>
-                <a:latin typeface="Calibri" pitchFamily="34" charset="0"/>
-                <a:cs typeface="Calibri" pitchFamily="34" charset="0"/>
-              </a:rPr>
-              <a:t> January, 2019</a:t>
-            </a:r>
-            <a:endParaRPr lang="en-GB" dirty="0">
-              <a:solidFill>
-                <a:srgbClr val="F8AC00"/>
-              </a:solidFill>
-              <a:latin typeface="Calibri" pitchFamily="34" charset="0"/>
-              <a:cs typeface="Calibri" pitchFamily="34" charset="0"/>
-            </a:endParaRPr>
-          </a:p>
-        </p:txBody>
-      </p:sp>
-    </p:spTree>
-    <p:extLst>
-      <p:ext uri="{BB962C8B-B14F-4D97-AF65-F5344CB8AC3E}">
-        <p14:creationId xmlns:p14="http://schemas.microsoft.com/office/powerpoint/2010/main" val="1107350986"/>
-      </p:ext>
-    </p:extLst>
-  </p:cSld>
-  <p:clrMapOvr>
-    <a:masterClrMapping/>
-  </p:clrMapOvr>
-  <mc:AlternateContent xmlns:mc="http://schemas.openxmlformats.org/markup-compatibility/2006" xmlns:p14="http://schemas.microsoft.com/office/powerpoint/2010/main">
-    <mc:Choice Requires="p14">
-      <p:transition spd="slow" p14:dur="2000"/>
-    </mc:Choice>
-    <mc:Fallback xmlns="">
-      <p:transition spd="slow"/>
-    </mc:Fallback>
-  </mc:AlternateContent>
-  <p:timing>
-    <p:tnLst>
-      <p:par>
-        <p:cTn id="1" dur="indefinite" restart="never" nodeType="tmRoot"/>
-      </p:par>
-    </p:tnLst>
-  </p:timing>
-</p:sld>
-</file>
-
-<file path=ppt/slides/slide20.xml><?xml version="1.0" encoding="utf-8"?>
-<p:sld xmlns:a="http://schemas.openxmlformats.org/drawingml/2006/main" xmlns:r="http://schemas.openxmlformats.org/officeDocument/2006/relationships" xmlns:p="http://schemas.openxmlformats.org/presentationml/2006/main">
-  <p:cSld>
-    <p:spTree>
-      <p:nvGrpSpPr>
-        <p:cNvPr id="1" name=""/>
-        <p:cNvGrpSpPr/>
-        <p:nvPr/>
-      </p:nvGrpSpPr>
-      <p:grpSpPr>
-        <a:xfrm>
-          <a:off x="0" y="0"/>
-          <a:ext cx="0" cy="0"/>
-          <a:chOff x="0" y="0"/>
-          <a:chExt cx="0" cy="0"/>
-        </a:xfrm>
-      </p:grpSpPr>
-      <p:sp>
-        <p:nvSpPr>
-          <p:cNvPr id="2" name="Title 1"/>
-          <p:cNvSpPr>
-            <a:spLocks noGrp="1"/>
-          </p:cNvSpPr>
-          <p:nvPr>
-            <p:ph type="title"/>
-          </p:nvPr>
-        </p:nvSpPr>
-        <p:spPr/>
-        <p:txBody>
-          <a:bodyPr>
-            <a:normAutofit/>
-          </a:bodyPr>
-          <a:lstStyle/>
-          <a:p>
-            <a:r>
-              <a:rPr lang="en-GB" dirty="0"/>
-              <a:t>Boolean algebra and logic</a:t>
-            </a:r>
-            <a:endParaRPr lang="en-GB" dirty="0">
-              <a:latin typeface="Arial" panose="020B0604020202020204" pitchFamily="34" charset="0"/>
-              <a:cs typeface="Arial" panose="020B0604020202020204" pitchFamily="34" charset="0"/>
-            </a:endParaRPr>
-          </a:p>
-        </p:txBody>
-      </p:sp>
-      <p:sp>
-        <p:nvSpPr>
-          <p:cNvPr id="3" name="Content Placeholder 2"/>
-          <p:cNvSpPr>
-            <a:spLocks noGrp="1"/>
-          </p:cNvSpPr>
-          <p:nvPr>
-            <p:ph idx="1"/>
-          </p:nvPr>
-        </p:nvSpPr>
-        <p:spPr/>
-        <p:txBody>
-          <a:bodyPr>
-            <a:normAutofit/>
-          </a:bodyPr>
-          <a:lstStyle/>
-          <a:p>
-            <a:pPr marL="0" indent="0">
-              <a:buNone/>
-            </a:pPr>
-            <a:r>
-              <a:rPr lang="en-GB" b="1" dirty="0"/>
-              <a:t>Boolean algebra</a:t>
-            </a:r>
-            <a:r>
-              <a:rPr lang="en-GB" dirty="0"/>
-              <a:t> is a system of mathematics based on logic that has its own set of rules or laws which are used to define and reduce Boolean expressions.</a:t>
-            </a:r>
-            <a:endParaRPr lang="en-GB" b="1" dirty="0"/>
-          </a:p>
-          <a:p>
-            <a:pPr lvl="1"/>
-            <a:r>
-              <a:rPr lang="en-GB" dirty="0"/>
-              <a:t>Indispensable in the design of computer chips and integrated circuits. </a:t>
-            </a:r>
-          </a:p>
-          <a:p>
-            <a:pPr lvl="1"/>
-            <a:r>
-              <a:rPr lang="en-GB" dirty="0"/>
-              <a:t>Fundamental in the understanding and design of computing programs.</a:t>
-            </a:r>
-          </a:p>
-        </p:txBody>
-      </p:sp>
-      <p:sp>
-        <p:nvSpPr>
-          <p:cNvPr id="4" name="Slide Number Placeholder 3"/>
-          <p:cNvSpPr>
-            <a:spLocks noGrp="1"/>
-          </p:cNvSpPr>
-          <p:nvPr>
-            <p:ph type="sldNum" sz="quarter" idx="12"/>
-          </p:nvPr>
-        </p:nvSpPr>
-        <p:spPr/>
-        <p:txBody>
-          <a:bodyPr/>
-          <a:lstStyle/>
-          <a:p>
-            <a:pPr>
-              <a:defRPr/>
-            </a:pPr>
-            <a:r>
-              <a:rPr lang="en-GB"/>
-              <a:t>Slide  </a:t>
-            </a:r>
-            <a:fld id="{35EF31DC-37E0-46A7-B0BE-61665DB0F5C0}" type="slidenum">
-              <a:rPr lang="en-GB" smtClean="0"/>
-              <a:pPr>
-                <a:defRPr/>
-              </a:pPr>
-              <a:t>20</a:t>
-            </a:fld>
-            <a:endParaRPr lang="en-GB"/>
-          </a:p>
-        </p:txBody>
-      </p:sp>
-    </p:spTree>
-    <p:extLst>
-      <p:ext uri="{BB962C8B-B14F-4D97-AF65-F5344CB8AC3E}">
-        <p14:creationId xmlns:p14="http://schemas.microsoft.com/office/powerpoint/2010/main" val="3067452619"/>
-      </p:ext>
-    </p:extLst>
-  </p:cSld>
-  <p:clrMapOvr>
-    <a:masterClrMapping/>
-  </p:clrMapOvr>
-</p:sld>
-</file>
-
-<file path=ppt/slides/slide21.xml><?xml version="1.0" encoding="utf-8"?>
-<p:sld xmlns:a="http://schemas.openxmlformats.org/drawingml/2006/main" xmlns:r="http://schemas.openxmlformats.org/officeDocument/2006/relationships" xmlns:p="http://schemas.openxmlformats.org/presentationml/2006/main">
-  <p:cSld>
-    <p:spTree>
-      <p:nvGrpSpPr>
-        <p:cNvPr id="1" name=""/>
-        <p:cNvGrpSpPr/>
-        <p:nvPr/>
-      </p:nvGrpSpPr>
-      <p:grpSpPr>
-        <a:xfrm>
-          <a:off x="0" y="0"/>
-          <a:ext cx="0" cy="0"/>
-          <a:chOff x="0" y="0"/>
-          <a:chExt cx="0" cy="0"/>
-        </a:xfrm>
-      </p:grpSpPr>
-      <p:sp>
-        <p:nvSpPr>
-          <p:cNvPr id="2" name="Title 1"/>
-          <p:cNvSpPr>
-            <a:spLocks noGrp="1"/>
-          </p:cNvSpPr>
-          <p:nvPr>
-            <p:ph type="title"/>
-          </p:nvPr>
-        </p:nvSpPr>
-        <p:spPr/>
-        <p:txBody>
-          <a:bodyPr>
-            <a:normAutofit/>
-          </a:bodyPr>
-          <a:lstStyle/>
-          <a:p>
-            <a:r>
-              <a:rPr lang="en-GB" dirty="0"/>
-              <a:t>Boolean algebra and logic </a:t>
-            </a:r>
-            <a:endParaRPr lang="en-GB" dirty="0">
-              <a:latin typeface="Arial" panose="020B0604020202020204" pitchFamily="34" charset="0"/>
-              <a:cs typeface="Arial" panose="020B0604020202020204" pitchFamily="34" charset="0"/>
-            </a:endParaRPr>
-          </a:p>
-        </p:txBody>
-      </p:sp>
-      <p:sp>
-        <p:nvSpPr>
-          <p:cNvPr id="3" name="Content Placeholder 2"/>
-          <p:cNvSpPr>
-            <a:spLocks noGrp="1"/>
-          </p:cNvSpPr>
-          <p:nvPr>
-            <p:ph idx="1"/>
-          </p:nvPr>
-        </p:nvSpPr>
-        <p:spPr/>
-        <p:txBody>
-          <a:bodyPr>
-            <a:normAutofit fontScale="92500" lnSpcReduction="20000"/>
-          </a:bodyPr>
-          <a:lstStyle/>
-          <a:p>
-            <a:pPr marL="57150" indent="0">
-              <a:buNone/>
-            </a:pPr>
-            <a:r>
-              <a:rPr lang="en-GB" dirty="0"/>
-              <a:t>When dealing with Boolean expressions, we use bit values which represent a logic level “1” or a logic level “0” respectively.</a:t>
-            </a:r>
-          </a:p>
-          <a:p>
-            <a:pPr marL="57150" indent="0">
-              <a:buNone/>
-            </a:pPr>
-            <a:endParaRPr lang="en-GB" dirty="0"/>
-          </a:p>
-          <a:p>
-            <a:pPr marL="57150" indent="0">
-              <a:buNone/>
-            </a:pPr>
-            <a:r>
-              <a:rPr lang="en-GB" dirty="0"/>
-              <a:t>An expression can have an infinite number of variables all labelled individually to represent inputs to the expression. </a:t>
-            </a:r>
-          </a:p>
-          <a:p>
-            <a:pPr marL="57150" indent="0">
-              <a:buNone/>
-            </a:pPr>
-            <a:endParaRPr lang="en-GB" dirty="0"/>
-          </a:p>
-          <a:p>
-            <a:pPr marL="57150" indent="0">
-              <a:buNone/>
-            </a:pPr>
-            <a:r>
-              <a:rPr lang="en-GB" dirty="0"/>
-              <a:t>For example, variables X, Y, Z etc, giving us a logical expression of X + Y = Z, but each variable can ONLY be a 0 or a 1.</a:t>
-            </a:r>
-            <a:endParaRPr lang="en-GB" sz="3600" dirty="0"/>
-          </a:p>
-        </p:txBody>
-      </p:sp>
-      <p:sp>
-        <p:nvSpPr>
-          <p:cNvPr id="4" name="Slide Number Placeholder 3"/>
-          <p:cNvSpPr>
-            <a:spLocks noGrp="1"/>
-          </p:cNvSpPr>
-          <p:nvPr>
-            <p:ph type="sldNum" sz="quarter" idx="12"/>
-          </p:nvPr>
-        </p:nvSpPr>
-        <p:spPr/>
-        <p:txBody>
-          <a:bodyPr/>
-          <a:lstStyle/>
-          <a:p>
-            <a:pPr>
-              <a:defRPr/>
-            </a:pPr>
-            <a:r>
-              <a:rPr lang="en-GB"/>
-              <a:t>Slide  </a:t>
-            </a:r>
-            <a:fld id="{35EF31DC-37E0-46A7-B0BE-61665DB0F5C0}" type="slidenum">
-              <a:rPr lang="en-GB" smtClean="0"/>
-              <a:pPr>
-                <a:defRPr/>
-              </a:pPr>
-              <a:t>21</a:t>
-            </a:fld>
-            <a:endParaRPr lang="en-GB"/>
-          </a:p>
-        </p:txBody>
-      </p:sp>
-    </p:spTree>
-    <p:extLst>
-      <p:ext uri="{BB962C8B-B14F-4D97-AF65-F5344CB8AC3E}">
-        <p14:creationId xmlns:p14="http://schemas.microsoft.com/office/powerpoint/2010/main" val="288550795"/>
-      </p:ext>
-    </p:extLst>
-  </p:cSld>
-  <p:clrMapOvr>
-    <a:masterClrMapping/>
-  </p:clrMapOvr>
-</p:sld>
-</file>
-
-<file path=ppt/slides/slide22.xml><?xml version="1.0" encoding="utf-8"?>
-<p:sld xmlns:a="http://schemas.openxmlformats.org/drawingml/2006/main" xmlns:r="http://schemas.openxmlformats.org/officeDocument/2006/relationships" xmlns:p="http://schemas.openxmlformats.org/presentationml/2006/main">
-  <p:cSld>
-    <p:spTree>
-      <p:nvGrpSpPr>
-        <p:cNvPr id="1" name=""/>
-        <p:cNvGrpSpPr/>
-        <p:nvPr/>
-      </p:nvGrpSpPr>
-      <p:grpSpPr>
-        <a:xfrm>
-          <a:off x="0" y="0"/>
-          <a:ext cx="0" cy="0"/>
-          <a:chOff x="0" y="0"/>
-          <a:chExt cx="0" cy="0"/>
-        </a:xfrm>
-      </p:grpSpPr>
-      <p:sp>
-        <p:nvSpPr>
-          <p:cNvPr id="2" name="Title 1"/>
-          <p:cNvSpPr>
-            <a:spLocks noGrp="1"/>
-          </p:cNvSpPr>
-          <p:nvPr>
-            <p:ph type="title"/>
-          </p:nvPr>
-        </p:nvSpPr>
-        <p:spPr/>
-        <p:txBody>
-          <a:bodyPr>
-            <a:normAutofit/>
-          </a:bodyPr>
-          <a:lstStyle/>
-          <a:p>
-            <a:r>
-              <a:rPr lang="en-GB" dirty="0"/>
-              <a:t>Basic Operations</a:t>
-            </a:r>
-          </a:p>
-        </p:txBody>
-      </p:sp>
-      <p:sp>
-        <p:nvSpPr>
-          <p:cNvPr id="3" name="Content Placeholder 2"/>
-          <p:cNvSpPr>
-            <a:spLocks noGrp="1"/>
-          </p:cNvSpPr>
-          <p:nvPr>
-            <p:ph idx="1"/>
-          </p:nvPr>
-        </p:nvSpPr>
-        <p:spPr/>
-        <p:txBody>
-          <a:bodyPr>
-            <a:normAutofit fontScale="70000" lnSpcReduction="20000"/>
-          </a:bodyPr>
-          <a:lstStyle/>
-          <a:p>
-            <a:pPr marL="0" indent="0">
-              <a:buNone/>
-            </a:pPr>
-            <a:r>
-              <a:rPr lang="en-GB" dirty="0"/>
-              <a:t>There are three types of </a:t>
-            </a:r>
-            <a:r>
-              <a:rPr lang="en-GB" b="1" dirty="0"/>
-              <a:t>operations</a:t>
-            </a:r>
-            <a:r>
-              <a:rPr lang="en-GB" dirty="0"/>
-              <a:t>.</a:t>
-            </a:r>
-          </a:p>
-          <a:p>
-            <a:pPr marL="0" indent="0">
-              <a:buNone/>
-            </a:pPr>
-            <a:endParaRPr lang="en-GB" dirty="0"/>
-          </a:p>
-          <a:p>
-            <a:pPr marL="514350" indent="-514350">
-              <a:buFont typeface="+mj-lt"/>
-              <a:buAutoNum type="arabicPeriod"/>
-            </a:pPr>
-            <a:r>
-              <a:rPr lang="en-GB" dirty="0"/>
-              <a:t>AND </a:t>
-            </a:r>
-          </a:p>
-          <a:p>
-            <a:pPr marL="0" indent="0">
-              <a:buNone/>
-            </a:pPr>
-            <a:r>
-              <a:rPr lang="en-GB" dirty="0"/>
-              <a:t>Denoted as </a:t>
-            </a:r>
-            <a:r>
-              <a:rPr lang="en-GB" dirty="0">
-                <a:solidFill>
-                  <a:srgbClr val="FF0000"/>
-                </a:solidFill>
-              </a:rPr>
-              <a:t>∧</a:t>
-            </a:r>
-            <a:r>
-              <a:rPr lang="en-GB" dirty="0"/>
-              <a:t>, for example </a:t>
-            </a:r>
-            <a:r>
-              <a:rPr lang="en-GB" dirty="0">
-                <a:solidFill>
-                  <a:srgbClr val="FF0000"/>
-                </a:solidFill>
-              </a:rPr>
-              <a:t>X ∧ Y</a:t>
-            </a:r>
-            <a:r>
-              <a:rPr lang="en-GB" dirty="0"/>
-              <a:t>. AND can also be denoted using a dot </a:t>
-            </a:r>
-            <a:r>
-              <a:rPr lang="en-GB" b="1" dirty="0">
-                <a:solidFill>
-                  <a:srgbClr val="FF0000"/>
-                </a:solidFill>
-              </a:rPr>
-              <a:t>.</a:t>
-            </a:r>
-            <a:r>
-              <a:rPr lang="en-GB" dirty="0"/>
-              <a:t> between variables, as an example </a:t>
-            </a:r>
-            <a:r>
-              <a:rPr lang="en-GB" dirty="0">
-                <a:solidFill>
-                  <a:srgbClr val="FF0000"/>
-                </a:solidFill>
-              </a:rPr>
-              <a:t>X.Y</a:t>
-            </a:r>
-            <a:r>
-              <a:rPr lang="en-GB" dirty="0"/>
-              <a:t>. Alternatively the operator can also be emitted entirely, such as </a:t>
-            </a:r>
-            <a:r>
-              <a:rPr lang="en-GB" dirty="0">
-                <a:solidFill>
-                  <a:srgbClr val="FF0000"/>
-                </a:solidFill>
-              </a:rPr>
-              <a:t>XY</a:t>
-            </a:r>
-            <a:r>
-              <a:rPr lang="en-GB" dirty="0"/>
-              <a:t>. </a:t>
-            </a:r>
-          </a:p>
-          <a:p>
-            <a:pPr marL="0" indent="0">
-              <a:buNone/>
-            </a:pPr>
-            <a:endParaRPr lang="en-GB" dirty="0"/>
-          </a:p>
-          <a:p>
-            <a:pPr marL="514350" indent="-514350">
-              <a:buFont typeface="+mj-lt"/>
-              <a:buAutoNum type="arabicPeriod" startAt="2"/>
-            </a:pPr>
-            <a:r>
-              <a:rPr lang="en-GB" dirty="0"/>
-              <a:t>OR </a:t>
-            </a:r>
-          </a:p>
-          <a:p>
-            <a:pPr marL="0" indent="0">
-              <a:buNone/>
-            </a:pPr>
-            <a:r>
-              <a:rPr lang="en-GB" dirty="0"/>
-              <a:t>Denoted as </a:t>
-            </a:r>
-            <a:r>
-              <a:rPr lang="en-GB" dirty="0">
-                <a:solidFill>
-                  <a:srgbClr val="FF0000"/>
-                </a:solidFill>
-              </a:rPr>
-              <a:t>∨</a:t>
-            </a:r>
-            <a:r>
-              <a:rPr lang="en-GB" dirty="0"/>
-              <a:t>, for example </a:t>
-            </a:r>
-            <a:r>
-              <a:rPr lang="en-GB" dirty="0">
-                <a:solidFill>
-                  <a:srgbClr val="FF0000"/>
-                </a:solidFill>
-              </a:rPr>
-              <a:t>X ∨ Y</a:t>
-            </a:r>
-            <a:r>
-              <a:rPr lang="en-GB" dirty="0"/>
-              <a:t>. OR can also be denoted using a plus symbol </a:t>
-            </a:r>
-            <a:r>
-              <a:rPr lang="en-GB" dirty="0">
-                <a:solidFill>
-                  <a:srgbClr val="FF0000"/>
-                </a:solidFill>
-              </a:rPr>
-              <a:t>+</a:t>
-            </a:r>
-            <a:r>
-              <a:rPr lang="en-GB" dirty="0"/>
-              <a:t>, as an example </a:t>
-            </a:r>
-            <a:r>
-              <a:rPr lang="en-GB" dirty="0">
-                <a:solidFill>
-                  <a:srgbClr val="FF0000"/>
-                </a:solidFill>
-              </a:rPr>
-              <a:t>X + Y</a:t>
-            </a:r>
-            <a:r>
-              <a:rPr lang="en-GB" dirty="0"/>
-              <a:t>.</a:t>
-            </a:r>
-          </a:p>
-          <a:p>
-            <a:pPr marL="0" indent="0">
-              <a:buNone/>
-            </a:pPr>
-            <a:endParaRPr lang="en-GB" dirty="0"/>
-          </a:p>
-          <a:p>
-            <a:pPr marL="514350" indent="-514350">
-              <a:buFont typeface="+mj-lt"/>
-              <a:buAutoNum type="arabicPeriod" startAt="3"/>
-            </a:pPr>
-            <a:r>
-              <a:rPr lang="en-GB" dirty="0"/>
-              <a:t>NOT </a:t>
-            </a:r>
-          </a:p>
-          <a:p>
-            <a:pPr marL="0" indent="0">
-              <a:buNone/>
-            </a:pPr>
-            <a:r>
-              <a:rPr lang="en-GB" dirty="0"/>
-              <a:t>Denoted as </a:t>
-            </a:r>
-            <a:r>
-              <a:rPr lang="en-GB" dirty="0">
-                <a:solidFill>
-                  <a:srgbClr val="FF0000"/>
-                </a:solidFill>
-              </a:rPr>
-              <a:t>¬</a:t>
-            </a:r>
-            <a:r>
-              <a:rPr lang="en-GB" b="1" dirty="0"/>
-              <a:t>, </a:t>
-            </a:r>
-            <a:r>
-              <a:rPr lang="en-GB" dirty="0"/>
-              <a:t>for example </a:t>
-            </a:r>
-            <a:r>
-              <a:rPr lang="en-GB" dirty="0">
-                <a:solidFill>
-                  <a:srgbClr val="FF0000"/>
-                </a:solidFill>
-              </a:rPr>
-              <a:t>¬A</a:t>
-            </a:r>
-            <a:r>
-              <a:rPr lang="en-GB" dirty="0"/>
-              <a:t>.</a:t>
-            </a:r>
-          </a:p>
-        </p:txBody>
-      </p:sp>
-      <p:sp>
-        <p:nvSpPr>
-          <p:cNvPr id="4" name="Slide Number Placeholder 3"/>
-          <p:cNvSpPr>
-            <a:spLocks noGrp="1"/>
-          </p:cNvSpPr>
-          <p:nvPr>
-            <p:ph type="sldNum" sz="quarter" idx="12"/>
-          </p:nvPr>
-        </p:nvSpPr>
-        <p:spPr/>
-        <p:txBody>
-          <a:bodyPr/>
-          <a:lstStyle/>
-          <a:p>
-            <a:pPr>
-              <a:defRPr/>
-            </a:pPr>
-            <a:r>
-              <a:rPr lang="en-GB"/>
-              <a:t>Slide  </a:t>
-            </a:r>
-            <a:fld id="{35EF31DC-37E0-46A7-B0BE-61665DB0F5C0}" type="slidenum">
-              <a:rPr lang="en-GB" smtClean="0"/>
-              <a:pPr>
-                <a:defRPr/>
-              </a:pPr>
-              <a:t>22</a:t>
-            </a:fld>
-            <a:endParaRPr lang="en-GB"/>
-          </a:p>
-        </p:txBody>
-      </p:sp>
-    </p:spTree>
-    <p:extLst>
-      <p:ext uri="{BB962C8B-B14F-4D97-AF65-F5344CB8AC3E}">
-        <p14:creationId xmlns:p14="http://schemas.microsoft.com/office/powerpoint/2010/main" val="1653993734"/>
-      </p:ext>
-    </p:extLst>
-  </p:cSld>
-  <p:clrMapOvr>
-    <a:masterClrMapping/>
-  </p:clrMapOvr>
-</p:sld>
-</file>
-
-<file path=ppt/slides/slide23.xml><?xml version="1.0" encoding="utf-8"?>
-<p:sld xmlns:a="http://schemas.openxmlformats.org/drawingml/2006/main" xmlns:r="http://schemas.openxmlformats.org/officeDocument/2006/relationships" xmlns:p="http://schemas.openxmlformats.org/presentationml/2006/main">
-  <p:cSld>
-    <p:spTree>
-      <p:nvGrpSpPr>
-        <p:cNvPr id="1" name=""/>
-        <p:cNvGrpSpPr/>
-        <p:nvPr/>
-      </p:nvGrpSpPr>
-      <p:grpSpPr>
-        <a:xfrm>
-          <a:off x="0" y="0"/>
-          <a:ext cx="0" cy="0"/>
-          <a:chOff x="0" y="0"/>
-          <a:chExt cx="0" cy="0"/>
-        </a:xfrm>
-      </p:grpSpPr>
-      <p:sp>
-        <p:nvSpPr>
-          <p:cNvPr id="2" name="Title 1"/>
-          <p:cNvSpPr>
-            <a:spLocks noGrp="1"/>
-          </p:cNvSpPr>
-          <p:nvPr>
-            <p:ph type="title"/>
-          </p:nvPr>
-        </p:nvSpPr>
-        <p:spPr/>
-        <p:txBody>
-          <a:bodyPr>
-            <a:normAutofit/>
-          </a:bodyPr>
-          <a:lstStyle/>
-          <a:p>
-            <a:r>
-              <a:rPr lang="en-GB" dirty="0"/>
-              <a:t>Boolean Laws</a:t>
-            </a:r>
-          </a:p>
-        </p:txBody>
-      </p:sp>
-      <p:sp>
-        <p:nvSpPr>
-          <p:cNvPr id="3" name="Content Placeholder 2"/>
-          <p:cNvSpPr>
-            <a:spLocks noGrp="1"/>
-          </p:cNvSpPr>
-          <p:nvPr>
-            <p:ph idx="1"/>
-          </p:nvPr>
-        </p:nvSpPr>
-        <p:spPr/>
-        <p:txBody>
-          <a:bodyPr>
-            <a:normAutofit lnSpcReduction="10000"/>
-          </a:bodyPr>
-          <a:lstStyle/>
-          <a:p>
-            <a:pPr marL="0" indent="0">
-              <a:buNone/>
-            </a:pPr>
-            <a:r>
-              <a:rPr lang="en-GB" dirty="0"/>
-              <a:t>There are six types of </a:t>
-            </a:r>
-            <a:r>
-              <a:rPr lang="en-GB" b="1" dirty="0"/>
-              <a:t>Boolean Laws</a:t>
-            </a:r>
-            <a:r>
-              <a:rPr lang="en-GB" dirty="0"/>
-              <a:t>.</a:t>
-            </a:r>
-          </a:p>
-          <a:p>
-            <a:pPr marL="0" indent="0">
-              <a:buNone/>
-            </a:pPr>
-            <a:endParaRPr lang="en-GB" dirty="0"/>
-          </a:p>
-          <a:p>
-            <a:pPr marL="514350" indent="-514350">
-              <a:buFont typeface="+mj-lt"/>
-              <a:buAutoNum type="arabicPeriod"/>
-            </a:pPr>
-            <a:r>
-              <a:rPr lang="en-GB" dirty="0"/>
-              <a:t>Commutative law</a:t>
-            </a:r>
-          </a:p>
-          <a:p>
-            <a:pPr marL="514350" indent="-514350">
-              <a:buFont typeface="+mj-lt"/>
-              <a:buAutoNum type="arabicPeriod"/>
-            </a:pPr>
-            <a:r>
-              <a:rPr lang="en-GB" dirty="0"/>
-              <a:t>Associative law</a:t>
-            </a:r>
-          </a:p>
-          <a:p>
-            <a:pPr marL="514350" indent="-514350">
-              <a:buFont typeface="+mj-lt"/>
-              <a:buAutoNum type="arabicPeriod"/>
-            </a:pPr>
-            <a:r>
-              <a:rPr lang="en-GB" dirty="0"/>
-              <a:t>Distributive law</a:t>
-            </a:r>
-          </a:p>
-          <a:p>
-            <a:pPr marL="514350" indent="-514350">
-              <a:buFont typeface="+mj-lt"/>
-              <a:buAutoNum type="arabicPeriod"/>
-            </a:pPr>
-            <a:r>
-              <a:rPr lang="en-GB" dirty="0"/>
-              <a:t>AND law</a:t>
-            </a:r>
-          </a:p>
-          <a:p>
-            <a:pPr marL="514350" indent="-514350">
-              <a:buFont typeface="+mj-lt"/>
-              <a:buAutoNum type="arabicPeriod"/>
-            </a:pPr>
-            <a:r>
-              <a:rPr lang="en-GB" dirty="0"/>
-              <a:t>OR law</a:t>
-            </a:r>
-          </a:p>
-          <a:p>
-            <a:pPr marL="514350" indent="-514350">
-              <a:buFont typeface="+mj-lt"/>
-              <a:buAutoNum type="arabicPeriod"/>
-            </a:pPr>
-            <a:r>
-              <a:rPr lang="en-GB" dirty="0"/>
-              <a:t>INVERSION law</a:t>
-            </a:r>
-          </a:p>
-          <a:p>
-            <a:pPr marL="514350" indent="-514350">
-              <a:buFont typeface="+mj-lt"/>
-              <a:buAutoNum type="arabicPeriod"/>
-            </a:pPr>
-            <a:endParaRPr lang="en-GB" dirty="0"/>
-          </a:p>
-        </p:txBody>
-      </p:sp>
-      <p:sp>
-        <p:nvSpPr>
-          <p:cNvPr id="4" name="Slide Number Placeholder 3"/>
-          <p:cNvSpPr>
-            <a:spLocks noGrp="1"/>
-          </p:cNvSpPr>
-          <p:nvPr>
-            <p:ph type="sldNum" sz="quarter" idx="12"/>
-          </p:nvPr>
-        </p:nvSpPr>
-        <p:spPr/>
-        <p:txBody>
-          <a:bodyPr/>
-          <a:lstStyle/>
-          <a:p>
-            <a:pPr>
-              <a:defRPr/>
-            </a:pPr>
-            <a:r>
-              <a:rPr lang="en-GB"/>
-              <a:t>Slide  </a:t>
-            </a:r>
-            <a:fld id="{35EF31DC-37E0-46A7-B0BE-61665DB0F5C0}" type="slidenum">
-              <a:rPr lang="en-GB" smtClean="0"/>
-              <a:pPr>
-                <a:defRPr/>
-              </a:pPr>
-              <a:t>23</a:t>
-            </a:fld>
-            <a:endParaRPr lang="en-GB"/>
-          </a:p>
-        </p:txBody>
-      </p:sp>
-    </p:spTree>
-    <p:extLst>
-      <p:ext uri="{BB962C8B-B14F-4D97-AF65-F5344CB8AC3E}">
-        <p14:creationId xmlns:p14="http://schemas.microsoft.com/office/powerpoint/2010/main" val="3666983097"/>
-      </p:ext>
-    </p:extLst>
-  </p:cSld>
-  <p:clrMapOvr>
-    <a:masterClrMapping/>
-  </p:clrMapOvr>
-</p:sld>
-</file>
-
 <file path=ppt/slides/slide24.xml><?xml version="1.0" encoding="utf-8"?>
 <p:sld xmlns:a="http://schemas.openxmlformats.org/drawingml/2006/main" xmlns:r="http://schemas.openxmlformats.org/officeDocument/2006/relationships" xmlns:p="http://schemas.openxmlformats.org/presentationml/2006/main">
   <p:cSld>
@@ -8922,8 +9783,12 @@
           <a:p>
             <a:r>
               <a:rPr lang="en-GB" dirty="0"/>
-              <a:t>Boolean Laws</a:t>
-            </a:r>
+              <a:t>Boolean algebra and logic</a:t>
+            </a:r>
+            <a:endParaRPr lang="en-GB" dirty="0">
+              <a:latin typeface="Arial" panose="020B0604020202020204" pitchFamily="34" charset="0"/>
+              <a:cs typeface="Arial" panose="020B0604020202020204" pitchFamily="34" charset="0"/>
+            </a:endParaRPr>
           </a:p>
         </p:txBody>
       </p:sp>
@@ -8940,75 +9805,35 @@
         <p:spPr/>
         <p:txBody>
           <a:bodyPr>
-            <a:normAutofit lnSpcReduction="10000"/>
+            <a:normAutofit/>
           </a:bodyPr>
           <a:lstStyle/>
           <a:p>
-            <a:pPr marL="514350" indent="-514350">
-              <a:buFont typeface="+mj-lt"/>
-              <a:buAutoNum type="arabicPeriod"/>
-            </a:pPr>
-            <a:r>
-              <a:rPr lang="en-GB" dirty="0"/>
-              <a:t>The</a:t>
-            </a:r>
+            <a:pPr marL="0" indent="0">
+              <a:buNone/>
+            </a:pPr>
             <a:r>
               <a:rPr lang="en-GB" b="1" dirty="0"/>
-              <a:t> Commutative law </a:t>
-            </a:r>
-            <a:r>
-              <a:rPr lang="en-GB" dirty="0"/>
-              <a:t>states that changing the sequence of the variables does not have any effect on the output of a logic circuit.</a:t>
-            </a:r>
-          </a:p>
-          <a:p>
-            <a:pPr marL="514350" indent="-514350">
-              <a:buFont typeface="+mj-lt"/>
-              <a:buAutoNum type="arabicPeriod"/>
-            </a:pPr>
-            <a:endParaRPr lang="en-GB" dirty="0"/>
-          </a:p>
-          <a:p>
-            <a:pPr marL="0" indent="0">
-              <a:buNone/>
-            </a:pPr>
-            <a:r>
-              <a:rPr lang="en-GB" dirty="0"/>
-              <a:t>Any binary operation which satisfies the following expression is referred to as commutative operation:</a:t>
-            </a:r>
-          </a:p>
-          <a:p>
-            <a:pPr marL="0" indent="0" algn="ctr">
-              <a:buNone/>
-            </a:pPr>
-            <a:r>
-              <a:rPr lang="en-GB" dirty="0"/>
-              <a:t>(</a:t>
-            </a:r>
-            <a:r>
-              <a:rPr lang="en-GB" dirty="0" err="1"/>
-              <a:t>i</a:t>
-            </a:r>
-            <a:r>
-              <a:rPr lang="en-GB" dirty="0"/>
-              <a:t>.) </a:t>
-            </a:r>
-            <a:r>
-              <a:rPr lang="en-GB" i="1" dirty="0"/>
-              <a:t>A.B = B.A</a:t>
-            </a:r>
-          </a:p>
-          <a:p>
-            <a:pPr marL="0" indent="0" algn="ctr">
-              <a:buNone/>
-            </a:pPr>
-            <a:r>
-              <a:rPr lang="en-GB" dirty="0"/>
-              <a:t>(ii.) </a:t>
-            </a:r>
-            <a:r>
-              <a:rPr lang="en-GB" i="1" dirty="0"/>
-              <a:t>A+B = B+A</a:t>
+              <a:t>Boolean algebra</a:t>
+            </a:r>
+            <a:r>
+              <a:rPr lang="en-GB" dirty="0"/>
+              <a:t> is a system of mathematics based on logic that has its own set of rules or laws which are used to define and reduce Boolean expressions.</a:t>
+            </a:r>
+            <a:endParaRPr lang="en-GB" b="1" dirty="0"/>
+          </a:p>
+          <a:p>
+            <a:pPr lvl="1"/>
+            <a:r>
+              <a:rPr lang="en-GB" dirty="0"/>
+              <a:t>Indispensable in the design of computer chips and integrated circuits. </a:t>
+            </a:r>
+          </a:p>
+          <a:p>
+            <a:pPr lvl="1"/>
+            <a:r>
+              <a:rPr lang="en-GB" dirty="0"/>
+              <a:t>Fundamental in the understanding and design of computing programs.</a:t>
             </a:r>
           </a:p>
         </p:txBody>
@@ -9049,7 +9874,7 @@
     </p:spTree>
     <p:extLst>
       <p:ext uri="{BB962C8B-B14F-4D97-AF65-F5344CB8AC3E}">
-        <p14:creationId xmlns:p14="http://schemas.microsoft.com/office/powerpoint/2010/main" val="437017902"/>
+        <p14:creationId xmlns:p14="http://schemas.microsoft.com/office/powerpoint/2010/main" val="3067452619"/>
       </p:ext>
     </p:extLst>
   </p:cSld>
@@ -9095,8 +9920,12 @@
           <a:p>
             <a:r>
               <a:rPr lang="en-GB" dirty="0"/>
-              <a:t>Boolean Laws</a:t>
-            </a:r>
+              <a:t>Boolean algebra and logic </a:t>
+            </a:r>
+            <a:endParaRPr lang="en-GB" dirty="0">
+              <a:latin typeface="Arial" panose="020B0604020202020204" pitchFamily="34" charset="0"/>
+              <a:cs typeface="Arial" panose="020B0604020202020204" pitchFamily="34" charset="0"/>
+            </a:endParaRPr>
           </a:p>
         </p:txBody>
       </p:sp>
@@ -9113,75 +9942,48 @@
         <p:spPr/>
         <p:txBody>
           <a:bodyPr>
-            <a:normAutofit/>
+            <a:normAutofit fontScale="92500" lnSpcReduction="20000"/>
           </a:bodyPr>
           <a:lstStyle/>
           <a:p>
-            <a:pPr marL="514350" indent="-514350">
-              <a:buAutoNum type="arabicPeriod" startAt="2"/>
-            </a:pPr>
-            <a:r>
-              <a:rPr lang="en-GB" dirty="0"/>
-              <a:t>The</a:t>
-            </a:r>
-            <a:r>
-              <a:rPr lang="en-GB" b="1" dirty="0"/>
-              <a:t> Associative law </a:t>
-            </a:r>
-            <a:r>
-              <a:rPr lang="en-GB" dirty="0"/>
-              <a:t>states that the order in which the logic operations are performed is irrelevant as their effect is the same.</a:t>
-            </a:r>
-          </a:p>
-          <a:p>
-            <a:pPr marL="514350" indent="-514350">
-              <a:buAutoNum type="arabicPeriod" startAt="2"/>
-            </a:pPr>
-            <a:endParaRPr lang="en-GB" b="1" dirty="0"/>
-          </a:p>
-          <a:p>
-            <a:pPr marL="0" indent="0">
-              <a:buNone/>
-            </a:pPr>
-            <a:r>
-              <a:rPr lang="en-GB" dirty="0"/>
-              <a:t>For example:</a:t>
-            </a:r>
-          </a:p>
-          <a:p>
-            <a:pPr marL="0" indent="0" algn="ctr">
-              <a:buNone/>
-            </a:pPr>
-            <a:r>
-              <a:rPr lang="en-GB" dirty="0"/>
-              <a:t>(</a:t>
-            </a:r>
-            <a:r>
-              <a:rPr lang="en-GB" dirty="0" err="1"/>
-              <a:t>i</a:t>
-            </a:r>
-            <a:r>
-              <a:rPr lang="en-GB" dirty="0"/>
-              <a:t>.) </a:t>
-            </a:r>
-            <a:r>
-              <a:rPr lang="en-GB" i="1" dirty="0"/>
-              <a:t>(A.B).C = A.(B.C)</a:t>
-            </a:r>
-          </a:p>
-          <a:p>
-            <a:pPr marL="0" indent="0" algn="ctr">
-              <a:buNone/>
-            </a:pPr>
-            <a:r>
-              <a:rPr lang="en-GB" dirty="0"/>
-              <a:t>(ii.) </a:t>
-            </a:r>
-            <a:r>
-              <a:rPr lang="en-GB" i="1" dirty="0"/>
-              <a:t>(A+B)+C = A+(B+C)</a:t>
-            </a:r>
+            <a:pPr marL="57150" indent="0">
+              <a:buNone/>
+            </a:pPr>
+            <a:r>
+              <a:rPr lang="en-GB" dirty="0"/>
+              <a:t>When dealing with Boolean expressions, we use bit values which represent a logic level “1” or a logic level “0” respectively.</a:t>
+            </a:r>
+          </a:p>
+          <a:p>
+            <a:pPr marL="57150" indent="0">
+              <a:buNone/>
+            </a:pPr>
             <a:endParaRPr lang="en-GB" dirty="0"/>
+          </a:p>
+          <a:p>
+            <a:pPr marL="57150" indent="0">
+              <a:buNone/>
+            </a:pPr>
+            <a:r>
+              <a:rPr lang="en-GB" dirty="0"/>
+              <a:t>An expression can have an infinite number of variables all labelled individually to represent inputs to the expression. </a:t>
+            </a:r>
+          </a:p>
+          <a:p>
+            <a:pPr marL="57150" indent="0">
+              <a:buNone/>
+            </a:pPr>
+            <a:endParaRPr lang="en-GB" dirty="0"/>
+          </a:p>
+          <a:p>
+            <a:pPr marL="57150" indent="0">
+              <a:buNone/>
+            </a:pPr>
+            <a:r>
+              <a:rPr lang="en-GB" dirty="0"/>
+              <a:t>For example, variables X, Y, Z etc, giving us a logical expression of X + Y = Z, but each variable can ONLY be a 0 or a 1.</a:t>
+            </a:r>
+            <a:endParaRPr lang="en-GB" sz="3600" dirty="0"/>
           </a:p>
         </p:txBody>
       </p:sp>
@@ -9221,7 +10023,7 @@
     </p:spTree>
     <p:extLst>
       <p:ext uri="{BB962C8B-B14F-4D97-AF65-F5344CB8AC3E}">
-        <p14:creationId xmlns:p14="http://schemas.microsoft.com/office/powerpoint/2010/main" val="2184786431"/>
+        <p14:creationId xmlns:p14="http://schemas.microsoft.com/office/powerpoint/2010/main" val="288550795"/>
       </p:ext>
     </p:extLst>
   </p:cSld>
@@ -9267,7 +10069,7 @@
           <a:p>
             <a:r>
               <a:rPr lang="en-GB" dirty="0"/>
-              <a:t>Boolean Laws</a:t>
+              <a:t>Basic Operations</a:t>
             </a:r>
           </a:p>
         </p:txBody>
@@ -9285,9 +10087,190 @@
         <p:spPr/>
         <p:txBody>
           <a:bodyPr>
-            <a:normAutofit/>
+            <a:normAutofit fontScale="70000" lnSpcReduction="20000"/>
           </a:bodyPr>
           <a:lstStyle/>
+          <a:p>
+            <a:pPr marL="0" indent="0">
+              <a:buNone/>
+            </a:pPr>
+            <a:r>
+              <a:rPr lang="en-GB" dirty="0"/>
+              <a:t>There are three types of </a:t>
+            </a:r>
+            <a:r>
+              <a:rPr lang="en-GB" b="1" dirty="0"/>
+              <a:t>operations</a:t>
+            </a:r>
+            <a:r>
+              <a:rPr lang="en-GB" dirty="0"/>
+              <a:t>.</a:t>
+            </a:r>
+          </a:p>
+          <a:p>
+            <a:pPr marL="0" indent="0">
+              <a:buNone/>
+            </a:pPr>
+            <a:endParaRPr lang="en-GB" dirty="0"/>
+          </a:p>
+          <a:p>
+            <a:pPr marL="514350" indent="-514350">
+              <a:buFont typeface="+mj-lt"/>
+              <a:buAutoNum type="arabicPeriod"/>
+            </a:pPr>
+            <a:r>
+              <a:rPr lang="en-GB" dirty="0"/>
+              <a:t>AND </a:t>
+            </a:r>
+          </a:p>
+          <a:p>
+            <a:pPr marL="0" indent="0">
+              <a:buNone/>
+            </a:pPr>
+            <a:r>
+              <a:rPr lang="en-GB" dirty="0"/>
+              <a:t>Denoted as </a:t>
+            </a:r>
+            <a:r>
+              <a:rPr lang="en-GB" dirty="0">
+                <a:solidFill>
+                  <a:srgbClr val="FF0000"/>
+                </a:solidFill>
+              </a:rPr>
+              <a:t>∧</a:t>
+            </a:r>
+            <a:r>
+              <a:rPr lang="en-GB" dirty="0"/>
+              <a:t>, for example </a:t>
+            </a:r>
+            <a:r>
+              <a:rPr lang="en-GB" dirty="0">
+                <a:solidFill>
+                  <a:srgbClr val="FF0000"/>
+                </a:solidFill>
+              </a:rPr>
+              <a:t>X ∧ Y</a:t>
+            </a:r>
+            <a:r>
+              <a:rPr lang="en-GB" dirty="0"/>
+              <a:t>. AND can also be denoted using a dot </a:t>
+            </a:r>
+            <a:r>
+              <a:rPr lang="en-GB" b="1" dirty="0">
+                <a:solidFill>
+                  <a:srgbClr val="FF0000"/>
+                </a:solidFill>
+              </a:rPr>
+              <a:t>.</a:t>
+            </a:r>
+            <a:r>
+              <a:rPr lang="en-GB" dirty="0"/>
+              <a:t> between variables, as an example </a:t>
+            </a:r>
+            <a:r>
+              <a:rPr lang="en-GB" dirty="0">
+                <a:solidFill>
+                  <a:srgbClr val="FF0000"/>
+                </a:solidFill>
+              </a:rPr>
+              <a:t>X.Y</a:t>
+            </a:r>
+            <a:r>
+              <a:rPr lang="en-GB" dirty="0"/>
+              <a:t>. Alternatively the operator can also be emitted entirely, such as </a:t>
+            </a:r>
+            <a:r>
+              <a:rPr lang="en-GB" dirty="0">
+                <a:solidFill>
+                  <a:srgbClr val="FF0000"/>
+                </a:solidFill>
+              </a:rPr>
+              <a:t>XY</a:t>
+            </a:r>
+            <a:r>
+              <a:rPr lang="en-GB" dirty="0"/>
+              <a:t>. </a:t>
+            </a:r>
+          </a:p>
+          <a:p>
+            <a:pPr marL="0" indent="0">
+              <a:buNone/>
+            </a:pPr>
+            <a:endParaRPr lang="en-GB" dirty="0"/>
+          </a:p>
+          <a:p>
+            <a:pPr marL="514350" indent="-514350">
+              <a:buFont typeface="+mj-lt"/>
+              <a:buAutoNum type="arabicPeriod" startAt="2"/>
+            </a:pPr>
+            <a:r>
+              <a:rPr lang="en-GB" dirty="0"/>
+              <a:t>OR </a:t>
+            </a:r>
+          </a:p>
+          <a:p>
+            <a:pPr marL="0" indent="0">
+              <a:buNone/>
+            </a:pPr>
+            <a:r>
+              <a:rPr lang="en-GB" dirty="0"/>
+              <a:t>Denoted as </a:t>
+            </a:r>
+            <a:r>
+              <a:rPr lang="en-GB" dirty="0">
+                <a:solidFill>
+                  <a:srgbClr val="FF0000"/>
+                </a:solidFill>
+              </a:rPr>
+              <a:t>∨</a:t>
+            </a:r>
+            <a:r>
+              <a:rPr lang="en-GB" dirty="0"/>
+              <a:t>, for example </a:t>
+            </a:r>
+            <a:r>
+              <a:rPr lang="en-GB" dirty="0">
+                <a:solidFill>
+                  <a:srgbClr val="FF0000"/>
+                </a:solidFill>
+              </a:rPr>
+              <a:t>X ∨ Y</a:t>
+            </a:r>
+            <a:r>
+              <a:rPr lang="en-GB" dirty="0"/>
+              <a:t>. OR can also be denoted using a plus symbol </a:t>
+            </a:r>
+            <a:r>
+              <a:rPr lang="en-GB" dirty="0">
+                <a:solidFill>
+                  <a:srgbClr val="FF0000"/>
+                </a:solidFill>
+              </a:rPr>
+              <a:t>+</a:t>
+            </a:r>
+            <a:r>
+              <a:rPr lang="en-GB" dirty="0"/>
+              <a:t>, as an example </a:t>
+            </a:r>
+            <a:r>
+              <a:rPr lang="en-GB" dirty="0">
+                <a:solidFill>
+                  <a:srgbClr val="FF0000"/>
+                </a:solidFill>
+              </a:rPr>
+              <a:t>X + Y</a:t>
+            </a:r>
+            <a:r>
+              <a:rPr lang="en-GB" dirty="0"/>
+              <a:t>.</a:t>
+            </a:r>
+          </a:p>
+          <a:p>
+            <a:pPr marL="0" indent="0">
+              <a:buNone/>
+            </a:pPr>
+            <a:endParaRPr lang="en-GB" dirty="0"/>
+          </a:p>
           <a:p>
             <a:pPr marL="514350" indent="-514350">
               <a:buFont typeface="+mj-lt"/>
@@ -9295,48 +10278,45 @@
             </a:pPr>
             <a:r>
               <a:rPr lang="en-GB" dirty="0"/>
-              <a:t>The</a:t>
+              <a:t>NOT </a:t>
+            </a:r>
+          </a:p>
+          <a:p>
+            <a:pPr marL="0" indent="0">
+              <a:buNone/>
+            </a:pPr>
+            <a:r>
+              <a:rPr lang="en-GB" dirty="0"/>
+              <a:t>Denoted as </a:t>
+            </a:r>
+            <a:r>
+              <a:rPr lang="en-GB" dirty="0">
+                <a:solidFill>
+                  <a:srgbClr val="FF0000"/>
+                </a:solidFill>
+              </a:rPr>
+              <a:t>¬</a:t>
             </a:r>
             <a:r>
               <a:rPr lang="en-GB" b="1" dirty="0"/>
-              <a:t> Distributive law </a:t>
-            </a:r>
-            <a:r>
-              <a:rPr lang="en-GB" dirty="0"/>
-              <a:t>states that multiplying a number by a group of numbers added together is the same as doing each multiplication separately.</a:t>
-            </a:r>
-          </a:p>
-          <a:p>
-            <a:pPr marL="514350" indent="-514350">
-              <a:buFont typeface="Arial"/>
-              <a:buAutoNum type="arabicPeriod" startAt="2"/>
-            </a:pPr>
-            <a:endParaRPr lang="en-GB" b="1" dirty="0"/>
-          </a:p>
-          <a:p>
-            <a:pPr marL="0" indent="0">
-              <a:buNone/>
-            </a:pPr>
-            <a:r>
-              <a:rPr lang="en-GB" dirty="0"/>
-              <a:t>For example:</a:t>
-            </a:r>
-          </a:p>
-          <a:p>
-            <a:pPr marL="0" indent="0" algn="ctr">
-              <a:buNone/>
-            </a:pPr>
-            <a:r>
-              <a:rPr lang="en-GB" i="1" dirty="0"/>
-              <a:t>A.(B+C) = A.B + A.C</a:t>
-            </a:r>
-          </a:p>
-          <a:p>
-            <a:pPr marL="514350" indent="-514350">
-              <a:buFont typeface="+mj-lt"/>
-              <a:buAutoNum type="arabicPeriod"/>
-            </a:pPr>
-            <a:endParaRPr lang="en-GB" dirty="0"/>
+              <a:t>, </a:t>
+            </a:r>
+            <a:r>
+              <a:rPr lang="en-GB" dirty="0"/>
+              <a:t>for example </a:t>
+            </a:r>
+            <a:r>
+              <a:rPr lang="en-GB" dirty="0">
+                <a:solidFill>
+                  <a:srgbClr val="FF0000"/>
+                </a:solidFill>
+              </a:rPr>
+              <a:t>¬A</a:t>
+            </a:r>
+            <a:r>
+              <a:rPr lang="en-GB" dirty="0"/>
+              <a:t>.</a:t>
+            </a:r>
           </a:p>
         </p:txBody>
       </p:sp>
@@ -9376,7 +10356,7 @@
     </p:spTree>
     <p:extLst>
       <p:ext uri="{BB962C8B-B14F-4D97-AF65-F5344CB8AC3E}">
-        <p14:creationId xmlns:p14="http://schemas.microsoft.com/office/powerpoint/2010/main" val="1023800453"/>
+        <p14:creationId xmlns:p14="http://schemas.microsoft.com/office/powerpoint/2010/main" val="1653993734"/>
       </p:ext>
     </p:extLst>
   </p:cSld>
@@ -9440,89 +10420,98 @@
         <p:spPr/>
         <p:txBody>
           <a:bodyPr>
-            <a:normAutofit/>
+            <a:normAutofit lnSpcReduction="10000"/>
           </a:bodyPr>
           <a:lstStyle/>
+          <a:p>
+            <a:pPr marL="0" indent="0">
+              <a:buNone/>
+            </a:pPr>
+            <a:r>
+              <a:rPr lang="en-GB" dirty="0"/>
+              <a:t>There are six types of </a:t>
+            </a:r>
+            <a:r>
+              <a:rPr lang="en-GB" b="1" dirty="0"/>
+              <a:t>Boolean Laws</a:t>
+            </a:r>
+            <a:r>
+              <a:rPr lang="en-GB" dirty="0"/>
+              <a:t>.</a:t>
+            </a:r>
+          </a:p>
+          <a:p>
+            <a:pPr marL="0" indent="0">
+              <a:buNone/>
+            </a:pPr>
+            <a:endParaRPr lang="en-GB" dirty="0"/>
+          </a:p>
           <a:p>
             <a:pPr marL="514350" indent="-514350">
               <a:buFont typeface="+mj-lt"/>
-              <a:buAutoNum type="arabicPeriod" startAt="4"/>
-            </a:pPr>
-            <a:r>
-              <a:rPr lang="en-GB" dirty="0"/>
-              <a:t>The</a:t>
-            </a:r>
-            <a:r>
-              <a:rPr lang="en-GB" b="1" dirty="0"/>
-              <a:t> AND law </a:t>
-            </a:r>
-            <a:r>
-              <a:rPr lang="en-GB" dirty="0"/>
-              <a:t>uses the AND operation. </a:t>
-            </a:r>
-          </a:p>
-          <a:p>
-            <a:pPr marL="0" indent="0">
-              <a:buNone/>
+              <a:buAutoNum type="arabicPeriod"/>
+            </a:pPr>
+            <a:r>
+              <a:rPr lang="en-GB" dirty="0"/>
+              <a:t>Commutative law</a:t>
+            </a:r>
+          </a:p>
+          <a:p>
+            <a:pPr marL="514350" indent="-514350">
+              <a:buFont typeface="+mj-lt"/>
+              <a:buAutoNum type="arabicPeriod"/>
+            </a:pPr>
+            <a:r>
+              <a:rPr lang="en-GB" dirty="0"/>
+              <a:t>Associative law</a:t>
+            </a:r>
+          </a:p>
+          <a:p>
+            <a:pPr marL="514350" indent="-514350">
+              <a:buFont typeface="+mj-lt"/>
+              <a:buAutoNum type="arabicPeriod"/>
+            </a:pPr>
+            <a:r>
+              <a:rPr lang="en-GB" dirty="0"/>
+              <a:t>Distributive law</a:t>
+            </a:r>
+          </a:p>
+          <a:p>
+            <a:pPr marL="514350" indent="-514350">
+              <a:buFont typeface="+mj-lt"/>
+              <a:buAutoNum type="arabicPeriod"/>
+            </a:pPr>
+            <a:r>
+              <a:rPr lang="en-GB" dirty="0"/>
+              <a:t>AND law</a:t>
+            </a:r>
+          </a:p>
+          <a:p>
+            <a:pPr marL="514350" indent="-514350">
+              <a:buFont typeface="+mj-lt"/>
+              <a:buAutoNum type="arabicPeriod"/>
+            </a:pPr>
+            <a:r>
+              <a:rPr lang="en-GB" dirty="0"/>
+              <a:t>OR law</a:t>
+            </a:r>
+          </a:p>
+          <a:p>
+            <a:pPr marL="514350" indent="-514350">
+              <a:buFont typeface="+mj-lt"/>
+              <a:buAutoNum type="arabicPeriod"/>
+            </a:pPr>
+            <a:r>
+              <a:rPr lang="en-GB" dirty="0"/>
+              <a:t>INVERSION law</a:t>
+            </a:r>
+          </a:p>
+          <a:p>
+            <a:pPr marL="514350" indent="-514350">
+              <a:buFont typeface="+mj-lt"/>
+              <a:buAutoNum type="arabicPeriod"/>
             </a:pPr>
             <a:endParaRPr lang="en-GB" dirty="0"/>
-          </a:p>
-          <a:p>
-            <a:pPr marL="0" indent="0">
-              <a:buNone/>
-            </a:pPr>
-            <a:r>
-              <a:rPr lang="en-GB" dirty="0"/>
-              <a:t>For example:</a:t>
-            </a:r>
-          </a:p>
-          <a:p>
-            <a:pPr marL="0" indent="0" algn="ctr">
-              <a:buNone/>
-            </a:pPr>
-            <a:r>
-              <a:rPr lang="en-GB" i="1" dirty="0"/>
-              <a:t>(</a:t>
-            </a:r>
-            <a:r>
-              <a:rPr lang="en-GB" i="1" dirty="0" err="1"/>
-              <a:t>i</a:t>
-            </a:r>
-            <a:r>
-              <a:rPr lang="en-GB" i="1" dirty="0"/>
-              <a:t>.) A.0 = 0 </a:t>
-            </a:r>
-          </a:p>
-          <a:p>
-            <a:pPr marL="0" indent="0" algn="ctr">
-              <a:buNone/>
-            </a:pPr>
-            <a:r>
-              <a:rPr lang="en-GB" i="1" dirty="0"/>
-              <a:t>(ii.) A.1 = A</a:t>
-            </a:r>
-          </a:p>
-          <a:p>
-            <a:pPr marL="0" indent="0" algn="ctr">
-              <a:buNone/>
-            </a:pPr>
-            <a:r>
-              <a:rPr lang="en-GB" i="1" dirty="0"/>
-              <a:t>(iii.) A.A = A</a:t>
-            </a:r>
-          </a:p>
-          <a:p>
-            <a:pPr marL="0" indent="0" algn="ctr">
-              <a:buNone/>
-            </a:pPr>
-            <a:r>
-              <a:rPr lang="en-GB" i="1" dirty="0"/>
-              <a:t>(iv.) A.</a:t>
-            </a:r>
-            <a:r>
-              <a:rPr lang="en-GB" dirty="0"/>
-              <a:t>¬A = 0</a:t>
-            </a:r>
           </a:p>
         </p:txBody>
       </p:sp>
@@ -9562,7 +10551,7 @@
     </p:spTree>
     <p:extLst>
       <p:ext uri="{BB962C8B-B14F-4D97-AF65-F5344CB8AC3E}">
-        <p14:creationId xmlns:p14="http://schemas.microsoft.com/office/powerpoint/2010/main" val="4190177251"/>
+        <p14:creationId xmlns:p14="http://schemas.microsoft.com/office/powerpoint/2010/main" val="3666983097"/>
       </p:ext>
     </p:extLst>
   </p:cSld>
@@ -9626,97 +10615,76 @@
         <p:spPr/>
         <p:txBody>
           <a:bodyPr>
-            <a:normAutofit/>
+            <a:normAutofit lnSpcReduction="10000"/>
           </a:bodyPr>
           <a:lstStyle/>
-          <a:p>
-            <a:pPr marL="514350" indent="-514350">
-              <a:buFont typeface="+mj-lt"/>
-              <a:buAutoNum type="arabicPeriod" startAt="5"/>
-            </a:pPr>
-            <a:r>
-              <a:rPr lang="en-GB" dirty="0"/>
-              <a:t>The</a:t>
-            </a:r>
-            <a:r>
-              <a:rPr lang="en-GB" b="1" dirty="0"/>
-              <a:t> OR law </a:t>
-            </a:r>
-            <a:r>
-              <a:rPr lang="en-GB" dirty="0"/>
-              <a:t>uses the OR operation. </a:t>
-            </a:r>
-          </a:p>
-          <a:p>
-            <a:pPr marL="514350" indent="-514350">
-              <a:buFont typeface="+mj-lt"/>
-              <a:buAutoNum type="arabicPeriod" startAt="5"/>
-            </a:pPr>
-            <a:endParaRPr lang="en-GB" dirty="0"/>
-          </a:p>
-          <a:p>
-            <a:pPr marL="0" indent="0">
-              <a:buNone/>
-            </a:pPr>
-            <a:r>
-              <a:rPr lang="en-GB" dirty="0"/>
-              <a:t>For example:</a:t>
-            </a:r>
-          </a:p>
-          <a:p>
-            <a:pPr marL="0" indent="0" algn="ctr">
-              <a:buNone/>
-            </a:pPr>
-            <a:r>
-              <a:rPr lang="en-GB" i="1" dirty="0"/>
-              <a:t>(</a:t>
-            </a:r>
-            <a:r>
-              <a:rPr lang="en-GB" i="1" dirty="0" err="1"/>
-              <a:t>i</a:t>
-            </a:r>
-            <a:r>
-              <a:rPr lang="en-GB" i="1" dirty="0"/>
-              <a:t>.) A+0 = A</a:t>
-            </a:r>
-          </a:p>
-          <a:p>
-            <a:pPr marL="0" indent="0" algn="ctr">
-              <a:buNone/>
-            </a:pPr>
-            <a:r>
-              <a:rPr lang="en-GB" i="1" dirty="0"/>
-              <a:t>(ii.) A+1 = 1</a:t>
-            </a:r>
-          </a:p>
-          <a:p>
-            <a:pPr marL="0" indent="0" algn="ctr">
-              <a:buNone/>
-            </a:pPr>
-            <a:r>
-              <a:rPr lang="en-GB" i="1" dirty="0"/>
-              <a:t>(iii.) A+A = A</a:t>
-            </a:r>
-          </a:p>
-          <a:p>
-            <a:pPr marL="0" indent="0" algn="ctr">
-              <a:buNone/>
-            </a:pPr>
-            <a:r>
-              <a:rPr lang="en-GB" i="1" dirty="0"/>
-              <a:t>(iv.) A+</a:t>
-            </a:r>
-            <a:r>
-              <a:rPr lang="en-GB" dirty="0"/>
-              <a:t>¬A = 1</a:t>
-            </a:r>
-          </a:p>
           <a:p>
             <a:pPr marL="514350" indent="-514350">
               <a:buFont typeface="+mj-lt"/>
               <a:buAutoNum type="arabicPeriod"/>
             </a:pPr>
+            <a:r>
+              <a:rPr lang="en-GB" dirty="0"/>
+              <a:t>The</a:t>
+            </a:r>
+            <a:r>
+              <a:rPr lang="en-GB" b="1" dirty="0"/>
+              <a:t> Commutative law </a:t>
+            </a:r>
+            <a:r>
+              <a:rPr lang="en-GB" dirty="0"/>
+              <a:t>states that changing the sequence of the variables does not have any effect on the output of a logic circuit.</a:t>
+            </a:r>
+          </a:p>
+          <a:p>
+            <a:pPr marL="514350" indent="-514350">
+              <a:buFont typeface="+mj-lt"/>
+              <a:buAutoNum type="arabicPeriod"/>
+            </a:pPr>
             <a:endParaRPr lang="en-GB" dirty="0"/>
+          </a:p>
+          <a:p>
+            <a:pPr marL="0" indent="0">
+              <a:buNone/>
+            </a:pPr>
+            <a:r>
+              <a:rPr lang="en-GB" dirty="0"/>
+              <a:t>Any binary operation which satisfies the following expression is referred to as commutative operation:</a:t>
+            </a:r>
+          </a:p>
+          <a:p>
+            <a:pPr marL="0" indent="0" algn="ctr">
+              <a:buNone/>
+            </a:pPr>
+            <a:r>
+              <a:rPr lang="en-GB" dirty="0"/>
+              <a:t>(</a:t>
+            </a:r>
+            <a:r>
+              <a:rPr lang="en-GB" dirty="0" err="1"/>
+              <a:t>i</a:t>
+            </a:r>
+            <a:r>
+              <a:rPr lang="en-GB" dirty="0"/>
+              <a:t>.) </a:t>
+            </a:r>
+            <a:r>
+              <a:rPr lang="en-GB" i="1" dirty="0"/>
+              <a:t>A.B = B.A</a:t>
+            </a:r>
+          </a:p>
+          <a:p>
+            <a:pPr marL="0" indent="0" algn="ctr">
+              <a:buNone/>
+            </a:pPr>
+            <a:r>
+              <a:rPr lang="en-GB" dirty="0"/>
+              <a:t>(ii.) </a:t>
+            </a:r>
+            <a:r>
+              <a:rPr lang="en-GB" i="1" dirty="0"/>
+              <a:t>A+B = B+A</a:t>
+            </a:r>
           </a:p>
         </p:txBody>
       </p:sp>
@@ -9756,7 +10724,7 @@
     </p:spTree>
     <p:extLst>
       <p:ext uri="{BB962C8B-B14F-4D97-AF65-F5344CB8AC3E}">
-        <p14:creationId xmlns:p14="http://schemas.microsoft.com/office/powerpoint/2010/main" val="4145492407"/>
+        <p14:creationId xmlns:p14="http://schemas.microsoft.com/office/powerpoint/2010/main" val="437017902"/>
       </p:ext>
     </p:extLst>
   </p:cSld>
@@ -9825,8 +10793,7 @@
           <a:lstStyle/>
           <a:p>
             <a:pPr marL="514350" indent="-514350">
-              <a:buFont typeface="+mj-lt"/>
-              <a:buAutoNum type="arabicPeriod" startAt="6"/>
+              <a:buAutoNum type="arabicPeriod" startAt="2"/>
             </a:pPr>
             <a:r>
               <a:rPr lang="en-GB" dirty="0"/>
@@ -9834,12 +10801,17 @@
             </a:r>
             <a:r>
               <a:rPr lang="en-GB" b="1" dirty="0"/>
-              <a:t> INVERSION law </a:t>
-            </a:r>
-            <a:r>
-              <a:rPr lang="en-GB" dirty="0"/>
-              <a:t>uses the NOT operation. The inversion law states that double inversion of a variable results in the original variable itself.</a:t>
-            </a:r>
+              <a:t> Associative law </a:t>
+            </a:r>
+            <a:r>
+              <a:rPr lang="en-GB" dirty="0"/>
+              <a:t>states that the order in which the logic operations are performed is irrelevant as their effect is the same.</a:t>
+            </a:r>
+          </a:p>
+          <a:p>
+            <a:pPr marL="514350" indent="-514350">
+              <a:buAutoNum type="arabicPeriod" startAt="2"/>
+            </a:pPr>
             <a:endParaRPr lang="en-GB" b="1" dirty="0"/>
           </a:p>
           <a:p>
@@ -9857,15 +10829,33 @@
             </a:pPr>
             <a:r>
               <a:rPr lang="en-GB" dirty="0"/>
-              <a:t>¬¬A = A</a:t>
-            </a:r>
-            <a:endParaRPr lang="en-GB" i="1" dirty="0"/>
-          </a:p>
-          <a:p>
-            <a:pPr marL="514350" indent="-514350">
-              <a:buFont typeface="+mj-lt"/>
-              <a:buAutoNum type="arabicPeriod"/>
-            </a:pPr>
+              <a:t>(</a:t>
+            </a:r>
+            <a:r>
+              <a:rPr lang="en-GB" dirty="0" err="1"/>
+              <a:t>i</a:t>
+            </a:r>
+            <a:r>
+              <a:rPr lang="en-GB" dirty="0"/>
+              <a:t>.) </a:t>
+            </a:r>
+            <a:r>
+              <a:rPr lang="en-GB" i="1" dirty="0"/>
+              <a:t>(A.B).C = A.(B.C)</a:t>
+            </a:r>
+          </a:p>
+          <a:p>
+            <a:pPr marL="0" indent="0" algn="ctr">
+              <a:buNone/>
+            </a:pPr>
+            <a:r>
+              <a:rPr lang="en-GB" dirty="0"/>
+              <a:t>(ii.) </a:t>
+            </a:r>
+            <a:r>
+              <a:rPr lang="en-GB" i="1" dirty="0"/>
+              <a:t>(A+B)+C = A+(B+C)</a:t>
+            </a:r>
             <a:endParaRPr lang="en-GB" dirty="0"/>
           </a:p>
         </p:txBody>
@@ -9906,7 +10896,7 @@
     </p:spTree>
     <p:extLst>
       <p:ext uri="{BB962C8B-B14F-4D97-AF65-F5344CB8AC3E}">
-        <p14:creationId xmlns:p14="http://schemas.microsoft.com/office/powerpoint/2010/main" val="3819966909"/>
+        <p14:creationId xmlns:p14="http://schemas.microsoft.com/office/powerpoint/2010/main" val="2184786431"/>
       </p:ext>
     </p:extLst>
   </p:cSld>
@@ -10142,6 +11132,691 @@
       </p:grpSpPr>
       <p:sp>
         <p:nvSpPr>
+          <p:cNvPr id="2" name="Title 1"/>
+          <p:cNvSpPr>
+            <a:spLocks noGrp="1"/>
+          </p:cNvSpPr>
+          <p:nvPr>
+            <p:ph type="title"/>
+          </p:nvPr>
+        </p:nvSpPr>
+        <p:spPr/>
+        <p:txBody>
+          <a:bodyPr>
+            <a:normAutofit/>
+          </a:bodyPr>
+          <a:lstStyle/>
+          <a:p>
+            <a:r>
+              <a:rPr lang="en-GB" dirty="0"/>
+              <a:t>Boolean Laws</a:t>
+            </a:r>
+          </a:p>
+        </p:txBody>
+      </p:sp>
+      <p:sp>
+        <p:nvSpPr>
+          <p:cNvPr id="3" name="Content Placeholder 2"/>
+          <p:cNvSpPr>
+            <a:spLocks noGrp="1"/>
+          </p:cNvSpPr>
+          <p:nvPr>
+            <p:ph idx="1"/>
+          </p:nvPr>
+        </p:nvSpPr>
+        <p:spPr/>
+        <p:txBody>
+          <a:bodyPr>
+            <a:normAutofit/>
+          </a:bodyPr>
+          <a:lstStyle/>
+          <a:p>
+            <a:pPr marL="514350" indent="-514350">
+              <a:buFont typeface="+mj-lt"/>
+              <a:buAutoNum type="arabicPeriod" startAt="3"/>
+            </a:pPr>
+            <a:r>
+              <a:rPr lang="en-GB" dirty="0"/>
+              <a:t>The</a:t>
+            </a:r>
+            <a:r>
+              <a:rPr lang="en-GB" b="1" dirty="0"/>
+              <a:t> Distributive law </a:t>
+            </a:r>
+            <a:r>
+              <a:rPr lang="en-GB" dirty="0"/>
+              <a:t>states that multiplying a number by a group of numbers added together is the same as doing each multiplication separately.</a:t>
+            </a:r>
+          </a:p>
+          <a:p>
+            <a:pPr marL="514350" indent="-514350">
+              <a:buFont typeface="Arial"/>
+              <a:buAutoNum type="arabicPeriod" startAt="2"/>
+            </a:pPr>
+            <a:endParaRPr lang="en-GB" b="1" dirty="0"/>
+          </a:p>
+          <a:p>
+            <a:pPr marL="0" indent="0">
+              <a:buNone/>
+            </a:pPr>
+            <a:r>
+              <a:rPr lang="en-GB" dirty="0"/>
+              <a:t>For example:</a:t>
+            </a:r>
+          </a:p>
+          <a:p>
+            <a:pPr marL="0" indent="0" algn="ctr">
+              <a:buNone/>
+            </a:pPr>
+            <a:r>
+              <a:rPr lang="en-GB" i="1" dirty="0"/>
+              <a:t>A.(B+C) = A.B + A.C</a:t>
+            </a:r>
+          </a:p>
+          <a:p>
+            <a:pPr marL="514350" indent="-514350">
+              <a:buFont typeface="+mj-lt"/>
+              <a:buAutoNum type="arabicPeriod"/>
+            </a:pPr>
+            <a:endParaRPr lang="en-GB" dirty="0"/>
+          </a:p>
+        </p:txBody>
+      </p:sp>
+      <p:sp>
+        <p:nvSpPr>
+          <p:cNvPr id="4" name="Slide Number Placeholder 3"/>
+          <p:cNvSpPr>
+            <a:spLocks noGrp="1"/>
+          </p:cNvSpPr>
+          <p:nvPr>
+            <p:ph type="sldNum" sz="quarter" idx="12"/>
+          </p:nvPr>
+        </p:nvSpPr>
+        <p:spPr/>
+        <p:txBody>
+          <a:bodyPr/>
+          <a:lstStyle/>
+          <a:p>
+            <a:pPr>
+              <a:defRPr/>
+            </a:pPr>
+            <a:r>
+              <a:rPr lang="en-GB"/>
+              <a:t>Slide  </a:t>
+            </a:r>
+            <a:fld id="{35EF31DC-37E0-46A7-B0BE-61665DB0F5C0}" type="slidenum">
+              <a:rPr lang="en-GB" smtClean="0"/>
+              <a:pPr>
+                <a:defRPr/>
+              </a:pPr>
+              <a:t>30</a:t>
+            </a:fld>
+            <a:endParaRPr lang="en-GB"/>
+          </a:p>
+        </p:txBody>
+      </p:sp>
+    </p:spTree>
+    <p:extLst>
+      <p:ext uri="{BB962C8B-B14F-4D97-AF65-F5344CB8AC3E}">
+        <p14:creationId xmlns:p14="http://schemas.microsoft.com/office/powerpoint/2010/main" val="1023800453"/>
+      </p:ext>
+    </p:extLst>
+  </p:cSld>
+  <p:clrMapOvr>
+    <a:masterClrMapping/>
+  </p:clrMapOvr>
+</p:sld>
+</file>
+
+<file path=ppt/slides/slide31.xml><?xml version="1.0" encoding="utf-8"?>
+<p:sld xmlns:a="http://schemas.openxmlformats.org/drawingml/2006/main" xmlns:r="http://schemas.openxmlformats.org/officeDocument/2006/relationships" xmlns:p="http://schemas.openxmlformats.org/presentationml/2006/main">
+  <p:cSld>
+    <p:spTree>
+      <p:nvGrpSpPr>
+        <p:cNvPr id="1" name=""/>
+        <p:cNvGrpSpPr/>
+        <p:nvPr/>
+      </p:nvGrpSpPr>
+      <p:grpSpPr>
+        <a:xfrm>
+          <a:off x="0" y="0"/>
+          <a:ext cx="0" cy="0"/>
+          <a:chOff x="0" y="0"/>
+          <a:chExt cx="0" cy="0"/>
+        </a:xfrm>
+      </p:grpSpPr>
+      <p:sp>
+        <p:nvSpPr>
+          <p:cNvPr id="2" name="Title 1"/>
+          <p:cNvSpPr>
+            <a:spLocks noGrp="1"/>
+          </p:cNvSpPr>
+          <p:nvPr>
+            <p:ph type="title"/>
+          </p:nvPr>
+        </p:nvSpPr>
+        <p:spPr/>
+        <p:txBody>
+          <a:bodyPr>
+            <a:normAutofit/>
+          </a:bodyPr>
+          <a:lstStyle/>
+          <a:p>
+            <a:r>
+              <a:rPr lang="en-GB" dirty="0"/>
+              <a:t>Boolean Laws</a:t>
+            </a:r>
+          </a:p>
+        </p:txBody>
+      </p:sp>
+      <p:sp>
+        <p:nvSpPr>
+          <p:cNvPr id="3" name="Content Placeholder 2"/>
+          <p:cNvSpPr>
+            <a:spLocks noGrp="1"/>
+          </p:cNvSpPr>
+          <p:nvPr>
+            <p:ph idx="1"/>
+          </p:nvPr>
+        </p:nvSpPr>
+        <p:spPr/>
+        <p:txBody>
+          <a:bodyPr>
+            <a:normAutofit/>
+          </a:bodyPr>
+          <a:lstStyle/>
+          <a:p>
+            <a:pPr marL="514350" indent="-514350">
+              <a:buFont typeface="+mj-lt"/>
+              <a:buAutoNum type="arabicPeriod" startAt="4"/>
+            </a:pPr>
+            <a:r>
+              <a:rPr lang="en-GB" dirty="0"/>
+              <a:t>The</a:t>
+            </a:r>
+            <a:r>
+              <a:rPr lang="en-GB" b="1" dirty="0"/>
+              <a:t> AND law </a:t>
+            </a:r>
+            <a:r>
+              <a:rPr lang="en-GB" dirty="0"/>
+              <a:t>uses the AND operation. </a:t>
+            </a:r>
+          </a:p>
+          <a:p>
+            <a:pPr marL="0" indent="0">
+              <a:buNone/>
+            </a:pPr>
+            <a:endParaRPr lang="en-GB" dirty="0"/>
+          </a:p>
+          <a:p>
+            <a:pPr marL="0" indent="0">
+              <a:buNone/>
+            </a:pPr>
+            <a:r>
+              <a:rPr lang="en-GB" dirty="0"/>
+              <a:t>For example:</a:t>
+            </a:r>
+          </a:p>
+          <a:p>
+            <a:pPr marL="0" indent="0" algn="ctr">
+              <a:buNone/>
+            </a:pPr>
+            <a:r>
+              <a:rPr lang="en-GB" i="1" dirty="0"/>
+              <a:t>(</a:t>
+            </a:r>
+            <a:r>
+              <a:rPr lang="en-GB" i="1" dirty="0" err="1"/>
+              <a:t>i</a:t>
+            </a:r>
+            <a:r>
+              <a:rPr lang="en-GB" i="1" dirty="0"/>
+              <a:t>.) A.0 = 0 </a:t>
+            </a:r>
+          </a:p>
+          <a:p>
+            <a:pPr marL="0" indent="0" algn="ctr">
+              <a:buNone/>
+            </a:pPr>
+            <a:r>
+              <a:rPr lang="en-GB" i="1" dirty="0"/>
+              <a:t>(ii.) A.1 = A</a:t>
+            </a:r>
+          </a:p>
+          <a:p>
+            <a:pPr marL="0" indent="0" algn="ctr">
+              <a:buNone/>
+            </a:pPr>
+            <a:r>
+              <a:rPr lang="en-GB" i="1" dirty="0"/>
+              <a:t>(iii.) A.A = A</a:t>
+            </a:r>
+          </a:p>
+          <a:p>
+            <a:pPr marL="0" indent="0" algn="ctr">
+              <a:buNone/>
+            </a:pPr>
+            <a:r>
+              <a:rPr lang="en-GB" i="1" dirty="0"/>
+              <a:t>(iv.) A.</a:t>
+            </a:r>
+            <a:r>
+              <a:rPr lang="en-GB" dirty="0"/>
+              <a:t>¬A = 0</a:t>
+            </a:r>
+          </a:p>
+        </p:txBody>
+      </p:sp>
+      <p:sp>
+        <p:nvSpPr>
+          <p:cNvPr id="4" name="Slide Number Placeholder 3"/>
+          <p:cNvSpPr>
+            <a:spLocks noGrp="1"/>
+          </p:cNvSpPr>
+          <p:nvPr>
+            <p:ph type="sldNum" sz="quarter" idx="12"/>
+          </p:nvPr>
+        </p:nvSpPr>
+        <p:spPr/>
+        <p:txBody>
+          <a:bodyPr/>
+          <a:lstStyle/>
+          <a:p>
+            <a:pPr>
+              <a:defRPr/>
+            </a:pPr>
+            <a:r>
+              <a:rPr lang="en-GB"/>
+              <a:t>Slide  </a:t>
+            </a:r>
+            <a:fld id="{35EF31DC-37E0-46A7-B0BE-61665DB0F5C0}" type="slidenum">
+              <a:rPr lang="en-GB" smtClean="0"/>
+              <a:pPr>
+                <a:defRPr/>
+              </a:pPr>
+              <a:t>31</a:t>
+            </a:fld>
+            <a:endParaRPr lang="en-GB"/>
+          </a:p>
+        </p:txBody>
+      </p:sp>
+    </p:spTree>
+    <p:extLst>
+      <p:ext uri="{BB962C8B-B14F-4D97-AF65-F5344CB8AC3E}">
+        <p14:creationId xmlns:p14="http://schemas.microsoft.com/office/powerpoint/2010/main" val="4190177251"/>
+      </p:ext>
+    </p:extLst>
+  </p:cSld>
+  <p:clrMapOvr>
+    <a:masterClrMapping/>
+  </p:clrMapOvr>
+</p:sld>
+</file>
+
+<file path=ppt/slides/slide32.xml><?xml version="1.0" encoding="utf-8"?>
+<p:sld xmlns:a="http://schemas.openxmlformats.org/drawingml/2006/main" xmlns:r="http://schemas.openxmlformats.org/officeDocument/2006/relationships" xmlns:p="http://schemas.openxmlformats.org/presentationml/2006/main">
+  <p:cSld>
+    <p:spTree>
+      <p:nvGrpSpPr>
+        <p:cNvPr id="1" name=""/>
+        <p:cNvGrpSpPr/>
+        <p:nvPr/>
+      </p:nvGrpSpPr>
+      <p:grpSpPr>
+        <a:xfrm>
+          <a:off x="0" y="0"/>
+          <a:ext cx="0" cy="0"/>
+          <a:chOff x="0" y="0"/>
+          <a:chExt cx="0" cy="0"/>
+        </a:xfrm>
+      </p:grpSpPr>
+      <p:sp>
+        <p:nvSpPr>
+          <p:cNvPr id="2" name="Title 1"/>
+          <p:cNvSpPr>
+            <a:spLocks noGrp="1"/>
+          </p:cNvSpPr>
+          <p:nvPr>
+            <p:ph type="title"/>
+          </p:nvPr>
+        </p:nvSpPr>
+        <p:spPr/>
+        <p:txBody>
+          <a:bodyPr>
+            <a:normAutofit/>
+          </a:bodyPr>
+          <a:lstStyle/>
+          <a:p>
+            <a:r>
+              <a:rPr lang="en-GB" dirty="0"/>
+              <a:t>Boolean Laws</a:t>
+            </a:r>
+          </a:p>
+        </p:txBody>
+      </p:sp>
+      <p:sp>
+        <p:nvSpPr>
+          <p:cNvPr id="3" name="Content Placeholder 2"/>
+          <p:cNvSpPr>
+            <a:spLocks noGrp="1"/>
+          </p:cNvSpPr>
+          <p:nvPr>
+            <p:ph idx="1"/>
+          </p:nvPr>
+        </p:nvSpPr>
+        <p:spPr/>
+        <p:txBody>
+          <a:bodyPr>
+            <a:normAutofit/>
+          </a:bodyPr>
+          <a:lstStyle/>
+          <a:p>
+            <a:pPr marL="514350" indent="-514350">
+              <a:buFont typeface="+mj-lt"/>
+              <a:buAutoNum type="arabicPeriod" startAt="5"/>
+            </a:pPr>
+            <a:r>
+              <a:rPr lang="en-GB" dirty="0"/>
+              <a:t>The</a:t>
+            </a:r>
+            <a:r>
+              <a:rPr lang="en-GB" b="1" dirty="0"/>
+              <a:t> OR law </a:t>
+            </a:r>
+            <a:r>
+              <a:rPr lang="en-GB" dirty="0"/>
+              <a:t>uses the OR operation. </a:t>
+            </a:r>
+          </a:p>
+          <a:p>
+            <a:pPr marL="514350" indent="-514350">
+              <a:buFont typeface="+mj-lt"/>
+              <a:buAutoNum type="arabicPeriod" startAt="5"/>
+            </a:pPr>
+            <a:endParaRPr lang="en-GB" dirty="0"/>
+          </a:p>
+          <a:p>
+            <a:pPr marL="0" indent="0">
+              <a:buNone/>
+            </a:pPr>
+            <a:r>
+              <a:rPr lang="en-GB" dirty="0"/>
+              <a:t>For example:</a:t>
+            </a:r>
+          </a:p>
+          <a:p>
+            <a:pPr marL="0" indent="0" algn="ctr">
+              <a:buNone/>
+            </a:pPr>
+            <a:r>
+              <a:rPr lang="en-GB" i="1" dirty="0"/>
+              <a:t>(</a:t>
+            </a:r>
+            <a:r>
+              <a:rPr lang="en-GB" i="1" dirty="0" err="1"/>
+              <a:t>i</a:t>
+            </a:r>
+            <a:r>
+              <a:rPr lang="en-GB" i="1" dirty="0"/>
+              <a:t>.) A+0 = A</a:t>
+            </a:r>
+          </a:p>
+          <a:p>
+            <a:pPr marL="0" indent="0" algn="ctr">
+              <a:buNone/>
+            </a:pPr>
+            <a:r>
+              <a:rPr lang="en-GB" i="1" dirty="0"/>
+              <a:t>(ii.) A+1 = 1</a:t>
+            </a:r>
+          </a:p>
+          <a:p>
+            <a:pPr marL="0" indent="0" algn="ctr">
+              <a:buNone/>
+            </a:pPr>
+            <a:r>
+              <a:rPr lang="en-GB" i="1" dirty="0"/>
+              <a:t>(iii.) A+A = A</a:t>
+            </a:r>
+          </a:p>
+          <a:p>
+            <a:pPr marL="0" indent="0" algn="ctr">
+              <a:buNone/>
+            </a:pPr>
+            <a:r>
+              <a:rPr lang="en-GB" i="1" dirty="0"/>
+              <a:t>(iv.) A+</a:t>
+            </a:r>
+            <a:r>
+              <a:rPr lang="en-GB" dirty="0"/>
+              <a:t>¬A = 1</a:t>
+            </a:r>
+          </a:p>
+          <a:p>
+            <a:pPr marL="514350" indent="-514350">
+              <a:buFont typeface="+mj-lt"/>
+              <a:buAutoNum type="arabicPeriod"/>
+            </a:pPr>
+            <a:endParaRPr lang="en-GB" dirty="0"/>
+          </a:p>
+        </p:txBody>
+      </p:sp>
+      <p:sp>
+        <p:nvSpPr>
+          <p:cNvPr id="4" name="Slide Number Placeholder 3"/>
+          <p:cNvSpPr>
+            <a:spLocks noGrp="1"/>
+          </p:cNvSpPr>
+          <p:nvPr>
+            <p:ph type="sldNum" sz="quarter" idx="12"/>
+          </p:nvPr>
+        </p:nvSpPr>
+        <p:spPr/>
+        <p:txBody>
+          <a:bodyPr/>
+          <a:lstStyle/>
+          <a:p>
+            <a:pPr>
+              <a:defRPr/>
+            </a:pPr>
+            <a:r>
+              <a:rPr lang="en-GB"/>
+              <a:t>Slide  </a:t>
+            </a:r>
+            <a:fld id="{35EF31DC-37E0-46A7-B0BE-61665DB0F5C0}" type="slidenum">
+              <a:rPr lang="en-GB" smtClean="0"/>
+              <a:pPr>
+                <a:defRPr/>
+              </a:pPr>
+              <a:t>32</a:t>
+            </a:fld>
+            <a:endParaRPr lang="en-GB"/>
+          </a:p>
+        </p:txBody>
+      </p:sp>
+    </p:spTree>
+    <p:extLst>
+      <p:ext uri="{BB962C8B-B14F-4D97-AF65-F5344CB8AC3E}">
+        <p14:creationId xmlns:p14="http://schemas.microsoft.com/office/powerpoint/2010/main" val="4145492407"/>
+      </p:ext>
+    </p:extLst>
+  </p:cSld>
+  <p:clrMapOvr>
+    <a:masterClrMapping/>
+  </p:clrMapOvr>
+</p:sld>
+</file>
+
+<file path=ppt/slides/slide33.xml><?xml version="1.0" encoding="utf-8"?>
+<p:sld xmlns:a="http://schemas.openxmlformats.org/drawingml/2006/main" xmlns:r="http://schemas.openxmlformats.org/officeDocument/2006/relationships" xmlns:p="http://schemas.openxmlformats.org/presentationml/2006/main">
+  <p:cSld>
+    <p:spTree>
+      <p:nvGrpSpPr>
+        <p:cNvPr id="1" name=""/>
+        <p:cNvGrpSpPr/>
+        <p:nvPr/>
+      </p:nvGrpSpPr>
+      <p:grpSpPr>
+        <a:xfrm>
+          <a:off x="0" y="0"/>
+          <a:ext cx="0" cy="0"/>
+          <a:chOff x="0" y="0"/>
+          <a:chExt cx="0" cy="0"/>
+        </a:xfrm>
+      </p:grpSpPr>
+      <p:sp>
+        <p:nvSpPr>
+          <p:cNvPr id="2" name="Title 1"/>
+          <p:cNvSpPr>
+            <a:spLocks noGrp="1"/>
+          </p:cNvSpPr>
+          <p:nvPr>
+            <p:ph type="title"/>
+          </p:nvPr>
+        </p:nvSpPr>
+        <p:spPr/>
+        <p:txBody>
+          <a:bodyPr>
+            <a:normAutofit/>
+          </a:bodyPr>
+          <a:lstStyle/>
+          <a:p>
+            <a:r>
+              <a:rPr lang="en-GB" dirty="0"/>
+              <a:t>Boolean Laws</a:t>
+            </a:r>
+          </a:p>
+        </p:txBody>
+      </p:sp>
+      <p:sp>
+        <p:nvSpPr>
+          <p:cNvPr id="3" name="Content Placeholder 2"/>
+          <p:cNvSpPr>
+            <a:spLocks noGrp="1"/>
+          </p:cNvSpPr>
+          <p:nvPr>
+            <p:ph idx="1"/>
+          </p:nvPr>
+        </p:nvSpPr>
+        <p:spPr/>
+        <p:txBody>
+          <a:bodyPr>
+            <a:normAutofit/>
+          </a:bodyPr>
+          <a:lstStyle/>
+          <a:p>
+            <a:pPr marL="514350" indent="-514350">
+              <a:buFont typeface="+mj-lt"/>
+              <a:buAutoNum type="arabicPeriod" startAt="6"/>
+            </a:pPr>
+            <a:r>
+              <a:rPr lang="en-GB" dirty="0"/>
+              <a:t>The</a:t>
+            </a:r>
+            <a:r>
+              <a:rPr lang="en-GB" b="1" dirty="0"/>
+              <a:t> INVERSION law </a:t>
+            </a:r>
+            <a:r>
+              <a:rPr lang="en-GB" dirty="0"/>
+              <a:t>uses the NOT operation. The inversion law states that double inversion of a variable results in the original variable itself.</a:t>
+            </a:r>
+            <a:endParaRPr lang="en-GB" b="1" dirty="0"/>
+          </a:p>
+          <a:p>
+            <a:pPr marL="0" indent="0">
+              <a:buNone/>
+            </a:pPr>
+            <a:r>
+              <a:rPr lang="en-GB" dirty="0"/>
+              <a:t>For example:</a:t>
+            </a:r>
+          </a:p>
+          <a:p>
+            <a:pPr marL="0" indent="0" algn="ctr">
+              <a:buNone/>
+            </a:pPr>
+            <a:r>
+              <a:rPr lang="en-GB" dirty="0"/>
+              <a:t>¬¬A = A</a:t>
+            </a:r>
+            <a:endParaRPr lang="en-GB" i="1" dirty="0"/>
+          </a:p>
+          <a:p>
+            <a:pPr marL="514350" indent="-514350">
+              <a:buFont typeface="+mj-lt"/>
+              <a:buAutoNum type="arabicPeriod"/>
+            </a:pPr>
+            <a:endParaRPr lang="en-GB" dirty="0"/>
+          </a:p>
+        </p:txBody>
+      </p:sp>
+      <p:sp>
+        <p:nvSpPr>
+          <p:cNvPr id="4" name="Slide Number Placeholder 3"/>
+          <p:cNvSpPr>
+            <a:spLocks noGrp="1"/>
+          </p:cNvSpPr>
+          <p:nvPr>
+            <p:ph type="sldNum" sz="quarter" idx="12"/>
+          </p:nvPr>
+        </p:nvSpPr>
+        <p:spPr/>
+        <p:txBody>
+          <a:bodyPr/>
+          <a:lstStyle/>
+          <a:p>
+            <a:pPr>
+              <a:defRPr/>
+            </a:pPr>
+            <a:r>
+              <a:rPr lang="en-GB"/>
+              <a:t>Slide  </a:t>
+            </a:r>
+            <a:fld id="{35EF31DC-37E0-46A7-B0BE-61665DB0F5C0}" type="slidenum">
+              <a:rPr lang="en-GB" smtClean="0"/>
+              <a:pPr>
+                <a:defRPr/>
+              </a:pPr>
+              <a:t>33</a:t>
+            </a:fld>
+            <a:endParaRPr lang="en-GB"/>
+          </a:p>
+        </p:txBody>
+      </p:sp>
+    </p:spTree>
+    <p:extLst>
+      <p:ext uri="{BB962C8B-B14F-4D97-AF65-F5344CB8AC3E}">
+        <p14:creationId xmlns:p14="http://schemas.microsoft.com/office/powerpoint/2010/main" val="3819966909"/>
+      </p:ext>
+    </p:extLst>
+  </p:cSld>
+  <p:clrMapOvr>
+    <a:masterClrMapping/>
+  </p:clrMapOvr>
+</p:sld>
+</file>
+
+<file path=ppt/slides/slide34.xml><?xml version="1.0" encoding="utf-8"?>
+<p:sld xmlns:a="http://schemas.openxmlformats.org/drawingml/2006/main" xmlns:r="http://schemas.openxmlformats.org/officeDocument/2006/relationships" xmlns:p="http://schemas.openxmlformats.org/presentationml/2006/main">
+  <p:cSld>
+    <p:spTree>
+      <p:nvGrpSpPr>
+        <p:cNvPr id="1" name=""/>
+        <p:cNvGrpSpPr/>
+        <p:nvPr/>
+      </p:nvGrpSpPr>
+      <p:grpSpPr>
+        <a:xfrm>
+          <a:off x="0" y="0"/>
+          <a:ext cx="0" cy="0"/>
+          <a:chOff x="0" y="0"/>
+          <a:chExt cx="0" cy="0"/>
+        </a:xfrm>
+      </p:grpSpPr>
+      <p:sp>
+        <p:nvSpPr>
           <p:cNvPr id="2" name="Title 1">
             <a:extLst>
               <a:ext uri="{FF2B5EF4-FFF2-40B4-BE49-F238E27FC236}">
@@ -10245,7 +11920,7 @@
               <a:pPr>
                 <a:defRPr/>
               </a:pPr>
-              <a:t>30</a:t>
+              <a:t>34</a:t>
             </a:fld>
             <a:endParaRPr lang="en-GB"/>
           </a:p>
@@ -10307,7 +11982,7 @@
 </p:sld>
 </file>
 
-<file path=ppt/slides/slide31.xml><?xml version="1.0" encoding="utf-8"?>
+<file path=ppt/slides/slide35.xml><?xml version="1.0" encoding="utf-8"?>
 <p:sld xmlns:a="http://schemas.openxmlformats.org/drawingml/2006/main" xmlns:r="http://schemas.openxmlformats.org/officeDocument/2006/relationships" xmlns:p="http://schemas.openxmlformats.org/presentationml/2006/main">
   <p:cSld>
     <p:spTree>
@@ -11393,7 +13068,7 @@
               <a:pPr>
                 <a:defRPr/>
               </a:pPr>
-              <a:t>31</a:t>
+              <a:t>35</a:t>
             </a:fld>
             <a:endParaRPr lang="en-GB"/>
           </a:p>

--- a/week_1/Week 1 Day 1.pptx
+++ b/week_1/Week 1 Day 1.pptx
@@ -5,10 +5,10 @@
     <p:sldMasterId id="2147483809" r:id="rId1"/>
   </p:sldMasterIdLst>
   <p:notesMasterIdLst>
-    <p:notesMasterId r:id="rId37"/>
+    <p:notesMasterId r:id="rId25"/>
   </p:notesMasterIdLst>
   <p:handoutMasterIdLst>
-    <p:handoutMasterId r:id="rId38"/>
+    <p:handoutMasterId r:id="rId26"/>
   </p:handoutMasterIdLst>
   <p:sldIdLst>
     <p:sldId id="522" r:id="rId2"/>
@@ -19,33 +19,21 @@
     <p:sldId id="410" r:id="rId7"/>
     <p:sldId id="539" r:id="rId8"/>
     <p:sldId id="540" r:id="rId9"/>
-    <p:sldId id="541" r:id="rId10"/>
-    <p:sldId id="542" r:id="rId11"/>
-    <p:sldId id="543" r:id="rId12"/>
-    <p:sldId id="544" r:id="rId13"/>
-    <p:sldId id="545" r:id="rId14"/>
-    <p:sldId id="546" r:id="rId15"/>
-    <p:sldId id="547" r:id="rId16"/>
-    <p:sldId id="548" r:id="rId17"/>
-    <p:sldId id="549" r:id="rId18"/>
-    <p:sldId id="550" r:id="rId19"/>
-    <p:sldId id="551" r:id="rId20"/>
-    <p:sldId id="552" r:id="rId21"/>
-    <p:sldId id="534" r:id="rId22"/>
-    <p:sldId id="535" r:id="rId23"/>
-    <p:sldId id="536" r:id="rId24"/>
-    <p:sldId id="395" r:id="rId25"/>
-    <p:sldId id="530" r:id="rId26"/>
-    <p:sldId id="523" r:id="rId27"/>
-    <p:sldId id="531" r:id="rId28"/>
-    <p:sldId id="524" r:id="rId29"/>
-    <p:sldId id="525" r:id="rId30"/>
-    <p:sldId id="526" r:id="rId31"/>
-    <p:sldId id="527" r:id="rId32"/>
-    <p:sldId id="528" r:id="rId33"/>
-    <p:sldId id="529" r:id="rId34"/>
-    <p:sldId id="532" r:id="rId35"/>
-    <p:sldId id="533" r:id="rId36"/>
+    <p:sldId id="553" r:id="rId10"/>
+    <p:sldId id="541" r:id="rId11"/>
+    <p:sldId id="542" r:id="rId12"/>
+    <p:sldId id="543" r:id="rId13"/>
+    <p:sldId id="544" r:id="rId14"/>
+    <p:sldId id="545" r:id="rId15"/>
+    <p:sldId id="546" r:id="rId16"/>
+    <p:sldId id="547" r:id="rId17"/>
+    <p:sldId id="548" r:id="rId18"/>
+    <p:sldId id="554" r:id="rId19"/>
+    <p:sldId id="549" r:id="rId20"/>
+    <p:sldId id="550" r:id="rId21"/>
+    <p:sldId id="551" r:id="rId22"/>
+    <p:sldId id="552" r:id="rId23"/>
+    <p:sldId id="535" r:id="rId24"/>
   </p:sldIdLst>
   <p:sldSz cx="9144000" cy="6858000" type="screen4x3"/>
   <p:notesSz cx="6858000" cy="9144000"/>
@@ -250,7 +238,7 @@
             <a:fld id="{D9122C25-5C2A-4E97-B185-E4BC4373DF69}" type="datetimeFigureOut">
               <a:rPr lang="en-US" smtClean="0"/>
               <a:pPr/>
-              <a:t>1/4/2019</a:t>
+              <a:t>1/9/2019</a:t>
             </a:fld>
             <a:endParaRPr lang="en-US"/>
           </a:p>
@@ -443,7 +431,7 @@
               <a:pPr>
                 <a:defRPr/>
               </a:pPr>
-              <a:t>04/01/2019</a:t>
+              <a:t>09/01/2019</a:t>
             </a:fld>
             <a:endParaRPr lang="en-GB"/>
           </a:p>
@@ -943,7 +931,7 @@
     </p:spTree>
     <p:extLst>
       <p:ext uri="{BB962C8B-B14F-4D97-AF65-F5344CB8AC3E}">
-        <p14:creationId xmlns:p14="http://schemas.microsoft.com/office/powerpoint/2010/main" val="197941806"/>
+        <p14:creationId xmlns:p14="http://schemas.microsoft.com/office/powerpoint/2010/main" val="3036994575"/>
       </p:ext>
     </p:extLst>
   </p:cSld>
@@ -999,7 +987,11 @@
           <a:p>
             <a:r>
               <a:rPr lang="en-GB" dirty="0" smtClean="0"/>
-              <a:t>Algorithms – Step by step instructions for solving some problems</a:t>
+              <a:t>The course</a:t>
+            </a:r>
+            <a:r>
+              <a:rPr lang="en-GB" baseline="0" dirty="0" smtClean="0"/>
+              <a:t> itself ultimately is not about programming per se, that is indeed a tool that we’ll use. It’s all about problem solving that is really interesting and that is what CS is generally. Whether you are interested in software development, cyber security, networking, graphics design, AI, ML, hardware, theory etc. What is really interesting about CS is that its not an end to itself, its what empowers you to go do more interesting and powerful things in any field.  </a:t>
             </a:r>
             <a:endParaRPr lang="en-GB" dirty="0"/>
           </a:p>
@@ -1037,7 +1029,7 @@
     </p:spTree>
     <p:extLst>
       <p:ext uri="{BB962C8B-B14F-4D97-AF65-F5344CB8AC3E}">
-        <p14:creationId xmlns:p14="http://schemas.microsoft.com/office/powerpoint/2010/main" val="2280026807"/>
+        <p14:creationId xmlns:p14="http://schemas.microsoft.com/office/powerpoint/2010/main" val="197941806"/>
       </p:ext>
     </p:extLst>
   </p:cSld>
@@ -1131,7 +1123,7 @@
     </p:spTree>
     <p:extLst>
       <p:ext uri="{BB962C8B-B14F-4D97-AF65-F5344CB8AC3E}">
-        <p14:creationId xmlns:p14="http://schemas.microsoft.com/office/powerpoint/2010/main" val="1742874292"/>
+        <p14:creationId xmlns:p14="http://schemas.microsoft.com/office/powerpoint/2010/main" val="2280026807"/>
       </p:ext>
     </p:extLst>
   </p:cSld>
@@ -1225,7 +1217,7 @@
     </p:spTree>
     <p:extLst>
       <p:ext uri="{BB962C8B-B14F-4D97-AF65-F5344CB8AC3E}">
-        <p14:creationId xmlns:p14="http://schemas.microsoft.com/office/powerpoint/2010/main" val="941387443"/>
+        <p14:creationId xmlns:p14="http://schemas.microsoft.com/office/powerpoint/2010/main" val="1384477757"/>
       </p:ext>
     </p:extLst>
   </p:cSld>
@@ -1319,7 +1311,7 @@
     </p:spTree>
     <p:extLst>
       <p:ext uri="{BB962C8B-B14F-4D97-AF65-F5344CB8AC3E}">
-        <p14:creationId xmlns:p14="http://schemas.microsoft.com/office/powerpoint/2010/main" val="3008167468"/>
+        <p14:creationId xmlns:p14="http://schemas.microsoft.com/office/powerpoint/2010/main" val="1742874292"/>
       </p:ext>
     </p:extLst>
   </p:cSld>
@@ -1405,6 +1397,194 @@
                 <a:defRPr/>
               </a:pPr>
               <a:t>20</a:t>
+            </a:fld>
+            <a:endParaRPr lang="en-GB"/>
+          </a:p>
+        </p:txBody>
+      </p:sp>
+    </p:spTree>
+    <p:extLst>
+      <p:ext uri="{BB962C8B-B14F-4D97-AF65-F5344CB8AC3E}">
+        <p14:creationId xmlns:p14="http://schemas.microsoft.com/office/powerpoint/2010/main" val="941387443"/>
+      </p:ext>
+    </p:extLst>
+  </p:cSld>
+  <p:clrMapOvr>
+    <a:masterClrMapping/>
+  </p:clrMapOvr>
+</p:notes>
+</file>
+
+<file path=ppt/notesSlides/notesSlide16.xml><?xml version="1.0" encoding="utf-8"?>
+<p:notes xmlns:a="http://schemas.openxmlformats.org/drawingml/2006/main" xmlns:r="http://schemas.openxmlformats.org/officeDocument/2006/relationships" xmlns:p="http://schemas.openxmlformats.org/presentationml/2006/main">
+  <p:cSld>
+    <p:spTree>
+      <p:nvGrpSpPr>
+        <p:cNvPr id="1" name=""/>
+        <p:cNvGrpSpPr/>
+        <p:nvPr/>
+      </p:nvGrpSpPr>
+      <p:grpSpPr>
+        <a:xfrm>
+          <a:off x="0" y="0"/>
+          <a:ext cx="0" cy="0"/>
+          <a:chOff x="0" y="0"/>
+          <a:chExt cx="0" cy="0"/>
+        </a:xfrm>
+      </p:grpSpPr>
+      <p:sp>
+        <p:nvSpPr>
+          <p:cNvPr id="2" name="Slide Image Placeholder 1"/>
+          <p:cNvSpPr>
+            <a:spLocks noGrp="1" noRot="1" noChangeAspect="1"/>
+          </p:cNvSpPr>
+          <p:nvPr>
+            <p:ph type="sldImg"/>
+          </p:nvPr>
+        </p:nvSpPr>
+        <p:spPr/>
+      </p:sp>
+      <p:sp>
+        <p:nvSpPr>
+          <p:cNvPr id="3" name="Notes Placeholder 2"/>
+          <p:cNvSpPr>
+            <a:spLocks noGrp="1"/>
+          </p:cNvSpPr>
+          <p:nvPr>
+            <p:ph type="body" idx="1"/>
+          </p:nvPr>
+        </p:nvSpPr>
+        <p:spPr/>
+        <p:txBody>
+          <a:bodyPr/>
+          <a:lstStyle/>
+          <a:p>
+            <a:r>
+              <a:rPr lang="en-GB" dirty="0" smtClean="0"/>
+              <a:t>Algorithms – Step by step instructions for solving some problems</a:t>
+            </a:r>
+            <a:endParaRPr lang="en-GB" dirty="0"/>
+          </a:p>
+        </p:txBody>
+      </p:sp>
+      <p:sp>
+        <p:nvSpPr>
+          <p:cNvPr id="4" name="Slide Number Placeholder 3"/>
+          <p:cNvSpPr>
+            <a:spLocks noGrp="1"/>
+          </p:cNvSpPr>
+          <p:nvPr>
+            <p:ph type="sldNum" sz="quarter" idx="10"/>
+          </p:nvPr>
+        </p:nvSpPr>
+        <p:spPr/>
+        <p:txBody>
+          <a:bodyPr/>
+          <a:lstStyle/>
+          <a:p>
+            <a:pPr>
+              <a:defRPr/>
+            </a:pPr>
+            <a:fld id="{34E9AEE9-BA45-4DD2-9F17-FE02D3E4DC2C}" type="slidenum">
+              <a:rPr lang="en-GB" smtClean="0"/>
+              <a:pPr>
+                <a:defRPr/>
+              </a:pPr>
+              <a:t>21</a:t>
+            </a:fld>
+            <a:endParaRPr lang="en-GB"/>
+          </a:p>
+        </p:txBody>
+      </p:sp>
+    </p:spTree>
+    <p:extLst>
+      <p:ext uri="{BB962C8B-B14F-4D97-AF65-F5344CB8AC3E}">
+        <p14:creationId xmlns:p14="http://schemas.microsoft.com/office/powerpoint/2010/main" val="3008167468"/>
+      </p:ext>
+    </p:extLst>
+  </p:cSld>
+  <p:clrMapOvr>
+    <a:masterClrMapping/>
+  </p:clrMapOvr>
+</p:notes>
+</file>
+
+<file path=ppt/notesSlides/notesSlide17.xml><?xml version="1.0" encoding="utf-8"?>
+<p:notes xmlns:a="http://schemas.openxmlformats.org/drawingml/2006/main" xmlns:r="http://schemas.openxmlformats.org/officeDocument/2006/relationships" xmlns:p="http://schemas.openxmlformats.org/presentationml/2006/main">
+  <p:cSld>
+    <p:spTree>
+      <p:nvGrpSpPr>
+        <p:cNvPr id="1" name=""/>
+        <p:cNvGrpSpPr/>
+        <p:nvPr/>
+      </p:nvGrpSpPr>
+      <p:grpSpPr>
+        <a:xfrm>
+          <a:off x="0" y="0"/>
+          <a:ext cx="0" cy="0"/>
+          <a:chOff x="0" y="0"/>
+          <a:chExt cx="0" cy="0"/>
+        </a:xfrm>
+      </p:grpSpPr>
+      <p:sp>
+        <p:nvSpPr>
+          <p:cNvPr id="2" name="Slide Image Placeholder 1"/>
+          <p:cNvSpPr>
+            <a:spLocks noGrp="1" noRot="1" noChangeAspect="1"/>
+          </p:cNvSpPr>
+          <p:nvPr>
+            <p:ph type="sldImg"/>
+          </p:nvPr>
+        </p:nvSpPr>
+        <p:spPr/>
+      </p:sp>
+      <p:sp>
+        <p:nvSpPr>
+          <p:cNvPr id="3" name="Notes Placeholder 2"/>
+          <p:cNvSpPr>
+            <a:spLocks noGrp="1"/>
+          </p:cNvSpPr>
+          <p:nvPr>
+            <p:ph type="body" idx="1"/>
+          </p:nvPr>
+        </p:nvSpPr>
+        <p:spPr/>
+        <p:txBody>
+          <a:bodyPr/>
+          <a:lstStyle/>
+          <a:p>
+            <a:r>
+              <a:rPr lang="en-GB" dirty="0" smtClean="0"/>
+              <a:t>Algorithms – Step by step instructions for solving some problems</a:t>
+            </a:r>
+            <a:endParaRPr lang="en-GB" dirty="0"/>
+          </a:p>
+        </p:txBody>
+      </p:sp>
+      <p:sp>
+        <p:nvSpPr>
+          <p:cNvPr id="4" name="Slide Number Placeholder 3"/>
+          <p:cNvSpPr>
+            <a:spLocks noGrp="1"/>
+          </p:cNvSpPr>
+          <p:nvPr>
+            <p:ph type="sldNum" sz="quarter" idx="10"/>
+          </p:nvPr>
+        </p:nvSpPr>
+        <p:spPr/>
+        <p:txBody>
+          <a:bodyPr/>
+          <a:lstStyle/>
+          <a:p>
+            <a:pPr>
+              <a:defRPr/>
+            </a:pPr>
+            <a:fld id="{34E9AEE9-BA45-4DD2-9F17-FE02D3E4DC2C}" type="slidenum">
+              <a:rPr lang="en-GB" smtClean="0"/>
+              <a:pPr>
+                <a:defRPr/>
+              </a:pPr>
+              <a:t>22</a:t>
             </a:fld>
             <a:endParaRPr lang="en-GB"/>
           </a:p>
@@ -1707,7 +1887,7 @@
     </p:spTree>
     <p:extLst>
       <p:ext uri="{BB962C8B-B14F-4D97-AF65-F5344CB8AC3E}">
-        <p14:creationId xmlns:p14="http://schemas.microsoft.com/office/powerpoint/2010/main" val="1020760567"/>
+        <p14:creationId xmlns:p14="http://schemas.microsoft.com/office/powerpoint/2010/main" val="1897114100"/>
       </p:ext>
     </p:extLst>
   </p:cSld>
@@ -1805,7 +1985,7 @@
     </p:spTree>
     <p:extLst>
       <p:ext uri="{BB962C8B-B14F-4D97-AF65-F5344CB8AC3E}">
-        <p14:creationId xmlns:p14="http://schemas.microsoft.com/office/powerpoint/2010/main" val="65833521"/>
+        <p14:creationId xmlns:p14="http://schemas.microsoft.com/office/powerpoint/2010/main" val="1020760567"/>
       </p:ext>
     </p:extLst>
   </p:cSld>
@@ -1903,7 +2083,7 @@
     </p:spTree>
     <p:extLst>
       <p:ext uri="{BB962C8B-B14F-4D97-AF65-F5344CB8AC3E}">
-        <p14:creationId xmlns:p14="http://schemas.microsoft.com/office/powerpoint/2010/main" val="1839219606"/>
+        <p14:creationId xmlns:p14="http://schemas.microsoft.com/office/powerpoint/2010/main" val="65833521"/>
       </p:ext>
     </p:extLst>
   </p:cSld>
@@ -2001,7 +2181,7 @@
     </p:spTree>
     <p:extLst>
       <p:ext uri="{BB962C8B-B14F-4D97-AF65-F5344CB8AC3E}">
-        <p14:creationId xmlns:p14="http://schemas.microsoft.com/office/powerpoint/2010/main" val="998126649"/>
+        <p14:creationId xmlns:p14="http://schemas.microsoft.com/office/powerpoint/2010/main" val="1839219606"/>
       </p:ext>
     </p:extLst>
   </p:cSld>
@@ -2099,7 +2279,7 @@
     </p:spTree>
     <p:extLst>
       <p:ext uri="{BB962C8B-B14F-4D97-AF65-F5344CB8AC3E}">
-        <p14:creationId xmlns:p14="http://schemas.microsoft.com/office/powerpoint/2010/main" val="1797615413"/>
+        <p14:creationId xmlns:p14="http://schemas.microsoft.com/office/powerpoint/2010/main" val="998126649"/>
       </p:ext>
     </p:extLst>
   </p:cSld>
@@ -2197,7 +2377,7 @@
     </p:spTree>
     <p:extLst>
       <p:ext uri="{BB962C8B-B14F-4D97-AF65-F5344CB8AC3E}">
-        <p14:creationId xmlns:p14="http://schemas.microsoft.com/office/powerpoint/2010/main" val="3036994575"/>
+        <p14:creationId xmlns:p14="http://schemas.microsoft.com/office/powerpoint/2010/main" val="1797615413"/>
       </p:ext>
     </p:extLst>
   </p:cSld>
@@ -5787,8 +5967,8 @@
         </p:nvSpPr>
         <p:spPr>
           <a:xfrm>
-            <a:off x="1493404" y="2924944"/>
-            <a:ext cx="5976664" cy="1200329"/>
+            <a:off x="323528" y="2996952"/>
+            <a:ext cx="8640960" cy="1077218"/>
           </a:xfrm>
           <a:prstGeom prst="rect">
             <a:avLst/>
@@ -5802,10 +5982,18 @@
           <a:p>
             <a:pPr algn="ctr"/>
             <a:r>
-              <a:rPr lang="en-GB" sz="7200" b="1" dirty="0" smtClean="0"/>
-              <a:t>72		73		33</a:t>
-            </a:r>
-            <a:endParaRPr lang="en-GB" sz="7200" b="1" dirty="0"/>
+              <a:rPr lang="en-GB" sz="3200" b="1" dirty="0" smtClean="0"/>
+              <a:t>A		B		C		D		E		F		G		H		I	...</a:t>
+            </a:r>
+            <a:endParaRPr lang="en-GB" sz="3200" b="1" dirty="0"/>
+          </a:p>
+          <a:p>
+            <a:pPr algn="ctr"/>
+            <a:r>
+              <a:rPr lang="en-GB" sz="3200" b="1" dirty="0" smtClean="0"/>
+              <a:t>65		66		67		68		69		70		71		72		73	 ...</a:t>
+            </a:r>
+            <a:endParaRPr lang="en-GB" sz="3200" b="1" dirty="0"/>
           </a:p>
         </p:txBody>
       </p:sp>
@@ -5817,7 +6005,7 @@
         </p:nvSpPr>
         <p:spPr>
           <a:xfrm>
-            <a:off x="2195736" y="332656"/>
+            <a:off x="2123728" y="1108435"/>
             <a:ext cx="4572000" cy="1200329"/>
           </a:xfrm>
           <a:prstGeom prst="rect">
@@ -5842,7 +6030,7 @@
     </p:spTree>
     <p:extLst>
       <p:ext uri="{BB962C8B-B14F-4D97-AF65-F5344CB8AC3E}">
-        <p14:creationId xmlns:p14="http://schemas.microsoft.com/office/powerpoint/2010/main" val="610491161"/>
+        <p14:creationId xmlns:p14="http://schemas.microsoft.com/office/powerpoint/2010/main" val="3892215879"/>
       </p:ext>
     </p:extLst>
   </p:cSld>
@@ -5910,8 +6098,8 @@
         </p:nvSpPr>
         <p:spPr>
           <a:xfrm>
-            <a:off x="216024" y="2988692"/>
-            <a:ext cx="8748464" cy="1200329"/>
+            <a:off x="1493404" y="2924944"/>
+            <a:ext cx="5976664" cy="1200329"/>
           </a:xfrm>
           <a:prstGeom prst="rect">
             <a:avLst/>
@@ -5923,9 +6111,10 @@
           </a:bodyPr>
           <a:lstStyle/>
           <a:p>
+            <a:pPr algn="ctr"/>
             <a:r>
               <a:rPr lang="en-GB" sz="7200" b="1" dirty="0" smtClean="0"/>
-              <a:t>	  72					 73				33</a:t>
+              <a:t>72		73		33</a:t>
             </a:r>
             <a:endParaRPr lang="en-GB" sz="7200" b="1" dirty="0"/>
           </a:p>
@@ -5961,69 +6150,10 @@
           </a:p>
         </p:txBody>
       </p:sp>
-      <p:sp>
-        <p:nvSpPr>
-          <p:cNvPr id="6" name="Rectangle 5"/>
-          <p:cNvSpPr/>
-          <p:nvPr/>
-        </p:nvSpPr>
-        <p:spPr>
-          <a:xfrm>
-            <a:off x="72008" y="4326195"/>
-            <a:ext cx="8892480" cy="830997"/>
-          </a:xfrm>
-          <a:prstGeom prst="rect">
-            <a:avLst/>
-          </a:prstGeom>
-        </p:spPr>
-        <p:txBody>
-          <a:bodyPr wrap="square">
-            <a:spAutoFit/>
-          </a:bodyPr>
-          <a:lstStyle/>
-          <a:p>
-            <a:pPr algn="ctr"/>
-            <a:r>
-              <a:rPr lang="en-GB" sz="4800" b="1" dirty="0" smtClean="0"/>
-              <a:t>1001000		1001001		100001</a:t>
-            </a:r>
-            <a:endParaRPr lang="en-GB" sz="4800" b="1" dirty="0"/>
-          </a:p>
-        </p:txBody>
-      </p:sp>
-      <p:sp>
-        <p:nvSpPr>
-          <p:cNvPr id="7" name="Rectangle 6"/>
-          <p:cNvSpPr/>
-          <p:nvPr/>
-        </p:nvSpPr>
-        <p:spPr>
-          <a:xfrm>
-            <a:off x="107504" y="1926122"/>
-            <a:ext cx="8748464" cy="1200329"/>
-          </a:xfrm>
-          <a:prstGeom prst="rect">
-            <a:avLst/>
-          </a:prstGeom>
-        </p:spPr>
-        <p:txBody>
-          <a:bodyPr wrap="square">
-            <a:spAutoFit/>
-          </a:bodyPr>
-          <a:lstStyle/>
-          <a:p>
-            <a:r>
-              <a:rPr lang="en-GB" sz="7200" b="1" dirty="0" smtClean="0"/>
-              <a:t>	   H					   I				    !</a:t>
-            </a:r>
-            <a:endParaRPr lang="en-GB" sz="7200" b="1" dirty="0"/>
-          </a:p>
-        </p:txBody>
-      </p:sp>
     </p:spTree>
     <p:extLst>
       <p:ext uri="{BB962C8B-B14F-4D97-AF65-F5344CB8AC3E}">
-        <p14:creationId xmlns:p14="http://schemas.microsoft.com/office/powerpoint/2010/main" val="3095234001"/>
+        <p14:creationId xmlns:p14="http://schemas.microsoft.com/office/powerpoint/2010/main" val="610491161"/>
       </p:ext>
     </p:extLst>
   </p:cSld>
@@ -6078,6 +6208,187 @@
                 <a:defRPr/>
               </a:pPr>
               <a:t>12</a:t>
+            </a:fld>
+            <a:endParaRPr lang="en-GB"/>
+          </a:p>
+        </p:txBody>
+      </p:sp>
+      <p:sp>
+        <p:nvSpPr>
+          <p:cNvPr id="3" name="Rectangle 2"/>
+          <p:cNvSpPr/>
+          <p:nvPr/>
+        </p:nvSpPr>
+        <p:spPr>
+          <a:xfrm>
+            <a:off x="216024" y="2988692"/>
+            <a:ext cx="8748464" cy="1200329"/>
+          </a:xfrm>
+          <a:prstGeom prst="rect">
+            <a:avLst/>
+          </a:prstGeom>
+        </p:spPr>
+        <p:txBody>
+          <a:bodyPr wrap="square">
+            <a:spAutoFit/>
+          </a:bodyPr>
+          <a:lstStyle/>
+          <a:p>
+            <a:r>
+              <a:rPr lang="en-GB" sz="7200" b="1" dirty="0" smtClean="0"/>
+              <a:t>	  72					 73				33</a:t>
+            </a:r>
+            <a:endParaRPr lang="en-GB" sz="7200" b="1" dirty="0"/>
+          </a:p>
+        </p:txBody>
+      </p:sp>
+      <p:sp>
+        <p:nvSpPr>
+          <p:cNvPr id="5" name="Rectangle 4"/>
+          <p:cNvSpPr/>
+          <p:nvPr/>
+        </p:nvSpPr>
+        <p:spPr>
+          <a:xfrm>
+            <a:off x="2195736" y="332656"/>
+            <a:ext cx="4572000" cy="1200329"/>
+          </a:xfrm>
+          <a:prstGeom prst="rect">
+            <a:avLst/>
+          </a:prstGeom>
+        </p:spPr>
+        <p:txBody>
+          <a:bodyPr>
+            <a:spAutoFit/>
+          </a:bodyPr>
+          <a:lstStyle/>
+          <a:p>
+            <a:pPr algn="ctr"/>
+            <a:r>
+              <a:rPr lang="en-GB" sz="7200" b="1" dirty="0" smtClean="0"/>
+              <a:t>ASCII</a:t>
+            </a:r>
+            <a:endParaRPr lang="en-GB" b="1" dirty="0"/>
+          </a:p>
+        </p:txBody>
+      </p:sp>
+      <p:sp>
+        <p:nvSpPr>
+          <p:cNvPr id="6" name="Rectangle 5"/>
+          <p:cNvSpPr/>
+          <p:nvPr/>
+        </p:nvSpPr>
+        <p:spPr>
+          <a:xfrm>
+            <a:off x="72008" y="4326195"/>
+            <a:ext cx="8892480" cy="830997"/>
+          </a:xfrm>
+          <a:prstGeom prst="rect">
+            <a:avLst/>
+          </a:prstGeom>
+        </p:spPr>
+        <p:txBody>
+          <a:bodyPr wrap="square">
+            <a:spAutoFit/>
+          </a:bodyPr>
+          <a:lstStyle/>
+          <a:p>
+            <a:pPr algn="ctr"/>
+            <a:r>
+              <a:rPr lang="en-GB" sz="4800" b="1" dirty="0" smtClean="0"/>
+              <a:t>1001000		1001001		100001</a:t>
+            </a:r>
+            <a:endParaRPr lang="en-GB" sz="4800" b="1" dirty="0"/>
+          </a:p>
+        </p:txBody>
+      </p:sp>
+      <p:sp>
+        <p:nvSpPr>
+          <p:cNvPr id="7" name="Rectangle 6"/>
+          <p:cNvSpPr/>
+          <p:nvPr/>
+        </p:nvSpPr>
+        <p:spPr>
+          <a:xfrm>
+            <a:off x="107504" y="1926122"/>
+            <a:ext cx="8748464" cy="1200329"/>
+          </a:xfrm>
+          <a:prstGeom prst="rect">
+            <a:avLst/>
+          </a:prstGeom>
+        </p:spPr>
+        <p:txBody>
+          <a:bodyPr wrap="square">
+            <a:spAutoFit/>
+          </a:bodyPr>
+          <a:lstStyle/>
+          <a:p>
+            <a:r>
+              <a:rPr lang="en-GB" sz="7200" b="1" dirty="0" smtClean="0"/>
+              <a:t>	   H					   I				    !</a:t>
+            </a:r>
+            <a:endParaRPr lang="en-GB" sz="7200" b="1" dirty="0"/>
+          </a:p>
+        </p:txBody>
+      </p:sp>
+    </p:spTree>
+    <p:extLst>
+      <p:ext uri="{BB962C8B-B14F-4D97-AF65-F5344CB8AC3E}">
+        <p14:creationId xmlns:p14="http://schemas.microsoft.com/office/powerpoint/2010/main" val="3095234001"/>
+      </p:ext>
+    </p:extLst>
+  </p:cSld>
+  <p:clrMapOvr>
+    <a:masterClrMapping/>
+  </p:clrMapOvr>
+</p:sld>
+</file>
+
+<file path=ppt/slides/slide13.xml><?xml version="1.0" encoding="utf-8"?>
+<p:sld xmlns:a="http://schemas.openxmlformats.org/drawingml/2006/main" xmlns:r="http://schemas.openxmlformats.org/officeDocument/2006/relationships" xmlns:p="http://schemas.openxmlformats.org/presentationml/2006/main">
+  <p:cSld>
+    <p:spTree>
+      <p:nvGrpSpPr>
+        <p:cNvPr id="1" name=""/>
+        <p:cNvGrpSpPr/>
+        <p:nvPr/>
+      </p:nvGrpSpPr>
+      <p:grpSpPr>
+        <a:xfrm>
+          <a:off x="0" y="0"/>
+          <a:ext cx="0" cy="0"/>
+          <a:chOff x="0" y="0"/>
+          <a:chExt cx="0" cy="0"/>
+        </a:xfrm>
+      </p:grpSpPr>
+      <p:sp>
+        <p:nvSpPr>
+          <p:cNvPr id="4" name="Slide Number Placeholder 3"/>
+          <p:cNvSpPr>
+            <a:spLocks noGrp="1"/>
+          </p:cNvSpPr>
+          <p:nvPr>
+            <p:ph type="sldNum" sz="quarter" idx="12"/>
+          </p:nvPr>
+        </p:nvSpPr>
+        <p:spPr/>
+        <p:txBody>
+          <a:bodyPr/>
+          <a:lstStyle/>
+          <a:p>
+            <a:pPr>
+              <a:defRPr/>
+            </a:pPr>
+            <a:r>
+              <a:rPr lang="en-GB"/>
+              <a:t>Slide  </a:t>
+            </a:r>
+            <a:fld id="{35EF31DC-37E0-46A7-B0BE-61665DB0F5C0}" type="slidenum">
+              <a:rPr lang="en-GB" smtClean="0"/>
+              <a:pPr>
+                <a:defRPr/>
+              </a:pPr>
+              <a:t>13</a:t>
             </a:fld>
             <a:endParaRPr lang="en-GB"/>
           </a:p>
@@ -6167,7 +6478,7 @@
 </p:sld>
 </file>
 
-<file path=ppt/slides/slide13.xml><?xml version="1.0" encoding="utf-8"?>
+<file path=ppt/slides/slide14.xml><?xml version="1.0" encoding="utf-8"?>
 <p:sld xmlns:a="http://schemas.openxmlformats.org/drawingml/2006/main" xmlns:r="http://schemas.openxmlformats.org/officeDocument/2006/relationships" xmlns:p="http://schemas.openxmlformats.org/presentationml/2006/main">
   <p:cSld>
     <p:spTree>
@@ -6301,7 +6612,7 @@
               <a:pPr>
                 <a:defRPr/>
               </a:pPr>
-              <a:t>13</a:t>
+              <a:t>14</a:t>
             </a:fld>
             <a:endParaRPr lang="en-GB"/>
           </a:p>
@@ -6380,7 +6691,7 @@
 </p:sld>
 </file>
 
-<file path=ppt/slides/slide14.xml><?xml version="1.0" encoding="utf-8"?>
+<file path=ppt/slides/slide15.xml><?xml version="1.0" encoding="utf-8"?>
 <p:sld xmlns:a="http://schemas.openxmlformats.org/drawingml/2006/main" xmlns:r="http://schemas.openxmlformats.org/officeDocument/2006/relationships" xmlns:p="http://schemas.openxmlformats.org/presentationml/2006/main">
   <p:cSld>
     <p:spTree>
@@ -6424,7 +6735,7 @@
               <a:pPr>
                 <a:defRPr/>
               </a:pPr>
-              <a:t>14</a:t>
+              <a:t>15</a:t>
             </a:fld>
             <a:endParaRPr lang="en-GB"/>
           </a:p>
@@ -6551,7 +6862,7 @@
 </p:sld>
 </file>
 
-<file path=ppt/slides/slide15.xml><?xml version="1.0" encoding="utf-8"?>
+<file path=ppt/slides/slide16.xml><?xml version="1.0" encoding="utf-8"?>
 <p:sld xmlns:a="http://schemas.openxmlformats.org/drawingml/2006/main" xmlns:r="http://schemas.openxmlformats.org/officeDocument/2006/relationships" xmlns:p="http://schemas.openxmlformats.org/presentationml/2006/main">
   <p:cSld>
     <p:spTree>
@@ -6595,7 +6906,7 @@
               <a:pPr>
                 <a:defRPr/>
               </a:pPr>
-              <a:t>15</a:t>
+              <a:t>16</a:t>
             </a:fld>
             <a:endParaRPr lang="en-GB"/>
           </a:p>
@@ -6815,7 +7126,6 @@
               <a:rPr lang="en-GB" b="1" dirty="0"/>
               <a:t>Problem Solving</a:t>
             </a:r>
-            <a:endParaRPr lang="en-GB" b="1" dirty="0"/>
           </a:p>
         </p:txBody>
       </p:sp>
@@ -6832,7 +7142,7 @@
 </p:sld>
 </file>
 
-<file path=ppt/slides/slide16.xml><?xml version="1.0" encoding="utf-8"?>
+<file path=ppt/slides/slide17.xml><?xml version="1.0" encoding="utf-8"?>
 <p:sld xmlns:a="http://schemas.openxmlformats.org/drawingml/2006/main" xmlns:r="http://schemas.openxmlformats.org/officeDocument/2006/relationships" xmlns:p="http://schemas.openxmlformats.org/presentationml/2006/main">
   <p:cSld>
     <p:spTree>
@@ -6876,7 +7186,7 @@
               <a:pPr>
                 <a:defRPr/>
               </a:pPr>
-              <a:t>16</a:t>
+              <a:t>17</a:t>
             </a:fld>
             <a:endParaRPr lang="en-GB"/>
           </a:p>
@@ -7100,7 +7410,6 @@
               <a:rPr lang="en-GB" b="1" dirty="0"/>
               <a:t>Problem Solving</a:t>
             </a:r>
-            <a:endParaRPr lang="en-GB" b="1" dirty="0"/>
           </a:p>
         </p:txBody>
       </p:sp>
@@ -7108,451 +7417,6 @@
     <p:extLst>
       <p:ext uri="{BB962C8B-B14F-4D97-AF65-F5344CB8AC3E}">
         <p14:creationId xmlns:p14="http://schemas.microsoft.com/office/powerpoint/2010/main" val="1343000744"/>
-      </p:ext>
-    </p:extLst>
-  </p:cSld>
-  <p:clrMapOvr>
-    <a:masterClrMapping/>
-  </p:clrMapOvr>
-</p:sld>
-</file>
-
-<file path=ppt/slides/slide17.xml><?xml version="1.0" encoding="utf-8"?>
-<p:sld xmlns:a="http://schemas.openxmlformats.org/drawingml/2006/main" xmlns:r="http://schemas.openxmlformats.org/officeDocument/2006/relationships" xmlns:p="http://schemas.openxmlformats.org/presentationml/2006/main">
-  <p:cSld>
-    <p:spTree>
-      <p:nvGrpSpPr>
-        <p:cNvPr id="1" name=""/>
-        <p:cNvGrpSpPr/>
-        <p:nvPr/>
-      </p:nvGrpSpPr>
-      <p:grpSpPr>
-        <a:xfrm>
-          <a:off x="0" y="0"/>
-          <a:ext cx="0" cy="0"/>
-          <a:chOff x="0" y="0"/>
-          <a:chExt cx="0" cy="0"/>
-        </a:xfrm>
-      </p:grpSpPr>
-      <p:sp>
-        <p:nvSpPr>
-          <p:cNvPr id="13" name="Title 1"/>
-          <p:cNvSpPr>
-            <a:spLocks noGrp="1"/>
-          </p:cNvSpPr>
-          <p:nvPr>
-            <p:ph type="title"/>
-          </p:nvPr>
-        </p:nvSpPr>
-        <p:spPr/>
-        <p:txBody>
-          <a:bodyPr/>
-          <a:lstStyle/>
-          <a:p>
-            <a:pPr algn="l"/>
-            <a:r>
-              <a:rPr lang="en-GB" b="1" dirty="0" smtClean="0"/>
-              <a:t>Pseudocode</a:t>
-            </a:r>
-            <a:endParaRPr lang="en-GB" b="1" dirty="0"/>
-          </a:p>
-        </p:txBody>
-      </p:sp>
-      <p:sp>
-        <p:nvSpPr>
-          <p:cNvPr id="3" name="Content Placeholder 2"/>
-          <p:cNvSpPr>
-            <a:spLocks noGrp="1"/>
-          </p:cNvSpPr>
-          <p:nvPr>
-            <p:ph sz="half" idx="1"/>
-          </p:nvPr>
-        </p:nvSpPr>
-        <p:spPr/>
-        <p:txBody>
-          <a:bodyPr>
-            <a:normAutofit fontScale="70000" lnSpcReduction="20000"/>
-          </a:bodyPr>
-          <a:lstStyle/>
-          <a:p>
-            <a:pPr marL="0" indent="0">
-              <a:buNone/>
-            </a:pPr>
-            <a:r>
-              <a:rPr lang="en-GB" dirty="0"/>
-              <a:t> </a:t>
-            </a:r>
-            <a:r>
-              <a:rPr lang="en-GB" dirty="0" smtClean="0"/>
-              <a:t>0 </a:t>
-            </a:r>
-            <a:r>
-              <a:rPr lang="en-GB" dirty="0"/>
-              <a:t>pick up phone book</a:t>
-            </a:r>
-          </a:p>
-          <a:p>
-            <a:pPr marL="0" indent="0">
-              <a:buNone/>
-            </a:pPr>
-            <a:r>
-              <a:rPr lang="en-GB" dirty="0"/>
-              <a:t> 1 open to middle of phone book</a:t>
-            </a:r>
-          </a:p>
-          <a:p>
-            <a:pPr marL="0" indent="0">
-              <a:buNone/>
-            </a:pPr>
-            <a:r>
-              <a:rPr lang="en-GB" dirty="0"/>
-              <a:t> 2 look at names</a:t>
-            </a:r>
-          </a:p>
-          <a:p>
-            <a:pPr marL="0" indent="0">
-              <a:buNone/>
-            </a:pPr>
-            <a:r>
-              <a:rPr lang="en-GB" dirty="0"/>
-              <a:t> 3 if Smith is among names</a:t>
-            </a:r>
-          </a:p>
-          <a:p>
-            <a:pPr marL="0" indent="0">
-              <a:buNone/>
-            </a:pPr>
-            <a:r>
-              <a:rPr lang="en-GB" dirty="0"/>
-              <a:t> 4     call Mike</a:t>
-            </a:r>
-          </a:p>
-          <a:p>
-            <a:pPr marL="0" indent="0">
-              <a:buNone/>
-            </a:pPr>
-            <a:r>
-              <a:rPr lang="en-GB" dirty="0"/>
-              <a:t> 5 else if Smith is earlier in book</a:t>
-            </a:r>
-          </a:p>
-          <a:p>
-            <a:pPr marL="0" indent="0">
-              <a:buNone/>
-            </a:pPr>
-            <a:r>
-              <a:rPr lang="en-GB" dirty="0"/>
-              <a:t> 6     open to middle of left half of book</a:t>
-            </a:r>
-          </a:p>
-          <a:p>
-            <a:pPr marL="0" indent="0">
-              <a:buNone/>
-            </a:pPr>
-            <a:r>
-              <a:rPr lang="en-GB" dirty="0"/>
-              <a:t> 7     go back to step 2</a:t>
-            </a:r>
-          </a:p>
-          <a:p>
-            <a:pPr marL="0" indent="0">
-              <a:buNone/>
-            </a:pPr>
-            <a:r>
-              <a:rPr lang="en-GB" dirty="0"/>
-              <a:t> 8 else if Smith is later in book</a:t>
-            </a:r>
-          </a:p>
-          <a:p>
-            <a:pPr marL="0" indent="0">
-              <a:buNone/>
-            </a:pPr>
-            <a:r>
-              <a:rPr lang="en-GB" dirty="0"/>
-              <a:t> 9     open to middle of right half of book</a:t>
-            </a:r>
-          </a:p>
-          <a:p>
-            <a:pPr marL="0" indent="0">
-              <a:buNone/>
-            </a:pPr>
-            <a:r>
-              <a:rPr lang="en-GB" dirty="0"/>
-              <a:t>10     go back to step 2</a:t>
-            </a:r>
-          </a:p>
-          <a:p>
-            <a:pPr marL="0" indent="0">
-              <a:buNone/>
-            </a:pPr>
-            <a:r>
-              <a:rPr lang="en-GB" dirty="0"/>
-              <a:t>11 else</a:t>
-            </a:r>
-          </a:p>
-          <a:p>
-            <a:pPr marL="0" indent="0">
-              <a:buNone/>
-            </a:pPr>
-            <a:r>
-              <a:rPr lang="en-GB" dirty="0"/>
-              <a:t>12     quit</a:t>
-            </a:r>
-          </a:p>
-        </p:txBody>
-      </p:sp>
-      <p:sp>
-        <p:nvSpPr>
-          <p:cNvPr id="8" name="Content Placeholder 7"/>
-          <p:cNvSpPr>
-            <a:spLocks noGrp="1"/>
-          </p:cNvSpPr>
-          <p:nvPr>
-            <p:ph sz="half" idx="2"/>
-          </p:nvPr>
-        </p:nvSpPr>
-        <p:spPr/>
-        <p:txBody>
-          <a:bodyPr>
-            <a:normAutofit fontScale="70000" lnSpcReduction="20000"/>
-          </a:bodyPr>
-          <a:lstStyle/>
-          <a:p>
-            <a:pPr marL="0" indent="0">
-              <a:buNone/>
-            </a:pPr>
-            <a:r>
-              <a:rPr lang="en-GB" dirty="0"/>
-              <a:t> 0 </a:t>
-            </a:r>
-            <a:r>
-              <a:rPr lang="en-GB" b="1" dirty="0">
-                <a:solidFill>
-                  <a:srgbClr val="FCC235"/>
-                </a:solidFill>
-              </a:rPr>
-              <a:t>pick up </a:t>
-            </a:r>
-            <a:r>
-              <a:rPr lang="en-GB" dirty="0"/>
-              <a:t>phone book</a:t>
-            </a:r>
-          </a:p>
-          <a:p>
-            <a:pPr marL="0" indent="0">
-              <a:buNone/>
-            </a:pPr>
-            <a:r>
-              <a:rPr lang="en-GB" dirty="0"/>
-              <a:t> 1 </a:t>
-            </a:r>
-            <a:r>
-              <a:rPr lang="en-GB" b="1" dirty="0">
-                <a:solidFill>
-                  <a:srgbClr val="FCC235"/>
-                </a:solidFill>
-              </a:rPr>
-              <a:t>open to </a:t>
-            </a:r>
-            <a:r>
-              <a:rPr lang="en-GB" dirty="0"/>
-              <a:t>middle of phone book</a:t>
-            </a:r>
-          </a:p>
-          <a:p>
-            <a:pPr marL="0" indent="0">
-              <a:buNone/>
-            </a:pPr>
-            <a:r>
-              <a:rPr lang="en-GB" dirty="0"/>
-              <a:t> 2 </a:t>
-            </a:r>
-            <a:r>
-              <a:rPr lang="en-GB" b="1" dirty="0">
-                <a:solidFill>
-                  <a:srgbClr val="FCC235"/>
-                </a:solidFill>
-              </a:rPr>
-              <a:t>look at </a:t>
-            </a:r>
-            <a:r>
-              <a:rPr lang="en-GB" dirty="0"/>
-              <a:t>names</a:t>
-            </a:r>
-          </a:p>
-          <a:p>
-            <a:pPr marL="0" indent="0">
-              <a:buNone/>
-            </a:pPr>
-            <a:r>
-              <a:rPr lang="en-GB" dirty="0"/>
-              <a:t> 3 if Smith is among names</a:t>
-            </a:r>
-          </a:p>
-          <a:p>
-            <a:pPr marL="0" indent="0">
-              <a:buNone/>
-            </a:pPr>
-            <a:r>
-              <a:rPr lang="en-GB" dirty="0"/>
-              <a:t> 4     </a:t>
-            </a:r>
-            <a:r>
-              <a:rPr lang="en-GB" b="1" dirty="0">
-                <a:solidFill>
-                  <a:srgbClr val="FCC235"/>
-                </a:solidFill>
-              </a:rPr>
-              <a:t>call</a:t>
-            </a:r>
-            <a:r>
-              <a:rPr lang="en-GB" dirty="0"/>
-              <a:t> Mike</a:t>
-            </a:r>
-          </a:p>
-          <a:p>
-            <a:pPr marL="0" indent="0">
-              <a:buNone/>
-            </a:pPr>
-            <a:r>
-              <a:rPr lang="en-GB" dirty="0"/>
-              <a:t> 5 else if Smith is earlier in book</a:t>
-            </a:r>
-          </a:p>
-          <a:p>
-            <a:pPr marL="0" indent="0">
-              <a:buNone/>
-            </a:pPr>
-            <a:r>
-              <a:rPr lang="en-GB" dirty="0"/>
-              <a:t> 6     </a:t>
-            </a:r>
-            <a:r>
-              <a:rPr lang="en-GB" b="1" dirty="0">
-                <a:solidFill>
-                  <a:srgbClr val="FCC235"/>
-                </a:solidFill>
-              </a:rPr>
-              <a:t>open</a:t>
-            </a:r>
-            <a:r>
-              <a:rPr lang="en-GB" dirty="0"/>
-              <a:t> to middle of left half of book</a:t>
-            </a:r>
-          </a:p>
-          <a:p>
-            <a:pPr marL="0" indent="0">
-              <a:buNone/>
-            </a:pPr>
-            <a:r>
-              <a:rPr lang="en-GB" dirty="0"/>
-              <a:t> 7     go back to step 2</a:t>
-            </a:r>
-          </a:p>
-          <a:p>
-            <a:pPr marL="0" indent="0">
-              <a:buNone/>
-            </a:pPr>
-            <a:r>
-              <a:rPr lang="en-GB" dirty="0"/>
-              <a:t> 8 else if Smith is later in book</a:t>
-            </a:r>
-          </a:p>
-          <a:p>
-            <a:pPr marL="0" indent="0">
-              <a:buNone/>
-            </a:pPr>
-            <a:r>
-              <a:rPr lang="en-GB" dirty="0"/>
-              <a:t> 9     </a:t>
-            </a:r>
-            <a:r>
-              <a:rPr lang="en-GB" b="1" dirty="0">
-                <a:solidFill>
-                  <a:srgbClr val="FCC235"/>
-                </a:solidFill>
-              </a:rPr>
-              <a:t>open</a:t>
-            </a:r>
-            <a:r>
-              <a:rPr lang="en-GB" dirty="0"/>
-              <a:t> to middle of right half of book</a:t>
-            </a:r>
-          </a:p>
-          <a:p>
-            <a:pPr marL="0" indent="0">
-              <a:buNone/>
-            </a:pPr>
-            <a:r>
-              <a:rPr lang="en-GB" dirty="0"/>
-              <a:t>10     go back to step 2</a:t>
-            </a:r>
-          </a:p>
-          <a:p>
-            <a:pPr marL="0" indent="0">
-              <a:buNone/>
-            </a:pPr>
-            <a:r>
-              <a:rPr lang="en-GB" dirty="0"/>
-              <a:t>11 else</a:t>
-            </a:r>
-          </a:p>
-          <a:p>
-            <a:pPr marL="0" indent="0">
-              <a:buNone/>
-            </a:pPr>
-            <a:r>
-              <a:rPr lang="en-GB" dirty="0"/>
-              <a:t>12     </a:t>
-            </a:r>
-            <a:r>
-              <a:rPr lang="en-GB" b="1" dirty="0">
-                <a:solidFill>
-                  <a:srgbClr val="FCC235"/>
-                </a:solidFill>
-              </a:rPr>
-              <a:t>quit</a:t>
-            </a:r>
-          </a:p>
-        </p:txBody>
-      </p:sp>
-      <p:sp>
-        <p:nvSpPr>
-          <p:cNvPr id="4" name="Slide Number Placeholder 3"/>
-          <p:cNvSpPr>
-            <a:spLocks noGrp="1"/>
-          </p:cNvSpPr>
-          <p:nvPr>
-            <p:ph type="sldNum" sz="quarter" idx="12"/>
-          </p:nvPr>
-        </p:nvSpPr>
-        <p:spPr/>
-        <p:txBody>
-          <a:bodyPr/>
-          <a:lstStyle/>
-          <a:p>
-            <a:pPr>
-              <a:defRPr/>
-            </a:pPr>
-            <a:r>
-              <a:rPr lang="en-GB"/>
-              <a:t>Slide  </a:t>
-            </a:r>
-            <a:fld id="{35EF31DC-37E0-46A7-B0BE-61665DB0F5C0}" type="slidenum">
-              <a:rPr lang="en-GB" smtClean="0"/>
-              <a:pPr>
-                <a:defRPr/>
-              </a:pPr>
-              <a:t>17</a:t>
-            </a:fld>
-            <a:endParaRPr lang="en-GB"/>
-          </a:p>
-        </p:txBody>
-      </p:sp>
-    </p:spTree>
-    <p:extLst>
-      <p:ext uri="{BB962C8B-B14F-4D97-AF65-F5344CB8AC3E}">
-        <p14:creationId xmlns:p14="http://schemas.microsoft.com/office/powerpoint/2010/main" val="1088929009"/>
       </p:ext>
     </p:extLst>
   </p:cSld>
@@ -7581,376 +7445,6 @@
       </p:grpSpPr>
       <p:sp>
         <p:nvSpPr>
-          <p:cNvPr id="13" name="Title 1"/>
-          <p:cNvSpPr>
-            <a:spLocks noGrp="1"/>
-          </p:cNvSpPr>
-          <p:nvPr>
-            <p:ph type="title"/>
-          </p:nvPr>
-        </p:nvSpPr>
-        <p:spPr/>
-        <p:txBody>
-          <a:bodyPr/>
-          <a:lstStyle/>
-          <a:p>
-            <a:pPr algn="l"/>
-            <a:r>
-              <a:rPr lang="en-GB" b="1" dirty="0" smtClean="0"/>
-              <a:t>Pseudocode</a:t>
-            </a:r>
-            <a:endParaRPr lang="en-GB" b="1" dirty="0"/>
-          </a:p>
-        </p:txBody>
-      </p:sp>
-      <p:sp>
-        <p:nvSpPr>
-          <p:cNvPr id="3" name="Content Placeholder 2"/>
-          <p:cNvSpPr>
-            <a:spLocks noGrp="1"/>
-          </p:cNvSpPr>
-          <p:nvPr>
-            <p:ph sz="half" idx="1"/>
-          </p:nvPr>
-        </p:nvSpPr>
-        <p:spPr/>
-        <p:txBody>
-          <a:bodyPr>
-            <a:normAutofit fontScale="70000" lnSpcReduction="20000"/>
-          </a:bodyPr>
-          <a:lstStyle/>
-          <a:p>
-            <a:pPr marL="0" indent="0">
-              <a:buNone/>
-            </a:pPr>
-            <a:r>
-              <a:rPr lang="en-GB" dirty="0"/>
-              <a:t> </a:t>
-            </a:r>
-            <a:r>
-              <a:rPr lang="en-GB" dirty="0" smtClean="0"/>
-              <a:t>0 </a:t>
-            </a:r>
-            <a:r>
-              <a:rPr lang="en-GB" dirty="0"/>
-              <a:t>pick up phone book</a:t>
-            </a:r>
-          </a:p>
-          <a:p>
-            <a:pPr marL="0" indent="0">
-              <a:buNone/>
-            </a:pPr>
-            <a:r>
-              <a:rPr lang="en-GB" dirty="0"/>
-              <a:t> 1 open to middle of phone book</a:t>
-            </a:r>
-          </a:p>
-          <a:p>
-            <a:pPr marL="0" indent="0">
-              <a:buNone/>
-            </a:pPr>
-            <a:r>
-              <a:rPr lang="en-GB" dirty="0"/>
-              <a:t> 2 look at names</a:t>
-            </a:r>
-          </a:p>
-          <a:p>
-            <a:pPr marL="0" indent="0">
-              <a:buNone/>
-            </a:pPr>
-            <a:r>
-              <a:rPr lang="en-GB" dirty="0"/>
-              <a:t> 3 </a:t>
-            </a:r>
-            <a:r>
-              <a:rPr lang="en-GB" b="1" dirty="0">
-                <a:solidFill>
-                  <a:srgbClr val="FCC235"/>
-                </a:solidFill>
-              </a:rPr>
-              <a:t>if</a:t>
-            </a:r>
-            <a:r>
-              <a:rPr lang="en-GB" dirty="0"/>
-              <a:t> Smith is among names</a:t>
-            </a:r>
-          </a:p>
-          <a:p>
-            <a:pPr marL="0" indent="0">
-              <a:buNone/>
-            </a:pPr>
-            <a:r>
-              <a:rPr lang="en-GB" dirty="0"/>
-              <a:t> 4     call Mike</a:t>
-            </a:r>
-          </a:p>
-          <a:p>
-            <a:pPr marL="0" indent="0">
-              <a:buNone/>
-            </a:pPr>
-            <a:r>
-              <a:rPr lang="en-GB" dirty="0"/>
-              <a:t> 5 </a:t>
-            </a:r>
-            <a:r>
-              <a:rPr lang="en-GB" b="1" dirty="0">
-                <a:solidFill>
-                  <a:srgbClr val="FCC235"/>
-                </a:solidFill>
-              </a:rPr>
-              <a:t>else if </a:t>
-            </a:r>
-            <a:r>
-              <a:rPr lang="en-GB" dirty="0"/>
-              <a:t>Smith is earlier in book</a:t>
-            </a:r>
-          </a:p>
-          <a:p>
-            <a:pPr marL="0" indent="0">
-              <a:buNone/>
-            </a:pPr>
-            <a:r>
-              <a:rPr lang="en-GB" dirty="0"/>
-              <a:t> 6     open to middle of left half of book</a:t>
-            </a:r>
-          </a:p>
-          <a:p>
-            <a:pPr marL="0" indent="0">
-              <a:buNone/>
-            </a:pPr>
-            <a:r>
-              <a:rPr lang="en-GB" dirty="0"/>
-              <a:t> 7     go back to step 2</a:t>
-            </a:r>
-          </a:p>
-          <a:p>
-            <a:pPr marL="0" indent="0">
-              <a:buNone/>
-            </a:pPr>
-            <a:r>
-              <a:rPr lang="en-GB" dirty="0"/>
-              <a:t> 8 </a:t>
-            </a:r>
-            <a:r>
-              <a:rPr lang="en-GB" b="1" dirty="0">
-                <a:solidFill>
-                  <a:srgbClr val="FCC235"/>
-                </a:solidFill>
-              </a:rPr>
-              <a:t>else if </a:t>
-            </a:r>
-            <a:r>
-              <a:rPr lang="en-GB" dirty="0"/>
-              <a:t>Smith is later in book</a:t>
-            </a:r>
-          </a:p>
-          <a:p>
-            <a:pPr marL="0" indent="0">
-              <a:buNone/>
-            </a:pPr>
-            <a:r>
-              <a:rPr lang="en-GB" dirty="0"/>
-              <a:t> 9     open to middle of right half of book</a:t>
-            </a:r>
-          </a:p>
-          <a:p>
-            <a:pPr marL="0" indent="0">
-              <a:buNone/>
-            </a:pPr>
-            <a:r>
-              <a:rPr lang="en-GB" dirty="0"/>
-              <a:t>10     go back to step 2</a:t>
-            </a:r>
-          </a:p>
-          <a:p>
-            <a:pPr marL="0" indent="0">
-              <a:buNone/>
-            </a:pPr>
-            <a:r>
-              <a:rPr lang="en-GB" dirty="0"/>
-              <a:t>11 </a:t>
-            </a:r>
-            <a:r>
-              <a:rPr lang="en-GB" b="1" dirty="0">
-                <a:solidFill>
-                  <a:srgbClr val="FCC235"/>
-                </a:solidFill>
-              </a:rPr>
-              <a:t>else</a:t>
-            </a:r>
-          </a:p>
-          <a:p>
-            <a:pPr marL="0" indent="0">
-              <a:buNone/>
-            </a:pPr>
-            <a:r>
-              <a:rPr lang="en-GB" dirty="0"/>
-              <a:t>12     quit</a:t>
-            </a:r>
-          </a:p>
-        </p:txBody>
-      </p:sp>
-      <p:sp>
-        <p:nvSpPr>
-          <p:cNvPr id="8" name="Content Placeholder 7"/>
-          <p:cNvSpPr>
-            <a:spLocks noGrp="1"/>
-          </p:cNvSpPr>
-          <p:nvPr>
-            <p:ph sz="half" idx="2"/>
-          </p:nvPr>
-        </p:nvSpPr>
-        <p:spPr/>
-        <p:txBody>
-          <a:bodyPr>
-            <a:normAutofit fontScale="70000" lnSpcReduction="20000"/>
-          </a:bodyPr>
-          <a:lstStyle/>
-          <a:p>
-            <a:pPr marL="0" indent="0">
-              <a:buNone/>
-            </a:pPr>
-            <a:r>
-              <a:rPr lang="en-GB" dirty="0"/>
-              <a:t> 0 pick up phone book</a:t>
-            </a:r>
-          </a:p>
-          <a:p>
-            <a:pPr marL="0" indent="0">
-              <a:buNone/>
-            </a:pPr>
-            <a:r>
-              <a:rPr lang="en-GB" dirty="0"/>
-              <a:t> 1 open to middle of phone book</a:t>
-            </a:r>
-          </a:p>
-          <a:p>
-            <a:pPr marL="0" indent="0">
-              <a:buNone/>
-            </a:pPr>
-            <a:r>
-              <a:rPr lang="en-GB" dirty="0"/>
-              <a:t> 2 look at names</a:t>
-            </a:r>
-          </a:p>
-          <a:p>
-            <a:pPr marL="0" indent="0">
-              <a:buNone/>
-            </a:pPr>
-            <a:r>
-              <a:rPr lang="en-GB" dirty="0"/>
-              <a:t> 3 if </a:t>
-            </a:r>
-            <a:r>
-              <a:rPr lang="en-GB" b="1" dirty="0">
-                <a:solidFill>
-                  <a:srgbClr val="FCC235"/>
-                </a:solidFill>
-              </a:rPr>
-              <a:t>Smith is among names</a:t>
-            </a:r>
-          </a:p>
-          <a:p>
-            <a:pPr marL="0" indent="0">
-              <a:buNone/>
-            </a:pPr>
-            <a:r>
-              <a:rPr lang="en-GB" dirty="0"/>
-              <a:t> 4     call Mike</a:t>
-            </a:r>
-          </a:p>
-          <a:p>
-            <a:pPr marL="0" indent="0">
-              <a:buNone/>
-            </a:pPr>
-            <a:r>
-              <a:rPr lang="en-GB" dirty="0"/>
-              <a:t> 5 else if </a:t>
-            </a:r>
-            <a:r>
-              <a:rPr lang="en-GB" b="1" dirty="0">
-                <a:solidFill>
-                  <a:srgbClr val="FCC235"/>
-                </a:solidFill>
-              </a:rPr>
-              <a:t>Smith is earlier in book</a:t>
-            </a:r>
-          </a:p>
-          <a:p>
-            <a:pPr marL="0" indent="0">
-              <a:buNone/>
-            </a:pPr>
-            <a:r>
-              <a:rPr lang="en-GB" dirty="0"/>
-              <a:t> 6     open to middle of left half of book</a:t>
-            </a:r>
-          </a:p>
-          <a:p>
-            <a:pPr marL="0" indent="0">
-              <a:buNone/>
-            </a:pPr>
-            <a:r>
-              <a:rPr lang="en-GB" dirty="0"/>
-              <a:t> 7     go back to step 2</a:t>
-            </a:r>
-          </a:p>
-          <a:p>
-            <a:pPr marL="0" indent="0">
-              <a:buNone/>
-            </a:pPr>
-            <a:r>
-              <a:rPr lang="en-GB" dirty="0"/>
-              <a:t> 8 else if </a:t>
-            </a:r>
-            <a:r>
-              <a:rPr lang="en-GB" b="1" dirty="0">
-                <a:solidFill>
-                  <a:srgbClr val="FCC235"/>
-                </a:solidFill>
-              </a:rPr>
-              <a:t>Smith is later in book</a:t>
-            </a:r>
-          </a:p>
-          <a:p>
-            <a:pPr marL="0" indent="0">
-              <a:buNone/>
-            </a:pPr>
-            <a:r>
-              <a:rPr lang="en-GB" dirty="0"/>
-              <a:t> 9     open to middle of right half of book</a:t>
-            </a:r>
-          </a:p>
-          <a:p>
-            <a:pPr marL="0" indent="0">
-              <a:buNone/>
-            </a:pPr>
-            <a:r>
-              <a:rPr lang="en-GB" dirty="0"/>
-              <a:t>10     go back to step 2</a:t>
-            </a:r>
-          </a:p>
-          <a:p>
-            <a:pPr marL="0" indent="0">
-              <a:buNone/>
-            </a:pPr>
-            <a:r>
-              <a:rPr lang="en-GB" dirty="0"/>
-              <a:t>11 else</a:t>
-            </a:r>
-          </a:p>
-          <a:p>
-            <a:pPr marL="0" indent="0">
-              <a:buNone/>
-            </a:pPr>
-            <a:r>
-              <a:rPr lang="en-GB" dirty="0"/>
-              <a:t>12     quit</a:t>
-            </a:r>
-          </a:p>
-        </p:txBody>
-      </p:sp>
-      <p:sp>
-        <p:nvSpPr>
           <p:cNvPr id="4" name="Slide Number Placeholder 3"/>
           <p:cNvSpPr>
             <a:spLocks noGrp="1"/>
@@ -7982,10 +7476,68 @@
           </a:p>
         </p:txBody>
       </p:sp>
+      <p:sp>
+        <p:nvSpPr>
+          <p:cNvPr id="13" name="Title 1"/>
+          <p:cNvSpPr>
+            <a:spLocks noGrp="1"/>
+          </p:cNvSpPr>
+          <p:nvPr>
+            <p:ph type="title"/>
+          </p:nvPr>
+        </p:nvSpPr>
+        <p:spPr>
+          <a:xfrm>
+            <a:off x="31211" y="24674"/>
+            <a:ext cx="8229600" cy="1143000"/>
+          </a:xfrm>
+        </p:spPr>
+        <p:txBody>
+          <a:bodyPr/>
+          <a:lstStyle/>
+          <a:p>
+            <a:pPr algn="l"/>
+            <a:r>
+              <a:rPr lang="en-GB" b="1" dirty="0"/>
+              <a:t>Problem Solving</a:t>
+            </a:r>
+          </a:p>
+        </p:txBody>
+      </p:sp>
+      <p:pic>
+        <p:nvPicPr>
+          <p:cNvPr id="3" name="Picture 2"/>
+          <p:cNvPicPr>
+            <a:picLocks noChangeAspect="1"/>
+          </p:cNvPicPr>
+          <p:nvPr/>
+        </p:nvPicPr>
+        <p:blipFill>
+          <a:blip r:embed="rId3">
+            <a:extLst>
+              <a:ext uri="{28A0092B-C50C-407E-A947-70E740481C1C}">
+                <a14:useLocalDpi xmlns:a14="http://schemas.microsoft.com/office/drawing/2010/main" val="0"/>
+              </a:ext>
+            </a:extLst>
+          </a:blip>
+          <a:stretch>
+            <a:fillRect/>
+          </a:stretch>
+        </p:blipFill>
+        <p:spPr>
+          <a:xfrm>
+            <a:off x="2339752" y="1340768"/>
+            <a:ext cx="4959011" cy="4499843"/>
+          </a:xfrm>
+          <a:prstGeom prst="rect">
+            <a:avLst/>
+          </a:prstGeom>
+        </p:spPr>
+      </p:pic>
     </p:spTree>
     <p:extLst>
       <p:ext uri="{BB962C8B-B14F-4D97-AF65-F5344CB8AC3E}">
-        <p14:creationId xmlns:p14="http://schemas.microsoft.com/office/powerpoint/2010/main" val="3168522749"/>
+        <p14:creationId xmlns:p14="http://schemas.microsoft.com/office/powerpoint/2010/main" val="4259633107"/>
       </p:ext>
     </p:extLst>
   </p:cSld>
@@ -8046,12 +7598,7 @@
             <p:ph sz="half" idx="1"/>
           </p:nvPr>
         </p:nvSpPr>
-        <p:spPr>
-          <a:xfrm>
-            <a:off x="2411760" y="1340768"/>
-            <a:ext cx="4038600" cy="4525963"/>
-          </a:xfrm>
-        </p:spPr>
+        <p:spPr/>
         <p:txBody>
           <a:bodyPr>
             <a:normAutofit fontScale="70000" lnSpcReduction="20000"/>
@@ -8134,7 +7681,79 @@
             </a:pPr>
             <a:r>
               <a:rPr lang="en-GB" dirty="0"/>
-              <a:t> 7     </a:t>
+              <a:t> 7     go back to step 2</a:t>
+            </a:r>
+          </a:p>
+          <a:p>
+            <a:pPr marL="0" indent="0">
+              <a:buNone/>
+            </a:pPr>
+            <a:r>
+              <a:rPr lang="en-GB" dirty="0"/>
+              <a:t> 8 else if Smith is later in book</a:t>
+            </a:r>
+          </a:p>
+          <a:p>
+            <a:pPr marL="0" indent="0">
+              <a:buNone/>
+            </a:pPr>
+            <a:r>
+              <a:rPr lang="en-GB" dirty="0"/>
+              <a:t> 9     open to middle of right half of book</a:t>
+            </a:r>
+          </a:p>
+          <a:p>
+            <a:pPr marL="0" indent="0">
+              <a:buNone/>
+            </a:pPr>
+            <a:r>
+              <a:rPr lang="en-GB" dirty="0"/>
+              <a:t>10     go back to step 2</a:t>
+            </a:r>
+          </a:p>
+          <a:p>
+            <a:pPr marL="0" indent="0">
+              <a:buNone/>
+            </a:pPr>
+            <a:r>
+              <a:rPr lang="en-GB" dirty="0"/>
+              <a:t>11 else</a:t>
+            </a:r>
+          </a:p>
+          <a:p>
+            <a:pPr marL="0" indent="0">
+              <a:buNone/>
+            </a:pPr>
+            <a:r>
+              <a:rPr lang="en-GB" dirty="0"/>
+              <a:t>12     quit</a:t>
+            </a:r>
+          </a:p>
+        </p:txBody>
+      </p:sp>
+      <p:sp>
+        <p:nvSpPr>
+          <p:cNvPr id="8" name="Content Placeholder 7"/>
+          <p:cNvSpPr>
+            <a:spLocks noGrp="1"/>
+          </p:cNvSpPr>
+          <p:nvPr>
+            <p:ph sz="half" idx="2"/>
+          </p:nvPr>
+        </p:nvSpPr>
+        <p:spPr/>
+        <p:txBody>
+          <a:bodyPr>
+            <a:normAutofit fontScale="70000" lnSpcReduction="20000"/>
+          </a:bodyPr>
+          <a:lstStyle/>
+          <a:p>
+            <a:pPr marL="0" indent="0">
+              <a:buNone/>
+            </a:pPr>
+            <a:r>
+              <a:rPr lang="en-GB" dirty="0"/>
+              <a:t> 0 </a:t>
             </a:r>
             <a:r>
               <a:rPr lang="en-GB" b="1" dirty="0">
@@ -8142,7 +7761,11 @@
                   <a:srgbClr val="FCC235"/>
                 </a:solidFill>
               </a:rPr>
-              <a:t>go back to step 2</a:t>
+              <a:t>pick up </a:t>
+            </a:r>
+            <a:r>
+              <a:rPr lang="en-GB" dirty="0"/>
+              <a:t>phone book</a:t>
             </a:r>
           </a:p>
           <a:p>
@@ -8151,25 +7774,7 @@
             </a:pPr>
             <a:r>
               <a:rPr lang="en-GB" dirty="0"/>
-              <a:t> 8 else if Smith is later in book</a:t>
-            </a:r>
-          </a:p>
-          <a:p>
-            <a:pPr marL="0" indent="0">
-              <a:buNone/>
-            </a:pPr>
-            <a:r>
-              <a:rPr lang="en-GB" dirty="0"/>
-              <a:t> 9     open to middle of right half of book</a:t>
-            </a:r>
-          </a:p>
-          <a:p>
-            <a:pPr marL="0" indent="0">
-              <a:buNone/>
-            </a:pPr>
-            <a:r>
-              <a:rPr lang="en-GB" dirty="0"/>
-              <a:t>10     </a:t>
+              <a:t> 1 </a:t>
             </a:r>
             <a:r>
               <a:rPr lang="en-GB" b="1" dirty="0">
@@ -8177,7 +7782,140 @@
                   <a:srgbClr val="FCC235"/>
                 </a:solidFill>
               </a:rPr>
-              <a:t>go back to step 2</a:t>
+              <a:t>open to </a:t>
+            </a:r>
+            <a:r>
+              <a:rPr lang="en-GB" dirty="0"/>
+              <a:t>middle of phone book</a:t>
+            </a:r>
+          </a:p>
+          <a:p>
+            <a:pPr marL="0" indent="0">
+              <a:buNone/>
+            </a:pPr>
+            <a:r>
+              <a:rPr lang="en-GB" dirty="0"/>
+              <a:t> 2 </a:t>
+            </a:r>
+            <a:r>
+              <a:rPr lang="en-GB" b="1" dirty="0">
+                <a:solidFill>
+                  <a:srgbClr val="FCC235"/>
+                </a:solidFill>
+              </a:rPr>
+              <a:t>look at </a:t>
+            </a:r>
+            <a:r>
+              <a:rPr lang="en-GB" dirty="0"/>
+              <a:t>names</a:t>
+            </a:r>
+          </a:p>
+          <a:p>
+            <a:pPr marL="0" indent="0">
+              <a:buNone/>
+            </a:pPr>
+            <a:r>
+              <a:rPr lang="en-GB" dirty="0"/>
+              <a:t> 3 if Smith is among names</a:t>
+            </a:r>
+          </a:p>
+          <a:p>
+            <a:pPr marL="0" indent="0">
+              <a:buNone/>
+            </a:pPr>
+            <a:r>
+              <a:rPr lang="en-GB" dirty="0"/>
+              <a:t> 4     </a:t>
+            </a:r>
+            <a:r>
+              <a:rPr lang="en-GB" b="1" dirty="0">
+                <a:solidFill>
+                  <a:srgbClr val="FCC235"/>
+                </a:solidFill>
+              </a:rPr>
+              <a:t>call</a:t>
+            </a:r>
+            <a:r>
+              <a:rPr lang="en-GB" dirty="0"/>
+              <a:t> Mike</a:t>
+            </a:r>
+          </a:p>
+          <a:p>
+            <a:pPr marL="0" indent="0">
+              <a:buNone/>
+            </a:pPr>
+            <a:r>
+              <a:rPr lang="en-GB" dirty="0"/>
+              <a:t> 5 else if Smith is earlier in book</a:t>
+            </a:r>
+          </a:p>
+          <a:p>
+            <a:pPr marL="0" indent="0">
+              <a:buNone/>
+            </a:pPr>
+            <a:r>
+              <a:rPr lang="en-GB" dirty="0"/>
+              <a:t> 6     </a:t>
+            </a:r>
+            <a:r>
+              <a:rPr lang="en-GB" b="1" dirty="0">
+                <a:solidFill>
+                  <a:srgbClr val="FCC235"/>
+                </a:solidFill>
+              </a:rPr>
+              <a:t>open</a:t>
+            </a:r>
+            <a:r>
+              <a:rPr lang="en-GB" dirty="0"/>
+              <a:t> to middle of left half of book</a:t>
+            </a:r>
+          </a:p>
+          <a:p>
+            <a:pPr marL="0" indent="0">
+              <a:buNone/>
+            </a:pPr>
+            <a:r>
+              <a:rPr lang="en-GB" dirty="0"/>
+              <a:t> 7     go back to step 2</a:t>
+            </a:r>
+          </a:p>
+          <a:p>
+            <a:pPr marL="0" indent="0">
+              <a:buNone/>
+            </a:pPr>
+            <a:r>
+              <a:rPr lang="en-GB" dirty="0"/>
+              <a:t> 8 else if Smith is later in book</a:t>
+            </a:r>
+          </a:p>
+          <a:p>
+            <a:pPr marL="0" indent="0">
+              <a:buNone/>
+            </a:pPr>
+            <a:r>
+              <a:rPr lang="en-GB" dirty="0"/>
+              <a:t> 9     </a:t>
+            </a:r>
+            <a:r>
+              <a:rPr lang="en-GB" b="1" dirty="0">
+                <a:solidFill>
+                  <a:srgbClr val="FCC235"/>
+                </a:solidFill>
+              </a:rPr>
+              <a:t>open</a:t>
+            </a:r>
+            <a:r>
+              <a:rPr lang="en-GB" dirty="0"/>
+              <a:t> to middle of right half of book</a:t>
+            </a:r>
+          </a:p>
+          <a:p>
+            <a:pPr marL="0" indent="0">
+              <a:buNone/>
+            </a:pPr>
+            <a:r>
+              <a:rPr lang="en-GB" dirty="0"/>
+              <a:t>10     go back to step 2</a:t>
             </a:r>
           </a:p>
           <a:p>
@@ -8195,7 +7933,15 @@
             </a:pPr>
             <a:r>
               <a:rPr lang="en-GB" dirty="0"/>
-              <a:t>12     quit</a:t>
+              <a:t>12     </a:t>
+            </a:r>
+            <a:r>
+              <a:rPr lang="en-GB" b="1" dirty="0">
+                <a:solidFill>
+                  <a:srgbClr val="FCC235"/>
+                </a:solidFill>
+              </a:rPr>
+              <a:t>quit</a:t>
             </a:r>
           </a:p>
         </p:txBody>
@@ -8236,7 +7982,7 @@
     </p:spTree>
     <p:extLst>
       <p:ext uri="{BB962C8B-B14F-4D97-AF65-F5344CB8AC3E}">
-        <p14:creationId xmlns:p14="http://schemas.microsoft.com/office/powerpoint/2010/main" val="3408862372"/>
+        <p14:creationId xmlns:p14="http://schemas.microsoft.com/office/powerpoint/2010/main" val="1088929009"/>
       </p:ext>
     </p:extLst>
   </p:cSld>
@@ -8626,7 +8372,7 @@
       </p:grpSpPr>
       <p:sp>
         <p:nvSpPr>
-          <p:cNvPr id="6" name="Title 5"/>
+          <p:cNvPr id="13" name="Title 1"/>
           <p:cNvSpPr>
             <a:spLocks noGrp="1"/>
           </p:cNvSpPr>
@@ -8639,9 +8385,10 @@
           <a:bodyPr/>
           <a:lstStyle/>
           <a:p>
+            <a:pPr algn="l"/>
             <a:r>
               <a:rPr lang="en-GB" b="1" dirty="0" smtClean="0"/>
-              <a:t>Program</a:t>
+              <a:t>Pseudocode</a:t>
             </a:r>
             <a:endParaRPr lang="en-GB" b="1" dirty="0"/>
           </a:p>
@@ -8649,18 +8396,18 @@
       </p:sp>
       <p:sp>
         <p:nvSpPr>
-          <p:cNvPr id="7" name="Content Placeholder 6"/>
-          <p:cNvSpPr>
-            <a:spLocks noGrp="1"/>
-          </p:cNvSpPr>
-          <p:nvPr>
-            <p:ph idx="1"/>
+          <p:cNvPr id="3" name="Content Placeholder 2"/>
+          <p:cNvSpPr>
+            <a:spLocks noGrp="1"/>
+          </p:cNvSpPr>
+          <p:nvPr>
+            <p:ph sz="half" idx="1"/>
           </p:nvPr>
         </p:nvSpPr>
         <p:spPr/>
         <p:txBody>
           <a:bodyPr>
-            <a:normAutofit fontScale="92500" lnSpcReduction="10000"/>
+            <a:normAutofit fontScale="70000" lnSpcReduction="20000"/>
           </a:bodyPr>
           <a:lstStyle/>
           <a:p>
@@ -8669,68 +8416,327 @@
             </a:pPr>
             <a:r>
               <a:rPr lang="en-GB" dirty="0"/>
-              <a:t>We can write programs with the building blocks we just discovered</a:t>
+              <a:t> </a:t>
             </a:r>
             <a:r>
               <a:rPr lang="en-GB" dirty="0" smtClean="0"/>
-              <a:t>:</a:t>
-            </a:r>
-          </a:p>
-          <a:p>
+              <a:t>0 </a:t>
+            </a:r>
             <a:r>
               <a:rPr lang="en-GB" dirty="0"/>
-              <a:t>F</a:t>
-            </a:r>
-            <a:r>
-              <a:rPr lang="en-GB" dirty="0" smtClean="0"/>
-              <a:t>unctions</a:t>
-            </a:r>
-            <a:endParaRPr lang="en-GB" dirty="0"/>
-          </a:p>
-          <a:p>
+              <a:t>pick up phone book</a:t>
+            </a:r>
+          </a:p>
+          <a:p>
+            <a:pPr marL="0" indent="0">
+              <a:buNone/>
+            </a:pPr>
             <a:r>
               <a:rPr lang="en-GB" dirty="0"/>
-              <a:t>C</a:t>
-            </a:r>
-            <a:r>
-              <a:rPr lang="en-GB" dirty="0" smtClean="0"/>
-              <a:t>onditions</a:t>
-            </a:r>
-            <a:endParaRPr lang="en-GB" dirty="0"/>
-          </a:p>
-          <a:p>
+              <a:t> 1 open to middle of phone book</a:t>
+            </a:r>
+          </a:p>
+          <a:p>
+            <a:pPr marL="0" indent="0">
+              <a:buNone/>
+            </a:pPr>
             <a:r>
               <a:rPr lang="en-GB" dirty="0"/>
-              <a:t>Boolean expressions</a:t>
-            </a:r>
-          </a:p>
-          <a:p>
-            <a:r>
-              <a:rPr lang="en-GB" dirty="0" smtClean="0"/>
-              <a:t>Loops</a:t>
-            </a:r>
-          </a:p>
-          <a:p>
-            <a:r>
-              <a:rPr lang="en-GB" dirty="0" smtClean="0"/>
-              <a:t>Variables</a:t>
-            </a:r>
-          </a:p>
-          <a:p>
-            <a:r>
-              <a:rPr lang="en-GB" dirty="0" smtClean="0"/>
-              <a:t>Threads</a:t>
-            </a:r>
-          </a:p>
-          <a:p>
-            <a:r>
-              <a:rPr lang="en-GB" dirty="0" smtClean="0"/>
-              <a:t>Events …</a:t>
-            </a:r>
-            <a:endParaRPr lang="en-GB" dirty="0"/>
-          </a:p>
-          <a:p>
-            <a:endParaRPr lang="en-GB" dirty="0"/>
+              <a:t> 2 look at names</a:t>
+            </a:r>
+          </a:p>
+          <a:p>
+            <a:pPr marL="0" indent="0">
+              <a:buNone/>
+            </a:pPr>
+            <a:r>
+              <a:rPr lang="en-GB" dirty="0"/>
+              <a:t> 3 </a:t>
+            </a:r>
+            <a:r>
+              <a:rPr lang="en-GB" b="1" dirty="0">
+                <a:solidFill>
+                  <a:srgbClr val="FCC235"/>
+                </a:solidFill>
+              </a:rPr>
+              <a:t>if</a:t>
+            </a:r>
+            <a:r>
+              <a:rPr lang="en-GB" dirty="0"/>
+              <a:t> Smith is among names</a:t>
+            </a:r>
+          </a:p>
+          <a:p>
+            <a:pPr marL="0" indent="0">
+              <a:buNone/>
+            </a:pPr>
+            <a:r>
+              <a:rPr lang="en-GB" dirty="0"/>
+              <a:t> 4     call Mike</a:t>
+            </a:r>
+          </a:p>
+          <a:p>
+            <a:pPr marL="0" indent="0">
+              <a:buNone/>
+            </a:pPr>
+            <a:r>
+              <a:rPr lang="en-GB" dirty="0"/>
+              <a:t> 5 </a:t>
+            </a:r>
+            <a:r>
+              <a:rPr lang="en-GB" b="1" dirty="0">
+                <a:solidFill>
+                  <a:srgbClr val="FCC235"/>
+                </a:solidFill>
+              </a:rPr>
+              <a:t>else if </a:t>
+            </a:r>
+            <a:r>
+              <a:rPr lang="en-GB" dirty="0"/>
+              <a:t>Smith is earlier in book</a:t>
+            </a:r>
+          </a:p>
+          <a:p>
+            <a:pPr marL="0" indent="0">
+              <a:buNone/>
+            </a:pPr>
+            <a:r>
+              <a:rPr lang="en-GB" dirty="0"/>
+              <a:t> 6     open to middle of left half of book</a:t>
+            </a:r>
+          </a:p>
+          <a:p>
+            <a:pPr marL="0" indent="0">
+              <a:buNone/>
+            </a:pPr>
+            <a:r>
+              <a:rPr lang="en-GB" dirty="0"/>
+              <a:t> 7     go back to step 2</a:t>
+            </a:r>
+          </a:p>
+          <a:p>
+            <a:pPr marL="0" indent="0">
+              <a:buNone/>
+            </a:pPr>
+            <a:r>
+              <a:rPr lang="en-GB" dirty="0"/>
+              <a:t> 8 </a:t>
+            </a:r>
+            <a:r>
+              <a:rPr lang="en-GB" b="1" dirty="0">
+                <a:solidFill>
+                  <a:srgbClr val="FCC235"/>
+                </a:solidFill>
+              </a:rPr>
+              <a:t>else if </a:t>
+            </a:r>
+            <a:r>
+              <a:rPr lang="en-GB" dirty="0"/>
+              <a:t>Smith is later in book</a:t>
+            </a:r>
+          </a:p>
+          <a:p>
+            <a:pPr marL="0" indent="0">
+              <a:buNone/>
+            </a:pPr>
+            <a:r>
+              <a:rPr lang="en-GB" dirty="0"/>
+              <a:t> 9     open to middle of right half of book</a:t>
+            </a:r>
+          </a:p>
+          <a:p>
+            <a:pPr marL="0" indent="0">
+              <a:buNone/>
+            </a:pPr>
+            <a:r>
+              <a:rPr lang="en-GB" dirty="0"/>
+              <a:t>10     go back to step 2</a:t>
+            </a:r>
+          </a:p>
+          <a:p>
+            <a:pPr marL="0" indent="0">
+              <a:buNone/>
+            </a:pPr>
+            <a:r>
+              <a:rPr lang="en-GB" dirty="0"/>
+              <a:t>11 </a:t>
+            </a:r>
+            <a:r>
+              <a:rPr lang="en-GB" b="1" dirty="0">
+                <a:solidFill>
+                  <a:srgbClr val="FCC235"/>
+                </a:solidFill>
+              </a:rPr>
+              <a:t>else</a:t>
+            </a:r>
+          </a:p>
+          <a:p>
+            <a:pPr marL="0" indent="0">
+              <a:buNone/>
+            </a:pPr>
+            <a:r>
+              <a:rPr lang="en-GB" dirty="0"/>
+              <a:t>12     quit</a:t>
+            </a:r>
+          </a:p>
+        </p:txBody>
+      </p:sp>
+      <p:sp>
+        <p:nvSpPr>
+          <p:cNvPr id="8" name="Content Placeholder 7"/>
+          <p:cNvSpPr>
+            <a:spLocks noGrp="1"/>
+          </p:cNvSpPr>
+          <p:nvPr>
+            <p:ph sz="half" idx="2"/>
+          </p:nvPr>
+        </p:nvSpPr>
+        <p:spPr/>
+        <p:txBody>
+          <a:bodyPr>
+            <a:normAutofit fontScale="70000" lnSpcReduction="20000"/>
+          </a:bodyPr>
+          <a:lstStyle/>
+          <a:p>
+            <a:pPr marL="0" indent="0">
+              <a:buNone/>
+            </a:pPr>
+            <a:r>
+              <a:rPr lang="en-GB" dirty="0"/>
+              <a:t> 0 pick up phone book</a:t>
+            </a:r>
+          </a:p>
+          <a:p>
+            <a:pPr marL="0" indent="0">
+              <a:buNone/>
+            </a:pPr>
+            <a:r>
+              <a:rPr lang="en-GB" dirty="0"/>
+              <a:t> 1 open to middle of phone book</a:t>
+            </a:r>
+          </a:p>
+          <a:p>
+            <a:pPr marL="0" indent="0">
+              <a:buNone/>
+            </a:pPr>
+            <a:r>
+              <a:rPr lang="en-GB" dirty="0"/>
+              <a:t> 2 look at names</a:t>
+            </a:r>
+          </a:p>
+          <a:p>
+            <a:pPr marL="0" indent="0">
+              <a:buNone/>
+            </a:pPr>
+            <a:r>
+              <a:rPr lang="en-GB" dirty="0"/>
+              <a:t> 3 if </a:t>
+            </a:r>
+            <a:r>
+              <a:rPr lang="en-GB" b="1" dirty="0">
+                <a:solidFill>
+                  <a:srgbClr val="FCC235"/>
+                </a:solidFill>
+              </a:rPr>
+              <a:t>Smith is among names</a:t>
+            </a:r>
+          </a:p>
+          <a:p>
+            <a:pPr marL="0" indent="0">
+              <a:buNone/>
+            </a:pPr>
+            <a:r>
+              <a:rPr lang="en-GB" dirty="0"/>
+              <a:t> 4     call Mike</a:t>
+            </a:r>
+          </a:p>
+          <a:p>
+            <a:pPr marL="0" indent="0">
+              <a:buNone/>
+            </a:pPr>
+            <a:r>
+              <a:rPr lang="en-GB" dirty="0"/>
+              <a:t> 5 else if </a:t>
+            </a:r>
+            <a:r>
+              <a:rPr lang="en-GB" b="1" dirty="0">
+                <a:solidFill>
+                  <a:srgbClr val="FCC235"/>
+                </a:solidFill>
+              </a:rPr>
+              <a:t>Smith is earlier in book</a:t>
+            </a:r>
+          </a:p>
+          <a:p>
+            <a:pPr marL="0" indent="0">
+              <a:buNone/>
+            </a:pPr>
+            <a:r>
+              <a:rPr lang="en-GB" dirty="0"/>
+              <a:t> 6     open to middle of left half of book</a:t>
+            </a:r>
+          </a:p>
+          <a:p>
+            <a:pPr marL="0" indent="0">
+              <a:buNone/>
+            </a:pPr>
+            <a:r>
+              <a:rPr lang="en-GB" dirty="0"/>
+              <a:t> 7     go back to step 2</a:t>
+            </a:r>
+          </a:p>
+          <a:p>
+            <a:pPr marL="0" indent="0">
+              <a:buNone/>
+            </a:pPr>
+            <a:r>
+              <a:rPr lang="en-GB" dirty="0"/>
+              <a:t> 8 else if </a:t>
+            </a:r>
+            <a:r>
+              <a:rPr lang="en-GB" b="1" dirty="0">
+                <a:solidFill>
+                  <a:srgbClr val="FCC235"/>
+                </a:solidFill>
+              </a:rPr>
+              <a:t>Smith is later in book</a:t>
+            </a:r>
+          </a:p>
+          <a:p>
+            <a:pPr marL="0" indent="0">
+              <a:buNone/>
+            </a:pPr>
+            <a:r>
+              <a:rPr lang="en-GB" dirty="0"/>
+              <a:t> 9     open to middle of right half of book</a:t>
+            </a:r>
+          </a:p>
+          <a:p>
+            <a:pPr marL="0" indent="0">
+              <a:buNone/>
+            </a:pPr>
+            <a:r>
+              <a:rPr lang="en-GB" dirty="0"/>
+              <a:t>10     go back to step 2</a:t>
+            </a:r>
+          </a:p>
+          <a:p>
+            <a:pPr marL="0" indent="0">
+              <a:buNone/>
+            </a:pPr>
+            <a:r>
+              <a:rPr lang="en-GB" dirty="0"/>
+              <a:t>11 else</a:t>
+            </a:r>
+          </a:p>
+          <a:p>
+            <a:pPr marL="0" indent="0">
+              <a:buNone/>
+            </a:pPr>
+            <a:r>
+              <a:rPr lang="en-GB" dirty="0"/>
+              <a:t>12     quit</a:t>
+            </a:r>
           </a:p>
         </p:txBody>
       </p:sp>
@@ -8770,7 +8776,7 @@
     </p:spTree>
     <p:extLst>
       <p:ext uri="{BB962C8B-B14F-4D97-AF65-F5344CB8AC3E}">
-        <p14:creationId xmlns:p14="http://schemas.microsoft.com/office/powerpoint/2010/main" val="1164063884"/>
+        <p14:creationId xmlns:p14="http://schemas.microsoft.com/office/powerpoint/2010/main" val="3168522749"/>
       </p:ext>
     </p:extLst>
   </p:cSld>
@@ -8799,7 +8805,7 @@
       </p:grpSpPr>
       <p:sp>
         <p:nvSpPr>
-          <p:cNvPr id="2" name="Title 1"/>
+          <p:cNvPr id="13" name="Title 1"/>
           <p:cNvSpPr>
             <a:spLocks noGrp="1"/>
           </p:cNvSpPr>
@@ -8812,10 +8818,12 @@
           <a:bodyPr/>
           <a:lstStyle/>
           <a:p>
-            <a:r>
-              <a:rPr lang="en-GB" b="1" dirty="0"/>
-              <a:t>Pseudo Code Explained</a:t>
-            </a:r>
+            <a:pPr algn="l"/>
+            <a:r>
+              <a:rPr lang="en-GB" b="1" dirty="0" smtClean="0"/>
+              <a:t>Pseudocode</a:t>
+            </a:r>
+            <a:endParaRPr lang="en-GB" b="1" dirty="0"/>
           </a:p>
         </p:txBody>
       </p:sp>
@@ -8826,84 +8834,160 @@
             <a:spLocks noGrp="1"/>
           </p:cNvSpPr>
           <p:nvPr>
-            <p:ph idx="1"/>
-          </p:nvPr>
-        </p:nvSpPr>
-        <p:spPr/>
+            <p:ph sz="half" idx="1"/>
+          </p:nvPr>
+        </p:nvSpPr>
+        <p:spPr>
+          <a:xfrm>
+            <a:off x="2411760" y="1340768"/>
+            <a:ext cx="4038600" cy="4525963"/>
+          </a:xfrm>
+        </p:spPr>
         <p:txBody>
           <a:bodyPr>
-            <a:normAutofit fontScale="92500" lnSpcReduction="20000"/>
+            <a:normAutofit fontScale="70000" lnSpcReduction="20000"/>
           </a:bodyPr>
           <a:lstStyle/>
           <a:p>
-            <a:r>
-              <a:rPr lang="en-GB" b="1" dirty="0"/>
-              <a:t>Pseudo Code</a:t>
-            </a:r>
-          </a:p>
-          <a:p>
-            <a:pPr lvl="1"/>
-            <a:r>
-              <a:rPr lang="en-GB" dirty="0"/>
-              <a:t>Describes a programming algorithm using a sequence of programing language independent statements. </a:t>
-            </a:r>
-          </a:p>
-          <a:p>
-            <a:r>
-              <a:rPr lang="en-GB" b="1" dirty="0"/>
-              <a:t>Example (Windows Login)</a:t>
-            </a:r>
-          </a:p>
-          <a:p>
-            <a:pPr marL="914400" lvl="1" indent="-514350">
-              <a:buFont typeface="+mj-lt"/>
-              <a:buAutoNum type="arabicPeriod"/>
-            </a:pPr>
-            <a:r>
-              <a:rPr lang="en-GB" dirty="0">
-                <a:latin typeface="Courier New" panose="02070309020205020404" pitchFamily="49" charset="0"/>
-                <a:cs typeface="Courier New" panose="02070309020205020404" pitchFamily="49" charset="0"/>
-              </a:rPr>
-              <a:t>Prompt user to enter login credentials (Username &amp; Password)</a:t>
-            </a:r>
-          </a:p>
-          <a:p>
-            <a:pPr marL="914400" lvl="1" indent="-514350">
-              <a:buFont typeface="+mj-lt"/>
-              <a:buAutoNum type="arabicPeriod"/>
-            </a:pPr>
-            <a:r>
-              <a:rPr lang="en-GB" dirty="0">
-                <a:latin typeface="Courier New" panose="02070309020205020404" pitchFamily="49" charset="0"/>
-                <a:cs typeface="Courier New" panose="02070309020205020404" pitchFamily="49" charset="0"/>
-              </a:rPr>
-              <a:t>Verify user’s credentials.</a:t>
-            </a:r>
-          </a:p>
-          <a:p>
-            <a:pPr marL="914400" lvl="1" indent="-514350">
-              <a:buFont typeface="+mj-lt"/>
-              <a:buAutoNum type="arabicPeriod"/>
-            </a:pPr>
-            <a:r>
-              <a:rPr lang="en-GB" dirty="0">
-                <a:latin typeface="Courier New" panose="02070309020205020404" pitchFamily="49" charset="0"/>
-                <a:cs typeface="Courier New" panose="02070309020205020404" pitchFamily="49" charset="0"/>
-              </a:rPr>
-              <a:t>If user’s credentials are valid display the Windows Desktop else display “Invalid login credentials” message. </a:t>
-            </a:r>
-          </a:p>
-          <a:p>
-            <a:pPr marL="914400" lvl="2" indent="0">
+            <a:pPr marL="0" indent="0">
               <a:buNone/>
             </a:pPr>
             <a:r>
               <a:rPr lang="en-GB" dirty="0"/>
               <a:t> </a:t>
             </a:r>
-          </a:p>
-          <a:p>
-            <a:endParaRPr lang="en-GB" dirty="0"/>
+            <a:r>
+              <a:rPr lang="en-GB" dirty="0" smtClean="0"/>
+              <a:t>0 </a:t>
+            </a:r>
+            <a:r>
+              <a:rPr lang="en-GB" dirty="0"/>
+              <a:t>pick up phone book</a:t>
+            </a:r>
+          </a:p>
+          <a:p>
+            <a:pPr marL="0" indent="0">
+              <a:buNone/>
+            </a:pPr>
+            <a:r>
+              <a:rPr lang="en-GB" dirty="0"/>
+              <a:t> 1 open to middle of phone book</a:t>
+            </a:r>
+          </a:p>
+          <a:p>
+            <a:pPr marL="0" indent="0">
+              <a:buNone/>
+            </a:pPr>
+            <a:r>
+              <a:rPr lang="en-GB" dirty="0"/>
+              <a:t> 2 look at names</a:t>
+            </a:r>
+          </a:p>
+          <a:p>
+            <a:pPr marL="0" indent="0">
+              <a:buNone/>
+            </a:pPr>
+            <a:r>
+              <a:rPr lang="en-GB" dirty="0"/>
+              <a:t> 3 if Smith is among names</a:t>
+            </a:r>
+          </a:p>
+          <a:p>
+            <a:pPr marL="0" indent="0">
+              <a:buNone/>
+            </a:pPr>
+            <a:r>
+              <a:rPr lang="en-GB" dirty="0"/>
+              <a:t> 4     call Mike</a:t>
+            </a:r>
+          </a:p>
+          <a:p>
+            <a:pPr marL="0" indent="0">
+              <a:buNone/>
+            </a:pPr>
+            <a:r>
+              <a:rPr lang="en-GB" dirty="0"/>
+              <a:t> 5 else if Smith is earlier in book</a:t>
+            </a:r>
+          </a:p>
+          <a:p>
+            <a:pPr marL="0" indent="0">
+              <a:buNone/>
+            </a:pPr>
+            <a:r>
+              <a:rPr lang="en-GB" dirty="0"/>
+              <a:t> 6     open to middle of left half of book</a:t>
+            </a:r>
+          </a:p>
+          <a:p>
+            <a:pPr marL="0" indent="0">
+              <a:buNone/>
+            </a:pPr>
+            <a:r>
+              <a:rPr lang="en-GB" dirty="0"/>
+              <a:t> 7     </a:t>
+            </a:r>
+            <a:r>
+              <a:rPr lang="en-GB" b="1" dirty="0">
+                <a:solidFill>
+                  <a:srgbClr val="FCC235"/>
+                </a:solidFill>
+              </a:rPr>
+              <a:t>go back to step 2</a:t>
+            </a:r>
+          </a:p>
+          <a:p>
+            <a:pPr marL="0" indent="0">
+              <a:buNone/>
+            </a:pPr>
+            <a:r>
+              <a:rPr lang="en-GB" dirty="0"/>
+              <a:t> 8 else if Smith is later in book</a:t>
+            </a:r>
+          </a:p>
+          <a:p>
+            <a:pPr marL="0" indent="0">
+              <a:buNone/>
+            </a:pPr>
+            <a:r>
+              <a:rPr lang="en-GB" dirty="0"/>
+              <a:t> 9     open to middle of right half of book</a:t>
+            </a:r>
+          </a:p>
+          <a:p>
+            <a:pPr marL="0" indent="0">
+              <a:buNone/>
+            </a:pPr>
+            <a:r>
+              <a:rPr lang="en-GB" dirty="0"/>
+              <a:t>10     </a:t>
+            </a:r>
+            <a:r>
+              <a:rPr lang="en-GB" b="1" dirty="0">
+                <a:solidFill>
+                  <a:srgbClr val="FCC235"/>
+                </a:solidFill>
+              </a:rPr>
+              <a:t>go back to step 2</a:t>
+            </a:r>
+          </a:p>
+          <a:p>
+            <a:pPr marL="0" indent="0">
+              <a:buNone/>
+            </a:pPr>
+            <a:r>
+              <a:rPr lang="en-GB" dirty="0"/>
+              <a:t>11 else</a:t>
+            </a:r>
+          </a:p>
+          <a:p>
+            <a:pPr marL="0" indent="0">
+              <a:buNone/>
+            </a:pPr>
+            <a:r>
+              <a:rPr lang="en-GB" dirty="0"/>
+              <a:t>12     quit</a:t>
+            </a:r>
           </a:p>
         </p:txBody>
       </p:sp>
@@ -8943,7 +9027,7 @@
     </p:spTree>
     <p:extLst>
       <p:ext uri="{BB962C8B-B14F-4D97-AF65-F5344CB8AC3E}">
-        <p14:creationId xmlns:p14="http://schemas.microsoft.com/office/powerpoint/2010/main" val="4048112918"/>
+        <p14:creationId xmlns:p14="http://schemas.microsoft.com/office/powerpoint/2010/main" val="3408862372"/>
       </p:ext>
     </p:extLst>
   </p:cSld>
@@ -8972,7 +9056,7 @@
       </p:grpSpPr>
       <p:sp>
         <p:nvSpPr>
-          <p:cNvPr id="2" name="Title 1"/>
+          <p:cNvPr id="6" name="Title 5"/>
           <p:cNvSpPr>
             <a:spLocks noGrp="1"/>
           </p:cNvSpPr>
@@ -8986,61 +9070,96 @@
           <a:lstStyle/>
           <a:p>
             <a:r>
+              <a:rPr lang="en-GB" b="1" dirty="0" smtClean="0"/>
+              <a:t>Program</a:t>
+            </a:r>
+            <a:endParaRPr lang="en-GB" b="1" dirty="0"/>
+          </a:p>
+        </p:txBody>
+      </p:sp>
+      <p:sp>
+        <p:nvSpPr>
+          <p:cNvPr id="7" name="Content Placeholder 6"/>
+          <p:cNvSpPr>
+            <a:spLocks noGrp="1"/>
+          </p:cNvSpPr>
+          <p:nvPr>
+            <p:ph idx="1"/>
+          </p:nvPr>
+        </p:nvSpPr>
+        <p:spPr/>
+        <p:txBody>
+          <a:bodyPr>
+            <a:normAutofit fontScale="92500" lnSpcReduction="10000"/>
+          </a:bodyPr>
+          <a:lstStyle/>
+          <a:p>
+            <a:pPr marL="0" indent="0">
+              <a:buNone/>
+            </a:pPr>
+            <a:r>
               <a:rPr lang="en-GB" dirty="0"/>
-              <a:t>Learning Activity 1</a:t>
-            </a:r>
-          </a:p>
-        </p:txBody>
-      </p:sp>
-      <p:sp>
-        <p:nvSpPr>
-          <p:cNvPr id="3" name="Content Placeholder 2"/>
-          <p:cNvSpPr>
-            <a:spLocks noGrp="1"/>
-          </p:cNvSpPr>
-          <p:nvPr>
-            <p:ph idx="1"/>
-          </p:nvPr>
-        </p:nvSpPr>
-        <p:spPr/>
-        <p:txBody>
-          <a:bodyPr/>
-          <a:lstStyle/>
-          <a:p>
-            <a:r>
-              <a:rPr lang="en-GB" b="1" dirty="0"/>
-              <a:t>Learners to:</a:t>
-            </a:r>
-          </a:p>
-          <a:p>
-            <a:pPr lvl="1"/>
+              <a:t>We can write programs with the building blocks we just discovered</a:t>
+            </a:r>
+            <a:r>
+              <a:rPr lang="en-GB" dirty="0" smtClean="0"/>
+              <a:t>:</a:t>
+            </a:r>
+          </a:p>
+          <a:p>
             <a:r>
               <a:rPr lang="en-GB" dirty="0"/>
-              <a:t>Work in pairs to create pseudo code for making a cup of tea/coffee. (20 mins)</a:t>
-            </a:r>
-          </a:p>
-          <a:p>
-            <a:pPr lvl="1"/>
+              <a:t>F</a:t>
+            </a:r>
+            <a:r>
+              <a:rPr lang="en-GB" dirty="0" smtClean="0"/>
+              <a:t>unctions</a:t>
+            </a:r>
+            <a:endParaRPr lang="en-GB" dirty="0"/>
+          </a:p>
+          <a:p>
             <a:r>
               <a:rPr lang="en-GB" dirty="0"/>
-              <a:t>Review to determine if there are any other alternative ways they could modify their pseudo code to accomplish the same goal. (20 mins)</a:t>
-            </a:r>
+              <a:t>C</a:t>
+            </a:r>
+            <a:r>
+              <a:rPr lang="en-GB" dirty="0" smtClean="0"/>
+              <a:t>onditions</a:t>
+            </a:r>
+            <a:endParaRPr lang="en-GB" dirty="0"/>
           </a:p>
           <a:p>
             <a:r>
               <a:rPr lang="en-GB" dirty="0"/>
-              <a:t>Tutor to:</a:t>
-            </a:r>
-          </a:p>
-          <a:p>
-            <a:pPr lvl="1"/>
-            <a:r>
-              <a:rPr lang="en-GB" dirty="0"/>
-              <a:t>Provide one-to-one guidance and support to learners.</a:t>
-            </a:r>
-          </a:p>
-          <a:p>
-            <a:pPr lvl="1"/>
+              <a:t>Boolean expressions</a:t>
+            </a:r>
+          </a:p>
+          <a:p>
+            <a:r>
+              <a:rPr lang="en-GB" dirty="0" smtClean="0"/>
+              <a:t>Loops</a:t>
+            </a:r>
+          </a:p>
+          <a:p>
+            <a:r>
+              <a:rPr lang="en-GB" dirty="0" smtClean="0"/>
+              <a:t>Variables</a:t>
+            </a:r>
+          </a:p>
+          <a:p>
+            <a:r>
+              <a:rPr lang="en-GB" dirty="0" smtClean="0"/>
+              <a:t>Threads</a:t>
+            </a:r>
+          </a:p>
+          <a:p>
+            <a:r>
+              <a:rPr lang="en-GB" dirty="0" smtClean="0"/>
+              <a:t>Events …</a:t>
+            </a:r>
+            <a:endParaRPr lang="en-GB" dirty="0"/>
+          </a:p>
+          <a:p>
             <a:endParaRPr lang="en-GB" dirty="0"/>
           </a:p>
         </p:txBody>
@@ -9081,7 +9200,7 @@
     </p:spTree>
     <p:extLst>
       <p:ext uri="{BB962C8B-B14F-4D97-AF65-F5344CB8AC3E}">
-        <p14:creationId xmlns:p14="http://schemas.microsoft.com/office/powerpoint/2010/main" val="490339826"/>
+        <p14:creationId xmlns:p14="http://schemas.microsoft.com/office/powerpoint/2010/main" val="1164063884"/>
       </p:ext>
     </p:extLst>
   </p:cSld>
@@ -9110,13 +9229,7 @@
       </p:grpSpPr>
       <p:sp>
         <p:nvSpPr>
-          <p:cNvPr id="2" name="Title 1">
-            <a:extLst>
-              <a:ext uri="{FF2B5EF4-FFF2-40B4-BE49-F238E27FC236}">
-                <a16:creationId xmlns:a16="http://schemas.microsoft.com/office/drawing/2014/main" id="{4508A52C-36CA-4721-AE76-FCACF69B03E5}"/>
-              </a:ext>
-            </a:extLst>
-          </p:cNvPr>
+          <p:cNvPr id="2" name="Title 1"/>
           <p:cNvSpPr>
             <a:spLocks noGrp="1"/>
           </p:cNvSpPr>
@@ -9131,20 +9244,14 @@
           <a:p>
             <a:r>
               <a:rPr lang="en-GB" dirty="0"/>
-              <a:t>Logic Gates</a:t>
-            </a:r>
-          </a:p>
-        </p:txBody>
-      </p:sp>
-      <p:sp>
-        <p:nvSpPr>
-          <p:cNvPr id="3" name="Content Placeholder 2">
-            <a:extLst>
-              <a:ext uri="{FF2B5EF4-FFF2-40B4-BE49-F238E27FC236}">
-                <a16:creationId xmlns:a16="http://schemas.microsoft.com/office/drawing/2014/main" id="{8BE1F868-888C-4D9A-8858-063EBEA193F9}"/>
-              </a:ext>
-            </a:extLst>
-          </p:cNvPr>
+              <a:t>Learning Activity 1</a:t>
+            </a:r>
+          </a:p>
+        </p:txBody>
+      </p:sp>
+      <p:sp>
+        <p:nvSpPr>
+          <p:cNvPr id="3" name="Content Placeholder 2"/>
           <p:cNvSpPr>
             <a:spLocks noGrp="1"/>
           </p:cNvSpPr>
@@ -9152,90 +9259,52 @@
             <p:ph idx="1"/>
           </p:nvPr>
         </p:nvSpPr>
-        <p:spPr>
-          <a:xfrm>
-            <a:off x="457200" y="1600201"/>
-            <a:ext cx="8229600" cy="3185232"/>
-          </a:xfrm>
-        </p:spPr>
-        <p:txBody>
-          <a:bodyPr>
-            <a:normAutofit fontScale="92500" lnSpcReduction="10000"/>
-          </a:bodyPr>
-          <a:lstStyle/>
-          <a:p>
-            <a:pPr marL="0" indent="0">
-              <a:buNone/>
-            </a:pPr>
+        <p:spPr/>
+        <p:txBody>
+          <a:bodyPr/>
+          <a:lstStyle/>
+          <a:p>
+            <a:r>
+              <a:rPr lang="en-GB" b="1" dirty="0"/>
+              <a:t>Learners to:</a:t>
+            </a:r>
+          </a:p>
+          <a:p>
+            <a:pPr lvl="1"/>
             <a:r>
               <a:rPr lang="en-GB" dirty="0"/>
-              <a:t>A </a:t>
-            </a:r>
-            <a:r>
-              <a:rPr lang="en-GB" b="1" dirty="0"/>
-              <a:t>logic gate </a:t>
-            </a:r>
+              <a:t>Work in pairs to create pseudo code for making a cup of tea/coffee. (20 mins)</a:t>
+            </a:r>
+          </a:p>
+          <a:p>
+            <a:pPr lvl="1"/>
             <a:r>
               <a:rPr lang="en-GB" dirty="0"/>
-              <a:t>is an elementary building block of a digital circuit, where every terminal is in one of the two binary conditions </a:t>
-            </a:r>
-            <a:r>
-              <a:rPr lang="en-GB" i="1" dirty="0"/>
-              <a:t>low</a:t>
-            </a:r>
+              <a:t>Review to determine if there are any other alternative ways they could modify their pseudo code to accomplish the same goal. (20 mins)</a:t>
+            </a:r>
+          </a:p>
+          <a:p>
             <a:r>
               <a:rPr lang="en-GB" dirty="0"/>
-              <a:t> (0) or </a:t>
-            </a:r>
-            <a:r>
-              <a:rPr lang="en-GB" i="1" dirty="0"/>
-              <a:t>high</a:t>
-            </a:r>
+              <a:t>Tutor to:</a:t>
+            </a:r>
+          </a:p>
+          <a:p>
+            <a:pPr lvl="1"/>
             <a:r>
               <a:rPr lang="en-GB" dirty="0"/>
-              <a:t> (1), represented by different voltage levels.</a:t>
-            </a:r>
-          </a:p>
-          <a:p>
-            <a:pPr marL="0" indent="0">
-              <a:buNone/>
-            </a:pPr>
-            <a:r>
-              <a:rPr lang="en-GB" dirty="0"/>
-              <a:t>A </a:t>
-            </a:r>
-            <a:r>
-              <a:rPr lang="en-GB" b="1" dirty="0"/>
-              <a:t>Logic gate </a:t>
-            </a:r>
-            <a:r>
-              <a:rPr lang="en-GB" dirty="0"/>
-              <a:t>performs a logical operation on one or more binary inputs and produces a single binary output.</a:t>
-            </a:r>
-          </a:p>
-          <a:p>
-            <a:pPr marL="0" indent="0">
-              <a:buNone/>
-            </a:pPr>
+              <a:t>Provide one-to-one guidance and support to learners.</a:t>
+            </a:r>
+          </a:p>
+          <a:p>
+            <a:pPr lvl="1"/>
             <a:endParaRPr lang="en-GB" dirty="0"/>
           </a:p>
-          <a:p>
-            <a:pPr marL="0" indent="0">
-              <a:buNone/>
-            </a:pPr>
-            <a:endParaRPr lang="en-GB" dirty="0"/>
-          </a:p>
-        </p:txBody>
-      </p:sp>
-      <p:sp>
-        <p:nvSpPr>
-          <p:cNvPr id="4" name="Slide Number Placeholder 3">
-            <a:extLst>
-              <a:ext uri="{FF2B5EF4-FFF2-40B4-BE49-F238E27FC236}">
-                <a16:creationId xmlns:a16="http://schemas.microsoft.com/office/drawing/2014/main" id="{19E78417-E81E-4A51-A316-C222A2D178FF}"/>
-              </a:ext>
-            </a:extLst>
-          </p:cNvPr>
+        </p:txBody>
+      </p:sp>
+      <p:sp>
+        <p:nvSpPr>
+          <p:cNvPr id="4" name="Slide Number Placeholder 3"/>
           <p:cNvSpPr>
             <a:spLocks noGrp="1"/>
           </p:cNvSpPr>
@@ -9266,1637 +9335,10 @@
           </a:p>
         </p:txBody>
       </p:sp>
-      <p:pic>
-        <p:nvPicPr>
-          <p:cNvPr id="10" name="Picture 4" descr="/WhatIs/images/and.gif (220 bytes)">
-            <a:extLst>
-              <a:ext uri="{FF2B5EF4-FFF2-40B4-BE49-F238E27FC236}">
-                <a16:creationId xmlns:a16="http://schemas.microsoft.com/office/drawing/2014/main" id="{9260EC0E-AB3B-4151-880F-DB452918A139}"/>
-              </a:ext>
-            </a:extLst>
-          </p:cNvPr>
-          <p:cNvPicPr>
-            <a:picLocks noChangeAspect="1" noChangeArrowheads="1"/>
-          </p:cNvPicPr>
-          <p:nvPr/>
-        </p:nvPicPr>
-        <p:blipFill>
-          <a:blip r:embed="rId2">
-            <a:extLst>
-              <a:ext uri="{28A0092B-C50C-407E-A947-70E740481C1C}">
-                <a14:useLocalDpi xmlns:a14="http://schemas.microsoft.com/office/drawing/2010/main" val="0"/>
-              </a:ext>
-            </a:extLst>
-          </a:blip>
-          <a:srcRect/>
-          <a:stretch>
-            <a:fillRect/>
-          </a:stretch>
-        </p:blipFill>
-        <p:spPr bwMode="auto">
-          <a:xfrm>
-            <a:off x="695010" y="4923933"/>
-            <a:ext cx="1796096" cy="643601"/>
-          </a:xfrm>
-          <a:prstGeom prst="rect">
-            <a:avLst/>
-          </a:prstGeom>
-          <a:noFill/>
-          <a:extLst>
-            <a:ext uri="{909E8E84-426E-40DD-AFC4-6F175D3DCCD1}">
-              <a14:hiddenFill xmlns:a14="http://schemas.microsoft.com/office/drawing/2010/main">
-                <a:solidFill>
-                  <a:srgbClr val="FFFFFF"/>
-                </a:solidFill>
-              </a14:hiddenFill>
-            </a:ext>
-          </a:extLst>
-        </p:spPr>
-      </p:pic>
-      <p:pic>
-        <p:nvPicPr>
-          <p:cNvPr id="1030" name="Picture 6" descr="/WhatIs/images/or.gif (224 bytes)">
-            <a:extLst>
-              <a:ext uri="{FF2B5EF4-FFF2-40B4-BE49-F238E27FC236}">
-                <a16:creationId xmlns:a16="http://schemas.microsoft.com/office/drawing/2014/main" id="{FD180A08-E9F9-4331-8B60-F117588E4AAC}"/>
-              </a:ext>
-            </a:extLst>
-          </p:cNvPr>
-          <p:cNvPicPr>
-            <a:picLocks noChangeAspect="1" noChangeArrowheads="1"/>
-          </p:cNvPicPr>
-          <p:nvPr/>
-        </p:nvPicPr>
-        <p:blipFill>
-          <a:blip r:embed="rId3">
-            <a:extLst>
-              <a:ext uri="{28A0092B-C50C-407E-A947-70E740481C1C}">
-                <a14:useLocalDpi xmlns:a14="http://schemas.microsoft.com/office/drawing/2010/main" val="0"/>
-              </a:ext>
-            </a:extLst>
-          </a:blip>
-          <a:srcRect/>
-          <a:stretch>
-            <a:fillRect/>
-          </a:stretch>
-        </p:blipFill>
-        <p:spPr bwMode="auto">
-          <a:xfrm>
-            <a:off x="6588224" y="4935998"/>
-            <a:ext cx="1884832" cy="643601"/>
-          </a:xfrm>
-          <a:prstGeom prst="rect">
-            <a:avLst/>
-          </a:prstGeom>
-          <a:noFill/>
-          <a:extLst>
-            <a:ext uri="{909E8E84-426E-40DD-AFC4-6F175D3DCCD1}">
-              <a14:hiddenFill xmlns:a14="http://schemas.microsoft.com/office/drawing/2010/main">
-                <a:solidFill>
-                  <a:srgbClr val="FFFFFF"/>
-                </a:solidFill>
-              </a14:hiddenFill>
-            </a:ext>
-          </a:extLst>
-        </p:spPr>
-      </p:pic>
-      <p:pic>
-        <p:nvPicPr>
-          <p:cNvPr id="1032" name="Picture 8" descr="/WhatIs/images/not.gif (240 bytes)">
-            <a:extLst>
-              <a:ext uri="{FF2B5EF4-FFF2-40B4-BE49-F238E27FC236}">
-                <a16:creationId xmlns:a16="http://schemas.microsoft.com/office/drawing/2014/main" id="{28B2C663-F165-41F9-8E43-D937E30AC666}"/>
-              </a:ext>
-            </a:extLst>
-          </p:cNvPr>
-          <p:cNvPicPr>
-            <a:picLocks noChangeAspect="1" noChangeArrowheads="1"/>
-          </p:cNvPicPr>
-          <p:nvPr/>
-        </p:nvPicPr>
-        <p:blipFill>
-          <a:blip r:embed="rId4">
-            <a:extLst>
-              <a:ext uri="{28A0092B-C50C-407E-A947-70E740481C1C}">
-                <a14:useLocalDpi xmlns:a14="http://schemas.microsoft.com/office/drawing/2010/main" val="0"/>
-              </a:ext>
-            </a:extLst>
-          </a:blip>
-          <a:srcRect/>
-          <a:stretch>
-            <a:fillRect/>
-          </a:stretch>
-        </p:blipFill>
-        <p:spPr bwMode="auto">
-          <a:xfrm>
-            <a:off x="3593003" y="4935998"/>
-            <a:ext cx="1930803" cy="643601"/>
-          </a:xfrm>
-          <a:prstGeom prst="rect">
-            <a:avLst/>
-          </a:prstGeom>
-          <a:noFill/>
-          <a:extLst>
-            <a:ext uri="{909E8E84-426E-40DD-AFC4-6F175D3DCCD1}">
-              <a14:hiddenFill xmlns:a14="http://schemas.microsoft.com/office/drawing/2010/main">
-                <a:solidFill>
-                  <a:srgbClr val="FFFFFF"/>
-                </a:solidFill>
-              </a14:hiddenFill>
-            </a:ext>
-          </a:extLst>
-        </p:spPr>
-      </p:pic>
-      <p:sp>
-        <p:nvSpPr>
-          <p:cNvPr id="7" name="TextBox 6">
-            <a:extLst>
-              <a:ext uri="{FF2B5EF4-FFF2-40B4-BE49-F238E27FC236}">
-                <a16:creationId xmlns:a16="http://schemas.microsoft.com/office/drawing/2014/main" id="{95D0EBF6-C3E4-443E-B947-301F50B10D98}"/>
-              </a:ext>
-            </a:extLst>
-          </p:cNvPr>
-          <p:cNvSpPr txBox="1"/>
-          <p:nvPr/>
-        </p:nvSpPr>
-        <p:spPr>
-          <a:xfrm>
-            <a:off x="306357" y="4923933"/>
-            <a:ext cx="301686" cy="646331"/>
-          </a:xfrm>
-          <a:prstGeom prst="rect">
-            <a:avLst/>
-          </a:prstGeom>
-          <a:noFill/>
-        </p:spPr>
-        <p:txBody>
-          <a:bodyPr wrap="none" rtlCol="0">
-            <a:spAutoFit/>
-          </a:bodyPr>
-          <a:lstStyle/>
-          <a:p>
-            <a:r>
-              <a:rPr lang="en-GB" dirty="0"/>
-              <a:t>0</a:t>
-            </a:r>
-          </a:p>
-          <a:p>
-            <a:r>
-              <a:rPr lang="en-GB" dirty="0"/>
-              <a:t>1</a:t>
-            </a:r>
-          </a:p>
-        </p:txBody>
-      </p:sp>
-      <p:sp>
-        <p:nvSpPr>
-          <p:cNvPr id="14" name="TextBox 13">
-            <a:extLst>
-              <a:ext uri="{FF2B5EF4-FFF2-40B4-BE49-F238E27FC236}">
-                <a16:creationId xmlns:a16="http://schemas.microsoft.com/office/drawing/2014/main" id="{41CFF10A-A378-426A-BC98-DF4A70F6FCCC}"/>
-              </a:ext>
-            </a:extLst>
-          </p:cNvPr>
-          <p:cNvSpPr txBox="1"/>
-          <p:nvPr/>
-        </p:nvSpPr>
-        <p:spPr>
-          <a:xfrm>
-            <a:off x="6200800" y="4921203"/>
-            <a:ext cx="301686" cy="646331"/>
-          </a:xfrm>
-          <a:prstGeom prst="rect">
-            <a:avLst/>
-          </a:prstGeom>
-          <a:noFill/>
-        </p:spPr>
-        <p:txBody>
-          <a:bodyPr wrap="none" rtlCol="0">
-            <a:spAutoFit/>
-          </a:bodyPr>
-          <a:lstStyle/>
-          <a:p>
-            <a:r>
-              <a:rPr lang="en-GB" dirty="0"/>
-              <a:t>0</a:t>
-            </a:r>
-          </a:p>
-          <a:p>
-            <a:r>
-              <a:rPr lang="en-GB" dirty="0"/>
-              <a:t>1</a:t>
-            </a:r>
-          </a:p>
-        </p:txBody>
-      </p:sp>
-      <p:sp>
-        <p:nvSpPr>
-          <p:cNvPr id="8" name="TextBox 7">
-            <a:extLst>
-              <a:ext uri="{FF2B5EF4-FFF2-40B4-BE49-F238E27FC236}">
-                <a16:creationId xmlns:a16="http://schemas.microsoft.com/office/drawing/2014/main" id="{CBE6F8EC-2D7E-45A7-9C5F-5113750F4031}"/>
-              </a:ext>
-            </a:extLst>
-          </p:cNvPr>
-          <p:cNvSpPr txBox="1"/>
-          <p:nvPr/>
-        </p:nvSpPr>
-        <p:spPr>
-          <a:xfrm>
-            <a:off x="3290904" y="5059702"/>
-            <a:ext cx="301686" cy="369332"/>
-          </a:xfrm>
-          <a:prstGeom prst="rect">
-            <a:avLst/>
-          </a:prstGeom>
-          <a:noFill/>
-        </p:spPr>
-        <p:txBody>
-          <a:bodyPr wrap="none" rtlCol="0">
-            <a:spAutoFit/>
-          </a:bodyPr>
-          <a:lstStyle/>
-          <a:p>
-            <a:r>
-              <a:rPr lang="en-GB" dirty="0"/>
-              <a:t>0</a:t>
-            </a:r>
-          </a:p>
-        </p:txBody>
-      </p:sp>
-      <p:sp>
-        <p:nvSpPr>
-          <p:cNvPr id="16" name="TextBox 15">
-            <a:extLst>
-              <a:ext uri="{FF2B5EF4-FFF2-40B4-BE49-F238E27FC236}">
-                <a16:creationId xmlns:a16="http://schemas.microsoft.com/office/drawing/2014/main" id="{F4DC48D4-11C4-4475-8149-9BBC5C02AD66}"/>
-              </a:ext>
-            </a:extLst>
-          </p:cNvPr>
-          <p:cNvSpPr txBox="1"/>
-          <p:nvPr/>
-        </p:nvSpPr>
-        <p:spPr>
-          <a:xfrm>
-            <a:off x="5518314" y="5059702"/>
-            <a:ext cx="301686" cy="369332"/>
-          </a:xfrm>
-          <a:prstGeom prst="rect">
-            <a:avLst/>
-          </a:prstGeom>
-          <a:noFill/>
-        </p:spPr>
-        <p:txBody>
-          <a:bodyPr wrap="none" rtlCol="0">
-            <a:spAutoFit/>
-          </a:bodyPr>
-          <a:lstStyle/>
-          <a:p>
-            <a:r>
-              <a:rPr lang="en-GB" dirty="0"/>
-              <a:t>1</a:t>
-            </a:r>
-          </a:p>
-        </p:txBody>
-      </p:sp>
-      <p:sp>
-        <p:nvSpPr>
-          <p:cNvPr id="17" name="TextBox 16">
-            <a:extLst>
-              <a:ext uri="{FF2B5EF4-FFF2-40B4-BE49-F238E27FC236}">
-                <a16:creationId xmlns:a16="http://schemas.microsoft.com/office/drawing/2014/main" id="{F8B942B6-DE68-4922-90D9-BCD96BFE0C39}"/>
-              </a:ext>
-            </a:extLst>
-          </p:cNvPr>
-          <p:cNvSpPr txBox="1"/>
-          <p:nvPr/>
-        </p:nvSpPr>
-        <p:spPr>
-          <a:xfrm>
-            <a:off x="2531558" y="5043518"/>
-            <a:ext cx="301686" cy="369332"/>
-          </a:xfrm>
-          <a:prstGeom prst="rect">
-            <a:avLst/>
-          </a:prstGeom>
-          <a:noFill/>
-        </p:spPr>
-        <p:txBody>
-          <a:bodyPr wrap="none" rtlCol="0">
-            <a:spAutoFit/>
-          </a:bodyPr>
-          <a:lstStyle/>
-          <a:p>
-            <a:r>
-              <a:rPr lang="en-GB" dirty="0"/>
-              <a:t>0</a:t>
-            </a:r>
-          </a:p>
-        </p:txBody>
-      </p:sp>
-      <p:sp>
-        <p:nvSpPr>
-          <p:cNvPr id="18" name="TextBox 17">
-            <a:extLst>
-              <a:ext uri="{FF2B5EF4-FFF2-40B4-BE49-F238E27FC236}">
-                <a16:creationId xmlns:a16="http://schemas.microsoft.com/office/drawing/2014/main" id="{656FC448-7F25-4E18-8C97-256C11057FA2}"/>
-              </a:ext>
-            </a:extLst>
-          </p:cNvPr>
-          <p:cNvSpPr txBox="1"/>
-          <p:nvPr/>
-        </p:nvSpPr>
-        <p:spPr>
-          <a:xfrm>
-            <a:off x="8508766" y="5043518"/>
-            <a:ext cx="301686" cy="369332"/>
-          </a:xfrm>
-          <a:prstGeom prst="rect">
-            <a:avLst/>
-          </a:prstGeom>
-          <a:noFill/>
-        </p:spPr>
-        <p:txBody>
-          <a:bodyPr wrap="none" rtlCol="0">
-            <a:spAutoFit/>
-          </a:bodyPr>
-          <a:lstStyle/>
-          <a:p>
-            <a:r>
-              <a:rPr lang="en-GB" dirty="0"/>
-              <a:t>1</a:t>
-            </a:r>
-          </a:p>
-        </p:txBody>
-      </p:sp>
-      <p:sp>
-        <p:nvSpPr>
-          <p:cNvPr id="11" name="TextBox 10">
-            <a:extLst>
-              <a:ext uri="{FF2B5EF4-FFF2-40B4-BE49-F238E27FC236}">
-                <a16:creationId xmlns:a16="http://schemas.microsoft.com/office/drawing/2014/main" id="{0751789A-9732-489B-AE3A-334F8A9DFC09}"/>
-              </a:ext>
-            </a:extLst>
-          </p:cNvPr>
-          <p:cNvSpPr txBox="1"/>
-          <p:nvPr/>
-        </p:nvSpPr>
-        <p:spPr>
-          <a:xfrm>
-            <a:off x="1039765" y="5595165"/>
-            <a:ext cx="1106585" cy="369332"/>
-          </a:xfrm>
-          <a:prstGeom prst="rect">
-            <a:avLst/>
-          </a:prstGeom>
-          <a:noFill/>
-        </p:spPr>
-        <p:txBody>
-          <a:bodyPr wrap="none" rtlCol="0">
-            <a:spAutoFit/>
-          </a:bodyPr>
-          <a:lstStyle/>
-          <a:p>
-            <a:r>
-              <a:rPr lang="en-GB" dirty="0"/>
-              <a:t>AND Gate</a:t>
-            </a:r>
-          </a:p>
-        </p:txBody>
-      </p:sp>
-      <p:sp>
-        <p:nvSpPr>
-          <p:cNvPr id="21" name="TextBox 20">
-            <a:extLst>
-              <a:ext uri="{FF2B5EF4-FFF2-40B4-BE49-F238E27FC236}">
-                <a16:creationId xmlns:a16="http://schemas.microsoft.com/office/drawing/2014/main" id="{FBFB32A9-9D6B-45C4-B743-24C0A7F5EC5F}"/>
-              </a:ext>
-            </a:extLst>
-          </p:cNvPr>
-          <p:cNvSpPr txBox="1"/>
-          <p:nvPr/>
-        </p:nvSpPr>
-        <p:spPr>
-          <a:xfrm>
-            <a:off x="4005111" y="5585757"/>
-            <a:ext cx="1089144" cy="369332"/>
-          </a:xfrm>
-          <a:prstGeom prst="rect">
-            <a:avLst/>
-          </a:prstGeom>
-          <a:noFill/>
-        </p:spPr>
-        <p:txBody>
-          <a:bodyPr wrap="none" rtlCol="0">
-            <a:spAutoFit/>
-          </a:bodyPr>
-          <a:lstStyle/>
-          <a:p>
-            <a:r>
-              <a:rPr lang="en-GB" dirty="0"/>
-              <a:t>NOT Gate</a:t>
-            </a:r>
-          </a:p>
-        </p:txBody>
-      </p:sp>
-      <p:sp>
-        <p:nvSpPr>
-          <p:cNvPr id="22" name="TextBox 21">
-            <a:extLst>
-              <a:ext uri="{FF2B5EF4-FFF2-40B4-BE49-F238E27FC236}">
-                <a16:creationId xmlns:a16="http://schemas.microsoft.com/office/drawing/2014/main" id="{4A3DF762-2501-41FE-920D-F4ED0E5AD70F}"/>
-              </a:ext>
-            </a:extLst>
-          </p:cNvPr>
-          <p:cNvSpPr txBox="1"/>
-          <p:nvPr/>
-        </p:nvSpPr>
-        <p:spPr>
-          <a:xfrm>
-            <a:off x="6898995" y="5565137"/>
-            <a:ext cx="959109" cy="369332"/>
-          </a:xfrm>
-          <a:prstGeom prst="rect">
-            <a:avLst/>
-          </a:prstGeom>
-          <a:noFill/>
-        </p:spPr>
-        <p:txBody>
-          <a:bodyPr wrap="none" rtlCol="0">
-            <a:spAutoFit/>
-          </a:bodyPr>
-          <a:lstStyle/>
-          <a:p>
-            <a:r>
-              <a:rPr lang="en-GB" dirty="0"/>
-              <a:t>OR Gate</a:t>
-            </a:r>
-          </a:p>
-        </p:txBody>
-      </p:sp>
     </p:spTree>
     <p:extLst>
       <p:ext uri="{BB962C8B-B14F-4D97-AF65-F5344CB8AC3E}">
-        <p14:creationId xmlns:p14="http://schemas.microsoft.com/office/powerpoint/2010/main" val="2818603699"/>
-      </p:ext>
-    </p:extLst>
-  </p:cSld>
-  <p:clrMapOvr>
-    <a:masterClrMapping/>
-  </p:clrMapOvr>
-</p:sld>
-</file>
-
-<file path=ppt/slides/slide24.xml><?xml version="1.0" encoding="utf-8"?>
-<p:sld xmlns:a="http://schemas.openxmlformats.org/drawingml/2006/main" xmlns:r="http://schemas.openxmlformats.org/officeDocument/2006/relationships" xmlns:p="http://schemas.openxmlformats.org/presentationml/2006/main">
-  <p:cSld>
-    <p:spTree>
-      <p:nvGrpSpPr>
-        <p:cNvPr id="1" name=""/>
-        <p:cNvGrpSpPr/>
-        <p:nvPr/>
-      </p:nvGrpSpPr>
-      <p:grpSpPr>
-        <a:xfrm>
-          <a:off x="0" y="0"/>
-          <a:ext cx="0" cy="0"/>
-          <a:chOff x="0" y="0"/>
-          <a:chExt cx="0" cy="0"/>
-        </a:xfrm>
-      </p:grpSpPr>
-      <p:sp>
-        <p:nvSpPr>
-          <p:cNvPr id="2" name="Title 1"/>
-          <p:cNvSpPr>
-            <a:spLocks noGrp="1"/>
-          </p:cNvSpPr>
-          <p:nvPr>
-            <p:ph type="title"/>
-          </p:nvPr>
-        </p:nvSpPr>
-        <p:spPr/>
-        <p:txBody>
-          <a:bodyPr>
-            <a:normAutofit/>
-          </a:bodyPr>
-          <a:lstStyle/>
-          <a:p>
-            <a:r>
-              <a:rPr lang="en-GB" dirty="0"/>
-              <a:t>Boolean algebra and logic</a:t>
-            </a:r>
-            <a:endParaRPr lang="en-GB" dirty="0">
-              <a:latin typeface="Arial" panose="020B0604020202020204" pitchFamily="34" charset="0"/>
-              <a:cs typeface="Arial" panose="020B0604020202020204" pitchFamily="34" charset="0"/>
-            </a:endParaRPr>
-          </a:p>
-        </p:txBody>
-      </p:sp>
-      <p:sp>
-        <p:nvSpPr>
-          <p:cNvPr id="3" name="Content Placeholder 2"/>
-          <p:cNvSpPr>
-            <a:spLocks noGrp="1"/>
-          </p:cNvSpPr>
-          <p:nvPr>
-            <p:ph idx="1"/>
-          </p:nvPr>
-        </p:nvSpPr>
-        <p:spPr/>
-        <p:txBody>
-          <a:bodyPr>
-            <a:normAutofit/>
-          </a:bodyPr>
-          <a:lstStyle/>
-          <a:p>
-            <a:pPr marL="0" indent="0">
-              <a:buNone/>
-            </a:pPr>
-            <a:r>
-              <a:rPr lang="en-GB" b="1" dirty="0"/>
-              <a:t>Boolean algebra</a:t>
-            </a:r>
-            <a:r>
-              <a:rPr lang="en-GB" dirty="0"/>
-              <a:t> is a system of mathematics based on logic that has its own set of rules or laws which are used to define and reduce Boolean expressions.</a:t>
-            </a:r>
-            <a:endParaRPr lang="en-GB" b="1" dirty="0"/>
-          </a:p>
-          <a:p>
-            <a:pPr lvl="1"/>
-            <a:r>
-              <a:rPr lang="en-GB" dirty="0"/>
-              <a:t>Indispensable in the design of computer chips and integrated circuits. </a:t>
-            </a:r>
-          </a:p>
-          <a:p>
-            <a:pPr lvl="1"/>
-            <a:r>
-              <a:rPr lang="en-GB" dirty="0"/>
-              <a:t>Fundamental in the understanding and design of computing programs.</a:t>
-            </a:r>
-          </a:p>
-        </p:txBody>
-      </p:sp>
-      <p:sp>
-        <p:nvSpPr>
-          <p:cNvPr id="4" name="Slide Number Placeholder 3"/>
-          <p:cNvSpPr>
-            <a:spLocks noGrp="1"/>
-          </p:cNvSpPr>
-          <p:nvPr>
-            <p:ph type="sldNum" sz="quarter" idx="12"/>
-          </p:nvPr>
-        </p:nvSpPr>
-        <p:spPr/>
-        <p:txBody>
-          <a:bodyPr/>
-          <a:lstStyle/>
-          <a:p>
-            <a:pPr>
-              <a:defRPr/>
-            </a:pPr>
-            <a:r>
-              <a:rPr lang="en-GB"/>
-              <a:t>Slide  </a:t>
-            </a:r>
-            <a:fld id="{35EF31DC-37E0-46A7-B0BE-61665DB0F5C0}" type="slidenum">
-              <a:rPr lang="en-GB" smtClean="0"/>
-              <a:pPr>
-                <a:defRPr/>
-              </a:pPr>
-              <a:t>24</a:t>
-            </a:fld>
-            <a:endParaRPr lang="en-GB"/>
-          </a:p>
-        </p:txBody>
-      </p:sp>
-    </p:spTree>
-    <p:extLst>
-      <p:ext uri="{BB962C8B-B14F-4D97-AF65-F5344CB8AC3E}">
-        <p14:creationId xmlns:p14="http://schemas.microsoft.com/office/powerpoint/2010/main" val="3067452619"/>
-      </p:ext>
-    </p:extLst>
-  </p:cSld>
-  <p:clrMapOvr>
-    <a:masterClrMapping/>
-  </p:clrMapOvr>
-</p:sld>
-</file>
-
-<file path=ppt/slides/slide25.xml><?xml version="1.0" encoding="utf-8"?>
-<p:sld xmlns:a="http://schemas.openxmlformats.org/drawingml/2006/main" xmlns:r="http://schemas.openxmlformats.org/officeDocument/2006/relationships" xmlns:p="http://schemas.openxmlformats.org/presentationml/2006/main">
-  <p:cSld>
-    <p:spTree>
-      <p:nvGrpSpPr>
-        <p:cNvPr id="1" name=""/>
-        <p:cNvGrpSpPr/>
-        <p:nvPr/>
-      </p:nvGrpSpPr>
-      <p:grpSpPr>
-        <a:xfrm>
-          <a:off x="0" y="0"/>
-          <a:ext cx="0" cy="0"/>
-          <a:chOff x="0" y="0"/>
-          <a:chExt cx="0" cy="0"/>
-        </a:xfrm>
-      </p:grpSpPr>
-      <p:sp>
-        <p:nvSpPr>
-          <p:cNvPr id="2" name="Title 1"/>
-          <p:cNvSpPr>
-            <a:spLocks noGrp="1"/>
-          </p:cNvSpPr>
-          <p:nvPr>
-            <p:ph type="title"/>
-          </p:nvPr>
-        </p:nvSpPr>
-        <p:spPr/>
-        <p:txBody>
-          <a:bodyPr>
-            <a:normAutofit/>
-          </a:bodyPr>
-          <a:lstStyle/>
-          <a:p>
-            <a:r>
-              <a:rPr lang="en-GB" dirty="0"/>
-              <a:t>Boolean algebra and logic </a:t>
-            </a:r>
-            <a:endParaRPr lang="en-GB" dirty="0">
-              <a:latin typeface="Arial" panose="020B0604020202020204" pitchFamily="34" charset="0"/>
-              <a:cs typeface="Arial" panose="020B0604020202020204" pitchFamily="34" charset="0"/>
-            </a:endParaRPr>
-          </a:p>
-        </p:txBody>
-      </p:sp>
-      <p:sp>
-        <p:nvSpPr>
-          <p:cNvPr id="3" name="Content Placeholder 2"/>
-          <p:cNvSpPr>
-            <a:spLocks noGrp="1"/>
-          </p:cNvSpPr>
-          <p:nvPr>
-            <p:ph idx="1"/>
-          </p:nvPr>
-        </p:nvSpPr>
-        <p:spPr/>
-        <p:txBody>
-          <a:bodyPr>
-            <a:normAutofit fontScale="92500" lnSpcReduction="20000"/>
-          </a:bodyPr>
-          <a:lstStyle/>
-          <a:p>
-            <a:pPr marL="57150" indent="0">
-              <a:buNone/>
-            </a:pPr>
-            <a:r>
-              <a:rPr lang="en-GB" dirty="0"/>
-              <a:t>When dealing with Boolean expressions, we use bit values which represent a logic level “1” or a logic level “0” respectively.</a:t>
-            </a:r>
-          </a:p>
-          <a:p>
-            <a:pPr marL="57150" indent="0">
-              <a:buNone/>
-            </a:pPr>
-            <a:endParaRPr lang="en-GB" dirty="0"/>
-          </a:p>
-          <a:p>
-            <a:pPr marL="57150" indent="0">
-              <a:buNone/>
-            </a:pPr>
-            <a:r>
-              <a:rPr lang="en-GB" dirty="0"/>
-              <a:t>An expression can have an infinite number of variables all labelled individually to represent inputs to the expression. </a:t>
-            </a:r>
-          </a:p>
-          <a:p>
-            <a:pPr marL="57150" indent="0">
-              <a:buNone/>
-            </a:pPr>
-            <a:endParaRPr lang="en-GB" dirty="0"/>
-          </a:p>
-          <a:p>
-            <a:pPr marL="57150" indent="0">
-              <a:buNone/>
-            </a:pPr>
-            <a:r>
-              <a:rPr lang="en-GB" dirty="0"/>
-              <a:t>For example, variables X, Y, Z etc, giving us a logical expression of X + Y = Z, but each variable can ONLY be a 0 or a 1.</a:t>
-            </a:r>
-            <a:endParaRPr lang="en-GB" sz="3600" dirty="0"/>
-          </a:p>
-        </p:txBody>
-      </p:sp>
-      <p:sp>
-        <p:nvSpPr>
-          <p:cNvPr id="4" name="Slide Number Placeholder 3"/>
-          <p:cNvSpPr>
-            <a:spLocks noGrp="1"/>
-          </p:cNvSpPr>
-          <p:nvPr>
-            <p:ph type="sldNum" sz="quarter" idx="12"/>
-          </p:nvPr>
-        </p:nvSpPr>
-        <p:spPr/>
-        <p:txBody>
-          <a:bodyPr/>
-          <a:lstStyle/>
-          <a:p>
-            <a:pPr>
-              <a:defRPr/>
-            </a:pPr>
-            <a:r>
-              <a:rPr lang="en-GB"/>
-              <a:t>Slide  </a:t>
-            </a:r>
-            <a:fld id="{35EF31DC-37E0-46A7-B0BE-61665DB0F5C0}" type="slidenum">
-              <a:rPr lang="en-GB" smtClean="0"/>
-              <a:pPr>
-                <a:defRPr/>
-              </a:pPr>
-              <a:t>25</a:t>
-            </a:fld>
-            <a:endParaRPr lang="en-GB"/>
-          </a:p>
-        </p:txBody>
-      </p:sp>
-    </p:spTree>
-    <p:extLst>
-      <p:ext uri="{BB962C8B-B14F-4D97-AF65-F5344CB8AC3E}">
-        <p14:creationId xmlns:p14="http://schemas.microsoft.com/office/powerpoint/2010/main" val="288550795"/>
-      </p:ext>
-    </p:extLst>
-  </p:cSld>
-  <p:clrMapOvr>
-    <a:masterClrMapping/>
-  </p:clrMapOvr>
-</p:sld>
-</file>
-
-<file path=ppt/slides/slide26.xml><?xml version="1.0" encoding="utf-8"?>
-<p:sld xmlns:a="http://schemas.openxmlformats.org/drawingml/2006/main" xmlns:r="http://schemas.openxmlformats.org/officeDocument/2006/relationships" xmlns:p="http://schemas.openxmlformats.org/presentationml/2006/main">
-  <p:cSld>
-    <p:spTree>
-      <p:nvGrpSpPr>
-        <p:cNvPr id="1" name=""/>
-        <p:cNvGrpSpPr/>
-        <p:nvPr/>
-      </p:nvGrpSpPr>
-      <p:grpSpPr>
-        <a:xfrm>
-          <a:off x="0" y="0"/>
-          <a:ext cx="0" cy="0"/>
-          <a:chOff x="0" y="0"/>
-          <a:chExt cx="0" cy="0"/>
-        </a:xfrm>
-      </p:grpSpPr>
-      <p:sp>
-        <p:nvSpPr>
-          <p:cNvPr id="2" name="Title 1"/>
-          <p:cNvSpPr>
-            <a:spLocks noGrp="1"/>
-          </p:cNvSpPr>
-          <p:nvPr>
-            <p:ph type="title"/>
-          </p:nvPr>
-        </p:nvSpPr>
-        <p:spPr/>
-        <p:txBody>
-          <a:bodyPr>
-            <a:normAutofit/>
-          </a:bodyPr>
-          <a:lstStyle/>
-          <a:p>
-            <a:r>
-              <a:rPr lang="en-GB" dirty="0"/>
-              <a:t>Basic Operations</a:t>
-            </a:r>
-          </a:p>
-        </p:txBody>
-      </p:sp>
-      <p:sp>
-        <p:nvSpPr>
-          <p:cNvPr id="3" name="Content Placeholder 2"/>
-          <p:cNvSpPr>
-            <a:spLocks noGrp="1"/>
-          </p:cNvSpPr>
-          <p:nvPr>
-            <p:ph idx="1"/>
-          </p:nvPr>
-        </p:nvSpPr>
-        <p:spPr/>
-        <p:txBody>
-          <a:bodyPr>
-            <a:normAutofit fontScale="70000" lnSpcReduction="20000"/>
-          </a:bodyPr>
-          <a:lstStyle/>
-          <a:p>
-            <a:pPr marL="0" indent="0">
-              <a:buNone/>
-            </a:pPr>
-            <a:r>
-              <a:rPr lang="en-GB" dirty="0"/>
-              <a:t>There are three types of </a:t>
-            </a:r>
-            <a:r>
-              <a:rPr lang="en-GB" b="1" dirty="0"/>
-              <a:t>operations</a:t>
-            </a:r>
-            <a:r>
-              <a:rPr lang="en-GB" dirty="0"/>
-              <a:t>.</a:t>
-            </a:r>
-          </a:p>
-          <a:p>
-            <a:pPr marL="0" indent="0">
-              <a:buNone/>
-            </a:pPr>
-            <a:endParaRPr lang="en-GB" dirty="0"/>
-          </a:p>
-          <a:p>
-            <a:pPr marL="514350" indent="-514350">
-              <a:buFont typeface="+mj-lt"/>
-              <a:buAutoNum type="arabicPeriod"/>
-            </a:pPr>
-            <a:r>
-              <a:rPr lang="en-GB" dirty="0"/>
-              <a:t>AND </a:t>
-            </a:r>
-          </a:p>
-          <a:p>
-            <a:pPr marL="0" indent="0">
-              <a:buNone/>
-            </a:pPr>
-            <a:r>
-              <a:rPr lang="en-GB" dirty="0"/>
-              <a:t>Denoted as </a:t>
-            </a:r>
-            <a:r>
-              <a:rPr lang="en-GB" dirty="0">
-                <a:solidFill>
-                  <a:srgbClr val="FF0000"/>
-                </a:solidFill>
-              </a:rPr>
-              <a:t>∧</a:t>
-            </a:r>
-            <a:r>
-              <a:rPr lang="en-GB" dirty="0"/>
-              <a:t>, for example </a:t>
-            </a:r>
-            <a:r>
-              <a:rPr lang="en-GB" dirty="0">
-                <a:solidFill>
-                  <a:srgbClr val="FF0000"/>
-                </a:solidFill>
-              </a:rPr>
-              <a:t>X ∧ Y</a:t>
-            </a:r>
-            <a:r>
-              <a:rPr lang="en-GB" dirty="0"/>
-              <a:t>. AND can also be denoted using a dot </a:t>
-            </a:r>
-            <a:r>
-              <a:rPr lang="en-GB" b="1" dirty="0">
-                <a:solidFill>
-                  <a:srgbClr val="FF0000"/>
-                </a:solidFill>
-              </a:rPr>
-              <a:t>.</a:t>
-            </a:r>
-            <a:r>
-              <a:rPr lang="en-GB" dirty="0"/>
-              <a:t> between variables, as an example </a:t>
-            </a:r>
-            <a:r>
-              <a:rPr lang="en-GB" dirty="0">
-                <a:solidFill>
-                  <a:srgbClr val="FF0000"/>
-                </a:solidFill>
-              </a:rPr>
-              <a:t>X.Y</a:t>
-            </a:r>
-            <a:r>
-              <a:rPr lang="en-GB" dirty="0"/>
-              <a:t>. Alternatively the operator can also be emitted entirely, such as </a:t>
-            </a:r>
-            <a:r>
-              <a:rPr lang="en-GB" dirty="0">
-                <a:solidFill>
-                  <a:srgbClr val="FF0000"/>
-                </a:solidFill>
-              </a:rPr>
-              <a:t>XY</a:t>
-            </a:r>
-            <a:r>
-              <a:rPr lang="en-GB" dirty="0"/>
-              <a:t>. </a:t>
-            </a:r>
-          </a:p>
-          <a:p>
-            <a:pPr marL="0" indent="0">
-              <a:buNone/>
-            </a:pPr>
-            <a:endParaRPr lang="en-GB" dirty="0"/>
-          </a:p>
-          <a:p>
-            <a:pPr marL="514350" indent="-514350">
-              <a:buFont typeface="+mj-lt"/>
-              <a:buAutoNum type="arabicPeriod" startAt="2"/>
-            </a:pPr>
-            <a:r>
-              <a:rPr lang="en-GB" dirty="0"/>
-              <a:t>OR </a:t>
-            </a:r>
-          </a:p>
-          <a:p>
-            <a:pPr marL="0" indent="0">
-              <a:buNone/>
-            </a:pPr>
-            <a:r>
-              <a:rPr lang="en-GB" dirty="0"/>
-              <a:t>Denoted as </a:t>
-            </a:r>
-            <a:r>
-              <a:rPr lang="en-GB" dirty="0">
-                <a:solidFill>
-                  <a:srgbClr val="FF0000"/>
-                </a:solidFill>
-              </a:rPr>
-              <a:t>∨</a:t>
-            </a:r>
-            <a:r>
-              <a:rPr lang="en-GB" dirty="0"/>
-              <a:t>, for example </a:t>
-            </a:r>
-            <a:r>
-              <a:rPr lang="en-GB" dirty="0">
-                <a:solidFill>
-                  <a:srgbClr val="FF0000"/>
-                </a:solidFill>
-              </a:rPr>
-              <a:t>X ∨ Y</a:t>
-            </a:r>
-            <a:r>
-              <a:rPr lang="en-GB" dirty="0"/>
-              <a:t>. OR can also be denoted using a plus symbol </a:t>
-            </a:r>
-            <a:r>
-              <a:rPr lang="en-GB" dirty="0">
-                <a:solidFill>
-                  <a:srgbClr val="FF0000"/>
-                </a:solidFill>
-              </a:rPr>
-              <a:t>+</a:t>
-            </a:r>
-            <a:r>
-              <a:rPr lang="en-GB" dirty="0"/>
-              <a:t>, as an example </a:t>
-            </a:r>
-            <a:r>
-              <a:rPr lang="en-GB" dirty="0">
-                <a:solidFill>
-                  <a:srgbClr val="FF0000"/>
-                </a:solidFill>
-              </a:rPr>
-              <a:t>X + Y</a:t>
-            </a:r>
-            <a:r>
-              <a:rPr lang="en-GB" dirty="0"/>
-              <a:t>.</a:t>
-            </a:r>
-          </a:p>
-          <a:p>
-            <a:pPr marL="0" indent="0">
-              <a:buNone/>
-            </a:pPr>
-            <a:endParaRPr lang="en-GB" dirty="0"/>
-          </a:p>
-          <a:p>
-            <a:pPr marL="514350" indent="-514350">
-              <a:buFont typeface="+mj-lt"/>
-              <a:buAutoNum type="arabicPeriod" startAt="3"/>
-            </a:pPr>
-            <a:r>
-              <a:rPr lang="en-GB" dirty="0"/>
-              <a:t>NOT </a:t>
-            </a:r>
-          </a:p>
-          <a:p>
-            <a:pPr marL="0" indent="0">
-              <a:buNone/>
-            </a:pPr>
-            <a:r>
-              <a:rPr lang="en-GB" dirty="0"/>
-              <a:t>Denoted as </a:t>
-            </a:r>
-            <a:r>
-              <a:rPr lang="en-GB" dirty="0">
-                <a:solidFill>
-                  <a:srgbClr val="FF0000"/>
-                </a:solidFill>
-              </a:rPr>
-              <a:t>¬</a:t>
-            </a:r>
-            <a:r>
-              <a:rPr lang="en-GB" b="1" dirty="0"/>
-              <a:t>, </a:t>
-            </a:r>
-            <a:r>
-              <a:rPr lang="en-GB" dirty="0"/>
-              <a:t>for example </a:t>
-            </a:r>
-            <a:r>
-              <a:rPr lang="en-GB" dirty="0">
-                <a:solidFill>
-                  <a:srgbClr val="FF0000"/>
-                </a:solidFill>
-              </a:rPr>
-              <a:t>¬A</a:t>
-            </a:r>
-            <a:r>
-              <a:rPr lang="en-GB" dirty="0"/>
-              <a:t>.</a:t>
-            </a:r>
-          </a:p>
-        </p:txBody>
-      </p:sp>
-      <p:sp>
-        <p:nvSpPr>
-          <p:cNvPr id="4" name="Slide Number Placeholder 3"/>
-          <p:cNvSpPr>
-            <a:spLocks noGrp="1"/>
-          </p:cNvSpPr>
-          <p:nvPr>
-            <p:ph type="sldNum" sz="quarter" idx="12"/>
-          </p:nvPr>
-        </p:nvSpPr>
-        <p:spPr/>
-        <p:txBody>
-          <a:bodyPr/>
-          <a:lstStyle/>
-          <a:p>
-            <a:pPr>
-              <a:defRPr/>
-            </a:pPr>
-            <a:r>
-              <a:rPr lang="en-GB"/>
-              <a:t>Slide  </a:t>
-            </a:r>
-            <a:fld id="{35EF31DC-37E0-46A7-B0BE-61665DB0F5C0}" type="slidenum">
-              <a:rPr lang="en-GB" smtClean="0"/>
-              <a:pPr>
-                <a:defRPr/>
-              </a:pPr>
-              <a:t>26</a:t>
-            </a:fld>
-            <a:endParaRPr lang="en-GB"/>
-          </a:p>
-        </p:txBody>
-      </p:sp>
-    </p:spTree>
-    <p:extLst>
-      <p:ext uri="{BB962C8B-B14F-4D97-AF65-F5344CB8AC3E}">
-        <p14:creationId xmlns:p14="http://schemas.microsoft.com/office/powerpoint/2010/main" val="1653993734"/>
-      </p:ext>
-    </p:extLst>
-  </p:cSld>
-  <p:clrMapOvr>
-    <a:masterClrMapping/>
-  </p:clrMapOvr>
-</p:sld>
-</file>
-
-<file path=ppt/slides/slide27.xml><?xml version="1.0" encoding="utf-8"?>
-<p:sld xmlns:a="http://schemas.openxmlformats.org/drawingml/2006/main" xmlns:r="http://schemas.openxmlformats.org/officeDocument/2006/relationships" xmlns:p="http://schemas.openxmlformats.org/presentationml/2006/main">
-  <p:cSld>
-    <p:spTree>
-      <p:nvGrpSpPr>
-        <p:cNvPr id="1" name=""/>
-        <p:cNvGrpSpPr/>
-        <p:nvPr/>
-      </p:nvGrpSpPr>
-      <p:grpSpPr>
-        <a:xfrm>
-          <a:off x="0" y="0"/>
-          <a:ext cx="0" cy="0"/>
-          <a:chOff x="0" y="0"/>
-          <a:chExt cx="0" cy="0"/>
-        </a:xfrm>
-      </p:grpSpPr>
-      <p:sp>
-        <p:nvSpPr>
-          <p:cNvPr id="2" name="Title 1"/>
-          <p:cNvSpPr>
-            <a:spLocks noGrp="1"/>
-          </p:cNvSpPr>
-          <p:nvPr>
-            <p:ph type="title"/>
-          </p:nvPr>
-        </p:nvSpPr>
-        <p:spPr/>
-        <p:txBody>
-          <a:bodyPr>
-            <a:normAutofit/>
-          </a:bodyPr>
-          <a:lstStyle/>
-          <a:p>
-            <a:r>
-              <a:rPr lang="en-GB" dirty="0"/>
-              <a:t>Boolean Laws</a:t>
-            </a:r>
-          </a:p>
-        </p:txBody>
-      </p:sp>
-      <p:sp>
-        <p:nvSpPr>
-          <p:cNvPr id="3" name="Content Placeholder 2"/>
-          <p:cNvSpPr>
-            <a:spLocks noGrp="1"/>
-          </p:cNvSpPr>
-          <p:nvPr>
-            <p:ph idx="1"/>
-          </p:nvPr>
-        </p:nvSpPr>
-        <p:spPr/>
-        <p:txBody>
-          <a:bodyPr>
-            <a:normAutofit lnSpcReduction="10000"/>
-          </a:bodyPr>
-          <a:lstStyle/>
-          <a:p>
-            <a:pPr marL="0" indent="0">
-              <a:buNone/>
-            </a:pPr>
-            <a:r>
-              <a:rPr lang="en-GB" dirty="0"/>
-              <a:t>There are six types of </a:t>
-            </a:r>
-            <a:r>
-              <a:rPr lang="en-GB" b="1" dirty="0"/>
-              <a:t>Boolean Laws</a:t>
-            </a:r>
-            <a:r>
-              <a:rPr lang="en-GB" dirty="0"/>
-              <a:t>.</a:t>
-            </a:r>
-          </a:p>
-          <a:p>
-            <a:pPr marL="0" indent="0">
-              <a:buNone/>
-            </a:pPr>
-            <a:endParaRPr lang="en-GB" dirty="0"/>
-          </a:p>
-          <a:p>
-            <a:pPr marL="514350" indent="-514350">
-              <a:buFont typeface="+mj-lt"/>
-              <a:buAutoNum type="arabicPeriod"/>
-            </a:pPr>
-            <a:r>
-              <a:rPr lang="en-GB" dirty="0"/>
-              <a:t>Commutative law</a:t>
-            </a:r>
-          </a:p>
-          <a:p>
-            <a:pPr marL="514350" indent="-514350">
-              <a:buFont typeface="+mj-lt"/>
-              <a:buAutoNum type="arabicPeriod"/>
-            </a:pPr>
-            <a:r>
-              <a:rPr lang="en-GB" dirty="0"/>
-              <a:t>Associative law</a:t>
-            </a:r>
-          </a:p>
-          <a:p>
-            <a:pPr marL="514350" indent="-514350">
-              <a:buFont typeface="+mj-lt"/>
-              <a:buAutoNum type="arabicPeriod"/>
-            </a:pPr>
-            <a:r>
-              <a:rPr lang="en-GB" dirty="0"/>
-              <a:t>Distributive law</a:t>
-            </a:r>
-          </a:p>
-          <a:p>
-            <a:pPr marL="514350" indent="-514350">
-              <a:buFont typeface="+mj-lt"/>
-              <a:buAutoNum type="arabicPeriod"/>
-            </a:pPr>
-            <a:r>
-              <a:rPr lang="en-GB" dirty="0"/>
-              <a:t>AND law</a:t>
-            </a:r>
-          </a:p>
-          <a:p>
-            <a:pPr marL="514350" indent="-514350">
-              <a:buFont typeface="+mj-lt"/>
-              <a:buAutoNum type="arabicPeriod"/>
-            </a:pPr>
-            <a:r>
-              <a:rPr lang="en-GB" dirty="0"/>
-              <a:t>OR law</a:t>
-            </a:r>
-          </a:p>
-          <a:p>
-            <a:pPr marL="514350" indent="-514350">
-              <a:buFont typeface="+mj-lt"/>
-              <a:buAutoNum type="arabicPeriod"/>
-            </a:pPr>
-            <a:r>
-              <a:rPr lang="en-GB" dirty="0"/>
-              <a:t>INVERSION law</a:t>
-            </a:r>
-          </a:p>
-          <a:p>
-            <a:pPr marL="514350" indent="-514350">
-              <a:buFont typeface="+mj-lt"/>
-              <a:buAutoNum type="arabicPeriod"/>
-            </a:pPr>
-            <a:endParaRPr lang="en-GB" dirty="0"/>
-          </a:p>
-        </p:txBody>
-      </p:sp>
-      <p:sp>
-        <p:nvSpPr>
-          <p:cNvPr id="4" name="Slide Number Placeholder 3"/>
-          <p:cNvSpPr>
-            <a:spLocks noGrp="1"/>
-          </p:cNvSpPr>
-          <p:nvPr>
-            <p:ph type="sldNum" sz="quarter" idx="12"/>
-          </p:nvPr>
-        </p:nvSpPr>
-        <p:spPr/>
-        <p:txBody>
-          <a:bodyPr/>
-          <a:lstStyle/>
-          <a:p>
-            <a:pPr>
-              <a:defRPr/>
-            </a:pPr>
-            <a:r>
-              <a:rPr lang="en-GB"/>
-              <a:t>Slide  </a:t>
-            </a:r>
-            <a:fld id="{35EF31DC-37E0-46A7-B0BE-61665DB0F5C0}" type="slidenum">
-              <a:rPr lang="en-GB" smtClean="0"/>
-              <a:pPr>
-                <a:defRPr/>
-              </a:pPr>
-              <a:t>27</a:t>
-            </a:fld>
-            <a:endParaRPr lang="en-GB"/>
-          </a:p>
-        </p:txBody>
-      </p:sp>
-    </p:spTree>
-    <p:extLst>
-      <p:ext uri="{BB962C8B-B14F-4D97-AF65-F5344CB8AC3E}">
-        <p14:creationId xmlns:p14="http://schemas.microsoft.com/office/powerpoint/2010/main" val="3666983097"/>
-      </p:ext>
-    </p:extLst>
-  </p:cSld>
-  <p:clrMapOvr>
-    <a:masterClrMapping/>
-  </p:clrMapOvr>
-</p:sld>
-</file>
-
-<file path=ppt/slides/slide28.xml><?xml version="1.0" encoding="utf-8"?>
-<p:sld xmlns:a="http://schemas.openxmlformats.org/drawingml/2006/main" xmlns:r="http://schemas.openxmlformats.org/officeDocument/2006/relationships" xmlns:p="http://schemas.openxmlformats.org/presentationml/2006/main">
-  <p:cSld>
-    <p:spTree>
-      <p:nvGrpSpPr>
-        <p:cNvPr id="1" name=""/>
-        <p:cNvGrpSpPr/>
-        <p:nvPr/>
-      </p:nvGrpSpPr>
-      <p:grpSpPr>
-        <a:xfrm>
-          <a:off x="0" y="0"/>
-          <a:ext cx="0" cy="0"/>
-          <a:chOff x="0" y="0"/>
-          <a:chExt cx="0" cy="0"/>
-        </a:xfrm>
-      </p:grpSpPr>
-      <p:sp>
-        <p:nvSpPr>
-          <p:cNvPr id="2" name="Title 1"/>
-          <p:cNvSpPr>
-            <a:spLocks noGrp="1"/>
-          </p:cNvSpPr>
-          <p:nvPr>
-            <p:ph type="title"/>
-          </p:nvPr>
-        </p:nvSpPr>
-        <p:spPr/>
-        <p:txBody>
-          <a:bodyPr>
-            <a:normAutofit/>
-          </a:bodyPr>
-          <a:lstStyle/>
-          <a:p>
-            <a:r>
-              <a:rPr lang="en-GB" dirty="0"/>
-              <a:t>Boolean Laws</a:t>
-            </a:r>
-          </a:p>
-        </p:txBody>
-      </p:sp>
-      <p:sp>
-        <p:nvSpPr>
-          <p:cNvPr id="3" name="Content Placeholder 2"/>
-          <p:cNvSpPr>
-            <a:spLocks noGrp="1"/>
-          </p:cNvSpPr>
-          <p:nvPr>
-            <p:ph idx="1"/>
-          </p:nvPr>
-        </p:nvSpPr>
-        <p:spPr/>
-        <p:txBody>
-          <a:bodyPr>
-            <a:normAutofit lnSpcReduction="10000"/>
-          </a:bodyPr>
-          <a:lstStyle/>
-          <a:p>
-            <a:pPr marL="514350" indent="-514350">
-              <a:buFont typeface="+mj-lt"/>
-              <a:buAutoNum type="arabicPeriod"/>
-            </a:pPr>
-            <a:r>
-              <a:rPr lang="en-GB" dirty="0"/>
-              <a:t>The</a:t>
-            </a:r>
-            <a:r>
-              <a:rPr lang="en-GB" b="1" dirty="0"/>
-              <a:t> Commutative law </a:t>
-            </a:r>
-            <a:r>
-              <a:rPr lang="en-GB" dirty="0"/>
-              <a:t>states that changing the sequence of the variables does not have any effect on the output of a logic circuit.</a:t>
-            </a:r>
-          </a:p>
-          <a:p>
-            <a:pPr marL="514350" indent="-514350">
-              <a:buFont typeface="+mj-lt"/>
-              <a:buAutoNum type="arabicPeriod"/>
-            </a:pPr>
-            <a:endParaRPr lang="en-GB" dirty="0"/>
-          </a:p>
-          <a:p>
-            <a:pPr marL="0" indent="0">
-              <a:buNone/>
-            </a:pPr>
-            <a:r>
-              <a:rPr lang="en-GB" dirty="0"/>
-              <a:t>Any binary operation which satisfies the following expression is referred to as commutative operation:</a:t>
-            </a:r>
-          </a:p>
-          <a:p>
-            <a:pPr marL="0" indent="0" algn="ctr">
-              <a:buNone/>
-            </a:pPr>
-            <a:r>
-              <a:rPr lang="en-GB" dirty="0"/>
-              <a:t>(</a:t>
-            </a:r>
-            <a:r>
-              <a:rPr lang="en-GB" dirty="0" err="1"/>
-              <a:t>i</a:t>
-            </a:r>
-            <a:r>
-              <a:rPr lang="en-GB" dirty="0"/>
-              <a:t>.) </a:t>
-            </a:r>
-            <a:r>
-              <a:rPr lang="en-GB" i="1" dirty="0"/>
-              <a:t>A.B = B.A</a:t>
-            </a:r>
-          </a:p>
-          <a:p>
-            <a:pPr marL="0" indent="0" algn="ctr">
-              <a:buNone/>
-            </a:pPr>
-            <a:r>
-              <a:rPr lang="en-GB" dirty="0"/>
-              <a:t>(ii.) </a:t>
-            </a:r>
-            <a:r>
-              <a:rPr lang="en-GB" i="1" dirty="0"/>
-              <a:t>A+B = B+A</a:t>
-            </a:r>
-          </a:p>
-        </p:txBody>
-      </p:sp>
-      <p:sp>
-        <p:nvSpPr>
-          <p:cNvPr id="4" name="Slide Number Placeholder 3"/>
-          <p:cNvSpPr>
-            <a:spLocks noGrp="1"/>
-          </p:cNvSpPr>
-          <p:nvPr>
-            <p:ph type="sldNum" sz="quarter" idx="12"/>
-          </p:nvPr>
-        </p:nvSpPr>
-        <p:spPr/>
-        <p:txBody>
-          <a:bodyPr/>
-          <a:lstStyle/>
-          <a:p>
-            <a:pPr>
-              <a:defRPr/>
-            </a:pPr>
-            <a:r>
-              <a:rPr lang="en-GB"/>
-              <a:t>Slide  </a:t>
-            </a:r>
-            <a:fld id="{35EF31DC-37E0-46A7-B0BE-61665DB0F5C0}" type="slidenum">
-              <a:rPr lang="en-GB" smtClean="0"/>
-              <a:pPr>
-                <a:defRPr/>
-              </a:pPr>
-              <a:t>28</a:t>
-            </a:fld>
-            <a:endParaRPr lang="en-GB"/>
-          </a:p>
-        </p:txBody>
-      </p:sp>
-    </p:spTree>
-    <p:extLst>
-      <p:ext uri="{BB962C8B-B14F-4D97-AF65-F5344CB8AC3E}">
-        <p14:creationId xmlns:p14="http://schemas.microsoft.com/office/powerpoint/2010/main" val="437017902"/>
-      </p:ext>
-    </p:extLst>
-  </p:cSld>
-  <p:clrMapOvr>
-    <a:masterClrMapping/>
-  </p:clrMapOvr>
-</p:sld>
-</file>
-
-<file path=ppt/slides/slide29.xml><?xml version="1.0" encoding="utf-8"?>
-<p:sld xmlns:a="http://schemas.openxmlformats.org/drawingml/2006/main" xmlns:r="http://schemas.openxmlformats.org/officeDocument/2006/relationships" xmlns:p="http://schemas.openxmlformats.org/presentationml/2006/main">
-  <p:cSld>
-    <p:spTree>
-      <p:nvGrpSpPr>
-        <p:cNvPr id="1" name=""/>
-        <p:cNvGrpSpPr/>
-        <p:nvPr/>
-      </p:nvGrpSpPr>
-      <p:grpSpPr>
-        <a:xfrm>
-          <a:off x="0" y="0"/>
-          <a:ext cx="0" cy="0"/>
-          <a:chOff x="0" y="0"/>
-          <a:chExt cx="0" cy="0"/>
-        </a:xfrm>
-      </p:grpSpPr>
-      <p:sp>
-        <p:nvSpPr>
-          <p:cNvPr id="2" name="Title 1"/>
-          <p:cNvSpPr>
-            <a:spLocks noGrp="1"/>
-          </p:cNvSpPr>
-          <p:nvPr>
-            <p:ph type="title"/>
-          </p:nvPr>
-        </p:nvSpPr>
-        <p:spPr/>
-        <p:txBody>
-          <a:bodyPr>
-            <a:normAutofit/>
-          </a:bodyPr>
-          <a:lstStyle/>
-          <a:p>
-            <a:r>
-              <a:rPr lang="en-GB" dirty="0"/>
-              <a:t>Boolean Laws</a:t>
-            </a:r>
-          </a:p>
-        </p:txBody>
-      </p:sp>
-      <p:sp>
-        <p:nvSpPr>
-          <p:cNvPr id="3" name="Content Placeholder 2"/>
-          <p:cNvSpPr>
-            <a:spLocks noGrp="1"/>
-          </p:cNvSpPr>
-          <p:nvPr>
-            <p:ph idx="1"/>
-          </p:nvPr>
-        </p:nvSpPr>
-        <p:spPr/>
-        <p:txBody>
-          <a:bodyPr>
-            <a:normAutofit/>
-          </a:bodyPr>
-          <a:lstStyle/>
-          <a:p>
-            <a:pPr marL="514350" indent="-514350">
-              <a:buAutoNum type="arabicPeriod" startAt="2"/>
-            </a:pPr>
-            <a:r>
-              <a:rPr lang="en-GB" dirty="0"/>
-              <a:t>The</a:t>
-            </a:r>
-            <a:r>
-              <a:rPr lang="en-GB" b="1" dirty="0"/>
-              <a:t> Associative law </a:t>
-            </a:r>
-            <a:r>
-              <a:rPr lang="en-GB" dirty="0"/>
-              <a:t>states that the order in which the logic operations are performed is irrelevant as their effect is the same.</a:t>
-            </a:r>
-          </a:p>
-          <a:p>
-            <a:pPr marL="514350" indent="-514350">
-              <a:buAutoNum type="arabicPeriod" startAt="2"/>
-            </a:pPr>
-            <a:endParaRPr lang="en-GB" b="1" dirty="0"/>
-          </a:p>
-          <a:p>
-            <a:pPr marL="0" indent="0">
-              <a:buNone/>
-            </a:pPr>
-            <a:r>
-              <a:rPr lang="en-GB" dirty="0"/>
-              <a:t>For example:</a:t>
-            </a:r>
-          </a:p>
-          <a:p>
-            <a:pPr marL="0" indent="0" algn="ctr">
-              <a:buNone/>
-            </a:pPr>
-            <a:r>
-              <a:rPr lang="en-GB" dirty="0"/>
-              <a:t>(</a:t>
-            </a:r>
-            <a:r>
-              <a:rPr lang="en-GB" dirty="0" err="1"/>
-              <a:t>i</a:t>
-            </a:r>
-            <a:r>
-              <a:rPr lang="en-GB" dirty="0"/>
-              <a:t>.) </a:t>
-            </a:r>
-            <a:r>
-              <a:rPr lang="en-GB" i="1" dirty="0"/>
-              <a:t>(A.B).C = A.(B.C)</a:t>
-            </a:r>
-          </a:p>
-          <a:p>
-            <a:pPr marL="0" indent="0" algn="ctr">
-              <a:buNone/>
-            </a:pPr>
-            <a:r>
-              <a:rPr lang="en-GB" dirty="0"/>
-              <a:t>(ii.) </a:t>
-            </a:r>
-            <a:r>
-              <a:rPr lang="en-GB" i="1" dirty="0"/>
-              <a:t>(A+B)+C = A+(B+C)</a:t>
-            </a:r>
-            <a:endParaRPr lang="en-GB" dirty="0"/>
-          </a:p>
-        </p:txBody>
-      </p:sp>
-      <p:sp>
-        <p:nvSpPr>
-          <p:cNvPr id="4" name="Slide Number Placeholder 3"/>
-          <p:cNvSpPr>
-            <a:spLocks noGrp="1"/>
-          </p:cNvSpPr>
-          <p:nvPr>
-            <p:ph type="sldNum" sz="quarter" idx="12"/>
-          </p:nvPr>
-        </p:nvSpPr>
-        <p:spPr/>
-        <p:txBody>
-          <a:bodyPr/>
-          <a:lstStyle/>
-          <a:p>
-            <a:pPr>
-              <a:defRPr/>
-            </a:pPr>
-            <a:r>
-              <a:rPr lang="en-GB"/>
-              <a:t>Slide  </a:t>
-            </a:r>
-            <a:fld id="{35EF31DC-37E0-46A7-B0BE-61665DB0F5C0}" type="slidenum">
-              <a:rPr lang="en-GB" smtClean="0"/>
-              <a:pPr>
-                <a:defRPr/>
-              </a:pPr>
-              <a:t>29</a:t>
-            </a:fld>
-            <a:endParaRPr lang="en-GB"/>
-          </a:p>
-        </p:txBody>
-      </p:sp>
-    </p:spTree>
-    <p:extLst>
-      <p:ext uri="{BB962C8B-B14F-4D97-AF65-F5344CB8AC3E}">
-        <p14:creationId xmlns:p14="http://schemas.microsoft.com/office/powerpoint/2010/main" val="2184786431"/>
+        <p14:creationId xmlns:p14="http://schemas.microsoft.com/office/powerpoint/2010/main" val="490339826"/>
       </p:ext>
     </p:extLst>
   </p:cSld>
@@ -11104,2409 +9546,6 @@
     <p:extLst>
       <p:ext uri="{BB962C8B-B14F-4D97-AF65-F5344CB8AC3E}">
         <p14:creationId xmlns:p14="http://schemas.microsoft.com/office/powerpoint/2010/main" val="49004202"/>
-      </p:ext>
-    </p:extLst>
-  </p:cSld>
-  <p:clrMapOvr>
-    <a:masterClrMapping/>
-  </p:clrMapOvr>
-</p:sld>
-</file>
-
-<file path=ppt/slides/slide30.xml><?xml version="1.0" encoding="utf-8"?>
-<p:sld xmlns:a="http://schemas.openxmlformats.org/drawingml/2006/main" xmlns:r="http://schemas.openxmlformats.org/officeDocument/2006/relationships" xmlns:p="http://schemas.openxmlformats.org/presentationml/2006/main">
-  <p:cSld>
-    <p:spTree>
-      <p:nvGrpSpPr>
-        <p:cNvPr id="1" name=""/>
-        <p:cNvGrpSpPr/>
-        <p:nvPr/>
-      </p:nvGrpSpPr>
-      <p:grpSpPr>
-        <a:xfrm>
-          <a:off x="0" y="0"/>
-          <a:ext cx="0" cy="0"/>
-          <a:chOff x="0" y="0"/>
-          <a:chExt cx="0" cy="0"/>
-        </a:xfrm>
-      </p:grpSpPr>
-      <p:sp>
-        <p:nvSpPr>
-          <p:cNvPr id="2" name="Title 1"/>
-          <p:cNvSpPr>
-            <a:spLocks noGrp="1"/>
-          </p:cNvSpPr>
-          <p:nvPr>
-            <p:ph type="title"/>
-          </p:nvPr>
-        </p:nvSpPr>
-        <p:spPr/>
-        <p:txBody>
-          <a:bodyPr>
-            <a:normAutofit/>
-          </a:bodyPr>
-          <a:lstStyle/>
-          <a:p>
-            <a:r>
-              <a:rPr lang="en-GB" dirty="0"/>
-              <a:t>Boolean Laws</a:t>
-            </a:r>
-          </a:p>
-        </p:txBody>
-      </p:sp>
-      <p:sp>
-        <p:nvSpPr>
-          <p:cNvPr id="3" name="Content Placeholder 2"/>
-          <p:cNvSpPr>
-            <a:spLocks noGrp="1"/>
-          </p:cNvSpPr>
-          <p:nvPr>
-            <p:ph idx="1"/>
-          </p:nvPr>
-        </p:nvSpPr>
-        <p:spPr/>
-        <p:txBody>
-          <a:bodyPr>
-            <a:normAutofit/>
-          </a:bodyPr>
-          <a:lstStyle/>
-          <a:p>
-            <a:pPr marL="514350" indent="-514350">
-              <a:buFont typeface="+mj-lt"/>
-              <a:buAutoNum type="arabicPeriod" startAt="3"/>
-            </a:pPr>
-            <a:r>
-              <a:rPr lang="en-GB" dirty="0"/>
-              <a:t>The</a:t>
-            </a:r>
-            <a:r>
-              <a:rPr lang="en-GB" b="1" dirty="0"/>
-              <a:t> Distributive law </a:t>
-            </a:r>
-            <a:r>
-              <a:rPr lang="en-GB" dirty="0"/>
-              <a:t>states that multiplying a number by a group of numbers added together is the same as doing each multiplication separately.</a:t>
-            </a:r>
-          </a:p>
-          <a:p>
-            <a:pPr marL="514350" indent="-514350">
-              <a:buFont typeface="Arial"/>
-              <a:buAutoNum type="arabicPeriod" startAt="2"/>
-            </a:pPr>
-            <a:endParaRPr lang="en-GB" b="1" dirty="0"/>
-          </a:p>
-          <a:p>
-            <a:pPr marL="0" indent="0">
-              <a:buNone/>
-            </a:pPr>
-            <a:r>
-              <a:rPr lang="en-GB" dirty="0"/>
-              <a:t>For example:</a:t>
-            </a:r>
-          </a:p>
-          <a:p>
-            <a:pPr marL="0" indent="0" algn="ctr">
-              <a:buNone/>
-            </a:pPr>
-            <a:r>
-              <a:rPr lang="en-GB" i="1" dirty="0"/>
-              <a:t>A.(B+C) = A.B + A.C</a:t>
-            </a:r>
-          </a:p>
-          <a:p>
-            <a:pPr marL="514350" indent="-514350">
-              <a:buFont typeface="+mj-lt"/>
-              <a:buAutoNum type="arabicPeriod"/>
-            </a:pPr>
-            <a:endParaRPr lang="en-GB" dirty="0"/>
-          </a:p>
-        </p:txBody>
-      </p:sp>
-      <p:sp>
-        <p:nvSpPr>
-          <p:cNvPr id="4" name="Slide Number Placeholder 3"/>
-          <p:cNvSpPr>
-            <a:spLocks noGrp="1"/>
-          </p:cNvSpPr>
-          <p:nvPr>
-            <p:ph type="sldNum" sz="quarter" idx="12"/>
-          </p:nvPr>
-        </p:nvSpPr>
-        <p:spPr/>
-        <p:txBody>
-          <a:bodyPr/>
-          <a:lstStyle/>
-          <a:p>
-            <a:pPr>
-              <a:defRPr/>
-            </a:pPr>
-            <a:r>
-              <a:rPr lang="en-GB"/>
-              <a:t>Slide  </a:t>
-            </a:r>
-            <a:fld id="{35EF31DC-37E0-46A7-B0BE-61665DB0F5C0}" type="slidenum">
-              <a:rPr lang="en-GB" smtClean="0"/>
-              <a:pPr>
-                <a:defRPr/>
-              </a:pPr>
-              <a:t>30</a:t>
-            </a:fld>
-            <a:endParaRPr lang="en-GB"/>
-          </a:p>
-        </p:txBody>
-      </p:sp>
-    </p:spTree>
-    <p:extLst>
-      <p:ext uri="{BB962C8B-B14F-4D97-AF65-F5344CB8AC3E}">
-        <p14:creationId xmlns:p14="http://schemas.microsoft.com/office/powerpoint/2010/main" val="1023800453"/>
-      </p:ext>
-    </p:extLst>
-  </p:cSld>
-  <p:clrMapOvr>
-    <a:masterClrMapping/>
-  </p:clrMapOvr>
-</p:sld>
-</file>
-
-<file path=ppt/slides/slide31.xml><?xml version="1.0" encoding="utf-8"?>
-<p:sld xmlns:a="http://schemas.openxmlformats.org/drawingml/2006/main" xmlns:r="http://schemas.openxmlformats.org/officeDocument/2006/relationships" xmlns:p="http://schemas.openxmlformats.org/presentationml/2006/main">
-  <p:cSld>
-    <p:spTree>
-      <p:nvGrpSpPr>
-        <p:cNvPr id="1" name=""/>
-        <p:cNvGrpSpPr/>
-        <p:nvPr/>
-      </p:nvGrpSpPr>
-      <p:grpSpPr>
-        <a:xfrm>
-          <a:off x="0" y="0"/>
-          <a:ext cx="0" cy="0"/>
-          <a:chOff x="0" y="0"/>
-          <a:chExt cx="0" cy="0"/>
-        </a:xfrm>
-      </p:grpSpPr>
-      <p:sp>
-        <p:nvSpPr>
-          <p:cNvPr id="2" name="Title 1"/>
-          <p:cNvSpPr>
-            <a:spLocks noGrp="1"/>
-          </p:cNvSpPr>
-          <p:nvPr>
-            <p:ph type="title"/>
-          </p:nvPr>
-        </p:nvSpPr>
-        <p:spPr/>
-        <p:txBody>
-          <a:bodyPr>
-            <a:normAutofit/>
-          </a:bodyPr>
-          <a:lstStyle/>
-          <a:p>
-            <a:r>
-              <a:rPr lang="en-GB" dirty="0"/>
-              <a:t>Boolean Laws</a:t>
-            </a:r>
-          </a:p>
-        </p:txBody>
-      </p:sp>
-      <p:sp>
-        <p:nvSpPr>
-          <p:cNvPr id="3" name="Content Placeholder 2"/>
-          <p:cNvSpPr>
-            <a:spLocks noGrp="1"/>
-          </p:cNvSpPr>
-          <p:nvPr>
-            <p:ph idx="1"/>
-          </p:nvPr>
-        </p:nvSpPr>
-        <p:spPr/>
-        <p:txBody>
-          <a:bodyPr>
-            <a:normAutofit/>
-          </a:bodyPr>
-          <a:lstStyle/>
-          <a:p>
-            <a:pPr marL="514350" indent="-514350">
-              <a:buFont typeface="+mj-lt"/>
-              <a:buAutoNum type="arabicPeriod" startAt="4"/>
-            </a:pPr>
-            <a:r>
-              <a:rPr lang="en-GB" dirty="0"/>
-              <a:t>The</a:t>
-            </a:r>
-            <a:r>
-              <a:rPr lang="en-GB" b="1" dirty="0"/>
-              <a:t> AND law </a:t>
-            </a:r>
-            <a:r>
-              <a:rPr lang="en-GB" dirty="0"/>
-              <a:t>uses the AND operation. </a:t>
-            </a:r>
-          </a:p>
-          <a:p>
-            <a:pPr marL="0" indent="0">
-              <a:buNone/>
-            </a:pPr>
-            <a:endParaRPr lang="en-GB" dirty="0"/>
-          </a:p>
-          <a:p>
-            <a:pPr marL="0" indent="0">
-              <a:buNone/>
-            </a:pPr>
-            <a:r>
-              <a:rPr lang="en-GB" dirty="0"/>
-              <a:t>For example:</a:t>
-            </a:r>
-          </a:p>
-          <a:p>
-            <a:pPr marL="0" indent="0" algn="ctr">
-              <a:buNone/>
-            </a:pPr>
-            <a:r>
-              <a:rPr lang="en-GB" i="1" dirty="0"/>
-              <a:t>(</a:t>
-            </a:r>
-            <a:r>
-              <a:rPr lang="en-GB" i="1" dirty="0" err="1"/>
-              <a:t>i</a:t>
-            </a:r>
-            <a:r>
-              <a:rPr lang="en-GB" i="1" dirty="0"/>
-              <a:t>.) A.0 = 0 </a:t>
-            </a:r>
-          </a:p>
-          <a:p>
-            <a:pPr marL="0" indent="0" algn="ctr">
-              <a:buNone/>
-            </a:pPr>
-            <a:r>
-              <a:rPr lang="en-GB" i="1" dirty="0"/>
-              <a:t>(ii.) A.1 = A</a:t>
-            </a:r>
-          </a:p>
-          <a:p>
-            <a:pPr marL="0" indent="0" algn="ctr">
-              <a:buNone/>
-            </a:pPr>
-            <a:r>
-              <a:rPr lang="en-GB" i="1" dirty="0"/>
-              <a:t>(iii.) A.A = A</a:t>
-            </a:r>
-          </a:p>
-          <a:p>
-            <a:pPr marL="0" indent="0" algn="ctr">
-              <a:buNone/>
-            </a:pPr>
-            <a:r>
-              <a:rPr lang="en-GB" i="1" dirty="0"/>
-              <a:t>(iv.) A.</a:t>
-            </a:r>
-            <a:r>
-              <a:rPr lang="en-GB" dirty="0"/>
-              <a:t>¬A = 0</a:t>
-            </a:r>
-          </a:p>
-        </p:txBody>
-      </p:sp>
-      <p:sp>
-        <p:nvSpPr>
-          <p:cNvPr id="4" name="Slide Number Placeholder 3"/>
-          <p:cNvSpPr>
-            <a:spLocks noGrp="1"/>
-          </p:cNvSpPr>
-          <p:nvPr>
-            <p:ph type="sldNum" sz="quarter" idx="12"/>
-          </p:nvPr>
-        </p:nvSpPr>
-        <p:spPr/>
-        <p:txBody>
-          <a:bodyPr/>
-          <a:lstStyle/>
-          <a:p>
-            <a:pPr>
-              <a:defRPr/>
-            </a:pPr>
-            <a:r>
-              <a:rPr lang="en-GB"/>
-              <a:t>Slide  </a:t>
-            </a:r>
-            <a:fld id="{35EF31DC-37E0-46A7-B0BE-61665DB0F5C0}" type="slidenum">
-              <a:rPr lang="en-GB" smtClean="0"/>
-              <a:pPr>
-                <a:defRPr/>
-              </a:pPr>
-              <a:t>31</a:t>
-            </a:fld>
-            <a:endParaRPr lang="en-GB"/>
-          </a:p>
-        </p:txBody>
-      </p:sp>
-    </p:spTree>
-    <p:extLst>
-      <p:ext uri="{BB962C8B-B14F-4D97-AF65-F5344CB8AC3E}">
-        <p14:creationId xmlns:p14="http://schemas.microsoft.com/office/powerpoint/2010/main" val="4190177251"/>
-      </p:ext>
-    </p:extLst>
-  </p:cSld>
-  <p:clrMapOvr>
-    <a:masterClrMapping/>
-  </p:clrMapOvr>
-</p:sld>
-</file>
-
-<file path=ppt/slides/slide32.xml><?xml version="1.0" encoding="utf-8"?>
-<p:sld xmlns:a="http://schemas.openxmlformats.org/drawingml/2006/main" xmlns:r="http://schemas.openxmlformats.org/officeDocument/2006/relationships" xmlns:p="http://schemas.openxmlformats.org/presentationml/2006/main">
-  <p:cSld>
-    <p:spTree>
-      <p:nvGrpSpPr>
-        <p:cNvPr id="1" name=""/>
-        <p:cNvGrpSpPr/>
-        <p:nvPr/>
-      </p:nvGrpSpPr>
-      <p:grpSpPr>
-        <a:xfrm>
-          <a:off x="0" y="0"/>
-          <a:ext cx="0" cy="0"/>
-          <a:chOff x="0" y="0"/>
-          <a:chExt cx="0" cy="0"/>
-        </a:xfrm>
-      </p:grpSpPr>
-      <p:sp>
-        <p:nvSpPr>
-          <p:cNvPr id="2" name="Title 1"/>
-          <p:cNvSpPr>
-            <a:spLocks noGrp="1"/>
-          </p:cNvSpPr>
-          <p:nvPr>
-            <p:ph type="title"/>
-          </p:nvPr>
-        </p:nvSpPr>
-        <p:spPr/>
-        <p:txBody>
-          <a:bodyPr>
-            <a:normAutofit/>
-          </a:bodyPr>
-          <a:lstStyle/>
-          <a:p>
-            <a:r>
-              <a:rPr lang="en-GB" dirty="0"/>
-              <a:t>Boolean Laws</a:t>
-            </a:r>
-          </a:p>
-        </p:txBody>
-      </p:sp>
-      <p:sp>
-        <p:nvSpPr>
-          <p:cNvPr id="3" name="Content Placeholder 2"/>
-          <p:cNvSpPr>
-            <a:spLocks noGrp="1"/>
-          </p:cNvSpPr>
-          <p:nvPr>
-            <p:ph idx="1"/>
-          </p:nvPr>
-        </p:nvSpPr>
-        <p:spPr/>
-        <p:txBody>
-          <a:bodyPr>
-            <a:normAutofit/>
-          </a:bodyPr>
-          <a:lstStyle/>
-          <a:p>
-            <a:pPr marL="514350" indent="-514350">
-              <a:buFont typeface="+mj-lt"/>
-              <a:buAutoNum type="arabicPeriod" startAt="5"/>
-            </a:pPr>
-            <a:r>
-              <a:rPr lang="en-GB" dirty="0"/>
-              <a:t>The</a:t>
-            </a:r>
-            <a:r>
-              <a:rPr lang="en-GB" b="1" dirty="0"/>
-              <a:t> OR law </a:t>
-            </a:r>
-            <a:r>
-              <a:rPr lang="en-GB" dirty="0"/>
-              <a:t>uses the OR operation. </a:t>
-            </a:r>
-          </a:p>
-          <a:p>
-            <a:pPr marL="514350" indent="-514350">
-              <a:buFont typeface="+mj-lt"/>
-              <a:buAutoNum type="arabicPeriod" startAt="5"/>
-            </a:pPr>
-            <a:endParaRPr lang="en-GB" dirty="0"/>
-          </a:p>
-          <a:p>
-            <a:pPr marL="0" indent="0">
-              <a:buNone/>
-            </a:pPr>
-            <a:r>
-              <a:rPr lang="en-GB" dirty="0"/>
-              <a:t>For example:</a:t>
-            </a:r>
-          </a:p>
-          <a:p>
-            <a:pPr marL="0" indent="0" algn="ctr">
-              <a:buNone/>
-            </a:pPr>
-            <a:r>
-              <a:rPr lang="en-GB" i="1" dirty="0"/>
-              <a:t>(</a:t>
-            </a:r>
-            <a:r>
-              <a:rPr lang="en-GB" i="1" dirty="0" err="1"/>
-              <a:t>i</a:t>
-            </a:r>
-            <a:r>
-              <a:rPr lang="en-GB" i="1" dirty="0"/>
-              <a:t>.) A+0 = A</a:t>
-            </a:r>
-          </a:p>
-          <a:p>
-            <a:pPr marL="0" indent="0" algn="ctr">
-              <a:buNone/>
-            </a:pPr>
-            <a:r>
-              <a:rPr lang="en-GB" i="1" dirty="0"/>
-              <a:t>(ii.) A+1 = 1</a:t>
-            </a:r>
-          </a:p>
-          <a:p>
-            <a:pPr marL="0" indent="0" algn="ctr">
-              <a:buNone/>
-            </a:pPr>
-            <a:r>
-              <a:rPr lang="en-GB" i="1" dirty="0"/>
-              <a:t>(iii.) A+A = A</a:t>
-            </a:r>
-          </a:p>
-          <a:p>
-            <a:pPr marL="0" indent="0" algn="ctr">
-              <a:buNone/>
-            </a:pPr>
-            <a:r>
-              <a:rPr lang="en-GB" i="1" dirty="0"/>
-              <a:t>(iv.) A+</a:t>
-            </a:r>
-            <a:r>
-              <a:rPr lang="en-GB" dirty="0"/>
-              <a:t>¬A = 1</a:t>
-            </a:r>
-          </a:p>
-          <a:p>
-            <a:pPr marL="514350" indent="-514350">
-              <a:buFont typeface="+mj-lt"/>
-              <a:buAutoNum type="arabicPeriod"/>
-            </a:pPr>
-            <a:endParaRPr lang="en-GB" dirty="0"/>
-          </a:p>
-        </p:txBody>
-      </p:sp>
-      <p:sp>
-        <p:nvSpPr>
-          <p:cNvPr id="4" name="Slide Number Placeholder 3"/>
-          <p:cNvSpPr>
-            <a:spLocks noGrp="1"/>
-          </p:cNvSpPr>
-          <p:nvPr>
-            <p:ph type="sldNum" sz="quarter" idx="12"/>
-          </p:nvPr>
-        </p:nvSpPr>
-        <p:spPr/>
-        <p:txBody>
-          <a:bodyPr/>
-          <a:lstStyle/>
-          <a:p>
-            <a:pPr>
-              <a:defRPr/>
-            </a:pPr>
-            <a:r>
-              <a:rPr lang="en-GB"/>
-              <a:t>Slide  </a:t>
-            </a:r>
-            <a:fld id="{35EF31DC-37E0-46A7-B0BE-61665DB0F5C0}" type="slidenum">
-              <a:rPr lang="en-GB" smtClean="0"/>
-              <a:pPr>
-                <a:defRPr/>
-              </a:pPr>
-              <a:t>32</a:t>
-            </a:fld>
-            <a:endParaRPr lang="en-GB"/>
-          </a:p>
-        </p:txBody>
-      </p:sp>
-    </p:spTree>
-    <p:extLst>
-      <p:ext uri="{BB962C8B-B14F-4D97-AF65-F5344CB8AC3E}">
-        <p14:creationId xmlns:p14="http://schemas.microsoft.com/office/powerpoint/2010/main" val="4145492407"/>
-      </p:ext>
-    </p:extLst>
-  </p:cSld>
-  <p:clrMapOvr>
-    <a:masterClrMapping/>
-  </p:clrMapOvr>
-</p:sld>
-</file>
-
-<file path=ppt/slides/slide33.xml><?xml version="1.0" encoding="utf-8"?>
-<p:sld xmlns:a="http://schemas.openxmlformats.org/drawingml/2006/main" xmlns:r="http://schemas.openxmlformats.org/officeDocument/2006/relationships" xmlns:p="http://schemas.openxmlformats.org/presentationml/2006/main">
-  <p:cSld>
-    <p:spTree>
-      <p:nvGrpSpPr>
-        <p:cNvPr id="1" name=""/>
-        <p:cNvGrpSpPr/>
-        <p:nvPr/>
-      </p:nvGrpSpPr>
-      <p:grpSpPr>
-        <a:xfrm>
-          <a:off x="0" y="0"/>
-          <a:ext cx="0" cy="0"/>
-          <a:chOff x="0" y="0"/>
-          <a:chExt cx="0" cy="0"/>
-        </a:xfrm>
-      </p:grpSpPr>
-      <p:sp>
-        <p:nvSpPr>
-          <p:cNvPr id="2" name="Title 1"/>
-          <p:cNvSpPr>
-            <a:spLocks noGrp="1"/>
-          </p:cNvSpPr>
-          <p:nvPr>
-            <p:ph type="title"/>
-          </p:nvPr>
-        </p:nvSpPr>
-        <p:spPr/>
-        <p:txBody>
-          <a:bodyPr>
-            <a:normAutofit/>
-          </a:bodyPr>
-          <a:lstStyle/>
-          <a:p>
-            <a:r>
-              <a:rPr lang="en-GB" dirty="0"/>
-              <a:t>Boolean Laws</a:t>
-            </a:r>
-          </a:p>
-        </p:txBody>
-      </p:sp>
-      <p:sp>
-        <p:nvSpPr>
-          <p:cNvPr id="3" name="Content Placeholder 2"/>
-          <p:cNvSpPr>
-            <a:spLocks noGrp="1"/>
-          </p:cNvSpPr>
-          <p:nvPr>
-            <p:ph idx="1"/>
-          </p:nvPr>
-        </p:nvSpPr>
-        <p:spPr/>
-        <p:txBody>
-          <a:bodyPr>
-            <a:normAutofit/>
-          </a:bodyPr>
-          <a:lstStyle/>
-          <a:p>
-            <a:pPr marL="514350" indent="-514350">
-              <a:buFont typeface="+mj-lt"/>
-              <a:buAutoNum type="arabicPeriod" startAt="6"/>
-            </a:pPr>
-            <a:r>
-              <a:rPr lang="en-GB" dirty="0"/>
-              <a:t>The</a:t>
-            </a:r>
-            <a:r>
-              <a:rPr lang="en-GB" b="1" dirty="0"/>
-              <a:t> INVERSION law </a:t>
-            </a:r>
-            <a:r>
-              <a:rPr lang="en-GB" dirty="0"/>
-              <a:t>uses the NOT operation. The inversion law states that double inversion of a variable results in the original variable itself.</a:t>
-            </a:r>
-            <a:endParaRPr lang="en-GB" b="1" dirty="0"/>
-          </a:p>
-          <a:p>
-            <a:pPr marL="0" indent="0">
-              <a:buNone/>
-            </a:pPr>
-            <a:r>
-              <a:rPr lang="en-GB" dirty="0"/>
-              <a:t>For example:</a:t>
-            </a:r>
-          </a:p>
-          <a:p>
-            <a:pPr marL="0" indent="0" algn="ctr">
-              <a:buNone/>
-            </a:pPr>
-            <a:r>
-              <a:rPr lang="en-GB" dirty="0"/>
-              <a:t>¬¬A = A</a:t>
-            </a:r>
-            <a:endParaRPr lang="en-GB" i="1" dirty="0"/>
-          </a:p>
-          <a:p>
-            <a:pPr marL="514350" indent="-514350">
-              <a:buFont typeface="+mj-lt"/>
-              <a:buAutoNum type="arabicPeriod"/>
-            </a:pPr>
-            <a:endParaRPr lang="en-GB" dirty="0"/>
-          </a:p>
-        </p:txBody>
-      </p:sp>
-      <p:sp>
-        <p:nvSpPr>
-          <p:cNvPr id="4" name="Slide Number Placeholder 3"/>
-          <p:cNvSpPr>
-            <a:spLocks noGrp="1"/>
-          </p:cNvSpPr>
-          <p:nvPr>
-            <p:ph type="sldNum" sz="quarter" idx="12"/>
-          </p:nvPr>
-        </p:nvSpPr>
-        <p:spPr/>
-        <p:txBody>
-          <a:bodyPr/>
-          <a:lstStyle/>
-          <a:p>
-            <a:pPr>
-              <a:defRPr/>
-            </a:pPr>
-            <a:r>
-              <a:rPr lang="en-GB"/>
-              <a:t>Slide  </a:t>
-            </a:r>
-            <a:fld id="{35EF31DC-37E0-46A7-B0BE-61665DB0F5C0}" type="slidenum">
-              <a:rPr lang="en-GB" smtClean="0"/>
-              <a:pPr>
-                <a:defRPr/>
-              </a:pPr>
-              <a:t>33</a:t>
-            </a:fld>
-            <a:endParaRPr lang="en-GB"/>
-          </a:p>
-        </p:txBody>
-      </p:sp>
-    </p:spTree>
-    <p:extLst>
-      <p:ext uri="{BB962C8B-B14F-4D97-AF65-F5344CB8AC3E}">
-        <p14:creationId xmlns:p14="http://schemas.microsoft.com/office/powerpoint/2010/main" val="3819966909"/>
-      </p:ext>
-    </p:extLst>
-  </p:cSld>
-  <p:clrMapOvr>
-    <a:masterClrMapping/>
-  </p:clrMapOvr>
-</p:sld>
-</file>
-
-<file path=ppt/slides/slide34.xml><?xml version="1.0" encoding="utf-8"?>
-<p:sld xmlns:a="http://schemas.openxmlformats.org/drawingml/2006/main" xmlns:r="http://schemas.openxmlformats.org/officeDocument/2006/relationships" xmlns:p="http://schemas.openxmlformats.org/presentationml/2006/main">
-  <p:cSld>
-    <p:spTree>
-      <p:nvGrpSpPr>
-        <p:cNvPr id="1" name=""/>
-        <p:cNvGrpSpPr/>
-        <p:nvPr/>
-      </p:nvGrpSpPr>
-      <p:grpSpPr>
-        <a:xfrm>
-          <a:off x="0" y="0"/>
-          <a:ext cx="0" cy="0"/>
-          <a:chOff x="0" y="0"/>
-          <a:chExt cx="0" cy="0"/>
-        </a:xfrm>
-      </p:grpSpPr>
-      <p:sp>
-        <p:nvSpPr>
-          <p:cNvPr id="2" name="Title 1">
-            <a:extLst>
-              <a:ext uri="{FF2B5EF4-FFF2-40B4-BE49-F238E27FC236}">
-                <a16:creationId xmlns:a16="http://schemas.microsoft.com/office/drawing/2014/main" id="{B6C9A5A2-0D89-4006-86E4-515449903D51}"/>
-              </a:ext>
-            </a:extLst>
-          </p:cNvPr>
-          <p:cNvSpPr>
-            <a:spLocks noGrp="1"/>
-          </p:cNvSpPr>
-          <p:nvPr>
-            <p:ph type="title"/>
-          </p:nvPr>
-        </p:nvSpPr>
-        <p:spPr/>
-        <p:txBody>
-          <a:bodyPr/>
-          <a:lstStyle/>
-          <a:p>
-            <a:r>
-              <a:rPr lang="en-GB" dirty="0"/>
-              <a:t>Truth Tables</a:t>
-            </a:r>
-          </a:p>
-        </p:txBody>
-      </p:sp>
-      <p:sp>
-        <p:nvSpPr>
-          <p:cNvPr id="3" name="Content Placeholder 2">
-            <a:extLst>
-              <a:ext uri="{FF2B5EF4-FFF2-40B4-BE49-F238E27FC236}">
-                <a16:creationId xmlns:a16="http://schemas.microsoft.com/office/drawing/2014/main" id="{D7D8941F-3E6B-4033-A6B5-BE83944DEA18}"/>
-              </a:ext>
-            </a:extLst>
-          </p:cNvPr>
-          <p:cNvSpPr>
-            <a:spLocks noGrp="1"/>
-          </p:cNvSpPr>
-          <p:nvPr>
-            <p:ph idx="1"/>
-          </p:nvPr>
-        </p:nvSpPr>
-        <p:spPr/>
-        <p:txBody>
-          <a:bodyPr/>
-          <a:lstStyle/>
-          <a:p>
-            <a:r>
-              <a:rPr lang="en-GB" dirty="0"/>
-              <a:t>A </a:t>
-            </a:r>
-            <a:r>
-              <a:rPr lang="en-GB" b="1" dirty="0"/>
-              <a:t>truth table</a:t>
-            </a:r>
-            <a:r>
-              <a:rPr lang="en-GB" dirty="0"/>
-              <a:t> is a mathematical table used in logic—specifically in connection with Boolean algebra, </a:t>
-            </a:r>
-            <a:r>
-              <a:rPr lang="en-GB" dirty="0" err="1"/>
-              <a:t>boolean</a:t>
-            </a:r>
-            <a:r>
-              <a:rPr lang="en-GB" dirty="0"/>
-              <a:t> functions, and propositional calculus—which sets out the functional values of logical expressions on each of their functional arguments, that is, for each combination of values taken by their logical variables (Enderton, 2001)</a:t>
-            </a:r>
-          </a:p>
-        </p:txBody>
-      </p:sp>
-      <p:sp>
-        <p:nvSpPr>
-          <p:cNvPr id="4" name="Slide Number Placeholder 3">
-            <a:extLst>
-              <a:ext uri="{FF2B5EF4-FFF2-40B4-BE49-F238E27FC236}">
-                <a16:creationId xmlns:a16="http://schemas.microsoft.com/office/drawing/2014/main" id="{6F7BCA4F-4630-495D-83AB-9298F997B817}"/>
-              </a:ext>
-            </a:extLst>
-          </p:cNvPr>
-          <p:cNvSpPr>
-            <a:spLocks noGrp="1"/>
-          </p:cNvSpPr>
-          <p:nvPr>
-            <p:ph type="sldNum" sz="quarter" idx="12"/>
-          </p:nvPr>
-        </p:nvSpPr>
-        <p:spPr/>
-        <p:txBody>
-          <a:bodyPr/>
-          <a:lstStyle/>
-          <a:p>
-            <a:pPr>
-              <a:defRPr/>
-            </a:pPr>
-            <a:r>
-              <a:rPr lang="en-GB"/>
-              <a:t>Slide  </a:t>
-            </a:r>
-            <a:fld id="{35EF31DC-37E0-46A7-B0BE-61665DB0F5C0}" type="slidenum">
-              <a:rPr lang="en-GB" smtClean="0"/>
-              <a:pPr>
-                <a:defRPr/>
-              </a:pPr>
-              <a:t>34</a:t>
-            </a:fld>
-            <a:endParaRPr lang="en-GB"/>
-          </a:p>
-        </p:txBody>
-      </p:sp>
-      <p:sp>
-        <p:nvSpPr>
-          <p:cNvPr id="5" name="TextBox 4">
-            <a:extLst>
-              <a:ext uri="{FF2B5EF4-FFF2-40B4-BE49-F238E27FC236}">
-                <a16:creationId xmlns:a16="http://schemas.microsoft.com/office/drawing/2014/main" id="{E92A714C-C612-4985-8C25-0D7C710DE44D}"/>
-              </a:ext>
-            </a:extLst>
-          </p:cNvPr>
-          <p:cNvSpPr txBox="1"/>
-          <p:nvPr/>
-        </p:nvSpPr>
-        <p:spPr>
-          <a:xfrm>
-            <a:off x="1403681" y="5849420"/>
-            <a:ext cx="7312708" cy="276999"/>
-          </a:xfrm>
-          <a:prstGeom prst="rect">
-            <a:avLst/>
-          </a:prstGeom>
-          <a:noFill/>
-        </p:spPr>
-        <p:txBody>
-          <a:bodyPr wrap="none" rtlCol="0">
-            <a:spAutoFit/>
-          </a:bodyPr>
-          <a:lstStyle/>
-          <a:p>
-            <a:r>
-              <a:rPr lang="en-GB" sz="1200" dirty="0"/>
-              <a:t>Enderton, H. (2001). </a:t>
-            </a:r>
-            <a:r>
-              <a:rPr lang="en-GB" sz="1200" i="1" dirty="0"/>
-              <a:t>A Mathematical Introduction to Logic</a:t>
-            </a:r>
-            <a:r>
-              <a:rPr lang="en-GB" sz="1200" dirty="0"/>
-              <a:t>, second edition, New York: Harcourt Academic Press.</a:t>
-            </a:r>
-          </a:p>
-        </p:txBody>
-      </p:sp>
-    </p:spTree>
-    <p:extLst>
-      <p:ext uri="{BB962C8B-B14F-4D97-AF65-F5344CB8AC3E}">
-        <p14:creationId xmlns:p14="http://schemas.microsoft.com/office/powerpoint/2010/main" val="4013732942"/>
-      </p:ext>
-    </p:extLst>
-  </p:cSld>
-  <p:clrMapOvr>
-    <a:masterClrMapping/>
-  </p:clrMapOvr>
-</p:sld>
-</file>
-
-<file path=ppt/slides/slide35.xml><?xml version="1.0" encoding="utf-8"?>
-<p:sld xmlns:a="http://schemas.openxmlformats.org/drawingml/2006/main" xmlns:r="http://schemas.openxmlformats.org/officeDocument/2006/relationships" xmlns:p="http://schemas.openxmlformats.org/presentationml/2006/main">
-  <p:cSld>
-    <p:spTree>
-      <p:nvGrpSpPr>
-        <p:cNvPr id="1" name=""/>
-        <p:cNvGrpSpPr/>
-        <p:nvPr/>
-      </p:nvGrpSpPr>
-      <p:grpSpPr>
-        <a:xfrm>
-          <a:off x="0" y="0"/>
-          <a:ext cx="0" cy="0"/>
-          <a:chOff x="0" y="0"/>
-          <a:chExt cx="0" cy="0"/>
-        </a:xfrm>
-      </p:grpSpPr>
-      <p:sp>
-        <p:nvSpPr>
-          <p:cNvPr id="2" name="Title 1">
-            <a:extLst>
-              <a:ext uri="{FF2B5EF4-FFF2-40B4-BE49-F238E27FC236}">
-                <a16:creationId xmlns:a16="http://schemas.microsoft.com/office/drawing/2014/main" id="{B6C9A5A2-0D89-4006-86E4-515449903D51}"/>
-              </a:ext>
-            </a:extLst>
-          </p:cNvPr>
-          <p:cNvSpPr>
-            <a:spLocks noGrp="1"/>
-          </p:cNvSpPr>
-          <p:nvPr>
-            <p:ph type="title"/>
-          </p:nvPr>
-        </p:nvSpPr>
-        <p:spPr/>
-        <p:txBody>
-          <a:bodyPr/>
-          <a:lstStyle/>
-          <a:p>
-            <a:r>
-              <a:rPr lang="en-GB" dirty="0"/>
-              <a:t>Truth Tables</a:t>
-            </a:r>
-          </a:p>
-        </p:txBody>
-      </p:sp>
-      <p:graphicFrame>
-        <p:nvGraphicFramePr>
-          <p:cNvPr id="6" name="Content Placeholder 5">
-            <a:extLst>
-              <a:ext uri="{FF2B5EF4-FFF2-40B4-BE49-F238E27FC236}">
-                <a16:creationId xmlns:a16="http://schemas.microsoft.com/office/drawing/2014/main" id="{D036269F-6E43-4D8D-B086-81F7FC4808E5}"/>
-              </a:ext>
-            </a:extLst>
-          </p:cNvPr>
-          <p:cNvGraphicFramePr>
-            <a:graphicFrameLocks noGrp="1"/>
-          </p:cNvGraphicFramePr>
-          <p:nvPr>
-            <p:ph idx="1"/>
-            <p:extLst>
-              <p:ext uri="{D42A27DB-BD31-4B8C-83A1-F6EECF244321}">
-                <p14:modId xmlns:p14="http://schemas.microsoft.com/office/powerpoint/2010/main" val="3066633138"/>
-              </p:ext>
-            </p:extLst>
-          </p:nvPr>
-        </p:nvGraphicFramePr>
-        <p:xfrm>
-          <a:off x="2743200" y="2680320"/>
-          <a:ext cx="3657600" cy="1828800"/>
-        </p:xfrm>
-        <a:graphic>
-          <a:graphicData uri="http://schemas.openxmlformats.org/drawingml/2006/table">
-            <a:tbl>
-              <a:tblPr>
-                <a:tableStyleId>{2D5ABB26-0587-4C30-8999-92F81FD0307C}</a:tableStyleId>
-              </a:tblPr>
-              <a:tblGrid>
-                <a:gridCol w="914400">
-                  <a:extLst>
-                    <a:ext uri="{9D8B030D-6E8A-4147-A177-3AD203B41FA5}">
-                      <a16:colId xmlns:a16="http://schemas.microsoft.com/office/drawing/2014/main" val="3867821940"/>
-                    </a:ext>
-                  </a:extLst>
-                </a:gridCol>
-                <a:gridCol w="914400">
-                  <a:extLst>
-                    <a:ext uri="{9D8B030D-6E8A-4147-A177-3AD203B41FA5}">
-                      <a16:colId xmlns:a16="http://schemas.microsoft.com/office/drawing/2014/main" val="85286425"/>
-                    </a:ext>
-                  </a:extLst>
-                </a:gridCol>
-                <a:gridCol w="914400">
-                  <a:extLst>
-                    <a:ext uri="{9D8B030D-6E8A-4147-A177-3AD203B41FA5}">
-                      <a16:colId xmlns:a16="http://schemas.microsoft.com/office/drawing/2014/main" val="2281347697"/>
-                    </a:ext>
-                  </a:extLst>
-                </a:gridCol>
-                <a:gridCol w="914400">
-                  <a:extLst>
-                    <a:ext uri="{9D8B030D-6E8A-4147-A177-3AD203B41FA5}">
-                      <a16:colId xmlns:a16="http://schemas.microsoft.com/office/drawing/2014/main" val="204029987"/>
-                    </a:ext>
-                  </a:extLst>
-                </a:gridCol>
-              </a:tblGrid>
-              <a:tr h="0">
-                <a:tc>
-                  <a:txBody>
-                    <a:bodyPr/>
-                    <a:lstStyle/>
-                    <a:p>
-                      <a:pPr algn="ctr"/>
-                      <a:r>
-                        <a:rPr lang="en-GB" dirty="0">
-                          <a:effectLst/>
-                        </a:rPr>
-                        <a:t>P</a:t>
-                      </a:r>
-                      <a:endParaRPr lang="en-GB" b="1" dirty="0">
-                        <a:solidFill>
-                          <a:schemeClr val="tx1"/>
-                        </a:solidFill>
-                        <a:effectLst/>
-                      </a:endParaRPr>
-                    </a:p>
-                  </a:txBody>
-                  <a:tcPr anchor="ctr">
-                    <a:lnL w="12700" cap="flat" cmpd="sng" algn="ctr">
-                      <a:solidFill>
-                        <a:schemeClr val="tx1"/>
-                      </a:solidFill>
-                      <a:prstDash val="solid"/>
-                      <a:round/>
-                      <a:headEnd type="none" w="med" len="med"/>
-                      <a:tailEnd type="none" w="med" len="med"/>
-                    </a:lnL>
-                    <a:lnR w="12700" cap="flat" cmpd="sng" algn="ctr">
-                      <a:solidFill>
-                        <a:schemeClr val="tx1"/>
-                      </a:solidFill>
-                      <a:prstDash val="solid"/>
-                      <a:round/>
-                      <a:headEnd type="none" w="med" len="med"/>
-                      <a:tailEnd type="none" w="med" len="med"/>
-                    </a:lnR>
-                    <a:lnT w="12700" cap="flat" cmpd="sng" algn="ctr">
-                      <a:solidFill>
-                        <a:schemeClr val="tx1"/>
-                      </a:solidFill>
-                      <a:prstDash val="solid"/>
-                      <a:round/>
-                      <a:headEnd type="none" w="med" len="med"/>
-                      <a:tailEnd type="none" w="med" len="med"/>
-                    </a:lnT>
-                    <a:lnB w="12700" cap="flat" cmpd="sng" algn="ctr">
-                      <a:solidFill>
-                        <a:schemeClr val="tx1"/>
-                      </a:solidFill>
-                      <a:prstDash val="solid"/>
-                      <a:round/>
-                      <a:headEnd type="none" w="med" len="med"/>
-                      <a:tailEnd type="none" w="med" len="med"/>
-                    </a:lnB>
-                  </a:tcPr>
-                </a:tc>
-                <a:tc>
-                  <a:txBody>
-                    <a:bodyPr/>
-                    <a:lstStyle/>
-                    <a:p>
-                      <a:pPr algn="ctr"/>
-                      <a:r>
-                        <a:rPr lang="en-GB" dirty="0">
-                          <a:effectLst/>
-                        </a:rPr>
-                        <a:t>Q</a:t>
-                      </a:r>
-                      <a:endParaRPr lang="en-GB" b="1" dirty="0">
-                        <a:solidFill>
-                          <a:schemeClr val="tx1"/>
-                        </a:solidFill>
-                        <a:effectLst/>
-                      </a:endParaRPr>
-                    </a:p>
-                  </a:txBody>
-                  <a:tcPr anchor="ctr">
-                    <a:lnL w="12700" cap="flat" cmpd="sng" algn="ctr">
-                      <a:solidFill>
-                        <a:schemeClr val="tx1"/>
-                      </a:solidFill>
-                      <a:prstDash val="solid"/>
-                      <a:round/>
-                      <a:headEnd type="none" w="med" len="med"/>
-                      <a:tailEnd type="none" w="med" len="med"/>
-                    </a:lnL>
-                    <a:lnR w="12700" cap="flat" cmpd="sng" algn="ctr">
-                      <a:solidFill>
-                        <a:schemeClr val="tx1"/>
-                      </a:solidFill>
-                      <a:prstDash val="solid"/>
-                      <a:round/>
-                      <a:headEnd type="none" w="med" len="med"/>
-                      <a:tailEnd type="none" w="med" len="med"/>
-                    </a:lnR>
-                    <a:lnT w="12700" cap="flat" cmpd="sng" algn="ctr">
-                      <a:solidFill>
-                        <a:schemeClr val="tx1"/>
-                      </a:solidFill>
-                      <a:prstDash val="solid"/>
-                      <a:round/>
-                      <a:headEnd type="none" w="med" len="med"/>
-                      <a:tailEnd type="none" w="med" len="med"/>
-                    </a:lnT>
-                    <a:lnB w="12700" cap="flat" cmpd="sng" algn="ctr">
-                      <a:solidFill>
-                        <a:schemeClr val="tx1"/>
-                      </a:solidFill>
-                      <a:prstDash val="solid"/>
-                      <a:round/>
-                      <a:headEnd type="none" w="med" len="med"/>
-                      <a:tailEnd type="none" w="med" len="med"/>
-                    </a:lnB>
-                  </a:tcPr>
-                </a:tc>
-                <a:tc>
-                  <a:txBody>
-                    <a:bodyPr/>
-                    <a:lstStyle/>
-                    <a:p>
-                      <a:pPr algn="ctr"/>
-                      <a:r>
-                        <a:rPr lang="en-GB" dirty="0">
-                          <a:effectLst/>
-                        </a:rPr>
-                        <a:t>P.Q</a:t>
-                      </a:r>
-                      <a:endParaRPr lang="en-GB" b="1" dirty="0">
-                        <a:solidFill>
-                          <a:schemeClr val="tx1"/>
-                        </a:solidFill>
-                        <a:effectLst/>
-                      </a:endParaRPr>
-                    </a:p>
-                  </a:txBody>
-                  <a:tcPr anchor="ctr">
-                    <a:lnL w="12700" cap="flat" cmpd="sng" algn="ctr">
-                      <a:solidFill>
-                        <a:schemeClr val="tx1"/>
-                      </a:solidFill>
-                      <a:prstDash val="solid"/>
-                      <a:round/>
-                      <a:headEnd type="none" w="med" len="med"/>
-                      <a:tailEnd type="none" w="med" len="med"/>
-                    </a:lnL>
-                    <a:lnR w="12700" cap="flat" cmpd="sng" algn="ctr">
-                      <a:solidFill>
-                        <a:schemeClr val="tx1"/>
-                      </a:solidFill>
-                      <a:prstDash val="solid"/>
-                      <a:round/>
-                      <a:headEnd type="none" w="med" len="med"/>
-                      <a:tailEnd type="none" w="med" len="med"/>
-                    </a:lnR>
-                    <a:lnT w="12700" cap="flat" cmpd="sng" algn="ctr">
-                      <a:solidFill>
-                        <a:schemeClr val="tx1"/>
-                      </a:solidFill>
-                      <a:prstDash val="solid"/>
-                      <a:round/>
-                      <a:headEnd type="none" w="med" len="med"/>
-                      <a:tailEnd type="none" w="med" len="med"/>
-                    </a:lnT>
-                    <a:lnB w="12700" cap="flat" cmpd="sng" algn="ctr">
-                      <a:solidFill>
-                        <a:schemeClr val="tx1"/>
-                      </a:solidFill>
-                      <a:prstDash val="solid"/>
-                      <a:round/>
-                      <a:headEnd type="none" w="med" len="med"/>
-                      <a:tailEnd type="none" w="med" len="med"/>
-                    </a:lnB>
-                  </a:tcPr>
-                </a:tc>
-                <a:tc>
-                  <a:txBody>
-                    <a:bodyPr/>
-                    <a:lstStyle/>
-                    <a:p>
-                      <a:pPr algn="ctr"/>
-                      <a:r>
-                        <a:rPr lang="en-GB" dirty="0">
-                          <a:effectLst/>
-                        </a:rPr>
-                        <a:t>P+Q</a:t>
-                      </a:r>
-                      <a:endParaRPr lang="en-GB" b="1" dirty="0">
-                        <a:solidFill>
-                          <a:schemeClr val="tx1"/>
-                        </a:solidFill>
-                        <a:effectLst/>
-                      </a:endParaRPr>
-                    </a:p>
-                  </a:txBody>
-                  <a:tcPr anchor="ctr">
-                    <a:lnL w="12700" cap="flat" cmpd="sng" algn="ctr">
-                      <a:solidFill>
-                        <a:schemeClr val="tx1"/>
-                      </a:solidFill>
-                      <a:prstDash val="solid"/>
-                      <a:round/>
-                      <a:headEnd type="none" w="med" len="med"/>
-                      <a:tailEnd type="none" w="med" len="med"/>
-                    </a:lnL>
-                    <a:lnR w="12700" cap="flat" cmpd="sng" algn="ctr">
-                      <a:solidFill>
-                        <a:schemeClr val="tx1"/>
-                      </a:solidFill>
-                      <a:prstDash val="solid"/>
-                      <a:round/>
-                      <a:headEnd type="none" w="med" len="med"/>
-                      <a:tailEnd type="none" w="med" len="med"/>
-                    </a:lnR>
-                    <a:lnT w="12700" cap="flat" cmpd="sng" algn="ctr">
-                      <a:solidFill>
-                        <a:schemeClr val="tx1"/>
-                      </a:solidFill>
-                      <a:prstDash val="solid"/>
-                      <a:round/>
-                      <a:headEnd type="none" w="med" len="med"/>
-                      <a:tailEnd type="none" w="med" len="med"/>
-                    </a:lnT>
-                    <a:lnB w="12700" cap="flat" cmpd="sng" algn="ctr">
-                      <a:solidFill>
-                        <a:schemeClr val="tx1"/>
-                      </a:solidFill>
-                      <a:prstDash val="solid"/>
-                      <a:round/>
-                      <a:headEnd type="none" w="med" len="med"/>
-                      <a:tailEnd type="none" w="med" len="med"/>
-                    </a:lnB>
-                  </a:tcPr>
-                </a:tc>
-                <a:extLst>
-                  <a:ext uri="{0D108BD9-81ED-4DB2-BD59-A6C34878D82A}">
-                    <a16:rowId xmlns:a16="http://schemas.microsoft.com/office/drawing/2014/main" val="1842794885"/>
-                  </a:ext>
-                </a:extLst>
-              </a:tr>
-              <a:tr h="0">
-                <a:tc>
-                  <a:txBody>
-                    <a:bodyPr/>
-                    <a:lstStyle/>
-                    <a:p>
-                      <a:pPr algn="ctr"/>
-                      <a:r>
-                        <a:rPr lang="en-GB" dirty="0">
-                          <a:effectLst/>
-                        </a:rPr>
-                        <a:t>T</a:t>
-                      </a:r>
-                    </a:p>
-                  </a:txBody>
-                  <a:tcPr anchor="ctr">
-                    <a:lnL w="12700" cap="flat" cmpd="sng" algn="ctr">
-                      <a:solidFill>
-                        <a:schemeClr val="tx1"/>
-                      </a:solidFill>
-                      <a:prstDash val="solid"/>
-                      <a:round/>
-                      <a:headEnd type="none" w="med" len="med"/>
-                      <a:tailEnd type="none" w="med" len="med"/>
-                    </a:lnL>
-                    <a:lnR w="12700" cap="flat" cmpd="sng" algn="ctr">
-                      <a:solidFill>
-                        <a:schemeClr val="tx1"/>
-                      </a:solidFill>
-                      <a:prstDash val="solid"/>
-                      <a:round/>
-                      <a:headEnd type="none" w="med" len="med"/>
-                      <a:tailEnd type="none" w="med" len="med"/>
-                    </a:lnR>
-                    <a:lnT w="12700" cap="flat" cmpd="sng" algn="ctr">
-                      <a:solidFill>
-                        <a:schemeClr val="tx1"/>
-                      </a:solidFill>
-                      <a:prstDash val="solid"/>
-                      <a:round/>
-                      <a:headEnd type="none" w="med" len="med"/>
-                      <a:tailEnd type="none" w="med" len="med"/>
-                    </a:lnT>
-                  </a:tcPr>
-                </a:tc>
-                <a:tc>
-                  <a:txBody>
-                    <a:bodyPr/>
-                    <a:lstStyle/>
-                    <a:p>
-                      <a:pPr algn="ctr"/>
-                      <a:r>
-                        <a:rPr lang="en-GB" dirty="0">
-                          <a:effectLst/>
-                        </a:rPr>
-                        <a:t>T</a:t>
-                      </a:r>
-                    </a:p>
-                  </a:txBody>
-                  <a:tcPr anchor="ctr">
-                    <a:lnL w="12700" cap="flat" cmpd="sng" algn="ctr">
-                      <a:solidFill>
-                        <a:schemeClr val="tx1"/>
-                      </a:solidFill>
-                      <a:prstDash val="solid"/>
-                      <a:round/>
-                      <a:headEnd type="none" w="med" len="med"/>
-                      <a:tailEnd type="none" w="med" len="med"/>
-                    </a:lnL>
-                    <a:lnR w="12700" cap="flat" cmpd="sng" algn="ctr">
-                      <a:solidFill>
-                        <a:schemeClr val="tx1"/>
-                      </a:solidFill>
-                      <a:prstDash val="solid"/>
-                      <a:round/>
-                      <a:headEnd type="none" w="med" len="med"/>
-                      <a:tailEnd type="none" w="med" len="med"/>
-                    </a:lnR>
-                    <a:lnT w="12700" cap="flat" cmpd="sng" algn="ctr">
-                      <a:solidFill>
-                        <a:schemeClr val="tx1"/>
-                      </a:solidFill>
-                      <a:prstDash val="solid"/>
-                      <a:round/>
-                      <a:headEnd type="none" w="med" len="med"/>
-                      <a:tailEnd type="none" w="med" len="med"/>
-                    </a:lnT>
-                  </a:tcPr>
-                </a:tc>
-                <a:tc>
-                  <a:txBody>
-                    <a:bodyPr/>
-                    <a:lstStyle/>
-                    <a:p>
-                      <a:pPr algn="ctr"/>
-                      <a:r>
-                        <a:rPr lang="en-GB" dirty="0">
-                          <a:effectLst/>
-                        </a:rPr>
-                        <a:t>T</a:t>
-                      </a:r>
-                    </a:p>
-                  </a:txBody>
-                  <a:tcPr anchor="ctr">
-                    <a:lnL w="12700" cap="flat" cmpd="sng" algn="ctr">
-                      <a:solidFill>
-                        <a:schemeClr val="tx1"/>
-                      </a:solidFill>
-                      <a:prstDash val="solid"/>
-                      <a:round/>
-                      <a:headEnd type="none" w="med" len="med"/>
-                      <a:tailEnd type="none" w="med" len="med"/>
-                    </a:lnL>
-                    <a:lnR w="12700" cap="flat" cmpd="sng" algn="ctr">
-                      <a:solidFill>
-                        <a:schemeClr val="tx1"/>
-                      </a:solidFill>
-                      <a:prstDash val="solid"/>
-                      <a:round/>
-                      <a:headEnd type="none" w="med" len="med"/>
-                      <a:tailEnd type="none" w="med" len="med"/>
-                    </a:lnR>
-                    <a:lnT w="12700" cap="flat" cmpd="sng" algn="ctr">
-                      <a:solidFill>
-                        <a:schemeClr val="tx1"/>
-                      </a:solidFill>
-                      <a:prstDash val="solid"/>
-                      <a:round/>
-                      <a:headEnd type="none" w="med" len="med"/>
-                      <a:tailEnd type="none" w="med" len="med"/>
-                    </a:lnT>
-                  </a:tcPr>
-                </a:tc>
-                <a:tc>
-                  <a:txBody>
-                    <a:bodyPr/>
-                    <a:lstStyle/>
-                    <a:p>
-                      <a:pPr algn="ctr"/>
-                      <a:r>
-                        <a:rPr lang="en-GB">
-                          <a:effectLst/>
-                        </a:rPr>
-                        <a:t>T</a:t>
-                      </a:r>
-                    </a:p>
-                  </a:txBody>
-                  <a:tcPr anchor="ctr">
-                    <a:lnL w="12700" cap="flat" cmpd="sng" algn="ctr">
-                      <a:solidFill>
-                        <a:schemeClr val="tx1"/>
-                      </a:solidFill>
-                      <a:prstDash val="solid"/>
-                      <a:round/>
-                      <a:headEnd type="none" w="med" len="med"/>
-                      <a:tailEnd type="none" w="med" len="med"/>
-                    </a:lnL>
-                    <a:lnR w="12700" cap="flat" cmpd="sng" algn="ctr">
-                      <a:solidFill>
-                        <a:schemeClr val="tx1"/>
-                      </a:solidFill>
-                      <a:prstDash val="solid"/>
-                      <a:round/>
-                      <a:headEnd type="none" w="med" len="med"/>
-                      <a:tailEnd type="none" w="med" len="med"/>
-                    </a:lnR>
-                    <a:lnT w="12700" cap="flat" cmpd="sng" algn="ctr">
-                      <a:solidFill>
-                        <a:schemeClr val="tx1"/>
-                      </a:solidFill>
-                      <a:prstDash val="solid"/>
-                      <a:round/>
-                      <a:headEnd type="none" w="med" len="med"/>
-                      <a:tailEnd type="none" w="med" len="med"/>
-                    </a:lnT>
-                  </a:tcPr>
-                </a:tc>
-                <a:extLst>
-                  <a:ext uri="{0D108BD9-81ED-4DB2-BD59-A6C34878D82A}">
-                    <a16:rowId xmlns:a16="http://schemas.microsoft.com/office/drawing/2014/main" val="776529319"/>
-                  </a:ext>
-                </a:extLst>
-              </a:tr>
-              <a:tr h="0">
-                <a:tc>
-                  <a:txBody>
-                    <a:bodyPr/>
-                    <a:lstStyle/>
-                    <a:p>
-                      <a:pPr algn="ctr"/>
-                      <a:r>
-                        <a:rPr lang="en-GB" dirty="0">
-                          <a:effectLst/>
-                        </a:rPr>
-                        <a:t>T</a:t>
-                      </a:r>
-                    </a:p>
-                  </a:txBody>
-                  <a:tcPr anchor="ctr">
-                    <a:lnL w="12700" cap="flat" cmpd="sng" algn="ctr">
-                      <a:solidFill>
-                        <a:schemeClr val="tx1"/>
-                      </a:solidFill>
-                      <a:prstDash val="solid"/>
-                      <a:round/>
-                      <a:headEnd type="none" w="med" len="med"/>
-                      <a:tailEnd type="none" w="med" len="med"/>
-                    </a:lnL>
-                    <a:lnR w="12700" cap="flat" cmpd="sng" algn="ctr">
-                      <a:solidFill>
-                        <a:schemeClr val="tx1"/>
-                      </a:solidFill>
-                      <a:prstDash val="solid"/>
-                      <a:round/>
-                      <a:headEnd type="none" w="med" len="med"/>
-                      <a:tailEnd type="none" w="med" len="med"/>
-                    </a:lnR>
-                  </a:tcPr>
-                </a:tc>
-                <a:tc>
-                  <a:txBody>
-                    <a:bodyPr/>
-                    <a:lstStyle/>
-                    <a:p>
-                      <a:pPr algn="ctr"/>
-                      <a:r>
-                        <a:rPr lang="en-GB" dirty="0">
-                          <a:effectLst/>
-                        </a:rPr>
-                        <a:t>F</a:t>
-                      </a:r>
-                    </a:p>
-                  </a:txBody>
-                  <a:tcPr anchor="ctr">
-                    <a:lnL w="12700" cap="flat" cmpd="sng" algn="ctr">
-                      <a:solidFill>
-                        <a:schemeClr val="tx1"/>
-                      </a:solidFill>
-                      <a:prstDash val="solid"/>
-                      <a:round/>
-                      <a:headEnd type="none" w="med" len="med"/>
-                      <a:tailEnd type="none" w="med" len="med"/>
-                    </a:lnL>
-                    <a:lnR w="12700" cap="flat" cmpd="sng" algn="ctr">
-                      <a:solidFill>
-                        <a:schemeClr val="tx1"/>
-                      </a:solidFill>
-                      <a:prstDash val="solid"/>
-                      <a:round/>
-                      <a:headEnd type="none" w="med" len="med"/>
-                      <a:tailEnd type="none" w="med" len="med"/>
-                    </a:lnR>
-                    <a:solidFill>
-                      <a:schemeClr val="bg1">
-                        <a:lumMod val="85000"/>
-                      </a:schemeClr>
-                    </a:solidFill>
-                  </a:tcPr>
-                </a:tc>
-                <a:tc>
-                  <a:txBody>
-                    <a:bodyPr/>
-                    <a:lstStyle/>
-                    <a:p>
-                      <a:pPr algn="ctr"/>
-                      <a:r>
-                        <a:rPr lang="en-GB" dirty="0">
-                          <a:effectLst/>
-                        </a:rPr>
-                        <a:t>F</a:t>
-                      </a:r>
-                    </a:p>
-                  </a:txBody>
-                  <a:tcPr anchor="ctr">
-                    <a:lnL w="12700" cap="flat" cmpd="sng" algn="ctr">
-                      <a:solidFill>
-                        <a:schemeClr val="tx1"/>
-                      </a:solidFill>
-                      <a:prstDash val="solid"/>
-                      <a:round/>
-                      <a:headEnd type="none" w="med" len="med"/>
-                      <a:tailEnd type="none" w="med" len="med"/>
-                    </a:lnL>
-                    <a:lnR w="12700" cap="flat" cmpd="sng" algn="ctr">
-                      <a:solidFill>
-                        <a:schemeClr val="tx1"/>
-                      </a:solidFill>
-                      <a:prstDash val="solid"/>
-                      <a:round/>
-                      <a:headEnd type="none" w="med" len="med"/>
-                      <a:tailEnd type="none" w="med" len="med"/>
-                    </a:lnR>
-                    <a:solidFill>
-                      <a:schemeClr val="bg1">
-                        <a:lumMod val="85000"/>
-                      </a:schemeClr>
-                    </a:solidFill>
-                  </a:tcPr>
-                </a:tc>
-                <a:tc>
-                  <a:txBody>
-                    <a:bodyPr/>
-                    <a:lstStyle/>
-                    <a:p>
-                      <a:pPr algn="ctr"/>
-                      <a:r>
-                        <a:rPr lang="en-GB" dirty="0">
-                          <a:effectLst/>
-                        </a:rPr>
-                        <a:t>T</a:t>
-                      </a:r>
-                    </a:p>
-                  </a:txBody>
-                  <a:tcPr anchor="ctr">
-                    <a:lnL w="12700" cap="flat" cmpd="sng" algn="ctr">
-                      <a:solidFill>
-                        <a:schemeClr val="tx1"/>
-                      </a:solidFill>
-                      <a:prstDash val="solid"/>
-                      <a:round/>
-                      <a:headEnd type="none" w="med" len="med"/>
-                      <a:tailEnd type="none" w="med" len="med"/>
-                    </a:lnL>
-                    <a:lnR w="12700" cap="flat" cmpd="sng" algn="ctr">
-                      <a:solidFill>
-                        <a:schemeClr val="tx1"/>
-                      </a:solidFill>
-                      <a:prstDash val="solid"/>
-                      <a:round/>
-                      <a:headEnd type="none" w="med" len="med"/>
-                      <a:tailEnd type="none" w="med" len="med"/>
-                    </a:lnR>
-                  </a:tcPr>
-                </a:tc>
-                <a:extLst>
-                  <a:ext uri="{0D108BD9-81ED-4DB2-BD59-A6C34878D82A}">
-                    <a16:rowId xmlns:a16="http://schemas.microsoft.com/office/drawing/2014/main" val="3854372796"/>
-                  </a:ext>
-                </a:extLst>
-              </a:tr>
-              <a:tr h="0">
-                <a:tc>
-                  <a:txBody>
-                    <a:bodyPr/>
-                    <a:lstStyle/>
-                    <a:p>
-                      <a:pPr algn="ctr"/>
-                      <a:r>
-                        <a:rPr lang="en-GB" dirty="0">
-                          <a:effectLst/>
-                        </a:rPr>
-                        <a:t>F</a:t>
-                      </a:r>
-                    </a:p>
-                  </a:txBody>
-                  <a:tcPr anchor="ctr">
-                    <a:lnL w="12700" cap="flat" cmpd="sng" algn="ctr">
-                      <a:solidFill>
-                        <a:schemeClr val="tx1"/>
-                      </a:solidFill>
-                      <a:prstDash val="solid"/>
-                      <a:round/>
-                      <a:headEnd type="none" w="med" len="med"/>
-                      <a:tailEnd type="none" w="med" len="med"/>
-                    </a:lnL>
-                    <a:lnR w="12700" cap="flat" cmpd="sng" algn="ctr">
-                      <a:solidFill>
-                        <a:schemeClr val="tx1"/>
-                      </a:solidFill>
-                      <a:prstDash val="solid"/>
-                      <a:round/>
-                      <a:headEnd type="none" w="med" len="med"/>
-                      <a:tailEnd type="none" w="med" len="med"/>
-                    </a:lnR>
-                    <a:solidFill>
-                      <a:schemeClr val="bg1">
-                        <a:lumMod val="85000"/>
-                      </a:schemeClr>
-                    </a:solidFill>
-                  </a:tcPr>
-                </a:tc>
-                <a:tc>
-                  <a:txBody>
-                    <a:bodyPr/>
-                    <a:lstStyle/>
-                    <a:p>
-                      <a:pPr algn="ctr"/>
-                      <a:r>
-                        <a:rPr lang="en-GB" dirty="0">
-                          <a:effectLst/>
-                        </a:rPr>
-                        <a:t>T</a:t>
-                      </a:r>
-                    </a:p>
-                  </a:txBody>
-                  <a:tcPr anchor="ctr">
-                    <a:lnL w="12700" cap="flat" cmpd="sng" algn="ctr">
-                      <a:solidFill>
-                        <a:schemeClr val="tx1"/>
-                      </a:solidFill>
-                      <a:prstDash val="solid"/>
-                      <a:round/>
-                      <a:headEnd type="none" w="med" len="med"/>
-                      <a:tailEnd type="none" w="med" len="med"/>
-                    </a:lnL>
-                    <a:lnR w="12700" cap="flat" cmpd="sng" algn="ctr">
-                      <a:solidFill>
-                        <a:schemeClr val="tx1"/>
-                      </a:solidFill>
-                      <a:prstDash val="solid"/>
-                      <a:round/>
-                      <a:headEnd type="none" w="med" len="med"/>
-                      <a:tailEnd type="none" w="med" len="med"/>
-                    </a:lnR>
-                  </a:tcPr>
-                </a:tc>
-                <a:tc>
-                  <a:txBody>
-                    <a:bodyPr/>
-                    <a:lstStyle/>
-                    <a:p>
-                      <a:pPr algn="ctr"/>
-                      <a:r>
-                        <a:rPr lang="en-GB" dirty="0">
-                          <a:effectLst/>
-                        </a:rPr>
-                        <a:t>F</a:t>
-                      </a:r>
-                    </a:p>
-                  </a:txBody>
-                  <a:tcPr anchor="ctr">
-                    <a:lnL w="12700" cap="flat" cmpd="sng" algn="ctr">
-                      <a:solidFill>
-                        <a:schemeClr val="tx1"/>
-                      </a:solidFill>
-                      <a:prstDash val="solid"/>
-                      <a:round/>
-                      <a:headEnd type="none" w="med" len="med"/>
-                      <a:tailEnd type="none" w="med" len="med"/>
-                    </a:lnL>
-                    <a:lnR w="12700" cap="flat" cmpd="sng" algn="ctr">
-                      <a:solidFill>
-                        <a:schemeClr val="tx1"/>
-                      </a:solidFill>
-                      <a:prstDash val="solid"/>
-                      <a:round/>
-                      <a:headEnd type="none" w="med" len="med"/>
-                      <a:tailEnd type="none" w="med" len="med"/>
-                    </a:lnR>
-                    <a:solidFill>
-                      <a:schemeClr val="bg1">
-                        <a:lumMod val="85000"/>
-                      </a:schemeClr>
-                    </a:solidFill>
-                  </a:tcPr>
-                </a:tc>
-                <a:tc>
-                  <a:txBody>
-                    <a:bodyPr/>
-                    <a:lstStyle/>
-                    <a:p>
-                      <a:pPr algn="ctr"/>
-                      <a:r>
-                        <a:rPr lang="en-GB" dirty="0">
-                          <a:effectLst/>
-                        </a:rPr>
-                        <a:t>T</a:t>
-                      </a:r>
-                    </a:p>
-                  </a:txBody>
-                  <a:tcPr anchor="ctr">
-                    <a:lnL w="12700" cap="flat" cmpd="sng" algn="ctr">
-                      <a:solidFill>
-                        <a:schemeClr val="tx1"/>
-                      </a:solidFill>
-                      <a:prstDash val="solid"/>
-                      <a:round/>
-                      <a:headEnd type="none" w="med" len="med"/>
-                      <a:tailEnd type="none" w="med" len="med"/>
-                    </a:lnL>
-                    <a:lnR w="12700" cap="flat" cmpd="sng" algn="ctr">
-                      <a:solidFill>
-                        <a:schemeClr val="tx1"/>
-                      </a:solidFill>
-                      <a:prstDash val="solid"/>
-                      <a:round/>
-                      <a:headEnd type="none" w="med" len="med"/>
-                      <a:tailEnd type="none" w="med" len="med"/>
-                    </a:lnR>
-                  </a:tcPr>
-                </a:tc>
-                <a:extLst>
-                  <a:ext uri="{0D108BD9-81ED-4DB2-BD59-A6C34878D82A}">
-                    <a16:rowId xmlns:a16="http://schemas.microsoft.com/office/drawing/2014/main" val="2982234389"/>
-                  </a:ext>
-                </a:extLst>
-              </a:tr>
-              <a:tr h="0">
-                <a:tc>
-                  <a:txBody>
-                    <a:bodyPr/>
-                    <a:lstStyle/>
-                    <a:p>
-                      <a:pPr algn="ctr"/>
-                      <a:r>
-                        <a:rPr lang="en-GB" dirty="0">
-                          <a:effectLst/>
-                        </a:rPr>
-                        <a:t>F</a:t>
-                      </a:r>
-                    </a:p>
-                  </a:txBody>
-                  <a:tcPr anchor="ctr">
-                    <a:lnL w="12700" cap="flat" cmpd="sng" algn="ctr">
-                      <a:solidFill>
-                        <a:schemeClr val="tx1"/>
-                      </a:solidFill>
-                      <a:prstDash val="solid"/>
-                      <a:round/>
-                      <a:headEnd type="none" w="med" len="med"/>
-                      <a:tailEnd type="none" w="med" len="med"/>
-                    </a:lnL>
-                    <a:lnR w="12700" cap="flat" cmpd="sng" algn="ctr">
-                      <a:solidFill>
-                        <a:schemeClr val="tx1"/>
-                      </a:solidFill>
-                      <a:prstDash val="solid"/>
-                      <a:round/>
-                      <a:headEnd type="none" w="med" len="med"/>
-                      <a:tailEnd type="none" w="med" len="med"/>
-                    </a:lnR>
-                    <a:lnB w="12700" cap="flat" cmpd="sng" algn="ctr">
-                      <a:solidFill>
-                        <a:schemeClr val="tx1"/>
-                      </a:solidFill>
-                      <a:prstDash val="solid"/>
-                      <a:round/>
-                      <a:headEnd type="none" w="med" len="med"/>
-                      <a:tailEnd type="none" w="med" len="med"/>
-                    </a:lnB>
-                    <a:solidFill>
-                      <a:schemeClr val="bg1">
-                        <a:lumMod val="85000"/>
-                      </a:schemeClr>
-                    </a:solidFill>
-                  </a:tcPr>
-                </a:tc>
-                <a:tc>
-                  <a:txBody>
-                    <a:bodyPr/>
-                    <a:lstStyle/>
-                    <a:p>
-                      <a:pPr algn="ctr"/>
-                      <a:r>
-                        <a:rPr lang="en-GB" dirty="0">
-                          <a:effectLst/>
-                        </a:rPr>
-                        <a:t>F</a:t>
-                      </a:r>
-                    </a:p>
-                  </a:txBody>
-                  <a:tcPr anchor="ctr">
-                    <a:lnL w="12700" cap="flat" cmpd="sng" algn="ctr">
-                      <a:solidFill>
-                        <a:schemeClr val="tx1"/>
-                      </a:solidFill>
-                      <a:prstDash val="solid"/>
-                      <a:round/>
-                      <a:headEnd type="none" w="med" len="med"/>
-                      <a:tailEnd type="none" w="med" len="med"/>
-                    </a:lnL>
-                    <a:lnR w="12700" cap="flat" cmpd="sng" algn="ctr">
-                      <a:solidFill>
-                        <a:schemeClr val="tx1"/>
-                      </a:solidFill>
-                      <a:prstDash val="solid"/>
-                      <a:round/>
-                      <a:headEnd type="none" w="med" len="med"/>
-                      <a:tailEnd type="none" w="med" len="med"/>
-                    </a:lnR>
-                    <a:lnB w="12700" cap="flat" cmpd="sng" algn="ctr">
-                      <a:solidFill>
-                        <a:schemeClr val="tx1"/>
-                      </a:solidFill>
-                      <a:prstDash val="solid"/>
-                      <a:round/>
-                      <a:headEnd type="none" w="med" len="med"/>
-                      <a:tailEnd type="none" w="med" len="med"/>
-                    </a:lnB>
-                    <a:solidFill>
-                      <a:schemeClr val="bg1">
-                        <a:lumMod val="85000"/>
-                      </a:schemeClr>
-                    </a:solidFill>
-                  </a:tcPr>
-                </a:tc>
-                <a:tc>
-                  <a:txBody>
-                    <a:bodyPr/>
-                    <a:lstStyle/>
-                    <a:p>
-                      <a:pPr algn="ctr"/>
-                      <a:r>
-                        <a:rPr lang="en-GB" dirty="0">
-                          <a:effectLst/>
-                        </a:rPr>
-                        <a:t>F</a:t>
-                      </a:r>
-                    </a:p>
-                  </a:txBody>
-                  <a:tcPr anchor="ctr">
-                    <a:lnL w="12700" cap="flat" cmpd="sng" algn="ctr">
-                      <a:solidFill>
-                        <a:schemeClr val="tx1"/>
-                      </a:solidFill>
-                      <a:prstDash val="solid"/>
-                      <a:round/>
-                      <a:headEnd type="none" w="med" len="med"/>
-                      <a:tailEnd type="none" w="med" len="med"/>
-                    </a:lnL>
-                    <a:lnR w="12700" cap="flat" cmpd="sng" algn="ctr">
-                      <a:solidFill>
-                        <a:schemeClr val="tx1"/>
-                      </a:solidFill>
-                      <a:prstDash val="solid"/>
-                      <a:round/>
-                      <a:headEnd type="none" w="med" len="med"/>
-                      <a:tailEnd type="none" w="med" len="med"/>
-                    </a:lnR>
-                    <a:lnB w="12700" cap="flat" cmpd="sng" algn="ctr">
-                      <a:solidFill>
-                        <a:schemeClr val="tx1"/>
-                      </a:solidFill>
-                      <a:prstDash val="solid"/>
-                      <a:round/>
-                      <a:headEnd type="none" w="med" len="med"/>
-                      <a:tailEnd type="none" w="med" len="med"/>
-                    </a:lnB>
-                    <a:solidFill>
-                      <a:schemeClr val="bg1">
-                        <a:lumMod val="85000"/>
-                      </a:schemeClr>
-                    </a:solidFill>
-                  </a:tcPr>
-                </a:tc>
-                <a:tc>
-                  <a:txBody>
-                    <a:bodyPr/>
-                    <a:lstStyle/>
-                    <a:p>
-                      <a:pPr algn="ctr"/>
-                      <a:r>
-                        <a:rPr lang="en-GB" dirty="0">
-                          <a:effectLst/>
-                        </a:rPr>
-                        <a:t>F</a:t>
-                      </a:r>
-                    </a:p>
-                  </a:txBody>
-                  <a:tcPr anchor="ctr">
-                    <a:lnL w="12700" cap="flat" cmpd="sng" algn="ctr">
-                      <a:solidFill>
-                        <a:schemeClr val="tx1"/>
-                      </a:solidFill>
-                      <a:prstDash val="solid"/>
-                      <a:round/>
-                      <a:headEnd type="none" w="med" len="med"/>
-                      <a:tailEnd type="none" w="med" len="med"/>
-                    </a:lnL>
-                    <a:lnR w="12700" cap="flat" cmpd="sng" algn="ctr">
-                      <a:solidFill>
-                        <a:schemeClr val="tx1"/>
-                      </a:solidFill>
-                      <a:prstDash val="solid"/>
-                      <a:round/>
-                      <a:headEnd type="none" w="med" len="med"/>
-                      <a:tailEnd type="none" w="med" len="med"/>
-                    </a:lnR>
-                    <a:lnB w="12700" cap="flat" cmpd="sng" algn="ctr">
-                      <a:solidFill>
-                        <a:schemeClr val="tx1"/>
-                      </a:solidFill>
-                      <a:prstDash val="solid"/>
-                      <a:round/>
-                      <a:headEnd type="none" w="med" len="med"/>
-                      <a:tailEnd type="none" w="med" len="med"/>
-                    </a:lnB>
-                    <a:solidFill>
-                      <a:schemeClr val="bg1">
-                        <a:lumMod val="85000"/>
-                      </a:schemeClr>
-                    </a:solidFill>
-                  </a:tcPr>
-                </a:tc>
-                <a:extLst>
-                  <a:ext uri="{0D108BD9-81ED-4DB2-BD59-A6C34878D82A}">
-                    <a16:rowId xmlns:a16="http://schemas.microsoft.com/office/drawing/2014/main" val="78332814"/>
-                  </a:ext>
-                </a:extLst>
-              </a:tr>
-            </a:tbl>
-          </a:graphicData>
-        </a:graphic>
-      </p:graphicFrame>
-      <p:sp>
-        <p:nvSpPr>
-          <p:cNvPr id="4" name="Slide Number Placeholder 3">
-            <a:extLst>
-              <a:ext uri="{FF2B5EF4-FFF2-40B4-BE49-F238E27FC236}">
-                <a16:creationId xmlns:a16="http://schemas.microsoft.com/office/drawing/2014/main" id="{6F7BCA4F-4630-495D-83AB-9298F997B817}"/>
-              </a:ext>
-            </a:extLst>
-          </p:cNvPr>
-          <p:cNvSpPr>
-            <a:spLocks noGrp="1"/>
-          </p:cNvSpPr>
-          <p:nvPr>
-            <p:ph type="sldNum" sz="quarter" idx="12"/>
-          </p:nvPr>
-        </p:nvSpPr>
-        <p:spPr/>
-        <p:txBody>
-          <a:bodyPr/>
-          <a:lstStyle/>
-          <a:p>
-            <a:pPr>
-              <a:defRPr/>
-            </a:pPr>
-            <a:r>
-              <a:rPr lang="en-GB"/>
-              <a:t>Slide  </a:t>
-            </a:r>
-            <a:fld id="{35EF31DC-37E0-46A7-B0BE-61665DB0F5C0}" type="slidenum">
-              <a:rPr lang="en-GB" smtClean="0"/>
-              <a:pPr>
-                <a:defRPr/>
-              </a:pPr>
-              <a:t>35</a:t>
-            </a:fld>
-            <a:endParaRPr lang="en-GB"/>
-          </a:p>
-        </p:txBody>
-      </p:sp>
-      <p:sp>
-        <p:nvSpPr>
-          <p:cNvPr id="7" name="Content Placeholder 2">
-            <a:extLst>
-              <a:ext uri="{FF2B5EF4-FFF2-40B4-BE49-F238E27FC236}">
-                <a16:creationId xmlns:a16="http://schemas.microsoft.com/office/drawing/2014/main" id="{2864CF87-716C-4451-B08D-E186786B67BD}"/>
-              </a:ext>
-            </a:extLst>
-          </p:cNvPr>
-          <p:cNvSpPr txBox="1">
-            <a:spLocks/>
-          </p:cNvSpPr>
-          <p:nvPr/>
-        </p:nvSpPr>
-        <p:spPr>
-          <a:xfrm>
-            <a:off x="457200" y="1600201"/>
-            <a:ext cx="8229600" cy="4525963"/>
-          </a:xfrm>
-          <a:prstGeom prst="rect">
-            <a:avLst/>
-          </a:prstGeom>
-        </p:spPr>
-        <p:txBody>
-          <a:bodyPr vert="horz" lIns="91440" tIns="45720" rIns="91440" bIns="45720" rtlCol="0">
-            <a:normAutofit fontScale="70000" lnSpcReduction="20000"/>
-          </a:bodyPr>
-          <a:lstStyle>
-            <a:lvl1pPr marL="342900" indent="-342900" algn="l" defTabSz="457200" rtl="0" eaLnBrk="1" latinLnBrk="0" hangingPunct="1">
-              <a:spcBef>
-                <a:spcPct val="20000"/>
-              </a:spcBef>
-              <a:buFont typeface="Arial"/>
-              <a:buChar char="•"/>
-              <a:defRPr sz="3200" kern="1200">
-                <a:solidFill>
-                  <a:schemeClr val="tx1"/>
-                </a:solidFill>
-                <a:latin typeface="+mn-lt"/>
-                <a:ea typeface="+mn-ea"/>
-                <a:cs typeface="+mn-cs"/>
-              </a:defRPr>
-            </a:lvl1pPr>
-            <a:lvl2pPr marL="742950" indent="-285750" algn="l" defTabSz="457200" rtl="0" eaLnBrk="1" latinLnBrk="0" hangingPunct="1">
-              <a:spcBef>
-                <a:spcPct val="20000"/>
-              </a:spcBef>
-              <a:buFont typeface="Arial"/>
-              <a:buChar char="–"/>
-              <a:defRPr sz="2800" kern="1200">
-                <a:solidFill>
-                  <a:schemeClr val="tx1"/>
-                </a:solidFill>
-                <a:latin typeface="+mn-lt"/>
-                <a:ea typeface="+mn-ea"/>
-                <a:cs typeface="+mn-cs"/>
-              </a:defRPr>
-            </a:lvl2pPr>
-            <a:lvl3pPr marL="1143000" indent="-228600" algn="l" defTabSz="457200" rtl="0" eaLnBrk="1" latinLnBrk="0" hangingPunct="1">
-              <a:spcBef>
-                <a:spcPct val="20000"/>
-              </a:spcBef>
-              <a:buFont typeface="Arial"/>
-              <a:buChar char="•"/>
-              <a:defRPr sz="2400" kern="1200">
-                <a:solidFill>
-                  <a:schemeClr val="tx1"/>
-                </a:solidFill>
-                <a:latin typeface="+mn-lt"/>
-                <a:ea typeface="+mn-ea"/>
-                <a:cs typeface="+mn-cs"/>
-              </a:defRPr>
-            </a:lvl3pPr>
-            <a:lvl4pPr marL="1600200" indent="-228600" algn="l" defTabSz="457200" rtl="0" eaLnBrk="1" latinLnBrk="0" hangingPunct="1">
-              <a:spcBef>
-                <a:spcPct val="20000"/>
-              </a:spcBef>
-              <a:buFont typeface="Arial"/>
-              <a:buChar char="–"/>
-              <a:defRPr sz="2000" kern="1200">
-                <a:solidFill>
-                  <a:schemeClr val="tx1"/>
-                </a:solidFill>
-                <a:latin typeface="+mn-lt"/>
-                <a:ea typeface="+mn-ea"/>
-                <a:cs typeface="+mn-cs"/>
-              </a:defRPr>
-            </a:lvl4pPr>
-            <a:lvl5pPr marL="2057400" indent="-228600" algn="l" defTabSz="457200" rtl="0" eaLnBrk="1" latinLnBrk="0" hangingPunct="1">
-              <a:spcBef>
-                <a:spcPct val="20000"/>
-              </a:spcBef>
-              <a:buFont typeface="Arial"/>
-              <a:buChar char="»"/>
-              <a:defRPr sz="2000" kern="1200">
-                <a:solidFill>
-                  <a:schemeClr val="tx1"/>
-                </a:solidFill>
-                <a:latin typeface="+mn-lt"/>
-                <a:ea typeface="+mn-ea"/>
-                <a:cs typeface="+mn-cs"/>
-              </a:defRPr>
-            </a:lvl5pPr>
-            <a:lvl6pPr marL="2514600" indent="-228600" algn="l" defTabSz="457200" rtl="0" eaLnBrk="1" latinLnBrk="0" hangingPunct="1">
-              <a:spcBef>
-                <a:spcPct val="20000"/>
-              </a:spcBef>
-              <a:buFont typeface="Arial"/>
-              <a:buChar char="•"/>
-              <a:defRPr sz="2000" kern="1200">
-                <a:solidFill>
-                  <a:schemeClr val="tx1"/>
-                </a:solidFill>
-                <a:latin typeface="+mn-lt"/>
-                <a:ea typeface="+mn-ea"/>
-                <a:cs typeface="+mn-cs"/>
-              </a:defRPr>
-            </a:lvl6pPr>
-            <a:lvl7pPr marL="2971800" indent="-228600" algn="l" defTabSz="457200" rtl="0" eaLnBrk="1" latinLnBrk="0" hangingPunct="1">
-              <a:spcBef>
-                <a:spcPct val="20000"/>
-              </a:spcBef>
-              <a:buFont typeface="Arial"/>
-              <a:buChar char="•"/>
-              <a:defRPr sz="2000" kern="1200">
-                <a:solidFill>
-                  <a:schemeClr val="tx1"/>
-                </a:solidFill>
-                <a:latin typeface="+mn-lt"/>
-                <a:ea typeface="+mn-ea"/>
-                <a:cs typeface="+mn-cs"/>
-              </a:defRPr>
-            </a:lvl7pPr>
-            <a:lvl8pPr marL="3429000" indent="-228600" algn="l" defTabSz="457200" rtl="0" eaLnBrk="1" latinLnBrk="0" hangingPunct="1">
-              <a:spcBef>
-                <a:spcPct val="20000"/>
-              </a:spcBef>
-              <a:buFont typeface="Arial"/>
-              <a:buChar char="•"/>
-              <a:defRPr sz="2000" kern="1200">
-                <a:solidFill>
-                  <a:schemeClr val="tx1"/>
-                </a:solidFill>
-                <a:latin typeface="+mn-lt"/>
-                <a:ea typeface="+mn-ea"/>
-                <a:cs typeface="+mn-cs"/>
-              </a:defRPr>
-            </a:lvl8pPr>
-            <a:lvl9pPr marL="3886200" indent="-228600" algn="l" defTabSz="457200" rtl="0" eaLnBrk="1" latinLnBrk="0" hangingPunct="1">
-              <a:spcBef>
-                <a:spcPct val="20000"/>
-              </a:spcBef>
-              <a:buFont typeface="Arial"/>
-              <a:buChar char="•"/>
-              <a:defRPr sz="2000" kern="1200">
-                <a:solidFill>
-                  <a:schemeClr val="tx1"/>
-                </a:solidFill>
-                <a:latin typeface="+mn-lt"/>
-                <a:ea typeface="+mn-ea"/>
-                <a:cs typeface="+mn-cs"/>
-              </a:defRPr>
-            </a:lvl9pPr>
-          </a:lstStyle>
-          <a:p>
-            <a:pPr marL="0" indent="0">
-              <a:buNone/>
-            </a:pPr>
-            <a:r>
-              <a:rPr lang="en-GB" dirty="0"/>
-              <a:t>Basic logical operators: The truth table below defines the AND </a:t>
-            </a:r>
-            <a:r>
-              <a:rPr lang="en-GB" dirty="0" err="1"/>
-              <a:t>and</a:t>
-            </a:r>
-            <a:r>
-              <a:rPr lang="en-GB" dirty="0"/>
-              <a:t> OR functions, where </a:t>
-            </a:r>
-            <a:r>
-              <a:rPr lang="en-GB" dirty="0">
-                <a:solidFill>
-                  <a:srgbClr val="FF0000"/>
-                </a:solidFill>
-              </a:rPr>
-              <a:t>T</a:t>
-            </a:r>
-            <a:r>
-              <a:rPr lang="en-GB" dirty="0"/>
-              <a:t> denotes </a:t>
-            </a:r>
-            <a:r>
-              <a:rPr lang="en-GB" dirty="0">
-                <a:solidFill>
-                  <a:srgbClr val="FF0000"/>
-                </a:solidFill>
-              </a:rPr>
-              <a:t>True</a:t>
-            </a:r>
-            <a:r>
-              <a:rPr lang="en-GB" dirty="0"/>
-              <a:t> and </a:t>
-            </a:r>
-            <a:r>
-              <a:rPr lang="en-GB" dirty="0">
-                <a:solidFill>
-                  <a:srgbClr val="FF0000"/>
-                </a:solidFill>
-              </a:rPr>
-              <a:t>F</a:t>
-            </a:r>
-            <a:r>
-              <a:rPr lang="en-GB" dirty="0"/>
-              <a:t> denotes </a:t>
-            </a:r>
-            <a:r>
-              <a:rPr lang="en-GB" dirty="0">
-                <a:solidFill>
-                  <a:srgbClr val="FF0000"/>
-                </a:solidFill>
-              </a:rPr>
-              <a:t>False</a:t>
-            </a:r>
-            <a:r>
-              <a:rPr lang="en-GB" dirty="0"/>
-              <a:t>.</a:t>
-            </a:r>
-          </a:p>
-          <a:p>
-            <a:pPr marL="0" indent="0">
-              <a:buNone/>
-            </a:pPr>
-            <a:endParaRPr lang="en-GB" dirty="0"/>
-          </a:p>
-          <a:p>
-            <a:pPr marL="0" indent="0">
-              <a:buNone/>
-            </a:pPr>
-            <a:endParaRPr lang="en-GB" dirty="0"/>
-          </a:p>
-          <a:p>
-            <a:pPr marL="0" indent="0">
-              <a:buNone/>
-            </a:pPr>
-            <a:endParaRPr lang="en-GB" dirty="0"/>
-          </a:p>
-          <a:p>
-            <a:pPr marL="0" indent="0">
-              <a:buNone/>
-            </a:pPr>
-            <a:endParaRPr lang="en-GB" dirty="0"/>
-          </a:p>
-          <a:p>
-            <a:pPr marL="0" indent="0">
-              <a:buNone/>
-            </a:pPr>
-            <a:endParaRPr lang="en-GB" dirty="0"/>
-          </a:p>
-          <a:p>
-            <a:pPr marL="0" indent="0">
-              <a:buNone/>
-            </a:pPr>
-            <a:endParaRPr lang="en-GB" dirty="0"/>
-          </a:p>
-          <a:p>
-            <a:pPr marL="0" indent="0">
-              <a:buNone/>
-            </a:pPr>
-            <a:endParaRPr lang="en-GB" dirty="0"/>
-          </a:p>
-          <a:p>
-            <a:pPr marL="0" indent="0">
-              <a:buNone/>
-            </a:pPr>
-            <a:endParaRPr lang="en-GB" dirty="0"/>
-          </a:p>
-          <a:p>
-            <a:pPr marL="0" indent="0">
-              <a:buNone/>
-            </a:pPr>
-            <a:r>
-              <a:rPr lang="en-GB" dirty="0"/>
-              <a:t>Referring to the table, the Boolean statement </a:t>
-            </a:r>
-            <a:r>
-              <a:rPr lang="en-GB" dirty="0">
-                <a:solidFill>
-                  <a:srgbClr val="FF0000"/>
-                </a:solidFill>
-              </a:rPr>
-              <a:t>X.Y</a:t>
-            </a:r>
-            <a:r>
-              <a:rPr lang="en-GB" dirty="0"/>
-              <a:t> evaluates as </a:t>
-            </a:r>
-            <a:r>
-              <a:rPr lang="en-GB" dirty="0">
-                <a:solidFill>
-                  <a:srgbClr val="FF0000"/>
-                </a:solidFill>
-              </a:rPr>
-              <a:t>True</a:t>
-            </a:r>
-            <a:r>
-              <a:rPr lang="en-GB" dirty="0"/>
-              <a:t> if </a:t>
-            </a:r>
-            <a:r>
-              <a:rPr lang="en-GB" dirty="0">
-                <a:solidFill>
-                  <a:srgbClr val="FF0000"/>
-                </a:solidFill>
-              </a:rPr>
-              <a:t>X</a:t>
-            </a:r>
-            <a:r>
-              <a:rPr lang="en-GB" dirty="0"/>
-              <a:t> is </a:t>
-            </a:r>
-            <a:r>
-              <a:rPr lang="en-GB" dirty="0">
-                <a:solidFill>
-                  <a:srgbClr val="FF0000"/>
-                </a:solidFill>
-              </a:rPr>
-              <a:t>True</a:t>
-            </a:r>
-            <a:r>
-              <a:rPr lang="en-GB" dirty="0"/>
-              <a:t> and </a:t>
-            </a:r>
-            <a:r>
-              <a:rPr lang="en-GB" dirty="0">
-                <a:solidFill>
-                  <a:srgbClr val="FF0000"/>
-                </a:solidFill>
-              </a:rPr>
-              <a:t>Y</a:t>
-            </a:r>
-            <a:r>
-              <a:rPr lang="en-GB" dirty="0"/>
-              <a:t> is </a:t>
-            </a:r>
-            <a:r>
-              <a:rPr lang="en-GB" dirty="0">
-                <a:solidFill>
-                  <a:srgbClr val="FF0000"/>
-                </a:solidFill>
-              </a:rPr>
-              <a:t>True</a:t>
-            </a:r>
-            <a:r>
-              <a:rPr lang="en-GB" dirty="0"/>
-              <a:t>. </a:t>
-            </a:r>
-          </a:p>
-          <a:p>
-            <a:pPr marL="0" indent="0">
-              <a:buNone/>
-            </a:pPr>
-            <a:r>
-              <a:rPr lang="en-GB" dirty="0"/>
-              <a:t>If either </a:t>
-            </a:r>
-            <a:r>
-              <a:rPr lang="en-GB" dirty="0">
-                <a:solidFill>
-                  <a:srgbClr val="FF0000"/>
-                </a:solidFill>
-              </a:rPr>
-              <a:t>X</a:t>
-            </a:r>
-            <a:r>
-              <a:rPr lang="en-GB" dirty="0"/>
-              <a:t> and/or </a:t>
-            </a:r>
-            <a:r>
-              <a:rPr lang="en-GB" dirty="0">
-                <a:solidFill>
-                  <a:srgbClr val="FF0000"/>
-                </a:solidFill>
-              </a:rPr>
-              <a:t>Y</a:t>
-            </a:r>
-            <a:r>
-              <a:rPr lang="en-GB" dirty="0"/>
-              <a:t> is </a:t>
-            </a:r>
-            <a:r>
-              <a:rPr lang="en-GB" dirty="0">
-                <a:solidFill>
-                  <a:srgbClr val="FF0000"/>
-                </a:solidFill>
-              </a:rPr>
-              <a:t>False</a:t>
-            </a:r>
-            <a:r>
-              <a:rPr lang="en-GB" dirty="0"/>
-              <a:t>, then the statement </a:t>
-            </a:r>
-            <a:r>
-              <a:rPr lang="en-GB" dirty="0">
-                <a:solidFill>
-                  <a:srgbClr val="FF0000"/>
-                </a:solidFill>
-              </a:rPr>
-              <a:t>X.Y</a:t>
-            </a:r>
-            <a:r>
-              <a:rPr lang="en-GB" dirty="0"/>
-              <a:t> evaluates to </a:t>
-            </a:r>
-            <a:r>
-              <a:rPr lang="en-GB" dirty="0">
-                <a:solidFill>
-                  <a:srgbClr val="FF0000"/>
-                </a:solidFill>
-              </a:rPr>
-              <a:t>False</a:t>
-            </a:r>
-            <a:r>
-              <a:rPr lang="en-GB" dirty="0"/>
-              <a:t>.</a:t>
-            </a:r>
-          </a:p>
-        </p:txBody>
-      </p:sp>
-    </p:spTree>
-    <p:extLst>
-      <p:ext uri="{BB962C8B-B14F-4D97-AF65-F5344CB8AC3E}">
-        <p14:creationId xmlns:p14="http://schemas.microsoft.com/office/powerpoint/2010/main" val="3625232625"/>
       </p:ext>
     </p:extLst>
   </p:cSld>
@@ -14422,7 +10461,6 @@
               <a:rPr lang="en-GB" b="1" dirty="0"/>
               <a:t>Problem Solving</a:t>
             </a:r>
-            <a:endParaRPr lang="en-GB" b="1" dirty="0"/>
           </a:p>
         </p:txBody>
       </p:sp>
@@ -14458,6 +10496,39 @@
       </p:grpSpPr>
       <p:sp>
         <p:nvSpPr>
+          <p:cNvPr id="3" name="Content Placeholder 2"/>
+          <p:cNvSpPr>
+            <a:spLocks noGrp="1"/>
+          </p:cNvSpPr>
+          <p:nvPr>
+            <p:ph idx="1"/>
+          </p:nvPr>
+        </p:nvSpPr>
+        <p:spPr>
+          <a:xfrm>
+            <a:off x="459811" y="1412776"/>
+            <a:ext cx="8229600" cy="4525963"/>
+          </a:xfrm>
+        </p:spPr>
+        <p:txBody>
+          <a:bodyPr>
+            <a:normAutofit/>
+          </a:bodyPr>
+          <a:lstStyle/>
+          <a:p>
+            <a:pPr marL="0" indent="0" algn="ctr">
+              <a:buNone/>
+            </a:pPr>
+            <a:r>
+              <a:rPr lang="en-GB" sz="23900" dirty="0" smtClean="0"/>
+              <a:t>123</a:t>
+            </a:r>
+            <a:endParaRPr lang="en-GB" sz="23900" dirty="0"/>
+          </a:p>
+        </p:txBody>
+      </p:sp>
+      <p:sp>
+        <p:nvSpPr>
           <p:cNvPr id="4" name="Slide Number Placeholder 3"/>
           <p:cNvSpPr>
             <a:spLocks noGrp="1"/>
@@ -14489,78 +10560,10 @@
           </a:p>
         </p:txBody>
       </p:sp>
-      <p:sp>
-        <p:nvSpPr>
-          <p:cNvPr id="3" name="Rectangle 2"/>
-          <p:cNvSpPr/>
-          <p:nvPr/>
-        </p:nvSpPr>
-        <p:spPr>
-          <a:xfrm>
-            <a:off x="323528" y="2996952"/>
-            <a:ext cx="8640960" cy="1077218"/>
-          </a:xfrm>
-          <a:prstGeom prst="rect">
-            <a:avLst/>
-          </a:prstGeom>
-        </p:spPr>
-        <p:txBody>
-          <a:bodyPr wrap="square">
-            <a:spAutoFit/>
-          </a:bodyPr>
-          <a:lstStyle/>
-          <a:p>
-            <a:pPr algn="ctr"/>
-            <a:r>
-              <a:rPr lang="en-GB" sz="3200" b="1" dirty="0" smtClean="0"/>
-              <a:t>A		B		C		D		E		F		G		H		I	...</a:t>
-            </a:r>
-            <a:endParaRPr lang="en-GB" sz="3200" b="1" dirty="0"/>
-          </a:p>
-          <a:p>
-            <a:pPr algn="ctr"/>
-            <a:r>
-              <a:rPr lang="en-GB" sz="3200" b="1" dirty="0" smtClean="0"/>
-              <a:t>65		66		67		68		69		70		71		72		73	 ...</a:t>
-            </a:r>
-            <a:endParaRPr lang="en-GB" sz="3200" b="1" dirty="0"/>
-          </a:p>
-        </p:txBody>
-      </p:sp>
-      <p:sp>
-        <p:nvSpPr>
-          <p:cNvPr id="5" name="Rectangle 4"/>
-          <p:cNvSpPr/>
-          <p:nvPr/>
-        </p:nvSpPr>
-        <p:spPr>
-          <a:xfrm>
-            <a:off x="2123728" y="1108435"/>
-            <a:ext cx="4572000" cy="1200329"/>
-          </a:xfrm>
-          <a:prstGeom prst="rect">
-            <a:avLst/>
-          </a:prstGeom>
-        </p:spPr>
-        <p:txBody>
-          <a:bodyPr>
-            <a:spAutoFit/>
-          </a:bodyPr>
-          <a:lstStyle/>
-          <a:p>
-            <a:pPr algn="ctr"/>
-            <a:r>
-              <a:rPr lang="en-GB" sz="7200" b="1" dirty="0" smtClean="0"/>
-              <a:t>ASCII</a:t>
-            </a:r>
-            <a:endParaRPr lang="en-GB" b="1" dirty="0"/>
-          </a:p>
-        </p:txBody>
-      </p:sp>
     </p:spTree>
     <p:extLst>
       <p:ext uri="{BB962C8B-B14F-4D97-AF65-F5344CB8AC3E}">
-        <p14:creationId xmlns:p14="http://schemas.microsoft.com/office/powerpoint/2010/main" val="3892215879"/>
+        <p14:creationId xmlns:p14="http://schemas.microsoft.com/office/powerpoint/2010/main" val="566828061"/>
       </p:ext>
     </p:extLst>
   </p:cSld>

--- a/week_1/Week 1 Day 1.pptx
+++ b/week_1/Week 1 Day 1.pptx
@@ -9380,9 +9380,14 @@
           <a:bodyPr/>
           <a:lstStyle/>
           <a:p>
+            <a:pPr algn="l"/>
+            <a:r>
+              <a:rPr lang="en-GB" b="1" dirty="0" smtClean="0"/>
+              <a:t>Learning </a:t>
+            </a:r>
             <a:r>
               <a:rPr lang="en-GB" b="1" dirty="0"/>
-              <a:t>Week 1 Learning Objectives</a:t>
+              <a:t>Objectives</a:t>
             </a:r>
           </a:p>
         </p:txBody>
@@ -9673,26 +9678,17 @@
             </a:r>
           </a:p>
           <a:p>
-            <a:pPr marL="914400" lvl="1" indent="-514350">
-              <a:buClr>
-                <a:srgbClr val="FCC235"/>
-              </a:buClr>
-              <a:buFont typeface="Arial" panose="020B0604020202020204" pitchFamily="34" charset="0"/>
-              <a:buChar char="•"/>
-            </a:pPr>
-            <a:r>
-              <a:rPr lang="en-GB" dirty="0"/>
-              <a:t>CU-Harvard referencing guides</a:t>
-            </a:r>
-          </a:p>
-          <a:p>
             <a:pPr marL="514350" indent="-514350">
               <a:buFont typeface="+mj-lt"/>
               <a:buAutoNum type="arabicPeriod"/>
             </a:pPr>
             <a:r>
+              <a:rPr lang="en-GB" dirty="0" smtClean="0"/>
+              <a:t>Boolean </a:t>
+            </a:r>
+            <a:r>
               <a:rPr lang="en-GB" dirty="0"/>
-              <a:t>Boolean algebra and logic. </a:t>
+              <a:t>algebra and logic. </a:t>
             </a:r>
           </a:p>
         </p:txBody>
